--- a/1st_review_slide/4_Advanced_simulation_201009.pptx
+++ b/1st_review_slide/4_Advanced_simulation_201009.pptx
@@ -2781,378 +2781,6 @@
       <dsp:cNvGrpSpPr/>
     </dsp:nvGrpSpPr>
     <dsp:grpSpPr/>
-    <dsp:sp modelId="{BC40B87C-AD1E-47FC-86EA-1B97142ED498}">
-      <dsp:nvSpPr>
-        <dsp:cNvPr id="0" name=""/>
-        <dsp:cNvSpPr/>
-      </dsp:nvSpPr>
-      <dsp:spPr>
-        <a:xfrm>
-          <a:off x="2081849" y="813040"/>
-          <a:ext cx="1093049" cy="341019"/>
-        </a:xfrm>
-        <a:custGeom>
-          <a:avLst/>
-          <a:gdLst/>
-          <a:ahLst/>
-          <a:cxnLst/>
-          <a:rect l="0" t="0" r="0" b="0"/>
-          <a:pathLst>
-            <a:path>
-              <a:moveTo>
-                <a:pt x="0" y="0"/>
-              </a:moveTo>
-              <a:lnTo>
-                <a:pt x="0" y="170509"/>
-              </a:lnTo>
-              <a:lnTo>
-                <a:pt x="1093049" y="170509"/>
-              </a:lnTo>
-              <a:lnTo>
-                <a:pt x="1093049" y="341019"/>
-              </a:lnTo>
-            </a:path>
-          </a:pathLst>
-        </a:custGeom>
-        <a:noFill/>
-        <a:ln w="12700" cap="flat" cmpd="sng" algn="ctr">
-          <a:solidFill>
-            <a:schemeClr val="accent2">
-              <a:shade val="60000"/>
-              <a:hueOff val="0"/>
-              <a:satOff val="0"/>
-              <a:lumOff val="0"/>
-              <a:alphaOff val="0"/>
-            </a:schemeClr>
-          </a:solidFill>
-          <a:prstDash val="solid"/>
-          <a:miter lim="800000"/>
-        </a:ln>
-        <a:effectLst/>
-      </dsp:spPr>
-      <dsp:style>
-        <a:lnRef idx="2">
-          <a:scrgbClr r="0" g="0" b="0"/>
-        </a:lnRef>
-        <a:fillRef idx="0">
-          <a:scrgbClr r="0" g="0" b="0"/>
-        </a:fillRef>
-        <a:effectRef idx="0">
-          <a:scrgbClr r="0" g="0" b="0"/>
-        </a:effectRef>
-        <a:fontRef idx="minor"/>
-      </dsp:style>
-    </dsp:sp>
-    <dsp:sp modelId="{415DF792-1391-44EA-820A-E05D110585B5}">
-      <dsp:nvSpPr>
-        <dsp:cNvPr id="0" name=""/>
-        <dsp:cNvSpPr/>
-      </dsp:nvSpPr>
-      <dsp:spPr>
-        <a:xfrm>
-          <a:off x="1099387" y="813040"/>
-          <a:ext cx="982461" cy="341019"/>
-        </a:xfrm>
-        <a:custGeom>
-          <a:avLst/>
-          <a:gdLst/>
-          <a:ahLst/>
-          <a:cxnLst/>
-          <a:rect l="0" t="0" r="0" b="0"/>
-          <a:pathLst>
-            <a:path>
-              <a:moveTo>
-                <a:pt x="982461" y="0"/>
-              </a:moveTo>
-              <a:lnTo>
-                <a:pt x="982461" y="170509"/>
-              </a:lnTo>
-              <a:lnTo>
-                <a:pt x="0" y="170509"/>
-              </a:lnTo>
-              <a:lnTo>
-                <a:pt x="0" y="341019"/>
-              </a:lnTo>
-            </a:path>
-          </a:pathLst>
-        </a:custGeom>
-        <a:noFill/>
-        <a:ln w="12700" cap="flat" cmpd="sng" algn="ctr">
-          <a:solidFill>
-            <a:schemeClr val="accent2">
-              <a:shade val="60000"/>
-              <a:hueOff val="0"/>
-              <a:satOff val="0"/>
-              <a:lumOff val="0"/>
-              <a:alphaOff val="0"/>
-            </a:schemeClr>
-          </a:solidFill>
-          <a:prstDash val="solid"/>
-          <a:miter lim="800000"/>
-        </a:ln>
-        <a:effectLst/>
-      </dsp:spPr>
-      <dsp:style>
-        <a:lnRef idx="2">
-          <a:scrgbClr r="0" g="0" b="0"/>
-        </a:lnRef>
-        <a:fillRef idx="0">
-          <a:scrgbClr r="0" g="0" b="0"/>
-        </a:fillRef>
-        <a:effectRef idx="0">
-          <a:scrgbClr r="0" g="0" b="0"/>
-        </a:effectRef>
-        <a:fontRef idx="minor"/>
-      </dsp:style>
-    </dsp:sp>
-    <dsp:sp modelId="{D206A387-5174-40B0-B628-117159033CCA}">
-      <dsp:nvSpPr>
-        <dsp:cNvPr id="0" name=""/>
-        <dsp:cNvSpPr/>
-      </dsp:nvSpPr>
-      <dsp:spPr>
-        <a:xfrm>
-          <a:off x="1269897" y="1088"/>
-          <a:ext cx="1623903" cy="811951"/>
-        </a:xfrm>
-        <a:prstGeom prst="rect">
-          <a:avLst/>
-        </a:prstGeom>
-        <a:solidFill>
-          <a:schemeClr val="lt1">
-            <a:hueOff val="0"/>
-            <a:satOff val="0"/>
-            <a:lumOff val="0"/>
-            <a:alphaOff val="0"/>
-          </a:schemeClr>
-        </a:solidFill>
-        <a:ln w="12700" cap="flat" cmpd="sng" algn="ctr">
-          <a:solidFill>
-            <a:schemeClr val="accent2">
-              <a:shade val="80000"/>
-              <a:hueOff val="0"/>
-              <a:satOff val="0"/>
-              <a:lumOff val="0"/>
-              <a:alphaOff val="0"/>
-            </a:schemeClr>
-          </a:solidFill>
-          <a:prstDash val="solid"/>
-          <a:miter lim="800000"/>
-        </a:ln>
-        <a:effectLst/>
-      </dsp:spPr>
-      <dsp:style>
-        <a:lnRef idx="2">
-          <a:scrgbClr r="0" g="0" b="0"/>
-        </a:lnRef>
-        <a:fillRef idx="1">
-          <a:scrgbClr r="0" g="0" b="0"/>
-        </a:fillRef>
-        <a:effectRef idx="0">
-          <a:scrgbClr r="0" g="0" b="0"/>
-        </a:effectRef>
-        <a:fontRef idx="minor">
-          <a:schemeClr val="lt1"/>
-        </a:fontRef>
-      </dsp:style>
-      <dsp:txBody>
-        <a:bodyPr spcFirstLastPara="0" vert="horz" wrap="square" lIns="11430" tIns="11430" rIns="11430" bIns="11430" numCol="1" spcCol="1270" anchor="ctr" anchorCtr="0">
-          <a:noAutofit/>
-        </a:bodyPr>
-        <a:lstStyle/>
-        <a:p>
-          <a:pPr lvl="0" algn="ctr" defTabSz="800100">
-            <a:lnSpc>
-              <a:spcPct val="90000"/>
-            </a:lnSpc>
-            <a:spcBef>
-              <a:spcPct val="0"/>
-            </a:spcBef>
-            <a:spcAft>
-              <a:spcPct val="35000"/>
-            </a:spcAft>
-          </a:pPr>
-          <a:r>
-            <a:rPr kumimoji="1" lang="en-US" altLang="ja-JP" sz="1800" kern="1200" dirty="0" err="1" smtClean="0"/>
-            <a:t>server.R</a:t>
-          </a:r>
-          <a:endParaRPr kumimoji="1" lang="ja-JP" altLang="en-US" sz="1800" kern="1200" dirty="0"/>
-        </a:p>
-      </dsp:txBody>
-      <dsp:txXfrm>
-        <a:off x="1269897" y="1088"/>
-        <a:ext cx="1623903" cy="811951"/>
-      </dsp:txXfrm>
-    </dsp:sp>
-    <dsp:sp modelId="{2C45F10C-E933-492D-9942-112BAF9BE6DF}">
-      <dsp:nvSpPr>
-        <dsp:cNvPr id="0" name=""/>
-        <dsp:cNvSpPr/>
-      </dsp:nvSpPr>
-      <dsp:spPr>
-        <a:xfrm>
-          <a:off x="176848" y="1154060"/>
-          <a:ext cx="1845079" cy="811951"/>
-        </a:xfrm>
-        <a:prstGeom prst="rect">
-          <a:avLst/>
-        </a:prstGeom>
-        <a:solidFill>
-          <a:schemeClr val="lt1">
-            <a:hueOff val="0"/>
-            <a:satOff val="0"/>
-            <a:lumOff val="0"/>
-            <a:alphaOff val="0"/>
-          </a:schemeClr>
-        </a:solidFill>
-        <a:ln w="12700" cap="flat" cmpd="sng" algn="ctr">
-          <a:solidFill>
-            <a:schemeClr val="accent2">
-              <a:shade val="80000"/>
-              <a:hueOff val="0"/>
-              <a:satOff val="0"/>
-              <a:lumOff val="0"/>
-              <a:alphaOff val="0"/>
-            </a:schemeClr>
-          </a:solidFill>
-          <a:prstDash val="solid"/>
-          <a:miter lim="800000"/>
-        </a:ln>
-        <a:effectLst/>
-      </dsp:spPr>
-      <dsp:style>
-        <a:lnRef idx="2">
-          <a:scrgbClr r="0" g="0" b="0"/>
-        </a:lnRef>
-        <a:fillRef idx="1">
-          <a:scrgbClr r="0" g="0" b="0"/>
-        </a:fillRef>
-        <a:effectRef idx="0">
-          <a:scrgbClr r="0" g="0" b="0"/>
-        </a:effectRef>
-        <a:fontRef idx="minor">
-          <a:schemeClr val="lt1"/>
-        </a:fontRef>
-      </dsp:style>
-      <dsp:txBody>
-        <a:bodyPr spcFirstLastPara="0" vert="horz" wrap="square" lIns="10160" tIns="10160" rIns="10160" bIns="10160" numCol="1" spcCol="1270" anchor="ctr" anchorCtr="0">
-          <a:noAutofit/>
-        </a:bodyPr>
-        <a:lstStyle/>
-        <a:p>
-          <a:pPr lvl="0" algn="ctr" defTabSz="711200">
-            <a:lnSpc>
-              <a:spcPct val="90000"/>
-            </a:lnSpc>
-            <a:spcBef>
-              <a:spcPct val="0"/>
-            </a:spcBef>
-            <a:spcAft>
-              <a:spcPct val="35000"/>
-            </a:spcAft>
-          </a:pPr>
-          <a:r>
-            <a:rPr kumimoji="1" lang="ja-JP" altLang="en-US" sz="1600" kern="1200" dirty="0" smtClean="0"/>
-            <a:t>計算などを実施し、結果を出す</a:t>
-          </a:r>
-          <a:endParaRPr kumimoji="1" lang="ja-JP" altLang="en-US" sz="1600" kern="1200" dirty="0"/>
-        </a:p>
-      </dsp:txBody>
-      <dsp:txXfrm>
-        <a:off x="176848" y="1154060"/>
-        <a:ext cx="1845079" cy="811951"/>
-      </dsp:txXfrm>
-    </dsp:sp>
-    <dsp:sp modelId="{40A63680-0C4B-4654-BD1E-88649ECF0D1B}">
-      <dsp:nvSpPr>
-        <dsp:cNvPr id="0" name=""/>
-        <dsp:cNvSpPr/>
-      </dsp:nvSpPr>
-      <dsp:spPr>
-        <a:xfrm>
-          <a:off x="2362947" y="1154060"/>
-          <a:ext cx="1623903" cy="811951"/>
-        </a:xfrm>
-        <a:prstGeom prst="rect">
-          <a:avLst/>
-        </a:prstGeom>
-        <a:solidFill>
-          <a:schemeClr val="lt1">
-            <a:hueOff val="0"/>
-            <a:satOff val="0"/>
-            <a:lumOff val="0"/>
-            <a:alphaOff val="0"/>
-          </a:schemeClr>
-        </a:solidFill>
-        <a:ln w="12700" cap="flat" cmpd="sng" algn="ctr">
-          <a:solidFill>
-            <a:schemeClr val="accent2">
-              <a:shade val="80000"/>
-              <a:hueOff val="0"/>
-              <a:satOff val="0"/>
-              <a:lumOff val="0"/>
-              <a:alphaOff val="0"/>
-            </a:schemeClr>
-          </a:solidFill>
-          <a:prstDash val="solid"/>
-          <a:miter lim="800000"/>
-        </a:ln>
-        <a:effectLst/>
-      </dsp:spPr>
-      <dsp:style>
-        <a:lnRef idx="2">
-          <a:scrgbClr r="0" g="0" b="0"/>
-        </a:lnRef>
-        <a:fillRef idx="1">
-          <a:scrgbClr r="0" g="0" b="0"/>
-        </a:fillRef>
-        <a:effectRef idx="0">
-          <a:scrgbClr r="0" g="0" b="0"/>
-        </a:effectRef>
-        <a:fontRef idx="minor">
-          <a:schemeClr val="lt1"/>
-        </a:fontRef>
-      </dsp:style>
-      <dsp:txBody>
-        <a:bodyPr spcFirstLastPara="0" vert="horz" wrap="square" lIns="10160" tIns="10160" rIns="10160" bIns="10160" numCol="1" spcCol="1270" anchor="ctr" anchorCtr="0">
-          <a:noAutofit/>
-        </a:bodyPr>
-        <a:lstStyle/>
-        <a:p>
-          <a:pPr lvl="0" algn="ctr" defTabSz="711200">
-            <a:lnSpc>
-              <a:spcPct val="90000"/>
-            </a:lnSpc>
-            <a:spcBef>
-              <a:spcPct val="0"/>
-            </a:spcBef>
-            <a:spcAft>
-              <a:spcPct val="35000"/>
-            </a:spcAft>
-          </a:pPr>
-          <a:r>
-            <a:rPr kumimoji="1" lang="ja-JP" altLang="en-US" sz="1600" kern="1200" dirty="0" smtClean="0"/>
-            <a:t>アウトプット</a:t>
-          </a:r>
-          <a:r>
-            <a:rPr kumimoji="1" lang="en-US" altLang="ja-JP" sz="1600" kern="1200" dirty="0" smtClean="0"/>
-            <a:t/>
-          </a:r>
-          <a:br>
-            <a:rPr kumimoji="1" lang="en-US" altLang="ja-JP" sz="1600" kern="1200" dirty="0" smtClean="0"/>
-          </a:br>
-          <a:r>
-            <a:rPr kumimoji="1" lang="ja-JP" altLang="en-US" sz="1600" kern="1200" dirty="0" smtClean="0"/>
-            <a:t>を作成</a:t>
-          </a:r>
-          <a:endParaRPr kumimoji="1" lang="en-US" altLang="ja-JP" sz="1600" kern="1200" dirty="0" smtClean="0"/>
-        </a:p>
-      </dsp:txBody>
-      <dsp:txXfrm>
-        <a:off x="2362947" y="1154060"/>
-        <a:ext cx="1623903" cy="811951"/>
-      </dsp:txXfrm>
-    </dsp:sp>
   </dsp:spTree>
 </dsp:drawing>
 </file>
@@ -3165,513 +2793,6 @@
       <dsp:cNvGrpSpPr/>
     </dsp:nvGrpSpPr>
     <dsp:grpSpPr/>
-    <dsp:sp modelId="{BC40B87C-AD1E-47FC-86EA-1B97142ED498}">
-      <dsp:nvSpPr>
-        <dsp:cNvPr id="0" name=""/>
-        <dsp:cNvSpPr/>
-      </dsp:nvSpPr>
-      <dsp:spPr>
-        <a:xfrm>
-          <a:off x="2591092" y="1065057"/>
-          <a:ext cx="1833216" cy="318161"/>
-        </a:xfrm>
-        <a:custGeom>
-          <a:avLst/>
-          <a:gdLst/>
-          <a:ahLst/>
-          <a:cxnLst/>
-          <a:rect l="0" t="0" r="0" b="0"/>
-          <a:pathLst>
-            <a:path>
-              <a:moveTo>
-                <a:pt x="0" y="0"/>
-              </a:moveTo>
-              <a:lnTo>
-                <a:pt x="0" y="159080"/>
-              </a:lnTo>
-              <a:lnTo>
-                <a:pt x="1833216" y="159080"/>
-              </a:lnTo>
-              <a:lnTo>
-                <a:pt x="1833216" y="318161"/>
-              </a:lnTo>
-            </a:path>
-          </a:pathLst>
-        </a:custGeom>
-        <a:noFill/>
-        <a:ln w="12700" cap="flat" cmpd="sng" algn="ctr">
-          <a:solidFill>
-            <a:schemeClr val="accent1">
-              <a:shade val="60000"/>
-              <a:hueOff val="0"/>
-              <a:satOff val="0"/>
-              <a:lumOff val="0"/>
-              <a:alphaOff val="0"/>
-            </a:schemeClr>
-          </a:solidFill>
-          <a:prstDash val="solid"/>
-          <a:miter lim="800000"/>
-        </a:ln>
-        <a:effectLst/>
-      </dsp:spPr>
-      <dsp:style>
-        <a:lnRef idx="2">
-          <a:scrgbClr r="0" g="0" b="0"/>
-        </a:lnRef>
-        <a:fillRef idx="0">
-          <a:scrgbClr r="0" g="0" b="0"/>
-        </a:fillRef>
-        <a:effectRef idx="0">
-          <a:scrgbClr r="0" g="0" b="0"/>
-        </a:effectRef>
-        <a:fontRef idx="minor"/>
-      </dsp:style>
-    </dsp:sp>
-    <dsp:sp modelId="{415DF792-1391-44EA-820A-E05D110585B5}">
-      <dsp:nvSpPr>
-        <dsp:cNvPr id="0" name=""/>
-        <dsp:cNvSpPr/>
-      </dsp:nvSpPr>
-      <dsp:spPr>
-        <a:xfrm>
-          <a:off x="2545372" y="1065057"/>
-          <a:ext cx="91440" cy="318161"/>
-        </a:xfrm>
-        <a:custGeom>
-          <a:avLst/>
-          <a:gdLst/>
-          <a:ahLst/>
-          <a:cxnLst/>
-          <a:rect l="0" t="0" r="0" b="0"/>
-          <a:pathLst>
-            <a:path>
-              <a:moveTo>
-                <a:pt x="45720" y="0"/>
-              </a:moveTo>
-              <a:lnTo>
-                <a:pt x="45720" y="318161"/>
-              </a:lnTo>
-            </a:path>
-          </a:pathLst>
-        </a:custGeom>
-        <a:noFill/>
-        <a:ln w="12700" cap="flat" cmpd="sng" algn="ctr">
-          <a:solidFill>
-            <a:schemeClr val="accent1">
-              <a:shade val="60000"/>
-              <a:hueOff val="0"/>
-              <a:satOff val="0"/>
-              <a:lumOff val="0"/>
-              <a:alphaOff val="0"/>
-            </a:schemeClr>
-          </a:solidFill>
-          <a:prstDash val="solid"/>
-          <a:miter lim="800000"/>
-        </a:ln>
-        <a:effectLst/>
-      </dsp:spPr>
-      <dsp:style>
-        <a:lnRef idx="2">
-          <a:scrgbClr r="0" g="0" b="0"/>
-        </a:lnRef>
-        <a:fillRef idx="0">
-          <a:scrgbClr r="0" g="0" b="0"/>
-        </a:fillRef>
-        <a:effectRef idx="0">
-          <a:scrgbClr r="0" g="0" b="0"/>
-        </a:effectRef>
-        <a:fontRef idx="minor"/>
-      </dsp:style>
-    </dsp:sp>
-    <dsp:sp modelId="{54DE5B61-DC78-4519-B7C1-C4937DC4910D}">
-      <dsp:nvSpPr>
-        <dsp:cNvPr id="0" name=""/>
-        <dsp:cNvSpPr/>
-      </dsp:nvSpPr>
-      <dsp:spPr>
-        <a:xfrm>
-          <a:off x="757875" y="1065057"/>
-          <a:ext cx="1833216" cy="318161"/>
-        </a:xfrm>
-        <a:custGeom>
-          <a:avLst/>
-          <a:gdLst/>
-          <a:ahLst/>
-          <a:cxnLst/>
-          <a:rect l="0" t="0" r="0" b="0"/>
-          <a:pathLst>
-            <a:path>
-              <a:moveTo>
-                <a:pt x="1833216" y="0"/>
-              </a:moveTo>
-              <a:lnTo>
-                <a:pt x="1833216" y="159080"/>
-              </a:lnTo>
-              <a:lnTo>
-                <a:pt x="0" y="159080"/>
-              </a:lnTo>
-              <a:lnTo>
-                <a:pt x="0" y="318161"/>
-              </a:lnTo>
-            </a:path>
-          </a:pathLst>
-        </a:custGeom>
-        <a:noFill/>
-        <a:ln w="12700" cap="flat" cmpd="sng" algn="ctr">
-          <a:solidFill>
-            <a:schemeClr val="accent1">
-              <a:shade val="60000"/>
-              <a:hueOff val="0"/>
-              <a:satOff val="0"/>
-              <a:lumOff val="0"/>
-              <a:alphaOff val="0"/>
-            </a:schemeClr>
-          </a:solidFill>
-          <a:prstDash val="solid"/>
-          <a:miter lim="800000"/>
-        </a:ln>
-        <a:effectLst/>
-      </dsp:spPr>
-      <dsp:style>
-        <a:lnRef idx="2">
-          <a:scrgbClr r="0" g="0" b="0"/>
-        </a:lnRef>
-        <a:fillRef idx="0">
-          <a:scrgbClr r="0" g="0" b="0"/>
-        </a:fillRef>
-        <a:effectRef idx="0">
-          <a:scrgbClr r="0" g="0" b="0"/>
-        </a:effectRef>
-        <a:fontRef idx="minor"/>
-      </dsp:style>
-    </dsp:sp>
-    <dsp:sp modelId="{D206A387-5174-40B0-B628-117159033CCA}">
-      <dsp:nvSpPr>
-        <dsp:cNvPr id="0" name=""/>
-        <dsp:cNvSpPr/>
-      </dsp:nvSpPr>
-      <dsp:spPr>
-        <a:xfrm>
-          <a:off x="1833564" y="307529"/>
-          <a:ext cx="1515055" cy="757527"/>
-        </a:xfrm>
-        <a:prstGeom prst="rect">
-          <a:avLst/>
-        </a:prstGeom>
-        <a:solidFill>
-          <a:schemeClr val="lt1">
-            <a:hueOff val="0"/>
-            <a:satOff val="0"/>
-            <a:lumOff val="0"/>
-            <a:alphaOff val="0"/>
-          </a:schemeClr>
-        </a:solidFill>
-        <a:ln w="12700" cap="flat" cmpd="sng" algn="ctr">
-          <a:solidFill>
-            <a:schemeClr val="accent1">
-              <a:shade val="80000"/>
-              <a:hueOff val="0"/>
-              <a:satOff val="0"/>
-              <a:lumOff val="0"/>
-              <a:alphaOff val="0"/>
-            </a:schemeClr>
-          </a:solidFill>
-          <a:prstDash val="solid"/>
-          <a:miter lim="800000"/>
-        </a:ln>
-        <a:effectLst/>
-      </dsp:spPr>
-      <dsp:style>
-        <a:lnRef idx="2">
-          <a:scrgbClr r="0" g="0" b="0"/>
-        </a:lnRef>
-        <a:fillRef idx="1">
-          <a:scrgbClr r="0" g="0" b="0"/>
-        </a:fillRef>
-        <a:effectRef idx="0">
-          <a:scrgbClr r="0" g="0" b="0"/>
-        </a:effectRef>
-        <a:fontRef idx="minor">
-          <a:schemeClr val="lt1"/>
-        </a:fontRef>
-      </dsp:style>
-      <dsp:txBody>
-        <a:bodyPr spcFirstLastPara="0" vert="horz" wrap="square" lIns="11430" tIns="11430" rIns="11430" bIns="11430" numCol="1" spcCol="1270" anchor="ctr" anchorCtr="0">
-          <a:noAutofit/>
-        </a:bodyPr>
-        <a:lstStyle/>
-        <a:p>
-          <a:pPr lvl="0" algn="ctr" defTabSz="800100">
-            <a:lnSpc>
-              <a:spcPct val="90000"/>
-            </a:lnSpc>
-            <a:spcBef>
-              <a:spcPct val="0"/>
-            </a:spcBef>
-            <a:spcAft>
-              <a:spcPct val="35000"/>
-            </a:spcAft>
-          </a:pPr>
-          <a:r>
-            <a:rPr kumimoji="1" lang="en-US" altLang="ja-JP" sz="1800" kern="1200" dirty="0" err="1" smtClean="0"/>
-            <a:t>ui.R</a:t>
-          </a:r>
-          <a:endParaRPr kumimoji="1" lang="ja-JP" altLang="en-US" sz="1800" kern="1200" dirty="0"/>
-        </a:p>
-      </dsp:txBody>
-      <dsp:txXfrm>
-        <a:off x="1833564" y="307529"/>
-        <a:ext cx="1515055" cy="757527"/>
-      </dsp:txXfrm>
-    </dsp:sp>
-    <dsp:sp modelId="{47E76CCF-C692-4D9B-8AD4-89C2BFA3D2ED}">
-      <dsp:nvSpPr>
-        <dsp:cNvPr id="0" name=""/>
-        <dsp:cNvSpPr/>
-      </dsp:nvSpPr>
-      <dsp:spPr>
-        <a:xfrm>
-          <a:off x="347" y="1383218"/>
-          <a:ext cx="1515055" cy="757527"/>
-        </a:xfrm>
-        <a:prstGeom prst="rect">
-          <a:avLst/>
-        </a:prstGeom>
-        <a:solidFill>
-          <a:schemeClr val="lt1">
-            <a:hueOff val="0"/>
-            <a:satOff val="0"/>
-            <a:lumOff val="0"/>
-            <a:alphaOff val="0"/>
-          </a:schemeClr>
-        </a:solidFill>
-        <a:ln w="12700" cap="flat" cmpd="sng" algn="ctr">
-          <a:solidFill>
-            <a:schemeClr val="accent1">
-              <a:shade val="80000"/>
-              <a:hueOff val="0"/>
-              <a:satOff val="0"/>
-              <a:lumOff val="0"/>
-              <a:alphaOff val="0"/>
-            </a:schemeClr>
-          </a:solidFill>
-          <a:prstDash val="solid"/>
-          <a:miter lim="800000"/>
-        </a:ln>
-        <a:effectLst/>
-      </dsp:spPr>
-      <dsp:style>
-        <a:lnRef idx="2">
-          <a:scrgbClr r="0" g="0" b="0"/>
-        </a:lnRef>
-        <a:fillRef idx="1">
-          <a:scrgbClr r="0" g="0" b="0"/>
-        </a:fillRef>
-        <a:effectRef idx="0">
-          <a:scrgbClr r="0" g="0" b="0"/>
-        </a:effectRef>
-        <a:fontRef idx="minor">
-          <a:schemeClr val="lt1"/>
-        </a:fontRef>
-      </dsp:style>
-      <dsp:txBody>
-        <a:bodyPr spcFirstLastPara="0" vert="horz" wrap="square" lIns="11430" tIns="11430" rIns="11430" bIns="11430" numCol="1" spcCol="1270" anchor="ctr" anchorCtr="0">
-          <a:noAutofit/>
-        </a:bodyPr>
-        <a:lstStyle/>
-        <a:p>
-          <a:pPr lvl="0" algn="ctr" defTabSz="800100">
-            <a:lnSpc>
-              <a:spcPct val="90000"/>
-            </a:lnSpc>
-            <a:spcBef>
-              <a:spcPct val="0"/>
-            </a:spcBef>
-            <a:spcAft>
-              <a:spcPct val="35000"/>
-            </a:spcAft>
-          </a:pPr>
-          <a:r>
-            <a:rPr kumimoji="1" lang="ja-JP" altLang="en-US" sz="1800" kern="1200" dirty="0" smtClean="0"/>
-            <a:t>レイアウトの</a:t>
-          </a:r>
-          <a:r>
-            <a:rPr kumimoji="1" lang="en-US" altLang="ja-JP" sz="1800" kern="1200" dirty="0" smtClean="0"/>
-            <a:t/>
-          </a:r>
-          <a:br>
-            <a:rPr kumimoji="1" lang="en-US" altLang="ja-JP" sz="1800" kern="1200" dirty="0" smtClean="0"/>
-          </a:br>
-          <a:r>
-            <a:rPr kumimoji="1" lang="ja-JP" altLang="en-US" sz="1800" kern="1200" dirty="0" smtClean="0"/>
-            <a:t>設定</a:t>
-          </a:r>
-          <a:endParaRPr kumimoji="1" lang="ja-JP" altLang="en-US" sz="1800" kern="1200" dirty="0"/>
-        </a:p>
-      </dsp:txBody>
-      <dsp:txXfrm>
-        <a:off x="347" y="1383218"/>
-        <a:ext cx="1515055" cy="757527"/>
-      </dsp:txXfrm>
-    </dsp:sp>
-    <dsp:sp modelId="{2C45F10C-E933-492D-9942-112BAF9BE6DF}">
-      <dsp:nvSpPr>
-        <dsp:cNvPr id="0" name=""/>
-        <dsp:cNvSpPr/>
-      </dsp:nvSpPr>
-      <dsp:spPr>
-        <a:xfrm>
-          <a:off x="1833564" y="1383218"/>
-          <a:ext cx="1515055" cy="757527"/>
-        </a:xfrm>
-        <a:prstGeom prst="rect">
-          <a:avLst/>
-        </a:prstGeom>
-        <a:solidFill>
-          <a:schemeClr val="lt1">
-            <a:hueOff val="0"/>
-            <a:satOff val="0"/>
-            <a:lumOff val="0"/>
-            <a:alphaOff val="0"/>
-          </a:schemeClr>
-        </a:solidFill>
-        <a:ln w="12700" cap="flat" cmpd="sng" algn="ctr">
-          <a:solidFill>
-            <a:schemeClr val="accent1">
-              <a:shade val="80000"/>
-              <a:hueOff val="0"/>
-              <a:satOff val="0"/>
-              <a:lumOff val="0"/>
-              <a:alphaOff val="0"/>
-            </a:schemeClr>
-          </a:solidFill>
-          <a:prstDash val="solid"/>
-          <a:miter lim="800000"/>
-        </a:ln>
-        <a:effectLst/>
-      </dsp:spPr>
-      <dsp:style>
-        <a:lnRef idx="2">
-          <a:scrgbClr r="0" g="0" b="0"/>
-        </a:lnRef>
-        <a:fillRef idx="1">
-          <a:scrgbClr r="0" g="0" b="0"/>
-        </a:fillRef>
-        <a:effectRef idx="0">
-          <a:scrgbClr r="0" g="0" b="0"/>
-        </a:effectRef>
-        <a:fontRef idx="minor">
-          <a:schemeClr val="lt1"/>
-        </a:fontRef>
-      </dsp:style>
-      <dsp:txBody>
-        <a:bodyPr spcFirstLastPara="0" vert="horz" wrap="square" lIns="11430" tIns="11430" rIns="11430" bIns="11430" numCol="1" spcCol="1270" anchor="ctr" anchorCtr="0">
-          <a:noAutofit/>
-        </a:bodyPr>
-        <a:lstStyle/>
-        <a:p>
-          <a:pPr lvl="0" algn="ctr" defTabSz="800100">
-            <a:lnSpc>
-              <a:spcPct val="90000"/>
-            </a:lnSpc>
-            <a:spcBef>
-              <a:spcPct val="0"/>
-            </a:spcBef>
-            <a:spcAft>
-              <a:spcPct val="35000"/>
-            </a:spcAft>
-          </a:pPr>
-          <a:r>
-            <a:rPr kumimoji="1" lang="ja-JP" altLang="en-US" sz="1800" kern="1200" dirty="0" smtClean="0"/>
-            <a:t>ウィジェットの設定</a:t>
-          </a:r>
-          <a:endParaRPr kumimoji="1" lang="ja-JP" altLang="en-US" sz="1800" kern="1200" dirty="0"/>
-        </a:p>
-      </dsp:txBody>
-      <dsp:txXfrm>
-        <a:off x="1833564" y="1383218"/>
-        <a:ext cx="1515055" cy="757527"/>
-      </dsp:txXfrm>
-    </dsp:sp>
-    <dsp:sp modelId="{40A63680-0C4B-4654-BD1E-88649ECF0D1B}">
-      <dsp:nvSpPr>
-        <dsp:cNvPr id="0" name=""/>
-        <dsp:cNvSpPr/>
-      </dsp:nvSpPr>
-      <dsp:spPr>
-        <a:xfrm>
-          <a:off x="3666781" y="1383218"/>
-          <a:ext cx="1515055" cy="757527"/>
-        </a:xfrm>
-        <a:prstGeom prst="rect">
-          <a:avLst/>
-        </a:prstGeom>
-        <a:solidFill>
-          <a:schemeClr val="lt1">
-            <a:hueOff val="0"/>
-            <a:satOff val="0"/>
-            <a:lumOff val="0"/>
-            <a:alphaOff val="0"/>
-          </a:schemeClr>
-        </a:solidFill>
-        <a:ln w="12700" cap="flat" cmpd="sng" algn="ctr">
-          <a:solidFill>
-            <a:schemeClr val="accent1">
-              <a:shade val="80000"/>
-              <a:hueOff val="0"/>
-              <a:satOff val="0"/>
-              <a:lumOff val="0"/>
-              <a:alphaOff val="0"/>
-            </a:schemeClr>
-          </a:solidFill>
-          <a:prstDash val="solid"/>
-          <a:miter lim="800000"/>
-        </a:ln>
-        <a:effectLst/>
-      </dsp:spPr>
-      <dsp:style>
-        <a:lnRef idx="2">
-          <a:scrgbClr r="0" g="0" b="0"/>
-        </a:lnRef>
-        <a:fillRef idx="1">
-          <a:scrgbClr r="0" g="0" b="0"/>
-        </a:fillRef>
-        <a:effectRef idx="0">
-          <a:scrgbClr r="0" g="0" b="0"/>
-        </a:effectRef>
-        <a:fontRef idx="minor">
-          <a:schemeClr val="lt1"/>
-        </a:fontRef>
-      </dsp:style>
-      <dsp:txBody>
-        <a:bodyPr spcFirstLastPara="0" vert="horz" wrap="square" lIns="11430" tIns="11430" rIns="11430" bIns="11430" numCol="1" spcCol="1270" anchor="ctr" anchorCtr="0">
-          <a:noAutofit/>
-        </a:bodyPr>
-        <a:lstStyle/>
-        <a:p>
-          <a:pPr lvl="0" algn="ctr" defTabSz="800100">
-            <a:lnSpc>
-              <a:spcPct val="90000"/>
-            </a:lnSpc>
-            <a:spcBef>
-              <a:spcPct val="0"/>
-            </a:spcBef>
-            <a:spcAft>
-              <a:spcPct val="35000"/>
-            </a:spcAft>
-          </a:pPr>
-          <a:r>
-            <a:rPr kumimoji="1" lang="ja-JP" altLang="en-US" sz="1800" kern="1200" dirty="0" smtClean="0"/>
-            <a:t>アウトプットの設置</a:t>
-          </a:r>
-          <a:endParaRPr kumimoji="1" lang="ja-JP" altLang="en-US" sz="1800" kern="1200" dirty="0"/>
-        </a:p>
-      </dsp:txBody>
-      <dsp:txXfrm>
-        <a:off x="3666781" y="1383218"/>
-        <a:ext cx="1515055" cy="757527"/>
-      </dsp:txXfrm>
-    </dsp:sp>
   </dsp:spTree>
 </dsp:drawing>
 </file>
@@ -11889,56 +11010,6 @@
       </p:grpSpPr>
       <p:sp>
         <p:nvSpPr>
-          <p:cNvPr id="2" name="タイトル 1"/>
-          <p:cNvSpPr>
-            <a:spLocks noGrp="1"/>
-          </p:cNvSpPr>
-          <p:nvPr>
-            <p:ph type="ctrTitle"/>
-          </p:nvPr>
-        </p:nvSpPr>
-        <p:spPr/>
-        <p:txBody>
-          <a:bodyPr anchor="ctr" anchorCtr="0">
-            <a:noAutofit/>
-          </a:bodyPr>
-          <a:lstStyle/>
-          <a:p>
-            <a:r>
-              <a:rPr lang="en-US" altLang="ja-JP" sz="6600" dirty="0" smtClean="0"/>
-              <a:t>Advanced</a:t>
-            </a:r>
-            <a:endParaRPr lang="ja-JP" altLang="en-US" sz="6600" dirty="0"/>
-          </a:p>
-        </p:txBody>
-      </p:sp>
-      <p:sp>
-        <p:nvSpPr>
-          <p:cNvPr id="3" name="サブタイトル 2"/>
-          <p:cNvSpPr>
-            <a:spLocks noGrp="1"/>
-          </p:cNvSpPr>
-          <p:nvPr>
-            <p:ph type="subTitle" idx="1"/>
-          </p:nvPr>
-        </p:nvSpPr>
-        <p:spPr/>
-        <p:txBody>
-          <a:bodyPr anchor="ctr" anchorCtr="0">
-            <a:normAutofit/>
-          </a:bodyPr>
-          <a:lstStyle/>
-          <a:p>
-            <a:r>
-              <a:rPr lang="ja-JP" altLang="en-US" u="sng" dirty="0"/>
-              <a:t>シミュレーション</a:t>
-            </a:r>
-            <a:endParaRPr kumimoji="1" lang="ja-JP" altLang="en-US" u="sng" dirty="0"/>
-          </a:p>
-        </p:txBody>
-      </p:sp>
-      <p:sp>
-        <p:nvSpPr>
           <p:cNvPr id="4" name="スライド番号プレースホルダー 3"/>
           <p:cNvSpPr>
             <a:spLocks noGrp="1"/>
@@ -11996,6 +11067,110 @@
               <a:t>Pharmacometrics</a:t>
             </a:r>
             <a:endParaRPr kumimoji="1" lang="ja-JP" altLang="en-US" dirty="0"/>
+          </a:p>
+        </p:txBody>
+      </p:sp>
+      <p:sp>
+        <p:nvSpPr>
+          <p:cNvPr id="7" name="タイトル 1"/>
+          <p:cNvSpPr txBox="1">
+            <a:spLocks/>
+          </p:cNvSpPr>
+          <p:nvPr/>
+        </p:nvSpPr>
+        <p:spPr>
+          <a:xfrm>
+            <a:off x="831851" y="1709740"/>
+            <a:ext cx="10515600" cy="2852737"/>
+          </a:xfrm>
+          <a:prstGeom prst="rect">
+            <a:avLst/>
+          </a:prstGeom>
+        </p:spPr>
+        <p:txBody>
+          <a:bodyPr vert="horz" lIns="91440" tIns="45720" rIns="91440" bIns="45720" rtlCol="0" anchor="ctr" anchorCtr="0">
+            <a:noAutofit/>
+          </a:bodyPr>
+          <a:lstStyle>
+            <a:lvl1pPr algn="ctr" defTabSz="914400" rtl="0" eaLnBrk="1" latinLnBrk="0" hangingPunct="1">
+              <a:lnSpc>
+                <a:spcPct val="90000"/>
+              </a:lnSpc>
+              <a:spcBef>
+                <a:spcPct val="0"/>
+              </a:spcBef>
+              <a:buNone/>
+              <a:defRPr kumimoji="1" sz="6000" kern="1200">
+                <a:solidFill>
+                  <a:schemeClr val="tx1"/>
+                </a:solidFill>
+                <a:latin typeface="+mj-lt"/>
+                <a:ea typeface="+mj-ea"/>
+                <a:cs typeface="+mj-cs"/>
+              </a:defRPr>
+            </a:lvl1pPr>
+          </a:lstStyle>
+          <a:p>
+            <a:r>
+              <a:rPr lang="en-US" altLang="ja-JP" sz="6600" b="1" dirty="0" smtClean="0">
+                <a:solidFill>
+                  <a:schemeClr val="tx1">
+                    <a:lumMod val="50000"/>
+                    <a:lumOff val="50000"/>
+                  </a:schemeClr>
+                </a:solidFill>
+              </a:rPr>
+              <a:t>Advanced:</a:t>
+            </a:r>
+            <a:r>
+              <a:rPr lang="ja-JP" altLang="en-US" sz="6600" b="1" dirty="0" smtClean="0">
+                <a:solidFill>
+                  <a:schemeClr val="tx1">
+                    <a:lumMod val="50000"/>
+                    <a:lumOff val="50000"/>
+                  </a:schemeClr>
+                </a:solidFill>
+              </a:rPr>
+              <a:t> </a:t>
+            </a:r>
+            <a:r>
+              <a:rPr lang="en-US" altLang="ja-JP" sz="6600" b="1" dirty="0" smtClean="0">
+                <a:solidFill>
+                  <a:schemeClr val="tx1">
+                    <a:lumMod val="50000"/>
+                    <a:lumOff val="50000"/>
+                  </a:schemeClr>
+                </a:solidFill>
+              </a:rPr>
+              <a:t>Simulation</a:t>
+            </a:r>
+            <a:endParaRPr lang="ja-JP" altLang="en-US" sz="6600" b="1" dirty="0">
+              <a:solidFill>
+                <a:schemeClr val="tx1">
+                  <a:lumMod val="50000"/>
+                  <a:lumOff val="50000"/>
+                </a:schemeClr>
+              </a:solidFill>
+            </a:endParaRPr>
+          </a:p>
+        </p:txBody>
+      </p:sp>
+      <p:sp>
+        <p:nvSpPr>
+          <p:cNvPr id="9" name="サブタイトル 8"/>
+          <p:cNvSpPr>
+            <a:spLocks noGrp="1"/>
+          </p:cNvSpPr>
+          <p:nvPr>
+            <p:ph type="subTitle" idx="1"/>
+          </p:nvPr>
+        </p:nvSpPr>
+        <p:spPr/>
+        <p:txBody>
+          <a:bodyPr/>
+          <a:lstStyle/>
+          <a:p>
+            <a:endParaRPr kumimoji="1" lang="ja-JP" altLang="en-US"/>
           </a:p>
         </p:txBody>
       </p:sp>
@@ -12940,11 +12115,7 @@
             <a:pPr algn="ctr"/>
             <a:r>
               <a:rPr kumimoji="1" lang="ja-JP" altLang="en-US" dirty="0" smtClean="0"/>
-              <a:t>自分がパーで勝つ確率は下がるが</a:t>
-            </a:r>
-            <a:r>
-              <a:rPr kumimoji="1" lang="ja-JP" altLang="en-US" dirty="0" smtClean="0"/>
-              <a:t>、</a:t>
+              <a:t>自分がパーで勝つ確率は下がるが、</a:t>
             </a:r>
             <a:r>
               <a:rPr lang="ja-JP" altLang="en-US" dirty="0"/>
@@ -12952,11 +12123,7 @@
             </a:r>
             <a:r>
               <a:rPr kumimoji="1" lang="ja-JP" altLang="en-US" dirty="0" smtClean="0"/>
-              <a:t>が</a:t>
-            </a:r>
-            <a:r>
-              <a:rPr kumimoji="1" lang="ja-JP" altLang="en-US" dirty="0" smtClean="0"/>
-              <a:t>チョキで勝つ確率も下がるので結果的にほぼ等しくなる</a:t>
+              <a:t>がチョキで勝つ確率も下がるので結果的にほぼ等しくなる</a:t>
             </a:r>
             <a:endParaRPr kumimoji="1" lang="ja-JP" altLang="en-US" dirty="0"/>
           </a:p>
@@ -13059,11 +12226,7 @@
           <a:p>
             <a:r>
               <a:rPr lang="ja-JP" altLang="en-US" dirty="0" smtClean="0"/>
-              <a:t>これら</a:t>
-            </a:r>
-            <a:r>
-              <a:rPr lang="ja-JP" altLang="en-US" dirty="0" smtClean="0"/>
-              <a:t>のパッケージは</a:t>
+              <a:t>これらのパッケージは</a:t>
             </a:r>
             <a:endParaRPr lang="en-US" altLang="ja-JP" dirty="0" smtClean="0"/>
           </a:p>
@@ -13083,11 +12246,7 @@
             <a:pPr lvl="1"/>
             <a:r>
               <a:rPr lang="ja-JP" altLang="en-US" dirty="0" smtClean="0"/>
-              <a:t>微分</a:t>
-            </a:r>
-            <a:r>
-              <a:rPr lang="ja-JP" altLang="en-US" dirty="0" smtClean="0"/>
-              <a:t>方程式を扱えるので</a:t>
+              <a:t>微分方程式を扱えるので</a:t>
             </a:r>
             <a:r>
               <a:rPr lang="en-US" altLang="ja-JP" dirty="0" smtClean="0"/>
@@ -16371,11 +15530,7 @@
             </a:r>
             <a:r>
               <a:rPr lang="ja-JP" altLang="en-US" dirty="0" smtClean="0"/>
-              <a:t>腫瘍サイズの変化を気軽に確認できる</a:t>
-            </a:r>
-            <a:r>
-              <a:rPr lang="ja-JP" altLang="en-US" dirty="0" smtClean="0"/>
-              <a:t>。</a:t>
+              <a:t>腫瘍サイズの変化を気軽に確認できる。</a:t>
             </a:r>
             <a:endParaRPr lang="en-US" altLang="ja-JP" dirty="0" smtClean="0"/>
           </a:p>
@@ -17137,7 +16292,7 @@
           <p:cNvPr id="6" name="Picture 4" descr="An external file that holds a picture, illustration, etc.&#10;Object name is PSP4-5-03-g002.jpg">
             <a:extLst>
               <a:ext uri="{FF2B5EF4-FFF2-40B4-BE49-F238E27FC236}">
-                <a16:creationId xmlns="" xmlns:a16="http://schemas.microsoft.com/office/drawing/2014/main" id="{CD12B13C-05CE-43A6-BE42-5F342F19E421}"/>
+                <a16:creationId xmlns:a16="http://schemas.microsoft.com/office/drawing/2014/main" xmlns="" id="{CD12B13C-05CE-43A6-BE42-5F342F19E421}"/>
               </a:ext>
             </a:extLst>
           </p:cNvPr>
@@ -18397,17 +17552,7 @@
                 <a:latin typeface="Arial" panose="020B0604020202020204" pitchFamily="34" charset="0"/>
                 <a:cs typeface="Arial" panose="020B0604020202020204" pitchFamily="34" charset="0"/>
               </a:rPr>
-              <a:t>e84. </a:t>
-            </a:r>
-            <a:r>
-              <a:rPr lang="en-US" altLang="ja-JP" sz="1100" dirty="0" smtClean="0">
-                <a:solidFill>
-                  <a:srgbClr val="212121"/>
-                </a:solidFill>
-                <a:latin typeface="Arial" panose="020B0604020202020204" pitchFamily="34" charset="0"/>
-                <a:cs typeface="Arial" panose="020B0604020202020204" pitchFamily="34" charset="0"/>
-              </a:rPr>
-              <a:t>2013</a:t>
+              <a:t>e84. 2013</a:t>
             </a:r>
           </a:p>
           <a:p>

--- a/1st_review_slide/4_Advanced_simulation_201009.pptx
+++ b/1st_review_slide/4_Advanced_simulation_201009.pptx
@@ -134,6 +134,116 @@
     </p:ext>
   </p:extLst>
 </p:presentation>
+</file>
+
+<file path=ppt/commentAuthors.xml><?xml version="1.0" encoding="utf-8"?>
+<p:cmAuthorLst xmlns:a="http://schemas.openxmlformats.org/drawingml/2006/main" xmlns:r="http://schemas.openxmlformats.org/officeDocument/2006/relationships" xmlns:p="http://schemas.openxmlformats.org/presentationml/2006/main">
+  <p:cmAuthor id="1" name="智啓 佐々木" initials="智啓" lastIdx="7" clrIdx="0">
+    <p:extLst>
+      <p:ext uri="{19B8F6BF-5375-455C-9EA6-DF929625EA0E}">
+        <p15:presenceInfo xmlns:p15="http://schemas.microsoft.com/office/powerpoint/2012/main" userId="2d1fa89a17887f8c" providerId="Windows Live"/>
+      </p:ext>
+    </p:extLst>
+  </p:cmAuthor>
+</p:cmAuthorLst>
+</file>
+
+<file path=ppt/comments/comment1.xml><?xml version="1.0" encoding="utf-8"?>
+<p:cmLst xmlns:a="http://schemas.openxmlformats.org/drawingml/2006/main" xmlns:r="http://schemas.openxmlformats.org/officeDocument/2006/relationships" xmlns:p="http://schemas.openxmlformats.org/presentationml/2006/main">
+  <p:cm authorId="1" dt="2020-10-10T09:32:43.990" idx="6">
+    <p:pos x="495" y="222"/>
+    <p:text>タイトルあったほうが良いですかね。
+”グリコのシミュレーションのRコード”</p:text>
+    <p:extLst>
+      <p:ext uri="{C676402C-5697-4E1C-873F-D02D1690AC5C}">
+        <p15:threadingInfo xmlns:p15="http://schemas.microsoft.com/office/powerpoint/2012/main" timeZoneBias="-540"/>
+      </p:ext>
+    </p:extLst>
+  </p:cm>
+</p:cmLst>
+</file>
+
+<file path=ppt/comments/comment2.xml><?xml version="1.0" encoding="utf-8"?>
+<p:cmLst xmlns:a="http://schemas.openxmlformats.org/drawingml/2006/main" xmlns:r="http://schemas.openxmlformats.org/officeDocument/2006/relationships" xmlns:p="http://schemas.openxmlformats.org/presentationml/2006/main">
+  <p:cm authorId="1" dt="2020-10-10T09:28:29.717" idx="4">
+    <p:pos x="5012" y="2642"/>
+    <p:text>こんな感じで絵も合わせて示したほうがわかりやすいかと思いました。勝って喜んでる表情とかあるといいんですけど、そんなのありますかね？</p:text>
+    <p:extLst>
+      <p:ext uri="{C676402C-5697-4E1C-873F-D02D1690AC5C}">
+        <p15:threadingInfo xmlns:p15="http://schemas.microsoft.com/office/powerpoint/2012/main" timeZoneBias="-540"/>
+      </p:ext>
+    </p:extLst>
+  </p:cm>
+</p:cmLst>
+</file>
+
+<file path=ppt/comments/comment3.xml><?xml version="1.0" encoding="utf-8"?>
+<p:cmLst xmlns:a="http://schemas.openxmlformats.org/drawingml/2006/main" xmlns:r="http://schemas.openxmlformats.org/officeDocument/2006/relationships" xmlns:p="http://schemas.openxmlformats.org/presentationml/2006/main">
+  <p:cm authorId="1" dt="2020-10-10T09:30:29.870" idx="5">
+    <p:pos x="2243" y="3254"/>
+    <p:text>速度比較などあればなお良いですね。</p:text>
+    <p:extLst>
+      <p:ext uri="{C676402C-5697-4E1C-873F-D02D1690AC5C}">
+        <p15:threadingInfo xmlns:p15="http://schemas.microsoft.com/office/powerpoint/2012/main" timeZoneBias="-540"/>
+      </p:ext>
+    </p:extLst>
+  </p:cm>
+</p:cmLst>
+</file>
+
+<file path=ppt/comments/comment4.xml><?xml version="1.0" encoding="utf-8"?>
+<p:cmLst xmlns:a="http://schemas.openxmlformats.org/drawingml/2006/main" xmlns:r="http://schemas.openxmlformats.org/officeDocument/2006/relationships" xmlns:p="http://schemas.openxmlformats.org/presentationml/2006/main">
+  <p:cm authorId="1" dt="2020-10-10T09:15:22.453" idx="1">
+    <p:pos x="1444" y="981"/>
+    <p:text>RxODEは最近のversionだと複数患者のシミュレーションもfor使わずにできるので、2つ目のbulletはmrgsolveの2つ目とおなじになるかと思いました。
+NONMEMのoutputもxpose使えばできるけど、まあそれはRxODE単体の性能ではないので、その点でmrgsolveのほうが良いんでしょうね（自分はRxODEユーザーだけど）。あとはinputの記載方法がmrgsolveのほうがNONMEM likeなところもとっつきやすいんですかね。</p:text>
+    <p:extLst>
+      <p:ext uri="{C676402C-5697-4E1C-873F-D02D1690AC5C}">
+        <p15:threadingInfo xmlns:p15="http://schemas.microsoft.com/office/powerpoint/2012/main" timeZoneBias="-540"/>
+      </p:ext>
+    </p:extLst>
+  </p:cm>
+</p:cmLst>
+</file>
+
+<file path=ppt/comments/comment5.xml><?xml version="1.0" encoding="utf-8"?>
+<p:cmLst xmlns:a="http://schemas.openxmlformats.org/drawingml/2006/main" xmlns:r="http://schemas.openxmlformats.org/officeDocument/2006/relationships" xmlns:p="http://schemas.openxmlformats.org/presentationml/2006/main">
+  <p:cm authorId="1" dt="2020-10-10T09:20:13.398" idx="2">
+    <p:pos x="1616" y="1630"/>
+    <p:text>もう一個、この女の人が自分でやってみるというのも可能になるので、そこも書いてみては？スペースがあればですが。。</p:text>
+    <p:extLst>
+      <p:ext uri="{C676402C-5697-4E1C-873F-D02D1690AC5C}">
+        <p15:threadingInfo xmlns:p15="http://schemas.microsoft.com/office/powerpoint/2012/main" timeZoneBias="-540"/>
+      </p:ext>
+    </p:extLst>
+  </p:cm>
+</p:cmLst>
+</file>
+
+<file path=ppt/comments/comment6.xml><?xml version="1.0" encoding="utf-8"?>
+<p:cmLst xmlns:a="http://schemas.openxmlformats.org/drawingml/2006/main" xmlns:r="http://schemas.openxmlformats.org/officeDocument/2006/relationships" xmlns:p="http://schemas.openxmlformats.org/presentationml/2006/main">
+  <p:cm authorId="1" dt="2020-10-10T09:21:25.180" idx="3">
+    <p:pos x="699" y="857"/>
+    <p:text>細かいですが、
+・シミュレーションはPMxに限らず，身近な話題でも幅広く活用できる手法です。
+・2つ目のPKのはいらない
+と思いました。</p:text>
+    <p:extLst>
+      <p:ext uri="{C676402C-5697-4E1C-873F-D02D1690AC5C}">
+        <p15:threadingInfo xmlns:p15="http://schemas.microsoft.com/office/powerpoint/2012/main" timeZoneBias="-540"/>
+      </p:ext>
+    </p:extLst>
+  </p:cm>
+  <p:cm authorId="1" dt="2020-10-10T09:34:19.771" idx="7">
+    <p:pos x="1086" y="2996"/>
+    <p:text>最後に次回以降こんなのやるかも。。という予告しといても良いかもしれないですね。やるかは決まってないとは思いますが。</p:text>
+    <p:extLst>
+      <p:ext uri="{C676402C-5697-4E1C-873F-D02D1690AC5C}">
+        <p15:threadingInfo xmlns:p15="http://schemas.microsoft.com/office/powerpoint/2012/main" timeZoneBias="-540"/>
+      </p:ext>
+    </p:extLst>
+  </p:cm>
+</p:cmLst>
 </file>
 
 <file path=ppt/diagrams/colors1.xml><?xml version="1.0" encoding="utf-8"?>
@@ -1772,7 +1882,7 @@
         <a:lstStyle/>
         <a:p>
           <a:r>
-            <a:rPr kumimoji="1" lang="en-US" altLang="ja-JP" sz="1800" dirty="0" err="1" smtClean="0"/>
+            <a:rPr kumimoji="1" lang="en-US" altLang="ja-JP" sz="1800" dirty="0" err="1"/>
             <a:t>server.R</a:t>
           </a:r>
           <a:endParaRPr kumimoji="1" lang="ja-JP" altLang="en-US" sz="1800" dirty="0"/>
@@ -1809,10 +1919,9 @@
         <a:lstStyle/>
         <a:p>
           <a:r>
-            <a:rPr kumimoji="1" lang="ja-JP" altLang="en-US" sz="1600" dirty="0" smtClean="0"/>
+            <a:rPr kumimoji="1" lang="ja-JP" altLang="en-US" sz="1600" dirty="0"/>
             <a:t>計算などを実施し、結果を出す</a:t>
           </a:r>
-          <a:endParaRPr kumimoji="1" lang="ja-JP" altLang="en-US" sz="1600" dirty="0"/>
         </a:p>
       </dgm:t>
     </dgm:pt>
@@ -1846,21 +1955,17 @@
         <a:lstStyle/>
         <a:p>
           <a:r>
-            <a:rPr kumimoji="1" lang="ja-JP" altLang="en-US" sz="1600" dirty="0" smtClean="0"/>
+            <a:rPr kumimoji="1" lang="ja-JP" altLang="en-US" sz="1600" dirty="0"/>
             <a:t>アウトプット</a:t>
           </a:r>
-          <a:r>
-            <a:rPr kumimoji="1" lang="en-US" altLang="ja-JP" sz="1600" dirty="0" smtClean="0"/>
-            <a:t/>
-          </a:r>
           <a:br>
-            <a:rPr kumimoji="1" lang="en-US" altLang="ja-JP" sz="1600" dirty="0" smtClean="0"/>
+            <a:rPr kumimoji="1" lang="en-US" altLang="ja-JP" sz="1600" dirty="0"/>
           </a:br>
           <a:r>
-            <a:rPr kumimoji="1" lang="ja-JP" altLang="en-US" sz="1600" dirty="0" smtClean="0"/>
+            <a:rPr kumimoji="1" lang="ja-JP" altLang="en-US" sz="1600" dirty="0"/>
             <a:t>を作成</a:t>
           </a:r>
-          <a:endParaRPr kumimoji="1" lang="en-US" altLang="ja-JP" sz="1600" dirty="0" smtClean="0"/>
+          <a:endParaRPr kumimoji="1" lang="en-US" altLang="ja-JP" sz="1600" dirty="0"/>
         </a:p>
       </dgm:t>
     </dgm:pt>
@@ -1898,13 +2003,6 @@
         </dgm:presLayoutVars>
       </dgm:prSet>
       <dgm:spPr/>
-      <dgm:t>
-        <a:bodyPr/>
-        <a:lstStyle/>
-        <a:p>
-          <a:endParaRPr kumimoji="1" lang="ja-JP" altLang="en-US"/>
-        </a:p>
-      </dgm:t>
     </dgm:pt>
     <dgm:pt modelId="{3FCFE795-28F4-4DCE-B257-23F98F3D9021}" type="pres">
       <dgm:prSet presAssocID="{1025E5B2-7A8A-4ED3-A208-00072E0A699B}" presName="hierRoot1" presStyleCnt="0">
@@ -1913,24 +2011,10 @@
         </dgm:presLayoutVars>
       </dgm:prSet>
       <dgm:spPr/>
-      <dgm:t>
-        <a:bodyPr/>
-        <a:lstStyle/>
-        <a:p>
-          <a:endParaRPr kumimoji="1" lang="ja-JP" altLang="en-US"/>
-        </a:p>
-      </dgm:t>
     </dgm:pt>
     <dgm:pt modelId="{E1F672A3-44E1-450B-B0F6-774D1E18A5C1}" type="pres">
       <dgm:prSet presAssocID="{1025E5B2-7A8A-4ED3-A208-00072E0A699B}" presName="rootComposite1" presStyleCnt="0"/>
       <dgm:spPr/>
-      <dgm:t>
-        <a:bodyPr/>
-        <a:lstStyle/>
-        <a:p>
-          <a:endParaRPr kumimoji="1" lang="ja-JP" altLang="en-US"/>
-        </a:p>
-      </dgm:t>
     </dgm:pt>
     <dgm:pt modelId="{D206A387-5174-40B0-B628-117159033CCA}" type="pres">
       <dgm:prSet presAssocID="{1025E5B2-7A8A-4ED3-A208-00072E0A699B}" presName="rootText1" presStyleLbl="node0" presStyleIdx="0" presStyleCnt="1">
@@ -1939,46 +2023,18 @@
         </dgm:presLayoutVars>
       </dgm:prSet>
       <dgm:spPr/>
-      <dgm:t>
-        <a:bodyPr/>
-        <a:lstStyle/>
-        <a:p>
-          <a:endParaRPr kumimoji="1" lang="ja-JP" altLang="en-US"/>
-        </a:p>
-      </dgm:t>
     </dgm:pt>
     <dgm:pt modelId="{642CA78D-05BE-4642-BF9E-21432BF66DD7}" type="pres">
       <dgm:prSet presAssocID="{1025E5B2-7A8A-4ED3-A208-00072E0A699B}" presName="rootConnector1" presStyleLbl="node1" presStyleIdx="0" presStyleCnt="0"/>
       <dgm:spPr/>
-      <dgm:t>
-        <a:bodyPr/>
-        <a:lstStyle/>
-        <a:p>
-          <a:endParaRPr kumimoji="1" lang="ja-JP" altLang="en-US"/>
-        </a:p>
-      </dgm:t>
     </dgm:pt>
     <dgm:pt modelId="{F821BC8E-451D-4331-ACC1-0D9E1B8656B7}" type="pres">
       <dgm:prSet presAssocID="{1025E5B2-7A8A-4ED3-A208-00072E0A699B}" presName="hierChild2" presStyleCnt="0"/>
       <dgm:spPr/>
-      <dgm:t>
-        <a:bodyPr/>
-        <a:lstStyle/>
-        <a:p>
-          <a:endParaRPr kumimoji="1" lang="ja-JP" altLang="en-US"/>
-        </a:p>
-      </dgm:t>
     </dgm:pt>
     <dgm:pt modelId="{415DF792-1391-44EA-820A-E05D110585B5}" type="pres">
       <dgm:prSet presAssocID="{64DECFBB-E17A-4F4A-B069-1C241AF5E92C}" presName="Name37" presStyleLbl="parChTrans1D2" presStyleIdx="0" presStyleCnt="2"/>
       <dgm:spPr/>
-      <dgm:t>
-        <a:bodyPr/>
-        <a:lstStyle/>
-        <a:p>
-          <a:endParaRPr kumimoji="1" lang="ja-JP" altLang="en-US"/>
-        </a:p>
-      </dgm:t>
     </dgm:pt>
     <dgm:pt modelId="{DFF3B6CE-9494-4674-8316-17C3B2DFC23D}" type="pres">
       <dgm:prSet presAssocID="{46E4609F-B08F-4711-9B9B-990BCBC15613}" presName="hierRoot2" presStyleCnt="0">
@@ -1987,24 +2043,10 @@
         </dgm:presLayoutVars>
       </dgm:prSet>
       <dgm:spPr/>
-      <dgm:t>
-        <a:bodyPr/>
-        <a:lstStyle/>
-        <a:p>
-          <a:endParaRPr kumimoji="1" lang="ja-JP" altLang="en-US"/>
-        </a:p>
-      </dgm:t>
     </dgm:pt>
     <dgm:pt modelId="{D671828C-8584-416A-BCE8-62DC15489E4A}" type="pres">
       <dgm:prSet presAssocID="{46E4609F-B08F-4711-9B9B-990BCBC15613}" presName="rootComposite" presStyleCnt="0"/>
       <dgm:spPr/>
-      <dgm:t>
-        <a:bodyPr/>
-        <a:lstStyle/>
-        <a:p>
-          <a:endParaRPr kumimoji="1" lang="ja-JP" altLang="en-US"/>
-        </a:p>
-      </dgm:t>
     </dgm:pt>
     <dgm:pt modelId="{2C45F10C-E933-492D-9942-112BAF9BE6DF}" type="pres">
       <dgm:prSet presAssocID="{46E4609F-B08F-4711-9B9B-990BCBC15613}" presName="rootText" presStyleLbl="node2" presStyleIdx="0" presStyleCnt="2" custScaleX="113620">
@@ -2013,57 +2055,22 @@
         </dgm:presLayoutVars>
       </dgm:prSet>
       <dgm:spPr/>
-      <dgm:t>
-        <a:bodyPr/>
-        <a:lstStyle/>
-        <a:p>
-          <a:endParaRPr kumimoji="1" lang="ja-JP" altLang="en-US"/>
-        </a:p>
-      </dgm:t>
     </dgm:pt>
     <dgm:pt modelId="{E082C7B4-D543-4B36-B9E1-73848796EE58}" type="pres">
       <dgm:prSet presAssocID="{46E4609F-B08F-4711-9B9B-990BCBC15613}" presName="rootConnector" presStyleLbl="node2" presStyleIdx="0" presStyleCnt="2"/>
       <dgm:spPr/>
-      <dgm:t>
-        <a:bodyPr/>
-        <a:lstStyle/>
-        <a:p>
-          <a:endParaRPr kumimoji="1" lang="ja-JP" altLang="en-US"/>
-        </a:p>
-      </dgm:t>
     </dgm:pt>
     <dgm:pt modelId="{DFDF9CE5-A19C-4C36-8EA4-73C529FE8843}" type="pres">
       <dgm:prSet presAssocID="{46E4609F-B08F-4711-9B9B-990BCBC15613}" presName="hierChild4" presStyleCnt="0"/>
       <dgm:spPr/>
-      <dgm:t>
-        <a:bodyPr/>
-        <a:lstStyle/>
-        <a:p>
-          <a:endParaRPr kumimoji="1" lang="ja-JP" altLang="en-US"/>
-        </a:p>
-      </dgm:t>
     </dgm:pt>
     <dgm:pt modelId="{964700DE-36CA-43F5-AE33-C9ABF1199E02}" type="pres">
       <dgm:prSet presAssocID="{46E4609F-B08F-4711-9B9B-990BCBC15613}" presName="hierChild5" presStyleCnt="0"/>
       <dgm:spPr/>
-      <dgm:t>
-        <a:bodyPr/>
-        <a:lstStyle/>
-        <a:p>
-          <a:endParaRPr kumimoji="1" lang="ja-JP" altLang="en-US"/>
-        </a:p>
-      </dgm:t>
     </dgm:pt>
     <dgm:pt modelId="{BC40B87C-AD1E-47FC-86EA-1B97142ED498}" type="pres">
       <dgm:prSet presAssocID="{A0317733-37D3-407C-90FF-A7EF32EC9315}" presName="Name37" presStyleLbl="parChTrans1D2" presStyleIdx="1" presStyleCnt="2"/>
       <dgm:spPr/>
-      <dgm:t>
-        <a:bodyPr/>
-        <a:lstStyle/>
-        <a:p>
-          <a:endParaRPr kumimoji="1" lang="ja-JP" altLang="en-US"/>
-        </a:p>
-      </dgm:t>
     </dgm:pt>
     <dgm:pt modelId="{CADD7C38-39D4-4865-AC86-A79F94F7CBB5}" type="pres">
       <dgm:prSet presAssocID="{134DC636-BC4F-4997-8698-79796E244D0D}" presName="hierRoot2" presStyleCnt="0">
@@ -2072,24 +2079,10 @@
         </dgm:presLayoutVars>
       </dgm:prSet>
       <dgm:spPr/>
-      <dgm:t>
-        <a:bodyPr/>
-        <a:lstStyle/>
-        <a:p>
-          <a:endParaRPr kumimoji="1" lang="ja-JP" altLang="en-US"/>
-        </a:p>
-      </dgm:t>
     </dgm:pt>
     <dgm:pt modelId="{A4CEAB6B-630A-4916-AB2F-DA559F259119}" type="pres">
       <dgm:prSet presAssocID="{134DC636-BC4F-4997-8698-79796E244D0D}" presName="rootComposite" presStyleCnt="0"/>
       <dgm:spPr/>
-      <dgm:t>
-        <a:bodyPr/>
-        <a:lstStyle/>
-        <a:p>
-          <a:endParaRPr kumimoji="1" lang="ja-JP" altLang="en-US"/>
-        </a:p>
-      </dgm:t>
     </dgm:pt>
     <dgm:pt modelId="{40A63680-0C4B-4654-BD1E-88649ECF0D1B}" type="pres">
       <dgm:prSet presAssocID="{134DC636-BC4F-4997-8698-79796E244D0D}" presName="rootText" presStyleLbl="node2" presStyleIdx="1" presStyleCnt="2">
@@ -2098,72 +2091,37 @@
         </dgm:presLayoutVars>
       </dgm:prSet>
       <dgm:spPr/>
-      <dgm:t>
-        <a:bodyPr/>
-        <a:lstStyle/>
-        <a:p>
-          <a:endParaRPr kumimoji="1" lang="ja-JP" altLang="en-US"/>
-        </a:p>
-      </dgm:t>
     </dgm:pt>
     <dgm:pt modelId="{976F9D60-1F4B-4225-B8D5-82FA7CB4DAC7}" type="pres">
       <dgm:prSet presAssocID="{134DC636-BC4F-4997-8698-79796E244D0D}" presName="rootConnector" presStyleLbl="node2" presStyleIdx="1" presStyleCnt="2"/>
       <dgm:spPr/>
-      <dgm:t>
-        <a:bodyPr/>
-        <a:lstStyle/>
-        <a:p>
-          <a:endParaRPr kumimoji="1" lang="ja-JP" altLang="en-US"/>
-        </a:p>
-      </dgm:t>
     </dgm:pt>
     <dgm:pt modelId="{0425BA1F-6197-4F83-AC77-02AB80DFE30A}" type="pres">
       <dgm:prSet presAssocID="{134DC636-BC4F-4997-8698-79796E244D0D}" presName="hierChild4" presStyleCnt="0"/>
       <dgm:spPr/>
-      <dgm:t>
-        <a:bodyPr/>
-        <a:lstStyle/>
-        <a:p>
-          <a:endParaRPr kumimoji="1" lang="ja-JP" altLang="en-US"/>
-        </a:p>
-      </dgm:t>
     </dgm:pt>
     <dgm:pt modelId="{4D39FFFF-0306-4ACD-8FF3-4FDFA092BBA8}" type="pres">
       <dgm:prSet presAssocID="{134DC636-BC4F-4997-8698-79796E244D0D}" presName="hierChild5" presStyleCnt="0"/>
       <dgm:spPr/>
-      <dgm:t>
-        <a:bodyPr/>
-        <a:lstStyle/>
-        <a:p>
-          <a:endParaRPr kumimoji="1" lang="ja-JP" altLang="en-US"/>
-        </a:p>
-      </dgm:t>
     </dgm:pt>
     <dgm:pt modelId="{5F3CC8F5-5F9C-47EA-9B6F-E18B51D125F7}" type="pres">
       <dgm:prSet presAssocID="{1025E5B2-7A8A-4ED3-A208-00072E0A699B}" presName="hierChild3" presStyleCnt="0"/>
       <dgm:spPr/>
-      <dgm:t>
-        <a:bodyPr/>
-        <a:lstStyle/>
-        <a:p>
-          <a:endParaRPr kumimoji="1" lang="ja-JP" altLang="en-US"/>
-        </a:p>
-      </dgm:t>
     </dgm:pt>
   </dgm:ptLst>
   <dgm:cxnLst>
+    <dgm:cxn modelId="{AAF52F1C-4C40-45A5-91E7-D8E079F26A1E}" type="presOf" srcId="{46E4609F-B08F-4711-9B9B-990BCBC15613}" destId="{2C45F10C-E933-492D-9942-112BAF9BE6DF}" srcOrd="0" destOrd="0" presId="urn:microsoft.com/office/officeart/2005/8/layout/orgChart1"/>
+    <dgm:cxn modelId="{DD0CCE27-024D-4E41-A668-09FFAB0EFAEA}" srcId="{348D42BF-81D8-461D-96B3-375C5FC0D1C4}" destId="{1025E5B2-7A8A-4ED3-A208-00072E0A699B}" srcOrd="0" destOrd="0" parTransId="{CD5A9E03-90FE-4123-A84B-C1BCA1C58862}" sibTransId="{D3C4FF53-391E-4044-B0BB-5C277E87EAF4}"/>
+    <dgm:cxn modelId="{FD5A2367-2168-4959-8AA6-DFC39970AE47}" type="presOf" srcId="{134DC636-BC4F-4997-8698-79796E244D0D}" destId="{40A63680-0C4B-4654-BD1E-88649ECF0D1B}" srcOrd="0" destOrd="0" presId="urn:microsoft.com/office/officeart/2005/8/layout/orgChart1"/>
+    <dgm:cxn modelId="{AC9B5249-D0FE-4295-BFFE-A2BE1E5D8CAB}" type="presOf" srcId="{134DC636-BC4F-4997-8698-79796E244D0D}" destId="{976F9D60-1F4B-4225-B8D5-82FA7CB4DAC7}" srcOrd="1" destOrd="0" presId="urn:microsoft.com/office/officeart/2005/8/layout/orgChart1"/>
+    <dgm:cxn modelId="{E83A084F-5C07-4FE0-9499-4A547B777A43}" type="presOf" srcId="{1025E5B2-7A8A-4ED3-A208-00072E0A699B}" destId="{642CA78D-05BE-4642-BF9E-21432BF66DD7}" srcOrd="1" destOrd="0" presId="urn:microsoft.com/office/officeart/2005/8/layout/orgChart1"/>
+    <dgm:cxn modelId="{53537F52-6FA8-4F78-BE42-03C30AD0DDAD}" type="presOf" srcId="{64DECFBB-E17A-4F4A-B069-1C241AF5E92C}" destId="{415DF792-1391-44EA-820A-E05D110585B5}" srcOrd="0" destOrd="0" presId="urn:microsoft.com/office/officeart/2005/8/layout/orgChart1"/>
+    <dgm:cxn modelId="{69929073-C882-4017-9F11-BEF9BB55F0BA}" srcId="{1025E5B2-7A8A-4ED3-A208-00072E0A699B}" destId="{46E4609F-B08F-4711-9B9B-990BCBC15613}" srcOrd="0" destOrd="0" parTransId="{64DECFBB-E17A-4F4A-B069-1C241AF5E92C}" sibTransId="{E6113D43-A64A-4332-A96C-15A83DB21940}"/>
+    <dgm:cxn modelId="{C6CE5D76-1A3F-4867-A711-BF350BC8253C}" srcId="{1025E5B2-7A8A-4ED3-A208-00072E0A699B}" destId="{134DC636-BC4F-4997-8698-79796E244D0D}" srcOrd="1" destOrd="0" parTransId="{A0317733-37D3-407C-90FF-A7EF32EC9315}" sibTransId="{C765A176-3248-4587-B545-F86E377AFBC5}"/>
+    <dgm:cxn modelId="{82233FA2-E669-4256-B5CA-CAAF8392A32B}" type="presOf" srcId="{46E4609F-B08F-4711-9B9B-990BCBC15613}" destId="{E082C7B4-D543-4B36-B9E1-73848796EE58}" srcOrd="1" destOrd="0" presId="urn:microsoft.com/office/officeart/2005/8/layout/orgChart1"/>
+    <dgm:cxn modelId="{3AAB17C8-1D0F-43D4-B050-686F71F7E608}" type="presOf" srcId="{1025E5B2-7A8A-4ED3-A208-00072E0A699B}" destId="{D206A387-5174-40B0-B628-117159033CCA}" srcOrd="0" destOrd="0" presId="urn:microsoft.com/office/officeart/2005/8/layout/orgChart1"/>
+    <dgm:cxn modelId="{C39FB8DA-F7E1-4473-B354-6BB4F865AF2B}" type="presOf" srcId="{348D42BF-81D8-461D-96B3-375C5FC0D1C4}" destId="{59F57934-8801-468D-BB66-AA0295DA33D6}" srcOrd="0" destOrd="0" presId="urn:microsoft.com/office/officeart/2005/8/layout/orgChart1"/>
     <dgm:cxn modelId="{16CA31E8-6FD0-4755-9225-EC97E362A3DF}" type="presOf" srcId="{A0317733-37D3-407C-90FF-A7EF32EC9315}" destId="{BC40B87C-AD1E-47FC-86EA-1B97142ED498}" srcOrd="0" destOrd="0" presId="urn:microsoft.com/office/officeart/2005/8/layout/orgChart1"/>
-    <dgm:cxn modelId="{53537F52-6FA8-4F78-BE42-03C30AD0DDAD}" type="presOf" srcId="{64DECFBB-E17A-4F4A-B069-1C241AF5E92C}" destId="{415DF792-1391-44EA-820A-E05D110585B5}" srcOrd="0" destOrd="0" presId="urn:microsoft.com/office/officeart/2005/8/layout/orgChart1"/>
-    <dgm:cxn modelId="{DD0CCE27-024D-4E41-A668-09FFAB0EFAEA}" srcId="{348D42BF-81D8-461D-96B3-375C5FC0D1C4}" destId="{1025E5B2-7A8A-4ED3-A208-00072E0A699B}" srcOrd="0" destOrd="0" parTransId="{CD5A9E03-90FE-4123-A84B-C1BCA1C58862}" sibTransId="{D3C4FF53-391E-4044-B0BB-5C277E87EAF4}"/>
-    <dgm:cxn modelId="{3AAB17C8-1D0F-43D4-B050-686F71F7E608}" type="presOf" srcId="{1025E5B2-7A8A-4ED3-A208-00072E0A699B}" destId="{D206A387-5174-40B0-B628-117159033CCA}" srcOrd="0" destOrd="0" presId="urn:microsoft.com/office/officeart/2005/8/layout/orgChart1"/>
-    <dgm:cxn modelId="{AC9B5249-D0FE-4295-BFFE-A2BE1E5D8CAB}" type="presOf" srcId="{134DC636-BC4F-4997-8698-79796E244D0D}" destId="{976F9D60-1F4B-4225-B8D5-82FA7CB4DAC7}" srcOrd="1" destOrd="0" presId="urn:microsoft.com/office/officeart/2005/8/layout/orgChart1"/>
-    <dgm:cxn modelId="{69929073-C882-4017-9F11-BEF9BB55F0BA}" srcId="{1025E5B2-7A8A-4ED3-A208-00072E0A699B}" destId="{46E4609F-B08F-4711-9B9B-990BCBC15613}" srcOrd="0" destOrd="0" parTransId="{64DECFBB-E17A-4F4A-B069-1C241AF5E92C}" sibTransId="{E6113D43-A64A-4332-A96C-15A83DB21940}"/>
-    <dgm:cxn modelId="{FD5A2367-2168-4959-8AA6-DFC39970AE47}" type="presOf" srcId="{134DC636-BC4F-4997-8698-79796E244D0D}" destId="{40A63680-0C4B-4654-BD1E-88649ECF0D1B}" srcOrd="0" destOrd="0" presId="urn:microsoft.com/office/officeart/2005/8/layout/orgChart1"/>
-    <dgm:cxn modelId="{AAF52F1C-4C40-45A5-91E7-D8E079F26A1E}" type="presOf" srcId="{46E4609F-B08F-4711-9B9B-990BCBC15613}" destId="{2C45F10C-E933-492D-9942-112BAF9BE6DF}" srcOrd="0" destOrd="0" presId="urn:microsoft.com/office/officeart/2005/8/layout/orgChart1"/>
-    <dgm:cxn modelId="{E83A084F-5C07-4FE0-9499-4A547B777A43}" type="presOf" srcId="{1025E5B2-7A8A-4ED3-A208-00072E0A699B}" destId="{642CA78D-05BE-4642-BF9E-21432BF66DD7}" srcOrd="1" destOrd="0" presId="urn:microsoft.com/office/officeart/2005/8/layout/orgChart1"/>
-    <dgm:cxn modelId="{C39FB8DA-F7E1-4473-B354-6BB4F865AF2B}" type="presOf" srcId="{348D42BF-81D8-461D-96B3-375C5FC0D1C4}" destId="{59F57934-8801-468D-BB66-AA0295DA33D6}" srcOrd="0" destOrd="0" presId="urn:microsoft.com/office/officeart/2005/8/layout/orgChart1"/>
-    <dgm:cxn modelId="{82233FA2-E669-4256-B5CA-CAAF8392A32B}" type="presOf" srcId="{46E4609F-B08F-4711-9B9B-990BCBC15613}" destId="{E082C7B4-D543-4B36-B9E1-73848796EE58}" srcOrd="1" destOrd="0" presId="urn:microsoft.com/office/officeart/2005/8/layout/orgChart1"/>
-    <dgm:cxn modelId="{C6CE5D76-1A3F-4867-A711-BF350BC8253C}" srcId="{1025E5B2-7A8A-4ED3-A208-00072E0A699B}" destId="{134DC636-BC4F-4997-8698-79796E244D0D}" srcOrd="1" destOrd="0" parTransId="{A0317733-37D3-407C-90FF-A7EF32EC9315}" sibTransId="{C765A176-3248-4587-B545-F86E377AFBC5}"/>
     <dgm:cxn modelId="{5B74E6C2-FE79-4EF6-86C4-017EDFD82F0E}" type="presParOf" srcId="{59F57934-8801-468D-BB66-AA0295DA33D6}" destId="{3FCFE795-28F4-4DCE-B257-23F98F3D9021}" srcOrd="0" destOrd="0" presId="urn:microsoft.com/office/officeart/2005/8/layout/orgChart1"/>
     <dgm:cxn modelId="{4D37C3EA-3038-4BE2-B2E2-B1C6681655AD}" type="presParOf" srcId="{3FCFE795-28F4-4DCE-B257-23F98F3D9021}" destId="{E1F672A3-44E1-450B-B0F6-774D1E18A5C1}" srcOrd="0" destOrd="0" presId="urn:microsoft.com/office/officeart/2005/8/layout/orgChart1"/>
     <dgm:cxn modelId="{351AA30F-B3BE-4E15-BCE0-08C9625D1FB6}" type="presParOf" srcId="{E1F672A3-44E1-450B-B0F6-774D1E18A5C1}" destId="{D206A387-5174-40B0-B628-117159033CCA}" srcOrd="0" destOrd="0" presId="urn:microsoft.com/office/officeart/2005/8/layout/orgChart1"/>
@@ -2217,7 +2175,7 @@
         <a:lstStyle/>
         <a:p>
           <a:r>
-            <a:rPr kumimoji="1" lang="en-US" altLang="ja-JP" sz="1800" dirty="0" err="1" smtClean="0"/>
+            <a:rPr kumimoji="1" lang="en-US" altLang="ja-JP" sz="1800" dirty="0" err="1"/>
             <a:t>ui.R</a:t>
           </a:r>
           <a:endParaRPr kumimoji="1" lang="ja-JP" altLang="en-US" sz="1800" dirty="0"/>
@@ -2254,21 +2212,16 @@
         <a:lstStyle/>
         <a:p>
           <a:r>
-            <a:rPr kumimoji="1" lang="ja-JP" altLang="en-US" sz="1800" dirty="0" smtClean="0"/>
+            <a:rPr kumimoji="1" lang="ja-JP" altLang="en-US" sz="1800" dirty="0"/>
             <a:t>レイアウトの</a:t>
           </a:r>
-          <a:r>
-            <a:rPr kumimoji="1" lang="en-US" altLang="ja-JP" sz="1800" dirty="0" smtClean="0"/>
-            <a:t/>
-          </a:r>
           <a:br>
-            <a:rPr kumimoji="1" lang="en-US" altLang="ja-JP" sz="1800" dirty="0" smtClean="0"/>
+            <a:rPr kumimoji="1" lang="en-US" altLang="ja-JP" sz="1800" dirty="0"/>
           </a:br>
           <a:r>
-            <a:rPr kumimoji="1" lang="ja-JP" altLang="en-US" sz="1800" dirty="0" smtClean="0"/>
+            <a:rPr kumimoji="1" lang="ja-JP" altLang="en-US" sz="1800" dirty="0"/>
             <a:t>設定</a:t>
           </a:r>
-          <a:endParaRPr kumimoji="1" lang="ja-JP" altLang="en-US" sz="1800" dirty="0"/>
         </a:p>
       </dgm:t>
     </dgm:pt>
@@ -2302,10 +2255,9 @@
         <a:lstStyle/>
         <a:p>
           <a:r>
-            <a:rPr kumimoji="1" lang="ja-JP" altLang="en-US" sz="1800" dirty="0" smtClean="0"/>
+            <a:rPr kumimoji="1" lang="ja-JP" altLang="en-US" sz="1800" dirty="0"/>
             <a:t>ウィジェットの設定</a:t>
           </a:r>
-          <a:endParaRPr kumimoji="1" lang="ja-JP" altLang="en-US" sz="1800" dirty="0"/>
         </a:p>
       </dgm:t>
     </dgm:pt>
@@ -2339,10 +2291,9 @@
         <a:lstStyle/>
         <a:p>
           <a:r>
-            <a:rPr kumimoji="1" lang="ja-JP" altLang="en-US" sz="1800" dirty="0" smtClean="0"/>
+            <a:rPr kumimoji="1" lang="ja-JP" altLang="en-US" sz="1800" dirty="0"/>
             <a:t>アウトプットの設置</a:t>
           </a:r>
-          <a:endParaRPr kumimoji="1" lang="ja-JP" altLang="en-US" sz="1800" dirty="0"/>
         </a:p>
       </dgm:t>
     </dgm:pt>
@@ -2380,13 +2331,6 @@
         </dgm:presLayoutVars>
       </dgm:prSet>
       <dgm:spPr/>
-      <dgm:t>
-        <a:bodyPr/>
-        <a:lstStyle/>
-        <a:p>
-          <a:endParaRPr kumimoji="1" lang="ja-JP" altLang="en-US"/>
-        </a:p>
-      </dgm:t>
     </dgm:pt>
     <dgm:pt modelId="{3FCFE795-28F4-4DCE-B257-23F98F3D9021}" type="pres">
       <dgm:prSet presAssocID="{1025E5B2-7A8A-4ED3-A208-00072E0A699B}" presName="hierRoot1" presStyleCnt="0">
@@ -2395,24 +2339,10 @@
         </dgm:presLayoutVars>
       </dgm:prSet>
       <dgm:spPr/>
-      <dgm:t>
-        <a:bodyPr/>
-        <a:lstStyle/>
-        <a:p>
-          <a:endParaRPr kumimoji="1" lang="ja-JP" altLang="en-US"/>
-        </a:p>
-      </dgm:t>
     </dgm:pt>
     <dgm:pt modelId="{E1F672A3-44E1-450B-B0F6-774D1E18A5C1}" type="pres">
       <dgm:prSet presAssocID="{1025E5B2-7A8A-4ED3-A208-00072E0A699B}" presName="rootComposite1" presStyleCnt="0"/>
       <dgm:spPr/>
-      <dgm:t>
-        <a:bodyPr/>
-        <a:lstStyle/>
-        <a:p>
-          <a:endParaRPr kumimoji="1" lang="ja-JP" altLang="en-US"/>
-        </a:p>
-      </dgm:t>
     </dgm:pt>
     <dgm:pt modelId="{D206A387-5174-40B0-B628-117159033CCA}" type="pres">
       <dgm:prSet presAssocID="{1025E5B2-7A8A-4ED3-A208-00072E0A699B}" presName="rootText1" presStyleLbl="node0" presStyleIdx="0" presStyleCnt="1">
@@ -2421,46 +2351,18 @@
         </dgm:presLayoutVars>
       </dgm:prSet>
       <dgm:spPr/>
-      <dgm:t>
-        <a:bodyPr/>
-        <a:lstStyle/>
-        <a:p>
-          <a:endParaRPr kumimoji="1" lang="ja-JP" altLang="en-US"/>
-        </a:p>
-      </dgm:t>
     </dgm:pt>
     <dgm:pt modelId="{642CA78D-05BE-4642-BF9E-21432BF66DD7}" type="pres">
       <dgm:prSet presAssocID="{1025E5B2-7A8A-4ED3-A208-00072E0A699B}" presName="rootConnector1" presStyleLbl="node1" presStyleIdx="0" presStyleCnt="0"/>
       <dgm:spPr/>
-      <dgm:t>
-        <a:bodyPr/>
-        <a:lstStyle/>
-        <a:p>
-          <a:endParaRPr kumimoji="1" lang="ja-JP" altLang="en-US"/>
-        </a:p>
-      </dgm:t>
     </dgm:pt>
     <dgm:pt modelId="{F821BC8E-451D-4331-ACC1-0D9E1B8656B7}" type="pres">
       <dgm:prSet presAssocID="{1025E5B2-7A8A-4ED3-A208-00072E0A699B}" presName="hierChild2" presStyleCnt="0"/>
       <dgm:spPr/>
-      <dgm:t>
-        <a:bodyPr/>
-        <a:lstStyle/>
-        <a:p>
-          <a:endParaRPr kumimoji="1" lang="ja-JP" altLang="en-US"/>
-        </a:p>
-      </dgm:t>
     </dgm:pt>
     <dgm:pt modelId="{54DE5B61-DC78-4519-B7C1-C4937DC4910D}" type="pres">
       <dgm:prSet presAssocID="{685A9930-0EAC-4025-AD3E-A05DC3E224E2}" presName="Name37" presStyleLbl="parChTrans1D2" presStyleIdx="0" presStyleCnt="3"/>
       <dgm:spPr/>
-      <dgm:t>
-        <a:bodyPr/>
-        <a:lstStyle/>
-        <a:p>
-          <a:endParaRPr kumimoji="1" lang="ja-JP" altLang="en-US"/>
-        </a:p>
-      </dgm:t>
     </dgm:pt>
     <dgm:pt modelId="{9D8251DA-DEEB-45F2-A06E-E0C06A9EC4C9}" type="pres">
       <dgm:prSet presAssocID="{9933850E-8335-4643-AC33-6F78A12AAE73}" presName="hierRoot2" presStyleCnt="0">
@@ -2469,24 +2371,10 @@
         </dgm:presLayoutVars>
       </dgm:prSet>
       <dgm:spPr/>
-      <dgm:t>
-        <a:bodyPr/>
-        <a:lstStyle/>
-        <a:p>
-          <a:endParaRPr kumimoji="1" lang="ja-JP" altLang="en-US"/>
-        </a:p>
-      </dgm:t>
     </dgm:pt>
     <dgm:pt modelId="{001F051C-543D-4696-A017-97682DE49D59}" type="pres">
       <dgm:prSet presAssocID="{9933850E-8335-4643-AC33-6F78A12AAE73}" presName="rootComposite" presStyleCnt="0"/>
       <dgm:spPr/>
-      <dgm:t>
-        <a:bodyPr/>
-        <a:lstStyle/>
-        <a:p>
-          <a:endParaRPr kumimoji="1" lang="ja-JP" altLang="en-US"/>
-        </a:p>
-      </dgm:t>
     </dgm:pt>
     <dgm:pt modelId="{47E76CCF-C692-4D9B-8AD4-89C2BFA3D2ED}" type="pres">
       <dgm:prSet presAssocID="{9933850E-8335-4643-AC33-6F78A12AAE73}" presName="rootText" presStyleLbl="node2" presStyleIdx="0" presStyleCnt="3">
@@ -2495,57 +2383,22 @@
         </dgm:presLayoutVars>
       </dgm:prSet>
       <dgm:spPr/>
-      <dgm:t>
-        <a:bodyPr/>
-        <a:lstStyle/>
-        <a:p>
-          <a:endParaRPr kumimoji="1" lang="ja-JP" altLang="en-US"/>
-        </a:p>
-      </dgm:t>
     </dgm:pt>
     <dgm:pt modelId="{E92FCEF8-854D-4238-8F47-276C2AE19214}" type="pres">
       <dgm:prSet presAssocID="{9933850E-8335-4643-AC33-6F78A12AAE73}" presName="rootConnector" presStyleLbl="node2" presStyleIdx="0" presStyleCnt="3"/>
       <dgm:spPr/>
-      <dgm:t>
-        <a:bodyPr/>
-        <a:lstStyle/>
-        <a:p>
-          <a:endParaRPr kumimoji="1" lang="ja-JP" altLang="en-US"/>
-        </a:p>
-      </dgm:t>
     </dgm:pt>
     <dgm:pt modelId="{5F393139-201F-40D1-884E-689AC5908CF3}" type="pres">
       <dgm:prSet presAssocID="{9933850E-8335-4643-AC33-6F78A12AAE73}" presName="hierChild4" presStyleCnt="0"/>
       <dgm:spPr/>
-      <dgm:t>
-        <a:bodyPr/>
-        <a:lstStyle/>
-        <a:p>
-          <a:endParaRPr kumimoji="1" lang="ja-JP" altLang="en-US"/>
-        </a:p>
-      </dgm:t>
     </dgm:pt>
     <dgm:pt modelId="{EA78AE9B-D0FC-4F02-998E-DC7879585B4E}" type="pres">
       <dgm:prSet presAssocID="{9933850E-8335-4643-AC33-6F78A12AAE73}" presName="hierChild5" presStyleCnt="0"/>
       <dgm:spPr/>
-      <dgm:t>
-        <a:bodyPr/>
-        <a:lstStyle/>
-        <a:p>
-          <a:endParaRPr kumimoji="1" lang="ja-JP" altLang="en-US"/>
-        </a:p>
-      </dgm:t>
     </dgm:pt>
     <dgm:pt modelId="{415DF792-1391-44EA-820A-E05D110585B5}" type="pres">
       <dgm:prSet presAssocID="{64DECFBB-E17A-4F4A-B069-1C241AF5E92C}" presName="Name37" presStyleLbl="parChTrans1D2" presStyleIdx="1" presStyleCnt="3"/>
       <dgm:spPr/>
-      <dgm:t>
-        <a:bodyPr/>
-        <a:lstStyle/>
-        <a:p>
-          <a:endParaRPr kumimoji="1" lang="ja-JP" altLang="en-US"/>
-        </a:p>
-      </dgm:t>
     </dgm:pt>
     <dgm:pt modelId="{DFF3B6CE-9494-4674-8316-17C3B2DFC23D}" type="pres">
       <dgm:prSet presAssocID="{46E4609F-B08F-4711-9B9B-990BCBC15613}" presName="hierRoot2" presStyleCnt="0">
@@ -2554,24 +2407,10 @@
         </dgm:presLayoutVars>
       </dgm:prSet>
       <dgm:spPr/>
-      <dgm:t>
-        <a:bodyPr/>
-        <a:lstStyle/>
-        <a:p>
-          <a:endParaRPr kumimoji="1" lang="ja-JP" altLang="en-US"/>
-        </a:p>
-      </dgm:t>
     </dgm:pt>
     <dgm:pt modelId="{D671828C-8584-416A-BCE8-62DC15489E4A}" type="pres">
       <dgm:prSet presAssocID="{46E4609F-B08F-4711-9B9B-990BCBC15613}" presName="rootComposite" presStyleCnt="0"/>
       <dgm:spPr/>
-      <dgm:t>
-        <a:bodyPr/>
-        <a:lstStyle/>
-        <a:p>
-          <a:endParaRPr kumimoji="1" lang="ja-JP" altLang="en-US"/>
-        </a:p>
-      </dgm:t>
     </dgm:pt>
     <dgm:pt modelId="{2C45F10C-E933-492D-9942-112BAF9BE6DF}" type="pres">
       <dgm:prSet presAssocID="{46E4609F-B08F-4711-9B9B-990BCBC15613}" presName="rootText" presStyleLbl="node2" presStyleIdx="1" presStyleCnt="3">
@@ -2580,57 +2419,22 @@
         </dgm:presLayoutVars>
       </dgm:prSet>
       <dgm:spPr/>
-      <dgm:t>
-        <a:bodyPr/>
-        <a:lstStyle/>
-        <a:p>
-          <a:endParaRPr kumimoji="1" lang="ja-JP" altLang="en-US"/>
-        </a:p>
-      </dgm:t>
     </dgm:pt>
     <dgm:pt modelId="{E082C7B4-D543-4B36-B9E1-73848796EE58}" type="pres">
       <dgm:prSet presAssocID="{46E4609F-B08F-4711-9B9B-990BCBC15613}" presName="rootConnector" presStyleLbl="node2" presStyleIdx="1" presStyleCnt="3"/>
       <dgm:spPr/>
-      <dgm:t>
-        <a:bodyPr/>
-        <a:lstStyle/>
-        <a:p>
-          <a:endParaRPr kumimoji="1" lang="ja-JP" altLang="en-US"/>
-        </a:p>
-      </dgm:t>
     </dgm:pt>
     <dgm:pt modelId="{DFDF9CE5-A19C-4C36-8EA4-73C529FE8843}" type="pres">
       <dgm:prSet presAssocID="{46E4609F-B08F-4711-9B9B-990BCBC15613}" presName="hierChild4" presStyleCnt="0"/>
       <dgm:spPr/>
-      <dgm:t>
-        <a:bodyPr/>
-        <a:lstStyle/>
-        <a:p>
-          <a:endParaRPr kumimoji="1" lang="ja-JP" altLang="en-US"/>
-        </a:p>
-      </dgm:t>
     </dgm:pt>
     <dgm:pt modelId="{964700DE-36CA-43F5-AE33-C9ABF1199E02}" type="pres">
       <dgm:prSet presAssocID="{46E4609F-B08F-4711-9B9B-990BCBC15613}" presName="hierChild5" presStyleCnt="0"/>
       <dgm:spPr/>
-      <dgm:t>
-        <a:bodyPr/>
-        <a:lstStyle/>
-        <a:p>
-          <a:endParaRPr kumimoji="1" lang="ja-JP" altLang="en-US"/>
-        </a:p>
-      </dgm:t>
     </dgm:pt>
     <dgm:pt modelId="{BC40B87C-AD1E-47FC-86EA-1B97142ED498}" type="pres">
       <dgm:prSet presAssocID="{A0317733-37D3-407C-90FF-A7EF32EC9315}" presName="Name37" presStyleLbl="parChTrans1D2" presStyleIdx="2" presStyleCnt="3"/>
       <dgm:spPr/>
-      <dgm:t>
-        <a:bodyPr/>
-        <a:lstStyle/>
-        <a:p>
-          <a:endParaRPr kumimoji="1" lang="ja-JP" altLang="en-US"/>
-        </a:p>
-      </dgm:t>
     </dgm:pt>
     <dgm:pt modelId="{CADD7C38-39D4-4865-AC86-A79F94F7CBB5}" type="pres">
       <dgm:prSet presAssocID="{134DC636-BC4F-4997-8698-79796E244D0D}" presName="hierRoot2" presStyleCnt="0">
@@ -2639,24 +2443,10 @@
         </dgm:presLayoutVars>
       </dgm:prSet>
       <dgm:spPr/>
-      <dgm:t>
-        <a:bodyPr/>
-        <a:lstStyle/>
-        <a:p>
-          <a:endParaRPr kumimoji="1" lang="ja-JP" altLang="en-US"/>
-        </a:p>
-      </dgm:t>
     </dgm:pt>
     <dgm:pt modelId="{A4CEAB6B-630A-4916-AB2F-DA559F259119}" type="pres">
       <dgm:prSet presAssocID="{134DC636-BC4F-4997-8698-79796E244D0D}" presName="rootComposite" presStyleCnt="0"/>
       <dgm:spPr/>
-      <dgm:t>
-        <a:bodyPr/>
-        <a:lstStyle/>
-        <a:p>
-          <a:endParaRPr kumimoji="1" lang="ja-JP" altLang="en-US"/>
-        </a:p>
-      </dgm:t>
     </dgm:pt>
     <dgm:pt modelId="{40A63680-0C4B-4654-BD1E-88649ECF0D1B}" type="pres">
       <dgm:prSet presAssocID="{134DC636-BC4F-4997-8698-79796E244D0D}" presName="rootText" presStyleLbl="node2" presStyleIdx="2" presStyleCnt="3">
@@ -2665,76 +2455,41 @@
         </dgm:presLayoutVars>
       </dgm:prSet>
       <dgm:spPr/>
-      <dgm:t>
-        <a:bodyPr/>
-        <a:lstStyle/>
-        <a:p>
-          <a:endParaRPr kumimoji="1" lang="ja-JP" altLang="en-US"/>
-        </a:p>
-      </dgm:t>
     </dgm:pt>
     <dgm:pt modelId="{976F9D60-1F4B-4225-B8D5-82FA7CB4DAC7}" type="pres">
       <dgm:prSet presAssocID="{134DC636-BC4F-4997-8698-79796E244D0D}" presName="rootConnector" presStyleLbl="node2" presStyleIdx="2" presStyleCnt="3"/>
       <dgm:spPr/>
-      <dgm:t>
-        <a:bodyPr/>
-        <a:lstStyle/>
-        <a:p>
-          <a:endParaRPr kumimoji="1" lang="ja-JP" altLang="en-US"/>
-        </a:p>
-      </dgm:t>
     </dgm:pt>
     <dgm:pt modelId="{0425BA1F-6197-4F83-AC77-02AB80DFE30A}" type="pres">
       <dgm:prSet presAssocID="{134DC636-BC4F-4997-8698-79796E244D0D}" presName="hierChild4" presStyleCnt="0"/>
       <dgm:spPr/>
-      <dgm:t>
-        <a:bodyPr/>
-        <a:lstStyle/>
-        <a:p>
-          <a:endParaRPr kumimoji="1" lang="ja-JP" altLang="en-US"/>
-        </a:p>
-      </dgm:t>
     </dgm:pt>
     <dgm:pt modelId="{4D39FFFF-0306-4ACD-8FF3-4FDFA092BBA8}" type="pres">
       <dgm:prSet presAssocID="{134DC636-BC4F-4997-8698-79796E244D0D}" presName="hierChild5" presStyleCnt="0"/>
       <dgm:spPr/>
-      <dgm:t>
-        <a:bodyPr/>
-        <a:lstStyle/>
-        <a:p>
-          <a:endParaRPr kumimoji="1" lang="ja-JP" altLang="en-US"/>
-        </a:p>
-      </dgm:t>
     </dgm:pt>
     <dgm:pt modelId="{5F3CC8F5-5F9C-47EA-9B6F-E18B51D125F7}" type="pres">
       <dgm:prSet presAssocID="{1025E5B2-7A8A-4ED3-A208-00072E0A699B}" presName="hierChild3" presStyleCnt="0"/>
       <dgm:spPr/>
-      <dgm:t>
-        <a:bodyPr/>
-        <a:lstStyle/>
-        <a:p>
-          <a:endParaRPr kumimoji="1" lang="ja-JP" altLang="en-US"/>
-        </a:p>
-      </dgm:t>
     </dgm:pt>
   </dgm:ptLst>
   <dgm:cxnLst>
+    <dgm:cxn modelId="{015C9F0E-DCFB-4500-9ACF-52F046786CEE}" type="presOf" srcId="{46E4609F-B08F-4711-9B9B-990BCBC15613}" destId="{E082C7B4-D543-4B36-B9E1-73848796EE58}" srcOrd="1" destOrd="0" presId="urn:microsoft.com/office/officeart/2005/8/layout/orgChart1"/>
+    <dgm:cxn modelId="{9327CC24-C18F-464B-9C7B-B93A05388E67}" type="presOf" srcId="{685A9930-0EAC-4025-AD3E-A05DC3E224E2}" destId="{54DE5B61-DC78-4519-B7C1-C4937DC4910D}" srcOrd="0" destOrd="0" presId="urn:microsoft.com/office/officeart/2005/8/layout/orgChart1"/>
+    <dgm:cxn modelId="{DD0CCE27-024D-4E41-A668-09FFAB0EFAEA}" srcId="{348D42BF-81D8-461D-96B3-375C5FC0D1C4}" destId="{1025E5B2-7A8A-4ED3-A208-00072E0A699B}" srcOrd="0" destOrd="0" parTransId="{CD5A9E03-90FE-4123-A84B-C1BCA1C58862}" sibTransId="{D3C4FF53-391E-4044-B0BB-5C277E87EAF4}"/>
+    <dgm:cxn modelId="{6F649229-F65F-4433-B3B7-A785E9F5C066}" type="presOf" srcId="{348D42BF-81D8-461D-96B3-375C5FC0D1C4}" destId="{59F57934-8801-468D-BB66-AA0295DA33D6}" srcOrd="0" destOrd="0" presId="urn:microsoft.com/office/officeart/2005/8/layout/orgChart1"/>
+    <dgm:cxn modelId="{696F5F68-FAFC-43F3-8E34-29878AEC52A7}" type="presOf" srcId="{1025E5B2-7A8A-4ED3-A208-00072E0A699B}" destId="{642CA78D-05BE-4642-BF9E-21432BF66DD7}" srcOrd="1" destOrd="0" presId="urn:microsoft.com/office/officeart/2005/8/layout/orgChart1"/>
+    <dgm:cxn modelId="{69929073-C882-4017-9F11-BEF9BB55F0BA}" srcId="{1025E5B2-7A8A-4ED3-A208-00072E0A699B}" destId="{46E4609F-B08F-4711-9B9B-990BCBC15613}" srcOrd="1" destOrd="0" parTransId="{64DECFBB-E17A-4F4A-B069-1C241AF5E92C}" sibTransId="{E6113D43-A64A-4332-A96C-15A83DB21940}"/>
+    <dgm:cxn modelId="{C6CE5D76-1A3F-4867-A711-BF350BC8253C}" srcId="{1025E5B2-7A8A-4ED3-A208-00072E0A699B}" destId="{134DC636-BC4F-4997-8698-79796E244D0D}" srcOrd="2" destOrd="0" parTransId="{A0317733-37D3-407C-90FF-A7EF32EC9315}" sibTransId="{C765A176-3248-4587-B545-F86E377AFBC5}"/>
+    <dgm:cxn modelId="{2452DD8B-586C-4122-99AE-C4C1DDB5A5EC}" type="presOf" srcId="{64DECFBB-E17A-4F4A-B069-1C241AF5E92C}" destId="{415DF792-1391-44EA-820A-E05D110585B5}" srcOrd="0" destOrd="0" presId="urn:microsoft.com/office/officeart/2005/8/layout/orgChart1"/>
+    <dgm:cxn modelId="{DF169498-224B-475F-BAB8-0F5EC14208D5}" type="presOf" srcId="{134DC636-BC4F-4997-8698-79796E244D0D}" destId="{40A63680-0C4B-4654-BD1E-88649ECF0D1B}" srcOrd="0" destOrd="0" presId="urn:microsoft.com/office/officeart/2005/8/layout/orgChart1"/>
+    <dgm:cxn modelId="{D72F68B0-7938-4509-A638-B8FE4D899BF7}" type="presOf" srcId="{134DC636-BC4F-4997-8698-79796E244D0D}" destId="{976F9D60-1F4B-4225-B8D5-82FA7CB4DAC7}" srcOrd="1" destOrd="0" presId="urn:microsoft.com/office/officeart/2005/8/layout/orgChart1"/>
+    <dgm:cxn modelId="{4B99B6B8-5AA1-497A-86C7-088ABA997CE9}" type="presOf" srcId="{1025E5B2-7A8A-4ED3-A208-00072E0A699B}" destId="{D206A387-5174-40B0-B628-117159033CCA}" srcOrd="0" destOrd="0" presId="urn:microsoft.com/office/officeart/2005/8/layout/orgChart1"/>
+    <dgm:cxn modelId="{2EAFCAD8-59AE-4014-84EC-D266D29F96FD}" type="presOf" srcId="{46E4609F-B08F-4711-9B9B-990BCBC15613}" destId="{2C45F10C-E933-492D-9942-112BAF9BE6DF}" srcOrd="0" destOrd="0" presId="urn:microsoft.com/office/officeart/2005/8/layout/orgChart1"/>
+    <dgm:cxn modelId="{716308E9-928F-4406-B27D-A60D9C3B017E}" type="presOf" srcId="{9933850E-8335-4643-AC33-6F78A12AAE73}" destId="{E92FCEF8-854D-4238-8F47-276C2AE19214}" srcOrd="1" destOrd="0" presId="urn:microsoft.com/office/officeart/2005/8/layout/orgChart1"/>
+    <dgm:cxn modelId="{B127BDE9-91F8-4105-BAD2-176271F54279}" type="presOf" srcId="{9933850E-8335-4643-AC33-6F78A12AAE73}" destId="{47E76CCF-C692-4D9B-8AD4-89C2BFA3D2ED}" srcOrd="0" destOrd="0" presId="urn:microsoft.com/office/officeart/2005/8/layout/orgChart1"/>
+    <dgm:cxn modelId="{57C203F4-C56C-478C-B301-C22C2E3D3247}" type="presOf" srcId="{A0317733-37D3-407C-90FF-A7EF32EC9315}" destId="{BC40B87C-AD1E-47FC-86EA-1B97142ED498}" srcOrd="0" destOrd="0" presId="urn:microsoft.com/office/officeart/2005/8/layout/orgChart1"/>
     <dgm:cxn modelId="{4A9E50F7-CA4A-4B29-A81C-66DD98BE0453}" srcId="{1025E5B2-7A8A-4ED3-A208-00072E0A699B}" destId="{9933850E-8335-4643-AC33-6F78A12AAE73}" srcOrd="0" destOrd="0" parTransId="{685A9930-0EAC-4025-AD3E-A05DC3E224E2}" sibTransId="{8C170907-527D-4BA6-9ABD-04A6DC5A4CB1}"/>
-    <dgm:cxn modelId="{D72F68B0-7938-4509-A638-B8FE4D899BF7}" type="presOf" srcId="{134DC636-BC4F-4997-8698-79796E244D0D}" destId="{976F9D60-1F4B-4225-B8D5-82FA7CB4DAC7}" srcOrd="1" destOrd="0" presId="urn:microsoft.com/office/officeart/2005/8/layout/orgChart1"/>
-    <dgm:cxn modelId="{015C9F0E-DCFB-4500-9ACF-52F046786CEE}" type="presOf" srcId="{46E4609F-B08F-4711-9B9B-990BCBC15613}" destId="{E082C7B4-D543-4B36-B9E1-73848796EE58}" srcOrd="1" destOrd="0" presId="urn:microsoft.com/office/officeart/2005/8/layout/orgChart1"/>
-    <dgm:cxn modelId="{DD0CCE27-024D-4E41-A668-09FFAB0EFAEA}" srcId="{348D42BF-81D8-461D-96B3-375C5FC0D1C4}" destId="{1025E5B2-7A8A-4ED3-A208-00072E0A699B}" srcOrd="0" destOrd="0" parTransId="{CD5A9E03-90FE-4123-A84B-C1BCA1C58862}" sibTransId="{D3C4FF53-391E-4044-B0BB-5C277E87EAF4}"/>
-    <dgm:cxn modelId="{2EAFCAD8-59AE-4014-84EC-D266D29F96FD}" type="presOf" srcId="{46E4609F-B08F-4711-9B9B-990BCBC15613}" destId="{2C45F10C-E933-492D-9942-112BAF9BE6DF}" srcOrd="0" destOrd="0" presId="urn:microsoft.com/office/officeart/2005/8/layout/orgChart1"/>
-    <dgm:cxn modelId="{C6CE5D76-1A3F-4867-A711-BF350BC8253C}" srcId="{1025E5B2-7A8A-4ED3-A208-00072E0A699B}" destId="{134DC636-BC4F-4997-8698-79796E244D0D}" srcOrd="2" destOrd="0" parTransId="{A0317733-37D3-407C-90FF-A7EF32EC9315}" sibTransId="{C765A176-3248-4587-B545-F86E377AFBC5}"/>
-    <dgm:cxn modelId="{696F5F68-FAFC-43F3-8E34-29878AEC52A7}" type="presOf" srcId="{1025E5B2-7A8A-4ED3-A208-00072E0A699B}" destId="{642CA78D-05BE-4642-BF9E-21432BF66DD7}" srcOrd="1" destOrd="0" presId="urn:microsoft.com/office/officeart/2005/8/layout/orgChart1"/>
-    <dgm:cxn modelId="{57C203F4-C56C-478C-B301-C22C2E3D3247}" type="presOf" srcId="{A0317733-37D3-407C-90FF-A7EF32EC9315}" destId="{BC40B87C-AD1E-47FC-86EA-1B97142ED498}" srcOrd="0" destOrd="0" presId="urn:microsoft.com/office/officeart/2005/8/layout/orgChart1"/>
-    <dgm:cxn modelId="{4B99B6B8-5AA1-497A-86C7-088ABA997CE9}" type="presOf" srcId="{1025E5B2-7A8A-4ED3-A208-00072E0A699B}" destId="{D206A387-5174-40B0-B628-117159033CCA}" srcOrd="0" destOrd="0" presId="urn:microsoft.com/office/officeart/2005/8/layout/orgChart1"/>
-    <dgm:cxn modelId="{716308E9-928F-4406-B27D-A60D9C3B017E}" type="presOf" srcId="{9933850E-8335-4643-AC33-6F78A12AAE73}" destId="{E92FCEF8-854D-4238-8F47-276C2AE19214}" srcOrd="1" destOrd="0" presId="urn:microsoft.com/office/officeart/2005/8/layout/orgChart1"/>
-    <dgm:cxn modelId="{2452DD8B-586C-4122-99AE-C4C1DDB5A5EC}" type="presOf" srcId="{64DECFBB-E17A-4F4A-B069-1C241AF5E92C}" destId="{415DF792-1391-44EA-820A-E05D110585B5}" srcOrd="0" destOrd="0" presId="urn:microsoft.com/office/officeart/2005/8/layout/orgChart1"/>
-    <dgm:cxn modelId="{69929073-C882-4017-9F11-BEF9BB55F0BA}" srcId="{1025E5B2-7A8A-4ED3-A208-00072E0A699B}" destId="{46E4609F-B08F-4711-9B9B-990BCBC15613}" srcOrd="1" destOrd="0" parTransId="{64DECFBB-E17A-4F4A-B069-1C241AF5E92C}" sibTransId="{E6113D43-A64A-4332-A96C-15A83DB21940}"/>
-    <dgm:cxn modelId="{9327CC24-C18F-464B-9C7B-B93A05388E67}" type="presOf" srcId="{685A9930-0EAC-4025-AD3E-A05DC3E224E2}" destId="{54DE5B61-DC78-4519-B7C1-C4937DC4910D}" srcOrd="0" destOrd="0" presId="urn:microsoft.com/office/officeart/2005/8/layout/orgChart1"/>
-    <dgm:cxn modelId="{DF169498-224B-475F-BAB8-0F5EC14208D5}" type="presOf" srcId="{134DC636-BC4F-4997-8698-79796E244D0D}" destId="{40A63680-0C4B-4654-BD1E-88649ECF0D1B}" srcOrd="0" destOrd="0" presId="urn:microsoft.com/office/officeart/2005/8/layout/orgChart1"/>
-    <dgm:cxn modelId="{6F649229-F65F-4433-B3B7-A785E9F5C066}" type="presOf" srcId="{348D42BF-81D8-461D-96B3-375C5FC0D1C4}" destId="{59F57934-8801-468D-BB66-AA0295DA33D6}" srcOrd="0" destOrd="0" presId="urn:microsoft.com/office/officeart/2005/8/layout/orgChart1"/>
-    <dgm:cxn modelId="{B127BDE9-91F8-4105-BAD2-176271F54279}" type="presOf" srcId="{9933850E-8335-4643-AC33-6F78A12AAE73}" destId="{47E76CCF-C692-4D9B-8AD4-89C2BFA3D2ED}" srcOrd="0" destOrd="0" presId="urn:microsoft.com/office/officeart/2005/8/layout/orgChart1"/>
     <dgm:cxn modelId="{BA2F7AD3-16E5-4200-865B-1C2B0F553C1A}" type="presParOf" srcId="{59F57934-8801-468D-BB66-AA0295DA33D6}" destId="{3FCFE795-28F4-4DCE-B257-23F98F3D9021}" srcOrd="0" destOrd="0" presId="urn:microsoft.com/office/officeart/2005/8/layout/orgChart1"/>
     <dgm:cxn modelId="{0D391AEC-A7CD-4088-A7B9-C5C6BA1F04EF}" type="presParOf" srcId="{3FCFE795-28F4-4DCE-B257-23F98F3D9021}" destId="{E1F672A3-44E1-450B-B0F6-774D1E18A5C1}" srcOrd="0" destOrd="0" presId="urn:microsoft.com/office/officeart/2005/8/layout/orgChart1"/>
     <dgm:cxn modelId="{1B029F5B-7051-4896-8EB2-DC520A119141}" type="presParOf" srcId="{E1F672A3-44E1-450B-B0F6-774D1E18A5C1}" destId="{D206A387-5174-40B0-B628-117159033CCA}" srcOrd="0" destOrd="0" presId="urn:microsoft.com/office/officeart/2005/8/layout/orgChart1"/>
@@ -2781,6 +2536,376 @@
       <dsp:cNvGrpSpPr/>
     </dsp:nvGrpSpPr>
     <dsp:grpSpPr/>
+    <dsp:sp modelId="{BC40B87C-AD1E-47FC-86EA-1B97142ED498}">
+      <dsp:nvSpPr>
+        <dsp:cNvPr id="0" name=""/>
+        <dsp:cNvSpPr/>
+      </dsp:nvSpPr>
+      <dsp:spPr>
+        <a:xfrm>
+          <a:off x="2081849" y="813040"/>
+          <a:ext cx="1093049" cy="341019"/>
+        </a:xfrm>
+        <a:custGeom>
+          <a:avLst/>
+          <a:gdLst/>
+          <a:ahLst/>
+          <a:cxnLst/>
+          <a:rect l="0" t="0" r="0" b="0"/>
+          <a:pathLst>
+            <a:path>
+              <a:moveTo>
+                <a:pt x="0" y="0"/>
+              </a:moveTo>
+              <a:lnTo>
+                <a:pt x="0" y="170509"/>
+              </a:lnTo>
+              <a:lnTo>
+                <a:pt x="1093049" y="170509"/>
+              </a:lnTo>
+              <a:lnTo>
+                <a:pt x="1093049" y="341019"/>
+              </a:lnTo>
+            </a:path>
+          </a:pathLst>
+        </a:custGeom>
+        <a:noFill/>
+        <a:ln w="12700" cap="flat" cmpd="sng" algn="ctr">
+          <a:solidFill>
+            <a:schemeClr val="accent2">
+              <a:shade val="60000"/>
+              <a:hueOff val="0"/>
+              <a:satOff val="0"/>
+              <a:lumOff val="0"/>
+              <a:alphaOff val="0"/>
+            </a:schemeClr>
+          </a:solidFill>
+          <a:prstDash val="solid"/>
+          <a:miter lim="800000"/>
+        </a:ln>
+        <a:effectLst/>
+      </dsp:spPr>
+      <dsp:style>
+        <a:lnRef idx="2">
+          <a:scrgbClr r="0" g="0" b="0"/>
+        </a:lnRef>
+        <a:fillRef idx="0">
+          <a:scrgbClr r="0" g="0" b="0"/>
+        </a:fillRef>
+        <a:effectRef idx="0">
+          <a:scrgbClr r="0" g="0" b="0"/>
+        </a:effectRef>
+        <a:fontRef idx="minor"/>
+      </dsp:style>
+    </dsp:sp>
+    <dsp:sp modelId="{415DF792-1391-44EA-820A-E05D110585B5}">
+      <dsp:nvSpPr>
+        <dsp:cNvPr id="0" name=""/>
+        <dsp:cNvSpPr/>
+      </dsp:nvSpPr>
+      <dsp:spPr>
+        <a:xfrm>
+          <a:off x="1099387" y="813040"/>
+          <a:ext cx="982461" cy="341019"/>
+        </a:xfrm>
+        <a:custGeom>
+          <a:avLst/>
+          <a:gdLst/>
+          <a:ahLst/>
+          <a:cxnLst/>
+          <a:rect l="0" t="0" r="0" b="0"/>
+          <a:pathLst>
+            <a:path>
+              <a:moveTo>
+                <a:pt x="982461" y="0"/>
+              </a:moveTo>
+              <a:lnTo>
+                <a:pt x="982461" y="170509"/>
+              </a:lnTo>
+              <a:lnTo>
+                <a:pt x="0" y="170509"/>
+              </a:lnTo>
+              <a:lnTo>
+                <a:pt x="0" y="341019"/>
+              </a:lnTo>
+            </a:path>
+          </a:pathLst>
+        </a:custGeom>
+        <a:noFill/>
+        <a:ln w="12700" cap="flat" cmpd="sng" algn="ctr">
+          <a:solidFill>
+            <a:schemeClr val="accent2">
+              <a:shade val="60000"/>
+              <a:hueOff val="0"/>
+              <a:satOff val="0"/>
+              <a:lumOff val="0"/>
+              <a:alphaOff val="0"/>
+            </a:schemeClr>
+          </a:solidFill>
+          <a:prstDash val="solid"/>
+          <a:miter lim="800000"/>
+        </a:ln>
+        <a:effectLst/>
+      </dsp:spPr>
+      <dsp:style>
+        <a:lnRef idx="2">
+          <a:scrgbClr r="0" g="0" b="0"/>
+        </a:lnRef>
+        <a:fillRef idx="0">
+          <a:scrgbClr r="0" g="0" b="0"/>
+        </a:fillRef>
+        <a:effectRef idx="0">
+          <a:scrgbClr r="0" g="0" b="0"/>
+        </a:effectRef>
+        <a:fontRef idx="minor"/>
+      </dsp:style>
+    </dsp:sp>
+    <dsp:sp modelId="{D206A387-5174-40B0-B628-117159033CCA}">
+      <dsp:nvSpPr>
+        <dsp:cNvPr id="0" name=""/>
+        <dsp:cNvSpPr/>
+      </dsp:nvSpPr>
+      <dsp:spPr>
+        <a:xfrm>
+          <a:off x="1269897" y="1088"/>
+          <a:ext cx="1623903" cy="811951"/>
+        </a:xfrm>
+        <a:prstGeom prst="rect">
+          <a:avLst/>
+        </a:prstGeom>
+        <a:solidFill>
+          <a:schemeClr val="lt1">
+            <a:hueOff val="0"/>
+            <a:satOff val="0"/>
+            <a:lumOff val="0"/>
+            <a:alphaOff val="0"/>
+          </a:schemeClr>
+        </a:solidFill>
+        <a:ln w="12700" cap="flat" cmpd="sng" algn="ctr">
+          <a:solidFill>
+            <a:schemeClr val="accent2">
+              <a:shade val="80000"/>
+              <a:hueOff val="0"/>
+              <a:satOff val="0"/>
+              <a:lumOff val="0"/>
+              <a:alphaOff val="0"/>
+            </a:schemeClr>
+          </a:solidFill>
+          <a:prstDash val="solid"/>
+          <a:miter lim="800000"/>
+        </a:ln>
+        <a:effectLst/>
+      </dsp:spPr>
+      <dsp:style>
+        <a:lnRef idx="2">
+          <a:scrgbClr r="0" g="0" b="0"/>
+        </a:lnRef>
+        <a:fillRef idx="1">
+          <a:scrgbClr r="0" g="0" b="0"/>
+        </a:fillRef>
+        <a:effectRef idx="0">
+          <a:scrgbClr r="0" g="0" b="0"/>
+        </a:effectRef>
+        <a:fontRef idx="minor">
+          <a:schemeClr val="lt1"/>
+        </a:fontRef>
+      </dsp:style>
+      <dsp:txBody>
+        <a:bodyPr spcFirstLastPara="0" vert="horz" wrap="square" lIns="11430" tIns="11430" rIns="11430" bIns="11430" numCol="1" spcCol="1270" anchor="ctr" anchorCtr="0">
+          <a:noAutofit/>
+        </a:bodyPr>
+        <a:lstStyle/>
+        <a:p>
+          <a:pPr marL="0" lvl="0" indent="0" algn="ctr" defTabSz="800100">
+            <a:lnSpc>
+              <a:spcPct val="90000"/>
+            </a:lnSpc>
+            <a:spcBef>
+              <a:spcPct val="0"/>
+            </a:spcBef>
+            <a:spcAft>
+              <a:spcPct val="35000"/>
+            </a:spcAft>
+            <a:buNone/>
+          </a:pPr>
+          <a:r>
+            <a:rPr kumimoji="1" lang="en-US" altLang="ja-JP" sz="1800" kern="1200" dirty="0" err="1"/>
+            <a:t>server.R</a:t>
+          </a:r>
+          <a:endParaRPr kumimoji="1" lang="ja-JP" altLang="en-US" sz="1800" kern="1200" dirty="0"/>
+        </a:p>
+      </dsp:txBody>
+      <dsp:txXfrm>
+        <a:off x="1269897" y="1088"/>
+        <a:ext cx="1623903" cy="811951"/>
+      </dsp:txXfrm>
+    </dsp:sp>
+    <dsp:sp modelId="{2C45F10C-E933-492D-9942-112BAF9BE6DF}">
+      <dsp:nvSpPr>
+        <dsp:cNvPr id="0" name=""/>
+        <dsp:cNvSpPr/>
+      </dsp:nvSpPr>
+      <dsp:spPr>
+        <a:xfrm>
+          <a:off x="176848" y="1154060"/>
+          <a:ext cx="1845079" cy="811951"/>
+        </a:xfrm>
+        <a:prstGeom prst="rect">
+          <a:avLst/>
+        </a:prstGeom>
+        <a:solidFill>
+          <a:schemeClr val="lt1">
+            <a:hueOff val="0"/>
+            <a:satOff val="0"/>
+            <a:lumOff val="0"/>
+            <a:alphaOff val="0"/>
+          </a:schemeClr>
+        </a:solidFill>
+        <a:ln w="12700" cap="flat" cmpd="sng" algn="ctr">
+          <a:solidFill>
+            <a:schemeClr val="accent2">
+              <a:shade val="80000"/>
+              <a:hueOff val="0"/>
+              <a:satOff val="0"/>
+              <a:lumOff val="0"/>
+              <a:alphaOff val="0"/>
+            </a:schemeClr>
+          </a:solidFill>
+          <a:prstDash val="solid"/>
+          <a:miter lim="800000"/>
+        </a:ln>
+        <a:effectLst/>
+      </dsp:spPr>
+      <dsp:style>
+        <a:lnRef idx="2">
+          <a:scrgbClr r="0" g="0" b="0"/>
+        </a:lnRef>
+        <a:fillRef idx="1">
+          <a:scrgbClr r="0" g="0" b="0"/>
+        </a:fillRef>
+        <a:effectRef idx="0">
+          <a:scrgbClr r="0" g="0" b="0"/>
+        </a:effectRef>
+        <a:fontRef idx="minor">
+          <a:schemeClr val="lt1"/>
+        </a:fontRef>
+      </dsp:style>
+      <dsp:txBody>
+        <a:bodyPr spcFirstLastPara="0" vert="horz" wrap="square" lIns="10160" tIns="10160" rIns="10160" bIns="10160" numCol="1" spcCol="1270" anchor="ctr" anchorCtr="0">
+          <a:noAutofit/>
+        </a:bodyPr>
+        <a:lstStyle/>
+        <a:p>
+          <a:pPr marL="0" lvl="0" indent="0" algn="ctr" defTabSz="711200">
+            <a:lnSpc>
+              <a:spcPct val="90000"/>
+            </a:lnSpc>
+            <a:spcBef>
+              <a:spcPct val="0"/>
+            </a:spcBef>
+            <a:spcAft>
+              <a:spcPct val="35000"/>
+            </a:spcAft>
+            <a:buNone/>
+          </a:pPr>
+          <a:r>
+            <a:rPr kumimoji="1" lang="ja-JP" altLang="en-US" sz="1600" kern="1200" dirty="0"/>
+            <a:t>計算などを実施し、結果を出す</a:t>
+          </a:r>
+        </a:p>
+      </dsp:txBody>
+      <dsp:txXfrm>
+        <a:off x="176848" y="1154060"/>
+        <a:ext cx="1845079" cy="811951"/>
+      </dsp:txXfrm>
+    </dsp:sp>
+    <dsp:sp modelId="{40A63680-0C4B-4654-BD1E-88649ECF0D1B}">
+      <dsp:nvSpPr>
+        <dsp:cNvPr id="0" name=""/>
+        <dsp:cNvSpPr/>
+      </dsp:nvSpPr>
+      <dsp:spPr>
+        <a:xfrm>
+          <a:off x="2362947" y="1154060"/>
+          <a:ext cx="1623903" cy="811951"/>
+        </a:xfrm>
+        <a:prstGeom prst="rect">
+          <a:avLst/>
+        </a:prstGeom>
+        <a:solidFill>
+          <a:schemeClr val="lt1">
+            <a:hueOff val="0"/>
+            <a:satOff val="0"/>
+            <a:lumOff val="0"/>
+            <a:alphaOff val="0"/>
+          </a:schemeClr>
+        </a:solidFill>
+        <a:ln w="12700" cap="flat" cmpd="sng" algn="ctr">
+          <a:solidFill>
+            <a:schemeClr val="accent2">
+              <a:shade val="80000"/>
+              <a:hueOff val="0"/>
+              <a:satOff val="0"/>
+              <a:lumOff val="0"/>
+              <a:alphaOff val="0"/>
+            </a:schemeClr>
+          </a:solidFill>
+          <a:prstDash val="solid"/>
+          <a:miter lim="800000"/>
+        </a:ln>
+        <a:effectLst/>
+      </dsp:spPr>
+      <dsp:style>
+        <a:lnRef idx="2">
+          <a:scrgbClr r="0" g="0" b="0"/>
+        </a:lnRef>
+        <a:fillRef idx="1">
+          <a:scrgbClr r="0" g="0" b="0"/>
+        </a:fillRef>
+        <a:effectRef idx="0">
+          <a:scrgbClr r="0" g="0" b="0"/>
+        </a:effectRef>
+        <a:fontRef idx="minor">
+          <a:schemeClr val="lt1"/>
+        </a:fontRef>
+      </dsp:style>
+      <dsp:txBody>
+        <a:bodyPr spcFirstLastPara="0" vert="horz" wrap="square" lIns="10160" tIns="10160" rIns="10160" bIns="10160" numCol="1" spcCol="1270" anchor="ctr" anchorCtr="0">
+          <a:noAutofit/>
+        </a:bodyPr>
+        <a:lstStyle/>
+        <a:p>
+          <a:pPr marL="0" lvl="0" indent="0" algn="ctr" defTabSz="711200">
+            <a:lnSpc>
+              <a:spcPct val="90000"/>
+            </a:lnSpc>
+            <a:spcBef>
+              <a:spcPct val="0"/>
+            </a:spcBef>
+            <a:spcAft>
+              <a:spcPct val="35000"/>
+            </a:spcAft>
+            <a:buNone/>
+          </a:pPr>
+          <a:r>
+            <a:rPr kumimoji="1" lang="ja-JP" altLang="en-US" sz="1600" kern="1200" dirty="0"/>
+            <a:t>アウトプット</a:t>
+          </a:r>
+          <a:br>
+            <a:rPr kumimoji="1" lang="en-US" altLang="ja-JP" sz="1600" kern="1200" dirty="0"/>
+          </a:br>
+          <a:r>
+            <a:rPr kumimoji="1" lang="ja-JP" altLang="en-US" sz="1600" kern="1200" dirty="0"/>
+            <a:t>を作成</a:t>
+          </a:r>
+          <a:endParaRPr kumimoji="1" lang="en-US" altLang="ja-JP" sz="1600" kern="1200" dirty="0"/>
+        </a:p>
+      </dsp:txBody>
+      <dsp:txXfrm>
+        <a:off x="2362947" y="1154060"/>
+        <a:ext cx="1623903" cy="811951"/>
+      </dsp:txXfrm>
+    </dsp:sp>
   </dsp:spTree>
 </dsp:drawing>
 </file>
@@ -2793,6 +2918,510 @@
       <dsp:cNvGrpSpPr/>
     </dsp:nvGrpSpPr>
     <dsp:grpSpPr/>
+    <dsp:sp modelId="{BC40B87C-AD1E-47FC-86EA-1B97142ED498}">
+      <dsp:nvSpPr>
+        <dsp:cNvPr id="0" name=""/>
+        <dsp:cNvSpPr/>
+      </dsp:nvSpPr>
+      <dsp:spPr>
+        <a:xfrm>
+          <a:off x="2591092" y="1065057"/>
+          <a:ext cx="1833216" cy="318161"/>
+        </a:xfrm>
+        <a:custGeom>
+          <a:avLst/>
+          <a:gdLst/>
+          <a:ahLst/>
+          <a:cxnLst/>
+          <a:rect l="0" t="0" r="0" b="0"/>
+          <a:pathLst>
+            <a:path>
+              <a:moveTo>
+                <a:pt x="0" y="0"/>
+              </a:moveTo>
+              <a:lnTo>
+                <a:pt x="0" y="159080"/>
+              </a:lnTo>
+              <a:lnTo>
+                <a:pt x="1833216" y="159080"/>
+              </a:lnTo>
+              <a:lnTo>
+                <a:pt x="1833216" y="318161"/>
+              </a:lnTo>
+            </a:path>
+          </a:pathLst>
+        </a:custGeom>
+        <a:noFill/>
+        <a:ln w="12700" cap="flat" cmpd="sng" algn="ctr">
+          <a:solidFill>
+            <a:schemeClr val="accent1">
+              <a:shade val="60000"/>
+              <a:hueOff val="0"/>
+              <a:satOff val="0"/>
+              <a:lumOff val="0"/>
+              <a:alphaOff val="0"/>
+            </a:schemeClr>
+          </a:solidFill>
+          <a:prstDash val="solid"/>
+          <a:miter lim="800000"/>
+        </a:ln>
+        <a:effectLst/>
+      </dsp:spPr>
+      <dsp:style>
+        <a:lnRef idx="2">
+          <a:scrgbClr r="0" g="0" b="0"/>
+        </a:lnRef>
+        <a:fillRef idx="0">
+          <a:scrgbClr r="0" g="0" b="0"/>
+        </a:fillRef>
+        <a:effectRef idx="0">
+          <a:scrgbClr r="0" g="0" b="0"/>
+        </a:effectRef>
+        <a:fontRef idx="minor"/>
+      </dsp:style>
+    </dsp:sp>
+    <dsp:sp modelId="{415DF792-1391-44EA-820A-E05D110585B5}">
+      <dsp:nvSpPr>
+        <dsp:cNvPr id="0" name=""/>
+        <dsp:cNvSpPr/>
+      </dsp:nvSpPr>
+      <dsp:spPr>
+        <a:xfrm>
+          <a:off x="2545372" y="1065057"/>
+          <a:ext cx="91440" cy="318161"/>
+        </a:xfrm>
+        <a:custGeom>
+          <a:avLst/>
+          <a:gdLst/>
+          <a:ahLst/>
+          <a:cxnLst/>
+          <a:rect l="0" t="0" r="0" b="0"/>
+          <a:pathLst>
+            <a:path>
+              <a:moveTo>
+                <a:pt x="45720" y="0"/>
+              </a:moveTo>
+              <a:lnTo>
+                <a:pt x="45720" y="318161"/>
+              </a:lnTo>
+            </a:path>
+          </a:pathLst>
+        </a:custGeom>
+        <a:noFill/>
+        <a:ln w="12700" cap="flat" cmpd="sng" algn="ctr">
+          <a:solidFill>
+            <a:schemeClr val="accent1">
+              <a:shade val="60000"/>
+              <a:hueOff val="0"/>
+              <a:satOff val="0"/>
+              <a:lumOff val="0"/>
+              <a:alphaOff val="0"/>
+            </a:schemeClr>
+          </a:solidFill>
+          <a:prstDash val="solid"/>
+          <a:miter lim="800000"/>
+        </a:ln>
+        <a:effectLst/>
+      </dsp:spPr>
+      <dsp:style>
+        <a:lnRef idx="2">
+          <a:scrgbClr r="0" g="0" b="0"/>
+        </a:lnRef>
+        <a:fillRef idx="0">
+          <a:scrgbClr r="0" g="0" b="0"/>
+        </a:fillRef>
+        <a:effectRef idx="0">
+          <a:scrgbClr r="0" g="0" b="0"/>
+        </a:effectRef>
+        <a:fontRef idx="minor"/>
+      </dsp:style>
+    </dsp:sp>
+    <dsp:sp modelId="{54DE5B61-DC78-4519-B7C1-C4937DC4910D}">
+      <dsp:nvSpPr>
+        <dsp:cNvPr id="0" name=""/>
+        <dsp:cNvSpPr/>
+      </dsp:nvSpPr>
+      <dsp:spPr>
+        <a:xfrm>
+          <a:off x="757875" y="1065057"/>
+          <a:ext cx="1833216" cy="318161"/>
+        </a:xfrm>
+        <a:custGeom>
+          <a:avLst/>
+          <a:gdLst/>
+          <a:ahLst/>
+          <a:cxnLst/>
+          <a:rect l="0" t="0" r="0" b="0"/>
+          <a:pathLst>
+            <a:path>
+              <a:moveTo>
+                <a:pt x="1833216" y="0"/>
+              </a:moveTo>
+              <a:lnTo>
+                <a:pt x="1833216" y="159080"/>
+              </a:lnTo>
+              <a:lnTo>
+                <a:pt x="0" y="159080"/>
+              </a:lnTo>
+              <a:lnTo>
+                <a:pt x="0" y="318161"/>
+              </a:lnTo>
+            </a:path>
+          </a:pathLst>
+        </a:custGeom>
+        <a:noFill/>
+        <a:ln w="12700" cap="flat" cmpd="sng" algn="ctr">
+          <a:solidFill>
+            <a:schemeClr val="accent1">
+              <a:shade val="60000"/>
+              <a:hueOff val="0"/>
+              <a:satOff val="0"/>
+              <a:lumOff val="0"/>
+              <a:alphaOff val="0"/>
+            </a:schemeClr>
+          </a:solidFill>
+          <a:prstDash val="solid"/>
+          <a:miter lim="800000"/>
+        </a:ln>
+        <a:effectLst/>
+      </dsp:spPr>
+      <dsp:style>
+        <a:lnRef idx="2">
+          <a:scrgbClr r="0" g="0" b="0"/>
+        </a:lnRef>
+        <a:fillRef idx="0">
+          <a:scrgbClr r="0" g="0" b="0"/>
+        </a:fillRef>
+        <a:effectRef idx="0">
+          <a:scrgbClr r="0" g="0" b="0"/>
+        </a:effectRef>
+        <a:fontRef idx="minor"/>
+      </dsp:style>
+    </dsp:sp>
+    <dsp:sp modelId="{D206A387-5174-40B0-B628-117159033CCA}">
+      <dsp:nvSpPr>
+        <dsp:cNvPr id="0" name=""/>
+        <dsp:cNvSpPr/>
+      </dsp:nvSpPr>
+      <dsp:spPr>
+        <a:xfrm>
+          <a:off x="1833564" y="307529"/>
+          <a:ext cx="1515055" cy="757527"/>
+        </a:xfrm>
+        <a:prstGeom prst="rect">
+          <a:avLst/>
+        </a:prstGeom>
+        <a:solidFill>
+          <a:schemeClr val="lt1">
+            <a:hueOff val="0"/>
+            <a:satOff val="0"/>
+            <a:lumOff val="0"/>
+            <a:alphaOff val="0"/>
+          </a:schemeClr>
+        </a:solidFill>
+        <a:ln w="12700" cap="flat" cmpd="sng" algn="ctr">
+          <a:solidFill>
+            <a:schemeClr val="accent1">
+              <a:shade val="80000"/>
+              <a:hueOff val="0"/>
+              <a:satOff val="0"/>
+              <a:lumOff val="0"/>
+              <a:alphaOff val="0"/>
+            </a:schemeClr>
+          </a:solidFill>
+          <a:prstDash val="solid"/>
+          <a:miter lim="800000"/>
+        </a:ln>
+        <a:effectLst/>
+      </dsp:spPr>
+      <dsp:style>
+        <a:lnRef idx="2">
+          <a:scrgbClr r="0" g="0" b="0"/>
+        </a:lnRef>
+        <a:fillRef idx="1">
+          <a:scrgbClr r="0" g="0" b="0"/>
+        </a:fillRef>
+        <a:effectRef idx="0">
+          <a:scrgbClr r="0" g="0" b="0"/>
+        </a:effectRef>
+        <a:fontRef idx="minor">
+          <a:schemeClr val="lt1"/>
+        </a:fontRef>
+      </dsp:style>
+      <dsp:txBody>
+        <a:bodyPr spcFirstLastPara="0" vert="horz" wrap="square" lIns="11430" tIns="11430" rIns="11430" bIns="11430" numCol="1" spcCol="1270" anchor="ctr" anchorCtr="0">
+          <a:noAutofit/>
+        </a:bodyPr>
+        <a:lstStyle/>
+        <a:p>
+          <a:pPr marL="0" lvl="0" indent="0" algn="ctr" defTabSz="800100">
+            <a:lnSpc>
+              <a:spcPct val="90000"/>
+            </a:lnSpc>
+            <a:spcBef>
+              <a:spcPct val="0"/>
+            </a:spcBef>
+            <a:spcAft>
+              <a:spcPct val="35000"/>
+            </a:spcAft>
+            <a:buNone/>
+          </a:pPr>
+          <a:r>
+            <a:rPr kumimoji="1" lang="en-US" altLang="ja-JP" sz="1800" kern="1200" dirty="0" err="1"/>
+            <a:t>ui.R</a:t>
+          </a:r>
+          <a:endParaRPr kumimoji="1" lang="ja-JP" altLang="en-US" sz="1800" kern="1200" dirty="0"/>
+        </a:p>
+      </dsp:txBody>
+      <dsp:txXfrm>
+        <a:off x="1833564" y="307529"/>
+        <a:ext cx="1515055" cy="757527"/>
+      </dsp:txXfrm>
+    </dsp:sp>
+    <dsp:sp modelId="{47E76CCF-C692-4D9B-8AD4-89C2BFA3D2ED}">
+      <dsp:nvSpPr>
+        <dsp:cNvPr id="0" name=""/>
+        <dsp:cNvSpPr/>
+      </dsp:nvSpPr>
+      <dsp:spPr>
+        <a:xfrm>
+          <a:off x="347" y="1383218"/>
+          <a:ext cx="1515055" cy="757527"/>
+        </a:xfrm>
+        <a:prstGeom prst="rect">
+          <a:avLst/>
+        </a:prstGeom>
+        <a:solidFill>
+          <a:schemeClr val="lt1">
+            <a:hueOff val="0"/>
+            <a:satOff val="0"/>
+            <a:lumOff val="0"/>
+            <a:alphaOff val="0"/>
+          </a:schemeClr>
+        </a:solidFill>
+        <a:ln w="12700" cap="flat" cmpd="sng" algn="ctr">
+          <a:solidFill>
+            <a:schemeClr val="accent1">
+              <a:shade val="80000"/>
+              <a:hueOff val="0"/>
+              <a:satOff val="0"/>
+              <a:lumOff val="0"/>
+              <a:alphaOff val="0"/>
+            </a:schemeClr>
+          </a:solidFill>
+          <a:prstDash val="solid"/>
+          <a:miter lim="800000"/>
+        </a:ln>
+        <a:effectLst/>
+      </dsp:spPr>
+      <dsp:style>
+        <a:lnRef idx="2">
+          <a:scrgbClr r="0" g="0" b="0"/>
+        </a:lnRef>
+        <a:fillRef idx="1">
+          <a:scrgbClr r="0" g="0" b="0"/>
+        </a:fillRef>
+        <a:effectRef idx="0">
+          <a:scrgbClr r="0" g="0" b="0"/>
+        </a:effectRef>
+        <a:fontRef idx="minor">
+          <a:schemeClr val="lt1"/>
+        </a:fontRef>
+      </dsp:style>
+      <dsp:txBody>
+        <a:bodyPr spcFirstLastPara="0" vert="horz" wrap="square" lIns="11430" tIns="11430" rIns="11430" bIns="11430" numCol="1" spcCol="1270" anchor="ctr" anchorCtr="0">
+          <a:noAutofit/>
+        </a:bodyPr>
+        <a:lstStyle/>
+        <a:p>
+          <a:pPr marL="0" lvl="0" indent="0" algn="ctr" defTabSz="800100">
+            <a:lnSpc>
+              <a:spcPct val="90000"/>
+            </a:lnSpc>
+            <a:spcBef>
+              <a:spcPct val="0"/>
+            </a:spcBef>
+            <a:spcAft>
+              <a:spcPct val="35000"/>
+            </a:spcAft>
+            <a:buNone/>
+          </a:pPr>
+          <a:r>
+            <a:rPr kumimoji="1" lang="ja-JP" altLang="en-US" sz="1800" kern="1200" dirty="0"/>
+            <a:t>レイアウトの</a:t>
+          </a:r>
+          <a:br>
+            <a:rPr kumimoji="1" lang="en-US" altLang="ja-JP" sz="1800" kern="1200" dirty="0"/>
+          </a:br>
+          <a:r>
+            <a:rPr kumimoji="1" lang="ja-JP" altLang="en-US" sz="1800" kern="1200" dirty="0"/>
+            <a:t>設定</a:t>
+          </a:r>
+        </a:p>
+      </dsp:txBody>
+      <dsp:txXfrm>
+        <a:off x="347" y="1383218"/>
+        <a:ext cx="1515055" cy="757527"/>
+      </dsp:txXfrm>
+    </dsp:sp>
+    <dsp:sp modelId="{2C45F10C-E933-492D-9942-112BAF9BE6DF}">
+      <dsp:nvSpPr>
+        <dsp:cNvPr id="0" name=""/>
+        <dsp:cNvSpPr/>
+      </dsp:nvSpPr>
+      <dsp:spPr>
+        <a:xfrm>
+          <a:off x="1833564" y="1383218"/>
+          <a:ext cx="1515055" cy="757527"/>
+        </a:xfrm>
+        <a:prstGeom prst="rect">
+          <a:avLst/>
+        </a:prstGeom>
+        <a:solidFill>
+          <a:schemeClr val="lt1">
+            <a:hueOff val="0"/>
+            <a:satOff val="0"/>
+            <a:lumOff val="0"/>
+            <a:alphaOff val="0"/>
+          </a:schemeClr>
+        </a:solidFill>
+        <a:ln w="12700" cap="flat" cmpd="sng" algn="ctr">
+          <a:solidFill>
+            <a:schemeClr val="accent1">
+              <a:shade val="80000"/>
+              <a:hueOff val="0"/>
+              <a:satOff val="0"/>
+              <a:lumOff val="0"/>
+              <a:alphaOff val="0"/>
+            </a:schemeClr>
+          </a:solidFill>
+          <a:prstDash val="solid"/>
+          <a:miter lim="800000"/>
+        </a:ln>
+        <a:effectLst/>
+      </dsp:spPr>
+      <dsp:style>
+        <a:lnRef idx="2">
+          <a:scrgbClr r="0" g="0" b="0"/>
+        </a:lnRef>
+        <a:fillRef idx="1">
+          <a:scrgbClr r="0" g="0" b="0"/>
+        </a:fillRef>
+        <a:effectRef idx="0">
+          <a:scrgbClr r="0" g="0" b="0"/>
+        </a:effectRef>
+        <a:fontRef idx="minor">
+          <a:schemeClr val="lt1"/>
+        </a:fontRef>
+      </dsp:style>
+      <dsp:txBody>
+        <a:bodyPr spcFirstLastPara="0" vert="horz" wrap="square" lIns="11430" tIns="11430" rIns="11430" bIns="11430" numCol="1" spcCol="1270" anchor="ctr" anchorCtr="0">
+          <a:noAutofit/>
+        </a:bodyPr>
+        <a:lstStyle/>
+        <a:p>
+          <a:pPr marL="0" lvl="0" indent="0" algn="ctr" defTabSz="800100">
+            <a:lnSpc>
+              <a:spcPct val="90000"/>
+            </a:lnSpc>
+            <a:spcBef>
+              <a:spcPct val="0"/>
+            </a:spcBef>
+            <a:spcAft>
+              <a:spcPct val="35000"/>
+            </a:spcAft>
+            <a:buNone/>
+          </a:pPr>
+          <a:r>
+            <a:rPr kumimoji="1" lang="ja-JP" altLang="en-US" sz="1800" kern="1200" dirty="0"/>
+            <a:t>ウィジェットの設定</a:t>
+          </a:r>
+        </a:p>
+      </dsp:txBody>
+      <dsp:txXfrm>
+        <a:off x="1833564" y="1383218"/>
+        <a:ext cx="1515055" cy="757527"/>
+      </dsp:txXfrm>
+    </dsp:sp>
+    <dsp:sp modelId="{40A63680-0C4B-4654-BD1E-88649ECF0D1B}">
+      <dsp:nvSpPr>
+        <dsp:cNvPr id="0" name=""/>
+        <dsp:cNvSpPr/>
+      </dsp:nvSpPr>
+      <dsp:spPr>
+        <a:xfrm>
+          <a:off x="3666781" y="1383218"/>
+          <a:ext cx="1515055" cy="757527"/>
+        </a:xfrm>
+        <a:prstGeom prst="rect">
+          <a:avLst/>
+        </a:prstGeom>
+        <a:solidFill>
+          <a:schemeClr val="lt1">
+            <a:hueOff val="0"/>
+            <a:satOff val="0"/>
+            <a:lumOff val="0"/>
+            <a:alphaOff val="0"/>
+          </a:schemeClr>
+        </a:solidFill>
+        <a:ln w="12700" cap="flat" cmpd="sng" algn="ctr">
+          <a:solidFill>
+            <a:schemeClr val="accent1">
+              <a:shade val="80000"/>
+              <a:hueOff val="0"/>
+              <a:satOff val="0"/>
+              <a:lumOff val="0"/>
+              <a:alphaOff val="0"/>
+            </a:schemeClr>
+          </a:solidFill>
+          <a:prstDash val="solid"/>
+          <a:miter lim="800000"/>
+        </a:ln>
+        <a:effectLst/>
+      </dsp:spPr>
+      <dsp:style>
+        <a:lnRef idx="2">
+          <a:scrgbClr r="0" g="0" b="0"/>
+        </a:lnRef>
+        <a:fillRef idx="1">
+          <a:scrgbClr r="0" g="0" b="0"/>
+        </a:fillRef>
+        <a:effectRef idx="0">
+          <a:scrgbClr r="0" g="0" b="0"/>
+        </a:effectRef>
+        <a:fontRef idx="minor">
+          <a:schemeClr val="lt1"/>
+        </a:fontRef>
+      </dsp:style>
+      <dsp:txBody>
+        <a:bodyPr spcFirstLastPara="0" vert="horz" wrap="square" lIns="11430" tIns="11430" rIns="11430" bIns="11430" numCol="1" spcCol="1270" anchor="ctr" anchorCtr="0">
+          <a:noAutofit/>
+        </a:bodyPr>
+        <a:lstStyle/>
+        <a:p>
+          <a:pPr marL="0" lvl="0" indent="0" algn="ctr" defTabSz="800100">
+            <a:lnSpc>
+              <a:spcPct val="90000"/>
+            </a:lnSpc>
+            <a:spcBef>
+              <a:spcPct val="0"/>
+            </a:spcBef>
+            <a:spcAft>
+              <a:spcPct val="35000"/>
+            </a:spcAft>
+            <a:buNone/>
+          </a:pPr>
+          <a:r>
+            <a:rPr kumimoji="1" lang="ja-JP" altLang="en-US" sz="1800" kern="1200" dirty="0"/>
+            <a:t>アウトプットの設置</a:t>
+          </a:r>
+        </a:p>
+      </dsp:txBody>
+      <dsp:txXfrm>
+        <a:off x="3666781" y="1383218"/>
+        <a:ext cx="1515055" cy="757527"/>
+      </dsp:txXfrm>
+    </dsp:sp>
   </dsp:spTree>
 </dsp:drawing>
 </file>
@@ -7239,7 +7868,7 @@
           <a:p>
             <a:fld id="{2A71EC23-F9ED-424C-B5FB-B7B5F6D78B70}" type="datetimeFigureOut">
               <a:rPr kumimoji="1" lang="ja-JP" altLang="en-US" smtClean="0"/>
-              <a:t>2020/10/9</a:t>
+              <a:t>2020/10/10</a:t>
             </a:fld>
             <a:endParaRPr kumimoji="1" lang="ja-JP" altLang="en-US"/>
           </a:p>
@@ -7303,70 +7932,69 @@
           <a:p>
             <a:pPr lvl="0"/>
             <a:r>
-              <a:rPr kumimoji="1" lang="ja-JP" altLang="en-US" smtClean="0"/>
+              <a:rPr kumimoji="1" lang="ja-JP" altLang="en-US"/>
               <a:t>マスター テキストの書式設定</a:t>
             </a:r>
           </a:p>
           <a:p>
             <a:pPr lvl="1"/>
             <a:r>
-              <a:rPr kumimoji="1" lang="ja-JP" altLang="en-US" smtClean="0"/>
+              <a:rPr kumimoji="1" lang="ja-JP" altLang="en-US"/>
               <a:t>第 </a:t>
             </a:r>
             <a:r>
-              <a:rPr kumimoji="1" lang="en-US" altLang="ja-JP" smtClean="0"/>
+              <a:rPr kumimoji="1" lang="en-US" altLang="ja-JP"/>
               <a:t>2 </a:t>
             </a:r>
             <a:r>
-              <a:rPr kumimoji="1" lang="ja-JP" altLang="en-US" smtClean="0"/>
+              <a:rPr kumimoji="1" lang="ja-JP" altLang="en-US"/>
               <a:t>レベル</a:t>
             </a:r>
           </a:p>
           <a:p>
             <a:pPr lvl="2"/>
             <a:r>
-              <a:rPr kumimoji="1" lang="ja-JP" altLang="en-US" smtClean="0"/>
+              <a:rPr kumimoji="1" lang="ja-JP" altLang="en-US"/>
               <a:t>第 </a:t>
             </a:r>
             <a:r>
-              <a:rPr kumimoji="1" lang="en-US" altLang="ja-JP" smtClean="0"/>
+              <a:rPr kumimoji="1" lang="en-US" altLang="ja-JP"/>
               <a:t>3 </a:t>
             </a:r>
             <a:r>
-              <a:rPr kumimoji="1" lang="ja-JP" altLang="en-US" smtClean="0"/>
+              <a:rPr kumimoji="1" lang="ja-JP" altLang="en-US"/>
               <a:t>レベル</a:t>
             </a:r>
           </a:p>
           <a:p>
             <a:pPr lvl="3"/>
             <a:r>
-              <a:rPr kumimoji="1" lang="ja-JP" altLang="en-US" smtClean="0"/>
+              <a:rPr kumimoji="1" lang="ja-JP" altLang="en-US"/>
               <a:t>第 </a:t>
             </a:r>
             <a:r>
-              <a:rPr kumimoji="1" lang="en-US" altLang="ja-JP" smtClean="0"/>
+              <a:rPr kumimoji="1" lang="en-US" altLang="ja-JP"/>
               <a:t>4 </a:t>
             </a:r>
             <a:r>
-              <a:rPr kumimoji="1" lang="ja-JP" altLang="en-US" smtClean="0"/>
+              <a:rPr kumimoji="1" lang="ja-JP" altLang="en-US"/>
               <a:t>レベル</a:t>
             </a:r>
           </a:p>
           <a:p>
             <a:pPr lvl="4"/>
             <a:r>
-              <a:rPr kumimoji="1" lang="ja-JP" altLang="en-US" smtClean="0"/>
+              <a:rPr kumimoji="1" lang="ja-JP" altLang="en-US"/>
               <a:t>第 </a:t>
             </a:r>
             <a:r>
-              <a:rPr kumimoji="1" lang="en-US" altLang="ja-JP" smtClean="0"/>
+              <a:rPr kumimoji="1" lang="en-US" altLang="ja-JP"/>
               <a:t>5 </a:t>
             </a:r>
             <a:r>
-              <a:rPr kumimoji="1" lang="ja-JP" altLang="en-US" smtClean="0"/>
+              <a:rPr kumimoji="1" lang="ja-JP" altLang="en-US"/>
               <a:t>レベル</a:t>
             </a:r>
-            <a:endParaRPr kumimoji="1" lang="ja-JP" altLang="en-US"/>
           </a:p>
         </p:txBody>
       </p:sp>
@@ -7670,7 +8298,7 @@
           </a:lstStyle>
           <a:p>
             <a:r>
-              <a:rPr lang="ja-JP" altLang="en-US" smtClean="0"/>
+              <a:rPr lang="ja-JP" altLang="en-US"/>
               <a:t>マスター タイトルの書式設定</a:t>
             </a:r>
             <a:endParaRPr lang="en-US" dirty="0"/>
@@ -7735,7 +8363,7 @@
           </a:lstStyle>
           <a:p>
             <a:r>
-              <a:rPr lang="ja-JP" altLang="en-US" smtClean="0"/>
+              <a:rPr lang="ja-JP" altLang="en-US"/>
               <a:t>マスター サブタイトルの書式設定</a:t>
             </a:r>
             <a:endParaRPr lang="en-US" dirty="0"/>
@@ -7759,7 +8387,7 @@
           <a:p>
             <a:fld id="{0F81A95D-05BA-458D-BB44-152E4BC8CA84}" type="datetime1">
               <a:rPr kumimoji="1" lang="ja-JP" altLang="en-US" smtClean="0"/>
-              <a:t>2020/10/9</a:t>
+              <a:t>2020/10/10</a:t>
             </a:fld>
             <a:endParaRPr kumimoji="1" lang="ja-JP" altLang="en-US"/>
           </a:p>
@@ -7781,23 +8409,23 @@
           <a:lstStyle/>
           <a:p>
             <a:r>
-              <a:rPr kumimoji="1" lang="en-US" altLang="ja-JP" dirty="0" smtClean="0"/>
+              <a:rPr kumimoji="1" lang="en-US" altLang="ja-JP" dirty="0"/>
               <a:t>R</a:t>
             </a:r>
             <a:r>
-              <a:rPr kumimoji="1" lang="ja-JP" altLang="en-US" dirty="0" smtClean="0"/>
+              <a:rPr kumimoji="1" lang="ja-JP" altLang="en-US" dirty="0"/>
               <a:t> </a:t>
             </a:r>
             <a:r>
-              <a:rPr kumimoji="1" lang="en-US" altLang="ja-JP" dirty="0" smtClean="0"/>
+              <a:rPr kumimoji="1" lang="en-US" altLang="ja-JP" dirty="0"/>
               <a:t>for</a:t>
             </a:r>
             <a:r>
-              <a:rPr kumimoji="1" lang="ja-JP" altLang="en-US" dirty="0" smtClean="0"/>
+              <a:rPr kumimoji="1" lang="ja-JP" altLang="en-US" dirty="0"/>
               <a:t> </a:t>
             </a:r>
             <a:r>
-              <a:rPr kumimoji="1" lang="en-US" altLang="ja-JP" dirty="0" smtClean="0"/>
+              <a:rPr kumimoji="1" lang="en-US" altLang="ja-JP" dirty="0"/>
               <a:t>Pharmacometrics</a:t>
             </a:r>
             <a:endParaRPr kumimoji="1" lang="ja-JP" altLang="en-US" dirty="0"/>
@@ -7837,13 +8465,6 @@
   <p:clrMapOvr>
     <a:masterClrMapping/>
   </p:clrMapOvr>
-  <p:timing>
-    <p:tnLst>
-      <p:par>
-        <p:cTn id="1" dur="indefinite" restart="never" nodeType="tmRoot"/>
-      </p:par>
-    </p:tnLst>
-  </p:timing>
 </p:sldLayout>
 </file>
 
@@ -7880,7 +8501,7 @@
           <a:lstStyle/>
           <a:p>
             <a:r>
-              <a:rPr lang="ja-JP" altLang="en-US" smtClean="0"/>
+              <a:rPr lang="ja-JP" altLang="en-US"/>
               <a:t>マスター タイトルの書式設定</a:t>
             </a:r>
             <a:endParaRPr lang="en-US" dirty="0"/>
@@ -7904,67 +8525,67 @@
           <a:p>
             <a:pPr lvl="0"/>
             <a:r>
-              <a:rPr lang="ja-JP" altLang="en-US" smtClean="0"/>
+              <a:rPr lang="ja-JP" altLang="en-US"/>
               <a:t>マスター テキストの書式設定</a:t>
             </a:r>
           </a:p>
           <a:p>
             <a:pPr lvl="1"/>
             <a:r>
-              <a:rPr lang="ja-JP" altLang="en-US" smtClean="0"/>
+              <a:rPr lang="ja-JP" altLang="en-US"/>
               <a:t>第 </a:t>
             </a:r>
             <a:r>
-              <a:rPr lang="en-US" altLang="ja-JP" smtClean="0"/>
+              <a:rPr lang="en-US" altLang="ja-JP"/>
               <a:t>2 </a:t>
             </a:r>
             <a:r>
-              <a:rPr lang="ja-JP" altLang="en-US" smtClean="0"/>
+              <a:rPr lang="ja-JP" altLang="en-US"/>
               <a:t>レベル</a:t>
             </a:r>
           </a:p>
           <a:p>
             <a:pPr lvl="2"/>
             <a:r>
-              <a:rPr lang="ja-JP" altLang="en-US" smtClean="0"/>
+              <a:rPr lang="ja-JP" altLang="en-US"/>
               <a:t>第 </a:t>
             </a:r>
             <a:r>
-              <a:rPr lang="en-US" altLang="ja-JP" smtClean="0"/>
+              <a:rPr lang="en-US" altLang="ja-JP"/>
               <a:t>3 </a:t>
             </a:r>
             <a:r>
-              <a:rPr lang="ja-JP" altLang="en-US" smtClean="0"/>
+              <a:rPr lang="ja-JP" altLang="en-US"/>
               <a:t>レベル</a:t>
             </a:r>
           </a:p>
           <a:p>
             <a:pPr lvl="3"/>
             <a:r>
-              <a:rPr lang="ja-JP" altLang="en-US" smtClean="0"/>
+              <a:rPr lang="ja-JP" altLang="en-US"/>
               <a:t>第 </a:t>
             </a:r>
             <a:r>
-              <a:rPr lang="en-US" altLang="ja-JP" smtClean="0"/>
+              <a:rPr lang="en-US" altLang="ja-JP"/>
               <a:t>4 </a:t>
             </a:r>
             <a:r>
-              <a:rPr lang="ja-JP" altLang="en-US" smtClean="0"/>
+              <a:rPr lang="ja-JP" altLang="en-US"/>
               <a:t>レベル</a:t>
             </a:r>
           </a:p>
           <a:p>
             <a:pPr lvl="4"/>
             <a:r>
-              <a:rPr lang="ja-JP" altLang="en-US" smtClean="0"/>
+              <a:rPr lang="ja-JP" altLang="en-US"/>
               <a:t>第 </a:t>
             </a:r>
             <a:r>
-              <a:rPr lang="en-US" altLang="ja-JP" smtClean="0"/>
+              <a:rPr lang="en-US" altLang="ja-JP"/>
               <a:t>5 </a:t>
             </a:r>
             <a:r>
-              <a:rPr lang="ja-JP" altLang="en-US" smtClean="0"/>
+              <a:rPr lang="ja-JP" altLang="en-US"/>
               <a:t>レベル</a:t>
             </a:r>
             <a:endParaRPr lang="en-US" dirty="0"/>
@@ -7988,7 +8609,7 @@
           <a:p>
             <a:fld id="{9906A6E4-4266-427F-9354-B8DA436806C3}" type="datetime1">
               <a:rPr kumimoji="1" lang="ja-JP" altLang="en-US" smtClean="0"/>
-              <a:t>2020/10/9</a:t>
+              <a:t>2020/10/10</a:t>
             </a:fld>
             <a:endParaRPr kumimoji="1" lang="ja-JP" altLang="en-US"/>
           </a:p>
@@ -8010,7 +8631,7 @@
           <a:lstStyle/>
           <a:p>
             <a:r>
-              <a:rPr kumimoji="1" lang="en-US" altLang="ja-JP" smtClean="0"/>
+              <a:rPr kumimoji="1" lang="en-US" altLang="ja-JP"/>
               <a:t>R for Pharmacometrics</a:t>
             </a:r>
             <a:endParaRPr kumimoji="1" lang="ja-JP" altLang="en-US"/>
@@ -8091,7 +8712,7 @@
           <a:lstStyle/>
           <a:p>
             <a:r>
-              <a:rPr lang="ja-JP" altLang="en-US" smtClean="0"/>
+              <a:rPr lang="ja-JP" altLang="en-US"/>
               <a:t>マスター タイトルの書式設定</a:t>
             </a:r>
             <a:endParaRPr lang="en-US" dirty="0"/>
@@ -8120,67 +8741,67 @@
           <a:p>
             <a:pPr lvl="0"/>
             <a:r>
-              <a:rPr lang="ja-JP" altLang="en-US" smtClean="0"/>
+              <a:rPr lang="ja-JP" altLang="en-US"/>
               <a:t>マスター テキストの書式設定</a:t>
             </a:r>
           </a:p>
           <a:p>
             <a:pPr lvl="1"/>
             <a:r>
-              <a:rPr lang="ja-JP" altLang="en-US" smtClean="0"/>
+              <a:rPr lang="ja-JP" altLang="en-US"/>
               <a:t>第 </a:t>
             </a:r>
             <a:r>
-              <a:rPr lang="en-US" altLang="ja-JP" smtClean="0"/>
+              <a:rPr lang="en-US" altLang="ja-JP"/>
               <a:t>2 </a:t>
             </a:r>
             <a:r>
-              <a:rPr lang="ja-JP" altLang="en-US" smtClean="0"/>
+              <a:rPr lang="ja-JP" altLang="en-US"/>
               <a:t>レベル</a:t>
             </a:r>
           </a:p>
           <a:p>
             <a:pPr lvl="2"/>
             <a:r>
-              <a:rPr lang="ja-JP" altLang="en-US" smtClean="0"/>
+              <a:rPr lang="ja-JP" altLang="en-US"/>
               <a:t>第 </a:t>
             </a:r>
             <a:r>
-              <a:rPr lang="en-US" altLang="ja-JP" smtClean="0"/>
+              <a:rPr lang="en-US" altLang="ja-JP"/>
               <a:t>3 </a:t>
             </a:r>
             <a:r>
-              <a:rPr lang="ja-JP" altLang="en-US" smtClean="0"/>
+              <a:rPr lang="ja-JP" altLang="en-US"/>
               <a:t>レベル</a:t>
             </a:r>
           </a:p>
           <a:p>
             <a:pPr lvl="3"/>
             <a:r>
-              <a:rPr lang="ja-JP" altLang="en-US" smtClean="0"/>
+              <a:rPr lang="ja-JP" altLang="en-US"/>
               <a:t>第 </a:t>
             </a:r>
             <a:r>
-              <a:rPr lang="en-US" altLang="ja-JP" smtClean="0"/>
+              <a:rPr lang="en-US" altLang="ja-JP"/>
               <a:t>4 </a:t>
             </a:r>
             <a:r>
-              <a:rPr lang="ja-JP" altLang="en-US" smtClean="0"/>
+              <a:rPr lang="ja-JP" altLang="en-US"/>
               <a:t>レベル</a:t>
             </a:r>
           </a:p>
           <a:p>
             <a:pPr lvl="4"/>
             <a:r>
-              <a:rPr lang="ja-JP" altLang="en-US" smtClean="0"/>
+              <a:rPr lang="ja-JP" altLang="en-US"/>
               <a:t>第 </a:t>
             </a:r>
             <a:r>
-              <a:rPr lang="en-US" altLang="ja-JP" smtClean="0"/>
+              <a:rPr lang="en-US" altLang="ja-JP"/>
               <a:t>5 </a:t>
             </a:r>
             <a:r>
-              <a:rPr lang="ja-JP" altLang="en-US" smtClean="0"/>
+              <a:rPr lang="ja-JP" altLang="en-US"/>
               <a:t>レベル</a:t>
             </a:r>
             <a:endParaRPr lang="en-US" dirty="0"/>
@@ -8204,7 +8825,7 @@
           <a:p>
             <a:fld id="{362664A4-23FB-43CF-818D-F7393D757BD2}" type="datetime1">
               <a:rPr kumimoji="1" lang="ja-JP" altLang="en-US" smtClean="0"/>
-              <a:t>2020/10/9</a:t>
+              <a:t>2020/10/10</a:t>
             </a:fld>
             <a:endParaRPr kumimoji="1" lang="ja-JP" altLang="en-US"/>
           </a:p>
@@ -8226,7 +8847,7 @@
           <a:lstStyle/>
           <a:p>
             <a:r>
-              <a:rPr kumimoji="1" lang="en-US" altLang="ja-JP" smtClean="0"/>
+              <a:rPr kumimoji="1" lang="en-US" altLang="ja-JP"/>
               <a:t>R for Pharmacometrics</a:t>
             </a:r>
             <a:endParaRPr kumimoji="1" lang="ja-JP" altLang="en-US"/>
@@ -8302,7 +8923,7 @@
           <a:lstStyle/>
           <a:p>
             <a:r>
-              <a:rPr lang="ja-JP" altLang="en-US" smtClean="0"/>
+              <a:rPr lang="ja-JP" altLang="en-US"/>
               <a:t>マスター タイトルの書式設定</a:t>
             </a:r>
             <a:endParaRPr lang="en-US" dirty="0"/>
@@ -8326,67 +8947,67 @@
           <a:p>
             <a:pPr lvl="0"/>
             <a:r>
-              <a:rPr lang="ja-JP" altLang="en-US" smtClean="0"/>
+              <a:rPr lang="ja-JP" altLang="en-US"/>
               <a:t>マスター テキストの書式設定</a:t>
             </a:r>
           </a:p>
           <a:p>
             <a:pPr lvl="1"/>
             <a:r>
-              <a:rPr lang="ja-JP" altLang="en-US" smtClean="0"/>
+              <a:rPr lang="ja-JP" altLang="en-US"/>
               <a:t>第 </a:t>
             </a:r>
             <a:r>
-              <a:rPr lang="en-US" altLang="ja-JP" smtClean="0"/>
+              <a:rPr lang="en-US" altLang="ja-JP"/>
               <a:t>2 </a:t>
             </a:r>
             <a:r>
-              <a:rPr lang="ja-JP" altLang="en-US" smtClean="0"/>
+              <a:rPr lang="ja-JP" altLang="en-US"/>
               <a:t>レベル</a:t>
             </a:r>
           </a:p>
           <a:p>
             <a:pPr lvl="2"/>
             <a:r>
-              <a:rPr lang="ja-JP" altLang="en-US" smtClean="0"/>
+              <a:rPr lang="ja-JP" altLang="en-US"/>
               <a:t>第 </a:t>
             </a:r>
             <a:r>
-              <a:rPr lang="en-US" altLang="ja-JP" smtClean="0"/>
+              <a:rPr lang="en-US" altLang="ja-JP"/>
               <a:t>3 </a:t>
             </a:r>
             <a:r>
-              <a:rPr lang="ja-JP" altLang="en-US" smtClean="0"/>
+              <a:rPr lang="ja-JP" altLang="en-US"/>
               <a:t>レベル</a:t>
             </a:r>
           </a:p>
           <a:p>
             <a:pPr lvl="3"/>
             <a:r>
-              <a:rPr lang="ja-JP" altLang="en-US" smtClean="0"/>
+              <a:rPr lang="ja-JP" altLang="en-US"/>
               <a:t>第 </a:t>
             </a:r>
             <a:r>
-              <a:rPr lang="en-US" altLang="ja-JP" smtClean="0"/>
+              <a:rPr lang="en-US" altLang="ja-JP"/>
               <a:t>4 </a:t>
             </a:r>
             <a:r>
-              <a:rPr lang="ja-JP" altLang="en-US" smtClean="0"/>
+              <a:rPr lang="ja-JP" altLang="en-US"/>
               <a:t>レベル</a:t>
             </a:r>
           </a:p>
           <a:p>
             <a:pPr lvl="4"/>
             <a:r>
-              <a:rPr lang="ja-JP" altLang="en-US" smtClean="0"/>
+              <a:rPr lang="ja-JP" altLang="en-US"/>
               <a:t>第 </a:t>
             </a:r>
             <a:r>
-              <a:rPr lang="en-US" altLang="ja-JP" smtClean="0"/>
+              <a:rPr lang="en-US" altLang="ja-JP"/>
               <a:t>5 </a:t>
             </a:r>
             <a:r>
-              <a:rPr lang="ja-JP" altLang="en-US" smtClean="0"/>
+              <a:rPr lang="ja-JP" altLang="en-US"/>
               <a:t>レベル</a:t>
             </a:r>
             <a:endParaRPr lang="en-US" dirty="0"/>
@@ -8410,7 +9031,7 @@
           <a:p>
             <a:fld id="{BFE15652-DDD4-4E36-9CB3-8E9EF446BEDB}" type="datetime1">
               <a:rPr kumimoji="1" lang="ja-JP" altLang="en-US" smtClean="0"/>
-              <a:t>2020/10/9</a:t>
+              <a:t>2020/10/10</a:t>
             </a:fld>
             <a:endParaRPr kumimoji="1" lang="ja-JP" altLang="en-US"/>
           </a:p>
@@ -8432,26 +9053,26 @@
           <a:lstStyle/>
           <a:p>
             <a:r>
-              <a:rPr lang="en-US" altLang="ja-JP" dirty="0" smtClean="0"/>
+              <a:rPr lang="en-US" altLang="ja-JP" dirty="0"/>
               <a:t>R</a:t>
             </a:r>
             <a:r>
-              <a:rPr lang="ja-JP" altLang="en-US" dirty="0" smtClean="0"/>
+              <a:rPr lang="ja-JP" altLang="en-US" dirty="0"/>
               <a:t> </a:t>
             </a:r>
             <a:r>
-              <a:rPr lang="en-US" altLang="ja-JP" dirty="0" smtClean="0"/>
+              <a:rPr lang="en-US" altLang="ja-JP" dirty="0"/>
               <a:t>for</a:t>
             </a:r>
             <a:r>
-              <a:rPr lang="ja-JP" altLang="en-US" dirty="0" smtClean="0"/>
+              <a:rPr lang="ja-JP" altLang="en-US" dirty="0"/>
               <a:t> </a:t>
             </a:r>
             <a:r>
-              <a:rPr lang="en-US" altLang="ja-JP" dirty="0" smtClean="0"/>
+              <a:rPr lang="en-US" altLang="ja-JP" dirty="0"/>
               <a:t>Pharmacometrics</a:t>
             </a:r>
-            <a:endParaRPr lang="ja-JP" altLang="en-US" dirty="0" smtClean="0"/>
+            <a:endParaRPr lang="ja-JP" altLang="en-US" dirty="0"/>
           </a:p>
         </p:txBody>
       </p:sp>
@@ -8488,13 +9109,6 @@
   <p:clrMapOvr>
     <a:masterClrMapping/>
   </p:clrMapOvr>
-  <p:timing>
-    <p:tnLst>
-      <p:par>
-        <p:cTn id="1" dur="indefinite" restart="never" nodeType="tmRoot"/>
-      </p:par>
-    </p:tnLst>
-  </p:timing>
 </p:sldLayout>
 </file>
 
@@ -8540,7 +9154,7 @@
           </a:lstStyle>
           <a:p>
             <a:r>
-              <a:rPr lang="ja-JP" altLang="en-US" smtClean="0"/>
+              <a:rPr lang="ja-JP" altLang="en-US"/>
               <a:t>マスター タイトルの書式設定</a:t>
             </a:r>
             <a:endParaRPr lang="en-US" dirty="0"/>
@@ -8658,7 +9272,7 @@
           <a:p>
             <a:pPr lvl="0"/>
             <a:r>
-              <a:rPr lang="ja-JP" altLang="en-US" smtClean="0"/>
+              <a:rPr lang="ja-JP" altLang="en-US"/>
               <a:t>マスター テキストの書式設定</a:t>
             </a:r>
           </a:p>
@@ -8681,7 +9295,7 @@
           <a:p>
             <a:fld id="{30BAF585-2E3D-431A-AD29-AD87965751CC}" type="datetime1">
               <a:rPr kumimoji="1" lang="ja-JP" altLang="en-US" smtClean="0"/>
-              <a:t>2020/10/9</a:t>
+              <a:t>2020/10/10</a:t>
             </a:fld>
             <a:endParaRPr kumimoji="1" lang="ja-JP" altLang="en-US"/>
           </a:p>
@@ -8703,26 +9317,26 @@
           <a:lstStyle/>
           <a:p>
             <a:r>
-              <a:rPr lang="en-US" altLang="ja-JP" dirty="0" smtClean="0"/>
+              <a:rPr lang="en-US" altLang="ja-JP" dirty="0"/>
               <a:t>R</a:t>
             </a:r>
             <a:r>
-              <a:rPr lang="ja-JP" altLang="en-US" dirty="0" smtClean="0"/>
+              <a:rPr lang="ja-JP" altLang="en-US" dirty="0"/>
               <a:t> </a:t>
             </a:r>
             <a:r>
-              <a:rPr lang="en-US" altLang="ja-JP" dirty="0" smtClean="0"/>
+              <a:rPr lang="en-US" altLang="ja-JP" dirty="0"/>
               <a:t>for</a:t>
             </a:r>
             <a:r>
-              <a:rPr lang="ja-JP" altLang="en-US" dirty="0" smtClean="0"/>
+              <a:rPr lang="ja-JP" altLang="en-US" dirty="0"/>
               <a:t> </a:t>
             </a:r>
             <a:r>
-              <a:rPr lang="en-US" altLang="ja-JP" dirty="0" smtClean="0"/>
+              <a:rPr lang="en-US" altLang="ja-JP" dirty="0"/>
               <a:t>Pharmacometrics</a:t>
             </a:r>
-            <a:endParaRPr lang="ja-JP" altLang="en-US" dirty="0" smtClean="0"/>
+            <a:endParaRPr lang="ja-JP" altLang="en-US" dirty="0"/>
           </a:p>
         </p:txBody>
       </p:sp>
@@ -8759,13 +9373,6 @@
   <p:clrMapOvr>
     <a:masterClrMapping/>
   </p:clrMapOvr>
-  <p:timing>
-    <p:tnLst>
-      <p:par>
-        <p:cTn id="1" dur="indefinite" restart="never" nodeType="tmRoot"/>
-      </p:par>
-    </p:tnLst>
-  </p:timing>
 </p:sldLayout>
 </file>
 
@@ -8802,7 +9409,7 @@
           <a:lstStyle/>
           <a:p>
             <a:r>
-              <a:rPr lang="ja-JP" altLang="en-US" smtClean="0"/>
+              <a:rPr lang="ja-JP" altLang="en-US"/>
               <a:t>マスター タイトルの書式設定</a:t>
             </a:r>
             <a:endParaRPr lang="en-US" dirty="0"/>
@@ -8831,67 +9438,67 @@
           <a:p>
             <a:pPr lvl="0"/>
             <a:r>
-              <a:rPr lang="ja-JP" altLang="en-US" smtClean="0"/>
+              <a:rPr lang="ja-JP" altLang="en-US"/>
               <a:t>マスター テキストの書式設定</a:t>
             </a:r>
           </a:p>
           <a:p>
             <a:pPr lvl="1"/>
             <a:r>
-              <a:rPr lang="ja-JP" altLang="en-US" smtClean="0"/>
+              <a:rPr lang="ja-JP" altLang="en-US"/>
               <a:t>第 </a:t>
             </a:r>
             <a:r>
-              <a:rPr lang="en-US" altLang="ja-JP" smtClean="0"/>
+              <a:rPr lang="en-US" altLang="ja-JP"/>
               <a:t>2 </a:t>
             </a:r>
             <a:r>
-              <a:rPr lang="ja-JP" altLang="en-US" smtClean="0"/>
+              <a:rPr lang="ja-JP" altLang="en-US"/>
               <a:t>レベル</a:t>
             </a:r>
           </a:p>
           <a:p>
             <a:pPr lvl="2"/>
             <a:r>
-              <a:rPr lang="ja-JP" altLang="en-US" smtClean="0"/>
+              <a:rPr lang="ja-JP" altLang="en-US"/>
               <a:t>第 </a:t>
             </a:r>
             <a:r>
-              <a:rPr lang="en-US" altLang="ja-JP" smtClean="0"/>
+              <a:rPr lang="en-US" altLang="ja-JP"/>
               <a:t>3 </a:t>
             </a:r>
             <a:r>
-              <a:rPr lang="ja-JP" altLang="en-US" smtClean="0"/>
+              <a:rPr lang="ja-JP" altLang="en-US"/>
               <a:t>レベル</a:t>
             </a:r>
           </a:p>
           <a:p>
             <a:pPr lvl="3"/>
             <a:r>
-              <a:rPr lang="ja-JP" altLang="en-US" smtClean="0"/>
+              <a:rPr lang="ja-JP" altLang="en-US"/>
               <a:t>第 </a:t>
             </a:r>
             <a:r>
-              <a:rPr lang="en-US" altLang="ja-JP" smtClean="0"/>
+              <a:rPr lang="en-US" altLang="ja-JP"/>
               <a:t>4 </a:t>
             </a:r>
             <a:r>
-              <a:rPr lang="ja-JP" altLang="en-US" smtClean="0"/>
+              <a:rPr lang="ja-JP" altLang="en-US"/>
               <a:t>レベル</a:t>
             </a:r>
           </a:p>
           <a:p>
             <a:pPr lvl="4"/>
             <a:r>
-              <a:rPr lang="ja-JP" altLang="en-US" smtClean="0"/>
+              <a:rPr lang="ja-JP" altLang="en-US"/>
               <a:t>第 </a:t>
             </a:r>
             <a:r>
-              <a:rPr lang="en-US" altLang="ja-JP" smtClean="0"/>
+              <a:rPr lang="en-US" altLang="ja-JP"/>
               <a:t>5 </a:t>
             </a:r>
             <a:r>
-              <a:rPr lang="ja-JP" altLang="en-US" smtClean="0"/>
+              <a:rPr lang="ja-JP" altLang="en-US"/>
               <a:t>レベル</a:t>
             </a:r>
             <a:endParaRPr lang="en-US" dirty="0"/>
@@ -8920,67 +9527,67 @@
           <a:p>
             <a:pPr lvl="0"/>
             <a:r>
-              <a:rPr lang="ja-JP" altLang="en-US" smtClean="0"/>
+              <a:rPr lang="ja-JP" altLang="en-US"/>
               <a:t>マスター テキストの書式設定</a:t>
             </a:r>
           </a:p>
           <a:p>
             <a:pPr lvl="1"/>
             <a:r>
-              <a:rPr lang="ja-JP" altLang="en-US" smtClean="0"/>
+              <a:rPr lang="ja-JP" altLang="en-US"/>
               <a:t>第 </a:t>
             </a:r>
             <a:r>
-              <a:rPr lang="en-US" altLang="ja-JP" smtClean="0"/>
+              <a:rPr lang="en-US" altLang="ja-JP"/>
               <a:t>2 </a:t>
             </a:r>
             <a:r>
-              <a:rPr lang="ja-JP" altLang="en-US" smtClean="0"/>
+              <a:rPr lang="ja-JP" altLang="en-US"/>
               <a:t>レベル</a:t>
             </a:r>
           </a:p>
           <a:p>
             <a:pPr lvl="2"/>
             <a:r>
-              <a:rPr lang="ja-JP" altLang="en-US" smtClean="0"/>
+              <a:rPr lang="ja-JP" altLang="en-US"/>
               <a:t>第 </a:t>
             </a:r>
             <a:r>
-              <a:rPr lang="en-US" altLang="ja-JP" smtClean="0"/>
+              <a:rPr lang="en-US" altLang="ja-JP"/>
               <a:t>3 </a:t>
             </a:r>
             <a:r>
-              <a:rPr lang="ja-JP" altLang="en-US" smtClean="0"/>
+              <a:rPr lang="ja-JP" altLang="en-US"/>
               <a:t>レベル</a:t>
             </a:r>
           </a:p>
           <a:p>
             <a:pPr lvl="3"/>
             <a:r>
-              <a:rPr lang="ja-JP" altLang="en-US" smtClean="0"/>
+              <a:rPr lang="ja-JP" altLang="en-US"/>
               <a:t>第 </a:t>
             </a:r>
             <a:r>
-              <a:rPr lang="en-US" altLang="ja-JP" smtClean="0"/>
+              <a:rPr lang="en-US" altLang="ja-JP"/>
               <a:t>4 </a:t>
             </a:r>
             <a:r>
-              <a:rPr lang="ja-JP" altLang="en-US" smtClean="0"/>
+              <a:rPr lang="ja-JP" altLang="en-US"/>
               <a:t>レベル</a:t>
             </a:r>
           </a:p>
           <a:p>
             <a:pPr lvl="4"/>
             <a:r>
-              <a:rPr lang="ja-JP" altLang="en-US" smtClean="0"/>
+              <a:rPr lang="ja-JP" altLang="en-US"/>
               <a:t>第 </a:t>
             </a:r>
             <a:r>
-              <a:rPr lang="en-US" altLang="ja-JP" smtClean="0"/>
+              <a:rPr lang="en-US" altLang="ja-JP"/>
               <a:t>5 </a:t>
             </a:r>
             <a:r>
-              <a:rPr lang="ja-JP" altLang="en-US" smtClean="0"/>
+              <a:rPr lang="ja-JP" altLang="en-US"/>
               <a:t>レベル</a:t>
             </a:r>
             <a:endParaRPr lang="en-US" dirty="0"/>
@@ -9004,7 +9611,7 @@
           <a:p>
             <a:fld id="{0A1D67E2-B520-4BB6-8434-DE7E995735B8}" type="datetime1">
               <a:rPr kumimoji="1" lang="ja-JP" altLang="en-US" smtClean="0"/>
-              <a:t>2020/10/9</a:t>
+              <a:t>2020/10/10</a:t>
             </a:fld>
             <a:endParaRPr kumimoji="1" lang="ja-JP" altLang="en-US"/>
           </a:p>
@@ -9026,26 +9633,26 @@
           <a:lstStyle/>
           <a:p>
             <a:r>
-              <a:rPr lang="en-US" altLang="ja-JP" dirty="0" smtClean="0"/>
+              <a:rPr lang="en-US" altLang="ja-JP" dirty="0"/>
               <a:t>R</a:t>
             </a:r>
             <a:r>
-              <a:rPr lang="ja-JP" altLang="en-US" dirty="0" smtClean="0"/>
+              <a:rPr lang="ja-JP" altLang="en-US" dirty="0"/>
               <a:t> </a:t>
             </a:r>
             <a:r>
-              <a:rPr lang="en-US" altLang="ja-JP" dirty="0" smtClean="0"/>
+              <a:rPr lang="en-US" altLang="ja-JP" dirty="0"/>
               <a:t>for</a:t>
             </a:r>
             <a:r>
-              <a:rPr lang="ja-JP" altLang="en-US" dirty="0" smtClean="0"/>
+              <a:rPr lang="ja-JP" altLang="en-US" dirty="0"/>
               <a:t> </a:t>
             </a:r>
             <a:r>
-              <a:rPr lang="en-US" altLang="ja-JP" dirty="0" smtClean="0"/>
+              <a:rPr lang="en-US" altLang="ja-JP" dirty="0"/>
               <a:t>Pharmacometrics</a:t>
             </a:r>
-            <a:endParaRPr lang="ja-JP" altLang="en-US" dirty="0" smtClean="0"/>
+            <a:endParaRPr lang="ja-JP" altLang="en-US" dirty="0"/>
           </a:p>
         </p:txBody>
       </p:sp>
@@ -9082,13 +9689,6 @@
   <p:clrMapOvr>
     <a:masterClrMapping/>
   </p:clrMapOvr>
-  <p:timing>
-    <p:tnLst>
-      <p:par>
-        <p:cTn id="1" dur="indefinite" restart="never" nodeType="tmRoot"/>
-      </p:par>
-    </p:tnLst>
-  </p:timing>
 </p:sldLayout>
 </file>
 
@@ -9130,7 +9730,7 @@
           <a:lstStyle/>
           <a:p>
             <a:r>
-              <a:rPr lang="ja-JP" altLang="en-US" smtClean="0"/>
+              <a:rPr lang="ja-JP" altLang="en-US"/>
               <a:t>マスター タイトルの書式設定</a:t>
             </a:r>
             <a:endParaRPr lang="en-US" dirty="0"/>
@@ -9196,7 +9796,7 @@
           <a:p>
             <a:pPr lvl="0"/>
             <a:r>
-              <a:rPr lang="ja-JP" altLang="en-US" smtClean="0"/>
+              <a:rPr lang="ja-JP" altLang="en-US"/>
               <a:t>マスター テキストの書式設定</a:t>
             </a:r>
           </a:p>
@@ -9224,67 +9824,67 @@
           <a:p>
             <a:pPr lvl="0"/>
             <a:r>
-              <a:rPr lang="ja-JP" altLang="en-US" smtClean="0"/>
+              <a:rPr lang="ja-JP" altLang="en-US"/>
               <a:t>マスター テキストの書式設定</a:t>
             </a:r>
           </a:p>
           <a:p>
             <a:pPr lvl="1"/>
             <a:r>
-              <a:rPr lang="ja-JP" altLang="en-US" smtClean="0"/>
+              <a:rPr lang="ja-JP" altLang="en-US"/>
               <a:t>第 </a:t>
             </a:r>
             <a:r>
-              <a:rPr lang="en-US" altLang="ja-JP" smtClean="0"/>
+              <a:rPr lang="en-US" altLang="ja-JP"/>
               <a:t>2 </a:t>
             </a:r>
             <a:r>
-              <a:rPr lang="ja-JP" altLang="en-US" smtClean="0"/>
+              <a:rPr lang="ja-JP" altLang="en-US"/>
               <a:t>レベル</a:t>
             </a:r>
           </a:p>
           <a:p>
             <a:pPr lvl="2"/>
             <a:r>
-              <a:rPr lang="ja-JP" altLang="en-US" smtClean="0"/>
+              <a:rPr lang="ja-JP" altLang="en-US"/>
               <a:t>第 </a:t>
             </a:r>
             <a:r>
-              <a:rPr lang="en-US" altLang="ja-JP" smtClean="0"/>
+              <a:rPr lang="en-US" altLang="ja-JP"/>
               <a:t>3 </a:t>
             </a:r>
             <a:r>
-              <a:rPr lang="ja-JP" altLang="en-US" smtClean="0"/>
+              <a:rPr lang="ja-JP" altLang="en-US"/>
               <a:t>レベル</a:t>
             </a:r>
           </a:p>
           <a:p>
             <a:pPr lvl="3"/>
             <a:r>
-              <a:rPr lang="ja-JP" altLang="en-US" smtClean="0"/>
+              <a:rPr lang="ja-JP" altLang="en-US"/>
               <a:t>第 </a:t>
             </a:r>
             <a:r>
-              <a:rPr lang="en-US" altLang="ja-JP" smtClean="0"/>
+              <a:rPr lang="en-US" altLang="ja-JP"/>
               <a:t>4 </a:t>
             </a:r>
             <a:r>
-              <a:rPr lang="ja-JP" altLang="en-US" smtClean="0"/>
+              <a:rPr lang="ja-JP" altLang="en-US"/>
               <a:t>レベル</a:t>
             </a:r>
           </a:p>
           <a:p>
             <a:pPr lvl="4"/>
             <a:r>
-              <a:rPr lang="ja-JP" altLang="en-US" smtClean="0"/>
+              <a:rPr lang="ja-JP" altLang="en-US"/>
               <a:t>第 </a:t>
             </a:r>
             <a:r>
-              <a:rPr lang="en-US" altLang="ja-JP" smtClean="0"/>
+              <a:rPr lang="en-US" altLang="ja-JP"/>
               <a:t>5 </a:t>
             </a:r>
             <a:r>
-              <a:rPr lang="ja-JP" altLang="en-US" smtClean="0"/>
+              <a:rPr lang="ja-JP" altLang="en-US"/>
               <a:t>レベル</a:t>
             </a:r>
             <a:endParaRPr lang="en-US" dirty="0"/>
@@ -9350,7 +9950,7 @@
           <a:p>
             <a:pPr lvl="0"/>
             <a:r>
-              <a:rPr lang="ja-JP" altLang="en-US" smtClean="0"/>
+              <a:rPr lang="ja-JP" altLang="en-US"/>
               <a:t>マスター テキストの書式設定</a:t>
             </a:r>
           </a:p>
@@ -9378,67 +9978,67 @@
           <a:p>
             <a:pPr lvl="0"/>
             <a:r>
-              <a:rPr lang="ja-JP" altLang="en-US" smtClean="0"/>
+              <a:rPr lang="ja-JP" altLang="en-US"/>
               <a:t>マスター テキストの書式設定</a:t>
             </a:r>
           </a:p>
           <a:p>
             <a:pPr lvl="1"/>
             <a:r>
-              <a:rPr lang="ja-JP" altLang="en-US" smtClean="0"/>
+              <a:rPr lang="ja-JP" altLang="en-US"/>
               <a:t>第 </a:t>
             </a:r>
             <a:r>
-              <a:rPr lang="en-US" altLang="ja-JP" smtClean="0"/>
+              <a:rPr lang="en-US" altLang="ja-JP"/>
               <a:t>2 </a:t>
             </a:r>
             <a:r>
-              <a:rPr lang="ja-JP" altLang="en-US" smtClean="0"/>
+              <a:rPr lang="ja-JP" altLang="en-US"/>
               <a:t>レベル</a:t>
             </a:r>
           </a:p>
           <a:p>
             <a:pPr lvl="2"/>
             <a:r>
-              <a:rPr lang="ja-JP" altLang="en-US" smtClean="0"/>
+              <a:rPr lang="ja-JP" altLang="en-US"/>
               <a:t>第 </a:t>
             </a:r>
             <a:r>
-              <a:rPr lang="en-US" altLang="ja-JP" smtClean="0"/>
+              <a:rPr lang="en-US" altLang="ja-JP"/>
               <a:t>3 </a:t>
             </a:r>
             <a:r>
-              <a:rPr lang="ja-JP" altLang="en-US" smtClean="0"/>
+              <a:rPr lang="ja-JP" altLang="en-US"/>
               <a:t>レベル</a:t>
             </a:r>
           </a:p>
           <a:p>
             <a:pPr lvl="3"/>
             <a:r>
-              <a:rPr lang="ja-JP" altLang="en-US" smtClean="0"/>
+              <a:rPr lang="ja-JP" altLang="en-US"/>
               <a:t>第 </a:t>
             </a:r>
             <a:r>
-              <a:rPr lang="en-US" altLang="ja-JP" smtClean="0"/>
+              <a:rPr lang="en-US" altLang="ja-JP"/>
               <a:t>4 </a:t>
             </a:r>
             <a:r>
-              <a:rPr lang="ja-JP" altLang="en-US" smtClean="0"/>
+              <a:rPr lang="ja-JP" altLang="en-US"/>
               <a:t>レベル</a:t>
             </a:r>
           </a:p>
           <a:p>
             <a:pPr lvl="4"/>
             <a:r>
-              <a:rPr lang="ja-JP" altLang="en-US" smtClean="0"/>
+              <a:rPr lang="ja-JP" altLang="en-US"/>
               <a:t>第 </a:t>
             </a:r>
             <a:r>
-              <a:rPr lang="en-US" altLang="ja-JP" smtClean="0"/>
+              <a:rPr lang="en-US" altLang="ja-JP"/>
               <a:t>5 </a:t>
             </a:r>
             <a:r>
-              <a:rPr lang="ja-JP" altLang="en-US" smtClean="0"/>
+              <a:rPr lang="ja-JP" altLang="en-US"/>
               <a:t>レベル</a:t>
             </a:r>
             <a:endParaRPr lang="en-US" dirty="0"/>
@@ -9462,7 +10062,7 @@
           <a:p>
             <a:fld id="{500F9857-EF08-440C-94CB-83D9EE0D5A5A}" type="datetime1">
               <a:rPr kumimoji="1" lang="ja-JP" altLang="en-US" smtClean="0"/>
-              <a:t>2020/10/9</a:t>
+              <a:t>2020/10/10</a:t>
             </a:fld>
             <a:endParaRPr kumimoji="1" lang="ja-JP" altLang="en-US"/>
           </a:p>
@@ -9484,26 +10084,26 @@
           <a:lstStyle/>
           <a:p>
             <a:r>
-              <a:rPr lang="en-US" altLang="ja-JP" dirty="0" smtClean="0"/>
+              <a:rPr lang="en-US" altLang="ja-JP" dirty="0"/>
               <a:t>R</a:t>
             </a:r>
             <a:r>
-              <a:rPr lang="ja-JP" altLang="en-US" dirty="0" smtClean="0"/>
+              <a:rPr lang="ja-JP" altLang="en-US" dirty="0"/>
               <a:t> </a:t>
             </a:r>
             <a:r>
-              <a:rPr lang="en-US" altLang="ja-JP" dirty="0" smtClean="0"/>
+              <a:rPr lang="en-US" altLang="ja-JP" dirty="0"/>
               <a:t>for</a:t>
             </a:r>
             <a:r>
-              <a:rPr lang="ja-JP" altLang="en-US" dirty="0" smtClean="0"/>
+              <a:rPr lang="ja-JP" altLang="en-US" dirty="0"/>
               <a:t> </a:t>
             </a:r>
             <a:r>
-              <a:rPr lang="en-US" altLang="ja-JP" dirty="0" smtClean="0"/>
+              <a:rPr lang="en-US" altLang="ja-JP" dirty="0"/>
               <a:t>Pharmacometrics</a:t>
             </a:r>
-            <a:endParaRPr lang="ja-JP" altLang="en-US" dirty="0" smtClean="0"/>
+            <a:endParaRPr lang="ja-JP" altLang="en-US" dirty="0"/>
           </a:p>
         </p:txBody>
       </p:sp>
@@ -9540,13 +10140,6 @@
   <p:clrMapOvr>
     <a:masterClrMapping/>
   </p:clrMapOvr>
-  <p:timing>
-    <p:tnLst>
-      <p:par>
-        <p:cTn id="1" dur="indefinite" restart="never" nodeType="tmRoot"/>
-      </p:par>
-    </p:tnLst>
-  </p:timing>
 </p:sldLayout>
 </file>
 
@@ -9583,7 +10176,7 @@
           <a:lstStyle/>
           <a:p>
             <a:r>
-              <a:rPr lang="ja-JP" altLang="en-US" smtClean="0"/>
+              <a:rPr lang="ja-JP" altLang="en-US"/>
               <a:t>マスター タイトルの書式設定</a:t>
             </a:r>
             <a:endParaRPr lang="en-US" dirty="0"/>
@@ -9607,7 +10200,7 @@
           <a:p>
             <a:fld id="{B6BF44F8-E47A-4CCA-94C1-5A88DC7B414A}" type="datetime1">
               <a:rPr kumimoji="1" lang="ja-JP" altLang="en-US" smtClean="0"/>
-              <a:t>2020/10/9</a:t>
+              <a:t>2020/10/10</a:t>
             </a:fld>
             <a:endParaRPr kumimoji="1" lang="ja-JP" altLang="en-US"/>
           </a:p>
@@ -9629,26 +10222,26 @@
           <a:lstStyle/>
           <a:p>
             <a:r>
-              <a:rPr lang="en-US" altLang="ja-JP" dirty="0" smtClean="0"/>
+              <a:rPr lang="en-US" altLang="ja-JP" dirty="0"/>
               <a:t>R</a:t>
             </a:r>
             <a:r>
-              <a:rPr lang="ja-JP" altLang="en-US" dirty="0" smtClean="0"/>
+              <a:rPr lang="ja-JP" altLang="en-US" dirty="0"/>
               <a:t> </a:t>
             </a:r>
             <a:r>
-              <a:rPr lang="en-US" altLang="ja-JP" dirty="0" smtClean="0"/>
+              <a:rPr lang="en-US" altLang="ja-JP" dirty="0"/>
               <a:t>for</a:t>
             </a:r>
             <a:r>
-              <a:rPr lang="ja-JP" altLang="en-US" dirty="0" smtClean="0"/>
+              <a:rPr lang="ja-JP" altLang="en-US" dirty="0"/>
               <a:t> </a:t>
             </a:r>
             <a:r>
-              <a:rPr lang="en-US" altLang="ja-JP" dirty="0" smtClean="0"/>
+              <a:rPr lang="en-US" altLang="ja-JP" dirty="0"/>
               <a:t>Pharmacometrics</a:t>
             </a:r>
-            <a:endParaRPr lang="ja-JP" altLang="en-US" dirty="0" smtClean="0"/>
+            <a:endParaRPr lang="ja-JP" altLang="en-US" dirty="0"/>
           </a:p>
         </p:txBody>
       </p:sp>
@@ -9685,13 +10278,6 @@
   <p:clrMapOvr>
     <a:masterClrMapping/>
   </p:clrMapOvr>
-  <p:timing>
-    <p:tnLst>
-      <p:par>
-        <p:cTn id="1" dur="indefinite" restart="never" nodeType="tmRoot"/>
-      </p:par>
-    </p:tnLst>
-  </p:timing>
 </p:sldLayout>
 </file>
 
@@ -9729,7 +10315,7 @@
           <a:p>
             <a:fld id="{DE263015-59FD-444D-A49B-45D0DD94C4F1}" type="datetime1">
               <a:rPr kumimoji="1" lang="ja-JP" altLang="en-US" smtClean="0"/>
-              <a:t>2020/10/9</a:t>
+              <a:t>2020/10/10</a:t>
             </a:fld>
             <a:endParaRPr kumimoji="1" lang="ja-JP" altLang="en-US"/>
           </a:p>
@@ -9751,26 +10337,26 @@
           <a:lstStyle/>
           <a:p>
             <a:r>
-              <a:rPr lang="en-US" altLang="ja-JP" dirty="0" smtClean="0"/>
+              <a:rPr lang="en-US" altLang="ja-JP" dirty="0"/>
               <a:t>R</a:t>
             </a:r>
             <a:r>
-              <a:rPr lang="ja-JP" altLang="en-US" dirty="0" smtClean="0"/>
+              <a:rPr lang="ja-JP" altLang="en-US" dirty="0"/>
               <a:t> </a:t>
             </a:r>
             <a:r>
-              <a:rPr lang="en-US" altLang="ja-JP" dirty="0" smtClean="0"/>
+              <a:rPr lang="en-US" altLang="ja-JP" dirty="0"/>
               <a:t>for</a:t>
             </a:r>
             <a:r>
-              <a:rPr lang="ja-JP" altLang="en-US" dirty="0" smtClean="0"/>
+              <a:rPr lang="ja-JP" altLang="en-US" dirty="0"/>
               <a:t> </a:t>
             </a:r>
             <a:r>
-              <a:rPr lang="en-US" altLang="ja-JP" dirty="0" smtClean="0"/>
+              <a:rPr lang="en-US" altLang="ja-JP" dirty="0"/>
               <a:t>Pharmacometrics</a:t>
             </a:r>
-            <a:endParaRPr lang="ja-JP" altLang="en-US" dirty="0" smtClean="0"/>
+            <a:endParaRPr lang="ja-JP" altLang="en-US" dirty="0"/>
           </a:p>
         </p:txBody>
       </p:sp>
@@ -9807,13 +10393,6 @@
   <p:clrMapOvr>
     <a:masterClrMapping/>
   </p:clrMapOvr>
-  <p:timing>
-    <p:tnLst>
-      <p:par>
-        <p:cTn id="1" dur="indefinite" restart="never" nodeType="tmRoot"/>
-      </p:par>
-    </p:tnLst>
-  </p:timing>
 </p:sldLayout>
 </file>
 
@@ -9859,7 +10438,7 @@
           </a:lstStyle>
           <a:p>
             <a:r>
-              <a:rPr lang="ja-JP" altLang="en-US" smtClean="0"/>
+              <a:rPr lang="ja-JP" altLang="en-US"/>
               <a:t>マスター タイトルの書式設定</a:t>
             </a:r>
             <a:endParaRPr lang="en-US" dirty="0"/>
@@ -9916,67 +10495,67 @@
           <a:p>
             <a:pPr lvl="0"/>
             <a:r>
-              <a:rPr lang="ja-JP" altLang="en-US" smtClean="0"/>
+              <a:rPr lang="ja-JP" altLang="en-US"/>
               <a:t>マスター テキストの書式設定</a:t>
             </a:r>
           </a:p>
           <a:p>
             <a:pPr lvl="1"/>
             <a:r>
-              <a:rPr lang="ja-JP" altLang="en-US" smtClean="0"/>
+              <a:rPr lang="ja-JP" altLang="en-US"/>
               <a:t>第 </a:t>
             </a:r>
             <a:r>
-              <a:rPr lang="en-US" altLang="ja-JP" smtClean="0"/>
+              <a:rPr lang="en-US" altLang="ja-JP"/>
               <a:t>2 </a:t>
             </a:r>
             <a:r>
-              <a:rPr lang="ja-JP" altLang="en-US" smtClean="0"/>
+              <a:rPr lang="ja-JP" altLang="en-US"/>
               <a:t>レベル</a:t>
             </a:r>
           </a:p>
           <a:p>
             <a:pPr lvl="2"/>
             <a:r>
-              <a:rPr lang="ja-JP" altLang="en-US" smtClean="0"/>
+              <a:rPr lang="ja-JP" altLang="en-US"/>
               <a:t>第 </a:t>
             </a:r>
             <a:r>
-              <a:rPr lang="en-US" altLang="ja-JP" smtClean="0"/>
+              <a:rPr lang="en-US" altLang="ja-JP"/>
               <a:t>3 </a:t>
             </a:r>
             <a:r>
-              <a:rPr lang="ja-JP" altLang="en-US" smtClean="0"/>
+              <a:rPr lang="ja-JP" altLang="en-US"/>
               <a:t>レベル</a:t>
             </a:r>
           </a:p>
           <a:p>
             <a:pPr lvl="3"/>
             <a:r>
-              <a:rPr lang="ja-JP" altLang="en-US" smtClean="0"/>
+              <a:rPr lang="ja-JP" altLang="en-US"/>
               <a:t>第 </a:t>
             </a:r>
             <a:r>
-              <a:rPr lang="en-US" altLang="ja-JP" smtClean="0"/>
+              <a:rPr lang="en-US" altLang="ja-JP"/>
               <a:t>4 </a:t>
             </a:r>
             <a:r>
-              <a:rPr lang="ja-JP" altLang="en-US" smtClean="0"/>
+              <a:rPr lang="ja-JP" altLang="en-US"/>
               <a:t>レベル</a:t>
             </a:r>
           </a:p>
           <a:p>
             <a:pPr lvl="4"/>
             <a:r>
-              <a:rPr lang="ja-JP" altLang="en-US" smtClean="0"/>
+              <a:rPr lang="ja-JP" altLang="en-US"/>
               <a:t>第 </a:t>
             </a:r>
             <a:r>
-              <a:rPr lang="en-US" altLang="ja-JP" smtClean="0"/>
+              <a:rPr lang="en-US" altLang="ja-JP"/>
               <a:t>5 </a:t>
             </a:r>
             <a:r>
-              <a:rPr lang="ja-JP" altLang="en-US" smtClean="0"/>
+              <a:rPr lang="ja-JP" altLang="en-US"/>
               <a:t>レベル</a:t>
             </a:r>
             <a:endParaRPr lang="en-US" dirty="0"/>
@@ -10042,7 +10621,7 @@
           <a:p>
             <a:pPr lvl="0"/>
             <a:r>
-              <a:rPr lang="ja-JP" altLang="en-US" smtClean="0"/>
+              <a:rPr lang="ja-JP" altLang="en-US"/>
               <a:t>マスター テキストの書式設定</a:t>
             </a:r>
           </a:p>
@@ -10065,7 +10644,7 @@
           <a:p>
             <a:fld id="{7A6651C1-F643-424E-9D81-62CF9A82FABB}" type="datetime1">
               <a:rPr kumimoji="1" lang="ja-JP" altLang="en-US" smtClean="0"/>
-              <a:t>2020/10/9</a:t>
+              <a:t>2020/10/10</a:t>
             </a:fld>
             <a:endParaRPr kumimoji="1" lang="ja-JP" altLang="en-US"/>
           </a:p>
@@ -10087,7 +10666,7 @@
           <a:lstStyle/>
           <a:p>
             <a:r>
-              <a:rPr kumimoji="1" lang="en-US" altLang="ja-JP" smtClean="0"/>
+              <a:rPr kumimoji="1" lang="en-US" altLang="ja-JP"/>
               <a:t>R for Pharmacometrics</a:t>
             </a:r>
             <a:endParaRPr kumimoji="1" lang="ja-JP" altLang="en-US"/>
@@ -10172,7 +10751,7 @@
           </a:lstStyle>
           <a:p>
             <a:r>
-              <a:rPr lang="ja-JP" altLang="en-US" smtClean="0"/>
+              <a:rPr lang="ja-JP" altLang="en-US"/>
               <a:t>マスター タイトルの書式設定</a:t>
             </a:r>
             <a:endParaRPr lang="en-US" dirty="0"/>
@@ -10237,7 +10816,7 @@
           </a:lstStyle>
           <a:p>
             <a:r>
-              <a:rPr lang="ja-JP" altLang="en-US" smtClean="0"/>
+              <a:rPr lang="ja-JP" altLang="en-US"/>
               <a:t>図を追加</a:t>
             </a:r>
             <a:endParaRPr lang="en-US" dirty="0"/>
@@ -10303,7 +10882,7 @@
           <a:p>
             <a:pPr lvl="0"/>
             <a:r>
-              <a:rPr lang="ja-JP" altLang="en-US" smtClean="0"/>
+              <a:rPr lang="ja-JP" altLang="en-US"/>
               <a:t>マスター テキストの書式設定</a:t>
             </a:r>
           </a:p>
@@ -10326,7 +10905,7 @@
           <a:p>
             <a:fld id="{E79AACC8-2A3E-4AB1-936D-2A445495DFBA}" type="datetime1">
               <a:rPr kumimoji="1" lang="ja-JP" altLang="en-US" smtClean="0"/>
-              <a:t>2020/10/9</a:t>
+              <a:t>2020/10/10</a:t>
             </a:fld>
             <a:endParaRPr kumimoji="1" lang="ja-JP" altLang="en-US"/>
           </a:p>
@@ -10348,7 +10927,7 @@
           <a:lstStyle/>
           <a:p>
             <a:r>
-              <a:rPr kumimoji="1" lang="en-US" altLang="ja-JP" smtClean="0"/>
+              <a:rPr kumimoji="1" lang="en-US" altLang="ja-JP"/>
               <a:t>R for Pharmacometrics</a:t>
             </a:r>
             <a:endParaRPr kumimoji="1" lang="ja-JP" altLang="en-US"/>
@@ -10439,7 +11018,7 @@
           <a:lstStyle/>
           <a:p>
             <a:r>
-              <a:rPr lang="ja-JP" altLang="en-US" smtClean="0"/>
+              <a:rPr lang="ja-JP" altLang="en-US"/>
               <a:t>マスター タイトルの書式設定</a:t>
             </a:r>
             <a:endParaRPr lang="en-US" dirty="0"/>
@@ -10473,67 +11052,67 @@
           <a:p>
             <a:pPr lvl="0"/>
             <a:r>
-              <a:rPr lang="ja-JP" altLang="en-US" smtClean="0"/>
+              <a:rPr lang="ja-JP" altLang="en-US"/>
               <a:t>マスター テキストの書式設定</a:t>
             </a:r>
           </a:p>
           <a:p>
             <a:pPr lvl="1"/>
             <a:r>
-              <a:rPr lang="ja-JP" altLang="en-US" smtClean="0"/>
+              <a:rPr lang="ja-JP" altLang="en-US"/>
               <a:t>第 </a:t>
             </a:r>
             <a:r>
-              <a:rPr lang="en-US" altLang="ja-JP" smtClean="0"/>
+              <a:rPr lang="en-US" altLang="ja-JP"/>
               <a:t>2 </a:t>
             </a:r>
             <a:r>
-              <a:rPr lang="ja-JP" altLang="en-US" smtClean="0"/>
+              <a:rPr lang="ja-JP" altLang="en-US"/>
               <a:t>レベル</a:t>
             </a:r>
           </a:p>
           <a:p>
             <a:pPr lvl="2"/>
             <a:r>
-              <a:rPr lang="ja-JP" altLang="en-US" smtClean="0"/>
+              <a:rPr lang="ja-JP" altLang="en-US"/>
               <a:t>第 </a:t>
             </a:r>
             <a:r>
-              <a:rPr lang="en-US" altLang="ja-JP" smtClean="0"/>
+              <a:rPr lang="en-US" altLang="ja-JP"/>
               <a:t>3 </a:t>
             </a:r>
             <a:r>
-              <a:rPr lang="ja-JP" altLang="en-US" smtClean="0"/>
+              <a:rPr lang="ja-JP" altLang="en-US"/>
               <a:t>レベル</a:t>
             </a:r>
           </a:p>
           <a:p>
             <a:pPr lvl="3"/>
             <a:r>
-              <a:rPr lang="ja-JP" altLang="en-US" smtClean="0"/>
+              <a:rPr lang="ja-JP" altLang="en-US"/>
               <a:t>第 </a:t>
             </a:r>
             <a:r>
-              <a:rPr lang="en-US" altLang="ja-JP" smtClean="0"/>
+              <a:rPr lang="en-US" altLang="ja-JP"/>
               <a:t>4 </a:t>
             </a:r>
             <a:r>
-              <a:rPr lang="ja-JP" altLang="en-US" smtClean="0"/>
+              <a:rPr lang="ja-JP" altLang="en-US"/>
               <a:t>レベル</a:t>
             </a:r>
           </a:p>
           <a:p>
             <a:pPr lvl="4"/>
             <a:r>
-              <a:rPr lang="ja-JP" altLang="en-US" smtClean="0"/>
+              <a:rPr lang="ja-JP" altLang="en-US"/>
               <a:t>第 </a:t>
             </a:r>
             <a:r>
-              <a:rPr lang="en-US" altLang="ja-JP" smtClean="0"/>
+              <a:rPr lang="en-US" altLang="ja-JP"/>
               <a:t>5 </a:t>
             </a:r>
             <a:r>
-              <a:rPr lang="ja-JP" altLang="en-US" smtClean="0"/>
+              <a:rPr lang="ja-JP" altLang="en-US"/>
               <a:t>レベル</a:t>
             </a:r>
             <a:endParaRPr lang="en-US" dirty="0"/>
@@ -10575,7 +11154,7 @@
           <a:p>
             <a:fld id="{79B7E619-0862-4EB5-B675-91B651E48568}" type="datetime1">
               <a:rPr kumimoji="1" lang="ja-JP" altLang="en-US" smtClean="0"/>
-              <a:t>2020/10/9</a:t>
+              <a:t>2020/10/10</a:t>
             </a:fld>
             <a:endParaRPr kumimoji="1" lang="ja-JP" altLang="en-US"/>
           </a:p>
@@ -10615,26 +11194,26 @@
           </a:lstStyle>
           <a:p>
             <a:r>
-              <a:rPr lang="en-US" altLang="ja-JP" dirty="0" smtClean="0"/>
+              <a:rPr lang="en-US" altLang="ja-JP" dirty="0"/>
               <a:t>R</a:t>
             </a:r>
             <a:r>
-              <a:rPr lang="ja-JP" altLang="en-US" dirty="0" smtClean="0"/>
+              <a:rPr lang="ja-JP" altLang="en-US" dirty="0"/>
               <a:t> </a:t>
             </a:r>
             <a:r>
-              <a:rPr lang="en-US" altLang="ja-JP" dirty="0" smtClean="0"/>
+              <a:rPr lang="en-US" altLang="ja-JP" dirty="0"/>
               <a:t>for</a:t>
             </a:r>
             <a:r>
-              <a:rPr lang="ja-JP" altLang="en-US" dirty="0" smtClean="0"/>
+              <a:rPr lang="ja-JP" altLang="en-US" dirty="0"/>
               <a:t> </a:t>
             </a:r>
             <a:r>
-              <a:rPr lang="en-US" altLang="ja-JP" dirty="0" smtClean="0"/>
+              <a:rPr lang="en-US" altLang="ja-JP" dirty="0"/>
               <a:t>Pharmacometrics</a:t>
             </a:r>
-            <a:endParaRPr lang="ja-JP" altLang="en-US" dirty="0" smtClean="0"/>
+            <a:endParaRPr lang="ja-JP" altLang="en-US" dirty="0"/>
           </a:p>
         </p:txBody>
       </p:sp>
@@ -10700,13 +11279,6 @@
     <p:sldLayoutId id="2147483670" r:id="rId10"/>
     <p:sldLayoutId id="2147483671" r:id="rId11"/>
   </p:sldLayoutIdLst>
-  <p:timing>
-    <p:tnLst>
-      <p:par>
-        <p:cTn id="1" dur="indefinite" restart="never" nodeType="tmRoot"/>
-      </p:par>
-    </p:tnLst>
-  </p:timing>
   <p:hf hdr="0" dt="0"/>
   <p:txStyles>
     <p:titleStyle>
@@ -11047,23 +11619,23 @@
           <a:lstStyle/>
           <a:p>
             <a:r>
-              <a:rPr kumimoji="1" lang="en-US" altLang="ja-JP" smtClean="0"/>
+              <a:rPr kumimoji="1" lang="en-US" altLang="ja-JP"/>
               <a:t>R</a:t>
             </a:r>
             <a:r>
-              <a:rPr kumimoji="1" lang="ja-JP" altLang="en-US" smtClean="0"/>
+              <a:rPr kumimoji="1" lang="ja-JP" altLang="en-US"/>
               <a:t> </a:t>
             </a:r>
             <a:r>
-              <a:rPr kumimoji="1" lang="en-US" altLang="ja-JP" smtClean="0"/>
+              <a:rPr kumimoji="1" lang="en-US" altLang="ja-JP"/>
               <a:t>for</a:t>
             </a:r>
             <a:r>
-              <a:rPr kumimoji="1" lang="ja-JP" altLang="en-US" smtClean="0"/>
+              <a:rPr kumimoji="1" lang="ja-JP" altLang="en-US"/>
               <a:t> </a:t>
             </a:r>
             <a:r>
-              <a:rPr kumimoji="1" lang="en-US" altLang="ja-JP" smtClean="0"/>
+              <a:rPr kumimoji="1" lang="en-US" altLang="ja-JP"/>
               <a:t>Pharmacometrics</a:t>
             </a:r>
             <a:endParaRPr kumimoji="1" lang="ja-JP" altLang="en-US" dirty="0"/>
@@ -11112,7 +11684,7 @@
           </a:lstStyle>
           <a:p>
             <a:r>
-              <a:rPr lang="en-US" altLang="ja-JP" sz="6600" b="1" dirty="0" smtClean="0">
+              <a:rPr lang="en-US" altLang="ja-JP" sz="6600" b="1" dirty="0">
                 <a:solidFill>
                   <a:schemeClr val="tx1">
                     <a:lumMod val="50000"/>
@@ -11123,7 +11695,7 @@
               <a:t>Advanced:</a:t>
             </a:r>
             <a:r>
-              <a:rPr lang="ja-JP" altLang="en-US" sz="6600" b="1" dirty="0" smtClean="0">
+              <a:rPr lang="ja-JP" altLang="en-US" sz="6600" b="1" dirty="0">
                 <a:solidFill>
                   <a:schemeClr val="tx1">
                     <a:lumMod val="50000"/>
@@ -11134,7 +11706,7 @@
               <a:t> </a:t>
             </a:r>
             <a:r>
-              <a:rPr lang="en-US" altLang="ja-JP" sz="6600" b="1" dirty="0" smtClean="0">
+              <a:rPr lang="en-US" altLang="ja-JP" sz="6600" b="1" dirty="0">
                 <a:solidFill>
                   <a:schemeClr val="tx1">
                     <a:lumMod val="50000"/>
@@ -11184,13 +11756,6 @@
   <p:clrMapOvr>
     <a:masterClrMapping/>
   </p:clrMapOvr>
-  <p:timing>
-    <p:tnLst>
-      <p:par>
-        <p:cTn id="1" dur="indefinite" restart="never" nodeType="tmRoot"/>
-      </p:par>
-    </p:tnLst>
-  </p:timing>
 </p:sld>
 </file>
 
@@ -11227,10 +11792,9 @@
           <a:lstStyle/>
           <a:p>
             <a:r>
-              <a:rPr kumimoji="1" lang="ja-JP" altLang="en-US" dirty="0" smtClean="0"/>
+              <a:rPr kumimoji="1" lang="ja-JP" altLang="en-US" dirty="0"/>
               <a:t>対策の対策としてチョキを半分に減らす</a:t>
             </a:r>
-            <a:endParaRPr kumimoji="1" lang="ja-JP" altLang="en-US" dirty="0"/>
           </a:p>
         </p:txBody>
       </p:sp>
@@ -11269,26 +11833,26 @@
           <a:lstStyle/>
           <a:p>
             <a:r>
-              <a:rPr lang="en-US" altLang="ja-JP" smtClean="0"/>
+              <a:rPr lang="en-US" altLang="ja-JP"/>
               <a:t>R</a:t>
             </a:r>
             <a:r>
-              <a:rPr lang="ja-JP" altLang="en-US" smtClean="0"/>
+              <a:rPr lang="ja-JP" altLang="en-US"/>
               <a:t> </a:t>
             </a:r>
             <a:r>
-              <a:rPr lang="en-US" altLang="ja-JP" smtClean="0"/>
+              <a:rPr lang="en-US" altLang="ja-JP"/>
               <a:t>for</a:t>
             </a:r>
             <a:r>
-              <a:rPr lang="ja-JP" altLang="en-US" smtClean="0"/>
+              <a:rPr lang="ja-JP" altLang="en-US"/>
               <a:t> </a:t>
             </a:r>
             <a:r>
-              <a:rPr lang="en-US" altLang="ja-JP" smtClean="0"/>
+              <a:rPr lang="en-US" altLang="ja-JP"/>
               <a:t>Pharmacometrics</a:t>
             </a:r>
-            <a:endParaRPr lang="ja-JP" altLang="en-US" dirty="0" smtClean="0"/>
+            <a:endParaRPr lang="ja-JP" altLang="en-US" dirty="0"/>
           </a:p>
         </p:txBody>
       </p:sp>
@@ -11338,7 +11902,7 @@
           <a:lstStyle/>
           <a:p>
             <a:r>
-              <a:rPr lang="ja-JP" altLang="en-US" sz="2400" dirty="0" smtClean="0"/>
+              <a:rPr lang="ja-JP" altLang="en-US" sz="2400" dirty="0"/>
               <a:t>裏の裏を読めれば勝てる</a:t>
             </a:r>
             <a:endParaRPr kumimoji="1" lang="ja-JP" altLang="en-US" sz="2400" dirty="0"/>
@@ -11399,41 +11963,24 @@
           <a:p>
             <a:pPr algn="ctr"/>
             <a:r>
-              <a:rPr lang="ja-JP" altLang="en-US" sz="1200" dirty="0" smtClean="0"/>
+              <a:rPr lang="ja-JP" altLang="en-US" sz="1200" dirty="0"/>
               <a:t>さらに読んできてパーを</a:t>
             </a:r>
-            <a:r>
-              <a:rPr lang="en-US" altLang="ja-JP" sz="1200" dirty="0" smtClean="0"/>
-              <a:t/>
-            </a:r>
             <a:br>
-              <a:rPr lang="en-US" altLang="ja-JP" sz="1200" dirty="0" smtClean="0"/>
+              <a:rPr lang="en-US" altLang="ja-JP" sz="1200" dirty="0"/>
             </a:br>
             <a:r>
-              <a:rPr lang="ja-JP" altLang="en-US" sz="1200" dirty="0" smtClean="0"/>
+              <a:rPr lang="ja-JP" altLang="en-US" sz="1200" dirty="0"/>
               <a:t>減らしてくるかも・・・</a:t>
             </a:r>
-            <a:endParaRPr lang="en-US" altLang="ja-JP" sz="1200" dirty="0" smtClean="0"/>
+            <a:endParaRPr lang="en-US" altLang="ja-JP" sz="1200" dirty="0"/>
           </a:p>
           <a:p>
             <a:pPr algn="ctr"/>
             <a:r>
               <a:rPr kumimoji="1" lang="ja-JP" altLang="en-US" sz="1200" dirty="0"/>
-              <a:t>チョキ</a:t>
-            </a:r>
-            <a:r>
-              <a:rPr kumimoji="1" lang="ja-JP" altLang="en-US" sz="1200" dirty="0" smtClean="0"/>
-              <a:t>を</a:t>
-            </a:r>
-            <a:r>
-              <a:rPr kumimoji="1" lang="ja-JP" altLang="en-US" sz="1200" dirty="0"/>
-              <a:t>減</a:t>
-            </a:r>
-            <a:r>
-              <a:rPr kumimoji="1" lang="ja-JP" altLang="en-US" sz="1200" dirty="0" smtClean="0"/>
-              <a:t>らそう</a:t>
-            </a:r>
-            <a:endParaRPr kumimoji="1" lang="ja-JP" altLang="en-US" sz="1200" dirty="0"/>
+              <a:t>チョキを減らそう</a:t>
+            </a:r>
           </a:p>
         </p:txBody>
       </p:sp>
@@ -11488,10 +12035,9 @@
               <a:t>チョキ</a:t>
             </a:r>
             <a:r>
-              <a:rPr kumimoji="1" lang="ja-JP" altLang="en-US" dirty="0" smtClean="0"/>
+              <a:rPr kumimoji="1" lang="ja-JP" altLang="en-US" dirty="0"/>
               <a:t>を減らす</a:t>
             </a:r>
-            <a:endParaRPr kumimoji="1" lang="ja-JP" altLang="en-US" dirty="0"/>
           </a:p>
         </p:txBody>
       </p:sp>
@@ -11522,10 +12068,9 @@
               <a:t>パ</a:t>
             </a:r>
             <a:r>
-              <a:rPr kumimoji="1" lang="ja-JP" altLang="en-US" dirty="0" smtClean="0"/>
+              <a:rPr kumimoji="1" lang="ja-JP" altLang="en-US" dirty="0"/>
               <a:t>ーを減らす</a:t>
             </a:r>
-            <a:endParaRPr kumimoji="1" lang="ja-JP" altLang="en-US" dirty="0"/>
           </a:p>
         </p:txBody>
       </p:sp>
@@ -11575,10 +12120,9 @@
           <a:lstStyle/>
           <a:p>
             <a:r>
-              <a:rPr kumimoji="1" lang="ja-JP" altLang="en-US" dirty="0" smtClean="0"/>
+              <a:rPr kumimoji="1" lang="ja-JP" altLang="en-US" dirty="0"/>
               <a:t>番外編：読み間違えた場合</a:t>
             </a:r>
-            <a:endParaRPr kumimoji="1" lang="ja-JP" altLang="en-US" dirty="0"/>
           </a:p>
         </p:txBody>
       </p:sp>
@@ -11617,26 +12161,26 @@
           <a:lstStyle/>
           <a:p>
             <a:r>
-              <a:rPr lang="en-US" altLang="ja-JP" smtClean="0"/>
+              <a:rPr lang="en-US" altLang="ja-JP"/>
               <a:t>R</a:t>
             </a:r>
             <a:r>
-              <a:rPr lang="ja-JP" altLang="en-US" smtClean="0"/>
+              <a:rPr lang="ja-JP" altLang="en-US"/>
               <a:t> </a:t>
             </a:r>
             <a:r>
-              <a:rPr lang="en-US" altLang="ja-JP" smtClean="0"/>
+              <a:rPr lang="en-US" altLang="ja-JP"/>
               <a:t>for</a:t>
             </a:r>
             <a:r>
-              <a:rPr lang="ja-JP" altLang="en-US" smtClean="0"/>
+              <a:rPr lang="ja-JP" altLang="en-US"/>
               <a:t> </a:t>
             </a:r>
             <a:r>
-              <a:rPr lang="en-US" altLang="ja-JP" smtClean="0"/>
+              <a:rPr lang="en-US" altLang="ja-JP"/>
               <a:t>Pharmacometrics</a:t>
             </a:r>
-            <a:endParaRPr lang="ja-JP" altLang="en-US" dirty="0" smtClean="0"/>
+            <a:endParaRPr lang="ja-JP" altLang="en-US" dirty="0"/>
           </a:p>
         </p:txBody>
       </p:sp>
@@ -11717,29 +12261,21 @@
           <a:p>
             <a:pPr algn="ctr"/>
             <a:r>
-              <a:rPr lang="ja-JP" altLang="en-US" sz="1200" dirty="0" smtClean="0"/>
+              <a:rPr lang="ja-JP" altLang="en-US" sz="1200" dirty="0"/>
               <a:t>グーを減らして</a:t>
             </a:r>
-            <a:r>
-              <a:rPr lang="en-US" altLang="ja-JP" sz="1200" dirty="0" smtClean="0"/>
-              <a:t/>
-            </a:r>
             <a:br>
-              <a:rPr lang="en-US" altLang="ja-JP" sz="1200" dirty="0" smtClean="0"/>
+              <a:rPr lang="en-US" altLang="ja-JP" sz="1200" dirty="0"/>
             </a:br>
             <a:r>
-              <a:rPr lang="ja-JP" altLang="en-US" sz="1200" dirty="0" smtClean="0"/>
+              <a:rPr lang="ja-JP" altLang="en-US" sz="1200" dirty="0"/>
               <a:t>くるはず！</a:t>
             </a:r>
-            <a:r>
-              <a:rPr lang="en-US" altLang="ja-JP" sz="1200" dirty="0" smtClean="0"/>
-              <a:t/>
-            </a:r>
             <a:br>
-              <a:rPr lang="en-US" altLang="ja-JP" sz="1200" dirty="0" smtClean="0"/>
+              <a:rPr lang="en-US" altLang="ja-JP" sz="1200" dirty="0"/>
             </a:br>
             <a:r>
-              <a:rPr lang="ja-JP" altLang="en-US" sz="1200" dirty="0" smtClean="0"/>
+              <a:rPr lang="ja-JP" altLang="en-US" sz="1200" dirty="0"/>
               <a:t>パーを減らそう</a:t>
             </a:r>
             <a:endParaRPr kumimoji="1" lang="ja-JP" altLang="en-US" sz="1200" dirty="0"/>
@@ -11824,52 +12360,31 @@
           <a:p>
             <a:pPr algn="ctr"/>
             <a:r>
-              <a:rPr lang="ja-JP" altLang="en-US" sz="1200" dirty="0" smtClean="0"/>
+              <a:rPr lang="ja-JP" altLang="en-US" sz="1200" dirty="0"/>
               <a:t>さらに読んできて</a:t>
             </a:r>
-            <a:r>
-              <a:rPr lang="en-US" altLang="ja-JP" sz="1200" dirty="0" smtClean="0"/>
-              <a:t/>
-            </a:r>
             <a:br>
-              <a:rPr lang="en-US" altLang="ja-JP" sz="1200" dirty="0" smtClean="0"/>
+              <a:rPr lang="en-US" altLang="ja-JP" sz="1200" dirty="0"/>
             </a:br>
             <a:r>
-              <a:rPr lang="ja-JP" altLang="en-US" sz="1200" dirty="0" smtClean="0"/>
+              <a:rPr lang="ja-JP" altLang="en-US" sz="1200" dirty="0"/>
               <a:t>パーを減らして</a:t>
             </a:r>
-            <a:r>
-              <a:rPr lang="en-US" altLang="ja-JP" sz="1200" dirty="0" smtClean="0"/>
-              <a:t/>
-            </a:r>
             <a:br>
-              <a:rPr lang="en-US" altLang="ja-JP" sz="1200" dirty="0" smtClean="0"/>
+              <a:rPr lang="en-US" altLang="ja-JP" sz="1200" dirty="0"/>
             </a:br>
             <a:r>
-              <a:rPr lang="ja-JP" altLang="en-US" sz="1200" dirty="0" smtClean="0"/>
+              <a:rPr lang="ja-JP" altLang="en-US" sz="1200" dirty="0"/>
               <a:t>くるはず！</a:t>
             </a:r>
-            <a:endParaRPr lang="en-US" altLang="ja-JP" sz="1200" dirty="0" smtClean="0"/>
+            <a:endParaRPr lang="en-US" altLang="ja-JP" sz="1200" dirty="0"/>
           </a:p>
           <a:p>
             <a:pPr algn="ctr"/>
             <a:r>
               <a:rPr kumimoji="1" lang="ja-JP" altLang="en-US" sz="1200" dirty="0"/>
-              <a:t>チョキ</a:t>
-            </a:r>
-            <a:r>
-              <a:rPr kumimoji="1" lang="ja-JP" altLang="en-US" sz="1200" dirty="0" smtClean="0"/>
-              <a:t>を</a:t>
-            </a:r>
-            <a:r>
-              <a:rPr kumimoji="1" lang="ja-JP" altLang="en-US" sz="1200" dirty="0"/>
-              <a:t>減</a:t>
-            </a:r>
-            <a:r>
-              <a:rPr kumimoji="1" lang="ja-JP" altLang="en-US" sz="1200" dirty="0" smtClean="0"/>
-              <a:t>らそう</a:t>
-            </a:r>
-            <a:endParaRPr kumimoji="1" lang="ja-JP" altLang="en-US" sz="1200" dirty="0"/>
+              <a:t>チョキを減らそう</a:t>
+            </a:r>
           </a:p>
         </p:txBody>
       </p:sp>
@@ -11900,10 +12415,9 @@
               <a:t>パ</a:t>
             </a:r>
             <a:r>
-              <a:rPr kumimoji="1" lang="ja-JP" altLang="en-US" dirty="0" smtClean="0"/>
+              <a:rPr kumimoji="1" lang="ja-JP" altLang="en-US" dirty="0"/>
               <a:t>ーを減らす</a:t>
             </a:r>
-            <a:endParaRPr kumimoji="1" lang="ja-JP" altLang="en-US" dirty="0"/>
           </a:p>
         </p:txBody>
       </p:sp>
@@ -11958,10 +12472,9 @@
               <a:t>チョキ</a:t>
             </a:r>
             <a:r>
-              <a:rPr kumimoji="1" lang="ja-JP" altLang="en-US" dirty="0" smtClean="0"/>
+              <a:rPr kumimoji="1" lang="ja-JP" altLang="en-US" dirty="0"/>
               <a:t>を減らす</a:t>
             </a:r>
-            <a:endParaRPr kumimoji="1" lang="ja-JP" altLang="en-US" dirty="0"/>
           </a:p>
         </p:txBody>
       </p:sp>
@@ -12001,17 +12514,12 @@
             <a:pPr algn="ctr"/>
             <a:r>
               <a:rPr lang="ja-JP" altLang="en-US" dirty="0"/>
-              <a:t>自分</a:t>
-            </a:r>
-            <a:r>
-              <a:rPr lang="ja-JP" altLang="en-US" dirty="0" smtClean="0"/>
-              <a:t>がチョキ</a:t>
-            </a:r>
-            <a:r>
-              <a:rPr kumimoji="1" lang="ja-JP" altLang="en-US" dirty="0" smtClean="0"/>
+              <a:t>自分がチョキ</a:t>
+            </a:r>
+            <a:r>
+              <a:rPr kumimoji="1" lang="ja-JP" altLang="en-US" dirty="0"/>
               <a:t>で勝つ確率が下がり、相手がグー以外で勝つ確率が上がるので結果的に相手がゴールしやすくなる</a:t>
             </a:r>
-            <a:endParaRPr kumimoji="1" lang="ja-JP" altLang="en-US" dirty="0"/>
           </a:p>
         </p:txBody>
       </p:sp>
@@ -12053,10 +12561,10 @@
               <a:buChar char="•"/>
             </a:pPr>
             <a:r>
-              <a:rPr kumimoji="1" lang="ja-JP" altLang="en-US" dirty="0" smtClean="0"/>
+              <a:rPr kumimoji="1" lang="ja-JP" altLang="en-US" dirty="0"/>
               <a:t>パーを減らす：ローリスク</a:t>
             </a:r>
-            <a:endParaRPr kumimoji="1" lang="en-US" altLang="ja-JP" dirty="0" smtClean="0"/>
+            <a:endParaRPr kumimoji="1" lang="en-US" altLang="ja-JP" dirty="0"/>
           </a:p>
           <a:p>
             <a:pPr marL="285750" indent="-285750">
@@ -12065,13 +12573,9 @@
             </a:pPr>
             <a:r>
               <a:rPr lang="ja-JP" altLang="en-US" dirty="0"/>
-              <a:t>チョキ</a:t>
-            </a:r>
-            <a:r>
-              <a:rPr lang="ja-JP" altLang="en-US" dirty="0" smtClean="0"/>
-              <a:t>を減らす：ハイリスクローリターン？</a:t>
-            </a:r>
-            <a:endParaRPr kumimoji="1" lang="en-US" altLang="ja-JP" dirty="0" smtClean="0"/>
+              <a:t>チョキを減らす：ハイリスクローリターン？</a:t>
+            </a:r>
+            <a:endParaRPr kumimoji="1" lang="en-US" altLang="ja-JP" dirty="0"/>
           </a:p>
         </p:txBody>
       </p:sp>
@@ -12114,7 +12618,7 @@
           <a:p>
             <a:pPr algn="ctr"/>
             <a:r>
-              <a:rPr kumimoji="1" lang="ja-JP" altLang="en-US" dirty="0" smtClean="0"/>
+              <a:rPr kumimoji="1" lang="ja-JP" altLang="en-US" dirty="0"/>
               <a:t>自分がパーで勝つ確率は下がるが、</a:t>
             </a:r>
             <a:r>
@@ -12122,10 +12626,9 @@
               <a:t>相手</a:t>
             </a:r>
             <a:r>
-              <a:rPr kumimoji="1" lang="ja-JP" altLang="en-US" dirty="0" smtClean="0"/>
+              <a:rPr kumimoji="1" lang="ja-JP" altLang="en-US" dirty="0"/>
               <a:t>がチョキで勝つ確率も下がるので結果的にほぼ等しくなる</a:t>
             </a:r>
-            <a:endParaRPr kumimoji="1" lang="ja-JP" altLang="en-US" dirty="0"/>
           </a:p>
         </p:txBody>
       </p:sp>
@@ -12198,95 +12701,87 @@
           <a:lstStyle/>
           <a:p>
             <a:r>
-              <a:rPr kumimoji="1" lang="ja-JP" altLang="en-US" dirty="0" smtClean="0"/>
+              <a:rPr kumimoji="1" lang="ja-JP" altLang="en-US" dirty="0"/>
               <a:t>使用するパッケージ例</a:t>
             </a:r>
-            <a:endParaRPr kumimoji="1" lang="en-US" altLang="ja-JP" dirty="0" smtClean="0"/>
+            <a:endParaRPr kumimoji="1" lang="en-US" altLang="ja-JP" dirty="0"/>
           </a:p>
           <a:p>
             <a:pPr lvl="1"/>
             <a:r>
-              <a:rPr kumimoji="1" lang="en-US" altLang="ja-JP" dirty="0" err="1" smtClean="0"/>
+              <a:rPr kumimoji="1" lang="en-US" altLang="ja-JP" dirty="0" err="1"/>
               <a:t>RxODE</a:t>
             </a:r>
-            <a:endParaRPr kumimoji="1" lang="en-US" altLang="ja-JP" dirty="0" smtClean="0"/>
+            <a:endParaRPr kumimoji="1" lang="en-US" altLang="ja-JP" dirty="0"/>
           </a:p>
           <a:p>
             <a:pPr lvl="1"/>
             <a:r>
-              <a:rPr lang="en-US" altLang="ja-JP" dirty="0" err="1" smtClean="0"/>
+              <a:rPr lang="en-US" altLang="ja-JP" dirty="0" err="1"/>
               <a:t>mrgsolve</a:t>
             </a:r>
-            <a:endParaRPr kumimoji="1" lang="en-US" altLang="ja-JP" dirty="0" smtClean="0"/>
+            <a:endParaRPr kumimoji="1" lang="en-US" altLang="ja-JP" dirty="0"/>
           </a:p>
           <a:p>
             <a:pPr lvl="1"/>
-            <a:endParaRPr kumimoji="1" lang="en-US" altLang="ja-JP" dirty="0" smtClean="0"/>
-          </a:p>
-          <a:p>
-            <a:r>
-              <a:rPr lang="ja-JP" altLang="en-US" dirty="0" smtClean="0"/>
+            <a:endParaRPr kumimoji="1" lang="en-US" altLang="ja-JP" dirty="0"/>
+          </a:p>
+          <a:p>
+            <a:r>
+              <a:rPr lang="ja-JP" altLang="en-US" dirty="0"/>
               <a:t>これらのパッケージは</a:t>
             </a:r>
-            <a:endParaRPr lang="en-US" altLang="ja-JP" dirty="0" smtClean="0"/>
+            <a:endParaRPr lang="en-US" altLang="ja-JP" dirty="0"/>
           </a:p>
           <a:p>
             <a:pPr lvl="1"/>
             <a:r>
-              <a:rPr lang="en-US" altLang="ja-JP" dirty="0" smtClean="0"/>
+              <a:rPr lang="en-US" altLang="ja-JP" dirty="0"/>
               <a:t>R</a:t>
             </a:r>
             <a:r>
-              <a:rPr lang="ja-JP" altLang="en-US" dirty="0" smtClean="0"/>
+              <a:rPr lang="ja-JP" altLang="en-US" dirty="0"/>
               <a:t>のみでシミュレーションを完結できる</a:t>
             </a:r>
-            <a:endParaRPr lang="en-US" altLang="ja-JP" dirty="0" smtClean="0"/>
+            <a:endParaRPr lang="en-US" altLang="ja-JP" dirty="0"/>
           </a:p>
           <a:p>
             <a:pPr lvl="1"/>
             <a:r>
-              <a:rPr lang="ja-JP" altLang="en-US" dirty="0" smtClean="0"/>
+              <a:rPr lang="ja-JP" altLang="en-US" dirty="0"/>
               <a:t>微分方程式を扱えるので</a:t>
             </a:r>
             <a:r>
-              <a:rPr lang="en-US" altLang="ja-JP" dirty="0" smtClean="0"/>
+              <a:rPr lang="en-US" altLang="ja-JP" dirty="0"/>
               <a:t>PK</a:t>
             </a:r>
             <a:r>
-              <a:rPr lang="ja-JP" altLang="en-US" dirty="0" smtClean="0"/>
+              <a:rPr lang="ja-JP" altLang="en-US" dirty="0"/>
               <a:t>のシミュレーションにも利用しやすい</a:t>
             </a:r>
-            <a:endParaRPr lang="en-US" altLang="ja-JP" dirty="0" smtClean="0"/>
+            <a:endParaRPr lang="en-US" altLang="ja-JP" dirty="0"/>
           </a:p>
           <a:p>
             <a:pPr lvl="1"/>
             <a:r>
-              <a:rPr lang="ja-JP" altLang="en-US" dirty="0" smtClean="0"/>
-              <a:t>薬物</a:t>
-            </a:r>
-            <a:r>
               <a:rPr lang="ja-JP" altLang="en-US" dirty="0"/>
-              <a:t>投与の情報を簡単に記述できる</a:t>
-            </a:r>
-            <a:endParaRPr kumimoji="1" lang="en-US" altLang="ja-JP" dirty="0" smtClean="0"/>
+              <a:t>薬物投与の情報を簡単に記述できる</a:t>
+            </a:r>
+            <a:endParaRPr kumimoji="1" lang="en-US" altLang="ja-JP" dirty="0"/>
           </a:p>
           <a:p>
             <a:pPr lvl="1"/>
             <a:r>
-              <a:rPr kumimoji="1" lang="en-US" altLang="ja-JP" dirty="0" smtClean="0"/>
+              <a:rPr kumimoji="1" lang="en-US" altLang="ja-JP" dirty="0"/>
               <a:t>Run time</a:t>
             </a:r>
             <a:r>
-              <a:rPr kumimoji="1" lang="ja-JP" altLang="en-US" dirty="0" smtClean="0"/>
+              <a:rPr kumimoji="1" lang="ja-JP" altLang="en-US" dirty="0"/>
               <a:t>が短い</a:t>
             </a:r>
             <a:r>
               <a:rPr lang="ja-JP" altLang="en-US" dirty="0"/>
-              <a:t>　</a:t>
-            </a:r>
-            <a:r>
-              <a:rPr lang="ja-JP" altLang="en-US" dirty="0" smtClean="0"/>
-              <a:t>などの特徴がある</a:t>
+              <a:t>　などの特徴がある</a:t>
             </a:r>
             <a:endParaRPr kumimoji="1" lang="ja-JP" altLang="en-US" dirty="0"/>
           </a:p>
@@ -12308,26 +12803,26 @@
           <a:lstStyle/>
           <a:p>
             <a:r>
-              <a:rPr lang="en-US" altLang="ja-JP" smtClean="0"/>
+              <a:rPr lang="en-US" altLang="ja-JP"/>
               <a:t>R</a:t>
             </a:r>
             <a:r>
-              <a:rPr lang="ja-JP" altLang="en-US" smtClean="0"/>
+              <a:rPr lang="ja-JP" altLang="en-US"/>
               <a:t> </a:t>
             </a:r>
             <a:r>
-              <a:rPr lang="en-US" altLang="ja-JP" smtClean="0"/>
+              <a:rPr lang="en-US" altLang="ja-JP"/>
               <a:t>for</a:t>
             </a:r>
             <a:r>
-              <a:rPr lang="ja-JP" altLang="en-US" smtClean="0"/>
+              <a:rPr lang="ja-JP" altLang="en-US"/>
               <a:t> </a:t>
             </a:r>
             <a:r>
-              <a:rPr lang="en-US" altLang="ja-JP" smtClean="0"/>
+              <a:rPr lang="en-US" altLang="ja-JP"/>
               <a:t>Pharmacometrics</a:t>
             </a:r>
-            <a:endParaRPr lang="ja-JP" altLang="en-US" dirty="0" smtClean="0"/>
+            <a:endParaRPr lang="ja-JP" altLang="en-US" dirty="0"/>
           </a:p>
         </p:txBody>
       </p:sp>
@@ -12400,10 +12895,9 @@
           <a:lstStyle/>
           <a:p>
             <a:r>
-              <a:rPr kumimoji="1" lang="ja-JP" altLang="en-US" dirty="0" smtClean="0"/>
+              <a:rPr kumimoji="1" lang="ja-JP" altLang="en-US" dirty="0"/>
               <a:t>パッケージの紹介</a:t>
             </a:r>
-            <a:endParaRPr kumimoji="1" lang="ja-JP" altLang="en-US" dirty="0"/>
           </a:p>
         </p:txBody>
       </p:sp>
@@ -12433,99 +12927,91 @@
           <a:p>
             <a:pPr lvl="1"/>
             <a:r>
-              <a:rPr kumimoji="1" lang="en-US" altLang="ja-JP" dirty="0" smtClean="0"/>
+              <a:rPr kumimoji="1" lang="en-US" altLang="ja-JP" dirty="0"/>
               <a:t>NONMEM</a:t>
             </a:r>
             <a:r>
-              <a:rPr kumimoji="1" lang="ja-JP" altLang="en-US" dirty="0" smtClean="0"/>
+              <a:rPr kumimoji="1" lang="ja-JP" altLang="en-US" dirty="0"/>
               <a:t>コードがかけない場合でも微分方程式が理解できていればシミュレーションが可能</a:t>
             </a:r>
-            <a:endParaRPr kumimoji="1" lang="en-US" altLang="ja-JP" dirty="0" smtClean="0"/>
+            <a:endParaRPr kumimoji="1" lang="en-US" altLang="ja-JP" dirty="0"/>
           </a:p>
           <a:p>
             <a:pPr lvl="1"/>
             <a:r>
-              <a:rPr kumimoji="1" lang="ja-JP" altLang="en-US" dirty="0" smtClean="0"/>
+              <a:rPr kumimoji="1" lang="ja-JP" altLang="en-US" dirty="0"/>
               <a:t>複数患者のシミュレーションなどでは</a:t>
             </a:r>
             <a:r>
-              <a:rPr kumimoji="1" lang="en-US" altLang="ja-JP" dirty="0" smtClean="0"/>
+              <a:rPr kumimoji="1" lang="en-US" altLang="ja-JP" dirty="0"/>
               <a:t>for</a:t>
             </a:r>
             <a:r>
-              <a:rPr kumimoji="1" lang="ja-JP" altLang="en-US" dirty="0" smtClean="0"/>
+              <a:rPr kumimoji="1" lang="ja-JP" altLang="en-US" dirty="0"/>
               <a:t>文などを使う必要があるため、</a:t>
             </a:r>
             <a:r>
-              <a:rPr kumimoji="1" lang="en-US" altLang="ja-JP" dirty="0" smtClean="0"/>
+              <a:rPr kumimoji="1" lang="en-US" altLang="ja-JP" dirty="0"/>
               <a:t>R</a:t>
             </a:r>
             <a:r>
-              <a:rPr kumimoji="1" lang="ja-JP" altLang="en-US" dirty="0" smtClean="0"/>
+              <a:rPr kumimoji="1" lang="ja-JP" altLang="en-US" dirty="0"/>
               <a:t>に慣れておく必要がある</a:t>
             </a:r>
-            <a:endParaRPr kumimoji="1" lang="en-US" altLang="ja-JP" dirty="0" smtClean="0"/>
-          </a:p>
-          <a:p>
-            <a:endParaRPr kumimoji="1" lang="en-US" altLang="ja-JP" dirty="0" smtClean="0"/>
-          </a:p>
-          <a:p>
-            <a:r>
-              <a:rPr kumimoji="1" lang="en-US" altLang="ja-JP" dirty="0" err="1" smtClean="0"/>
+            <a:endParaRPr kumimoji="1" lang="en-US" altLang="ja-JP" dirty="0"/>
+          </a:p>
+          <a:p>
+            <a:endParaRPr kumimoji="1" lang="en-US" altLang="ja-JP" dirty="0"/>
+          </a:p>
+          <a:p>
+            <a:r>
+              <a:rPr kumimoji="1" lang="en-US" altLang="ja-JP" dirty="0" err="1"/>
               <a:t>mrgsolve</a:t>
             </a:r>
-            <a:endParaRPr kumimoji="1" lang="en-US" altLang="ja-JP" dirty="0" smtClean="0"/>
+            <a:endParaRPr kumimoji="1" lang="en-US" altLang="ja-JP" dirty="0"/>
           </a:p>
           <a:p>
             <a:pPr lvl="1"/>
             <a:r>
-              <a:rPr kumimoji="1" lang="en-US" altLang="ja-JP" dirty="0" smtClean="0"/>
+              <a:rPr kumimoji="1" lang="en-US" altLang="ja-JP" dirty="0"/>
               <a:t>NONMEM</a:t>
             </a:r>
             <a:r>
-              <a:rPr kumimoji="1" lang="ja-JP" altLang="en-US" dirty="0" smtClean="0"/>
+              <a:rPr kumimoji="1" lang="ja-JP" altLang="en-US" dirty="0"/>
               <a:t>のコントロールファイルに近い形で記述できる</a:t>
             </a:r>
-            <a:endParaRPr kumimoji="1" lang="en-US" altLang="ja-JP" dirty="0" smtClean="0"/>
+            <a:endParaRPr kumimoji="1" lang="en-US" altLang="ja-JP" dirty="0"/>
           </a:p>
           <a:p>
             <a:pPr lvl="1"/>
             <a:r>
-              <a:rPr kumimoji="1" lang="ja-JP" altLang="en-US" dirty="0" smtClean="0"/>
+              <a:rPr kumimoji="1" lang="ja-JP" altLang="en-US" dirty="0"/>
               <a:t>シミュレーションデータセットの作成が簡単で、複数患者のシミュレーションも容易</a:t>
             </a:r>
-            <a:endParaRPr kumimoji="1" lang="en-US" altLang="ja-JP" dirty="0" smtClean="0"/>
+            <a:endParaRPr kumimoji="1" lang="en-US" altLang="ja-JP" dirty="0"/>
           </a:p>
           <a:p>
             <a:pPr lvl="1"/>
             <a:r>
-              <a:rPr lang="en-US" altLang="ja-JP" dirty="0" smtClean="0"/>
+              <a:rPr lang="en-US" altLang="ja-JP" dirty="0"/>
               <a:t>NONMEM</a:t>
             </a:r>
             <a:r>
-              <a:rPr lang="ja-JP" altLang="en-US" dirty="0" smtClean="0"/>
+              <a:rPr lang="ja-JP" altLang="en-US" dirty="0"/>
               <a:t> </a:t>
             </a:r>
             <a:r>
-              <a:rPr lang="en-US" altLang="ja-JP" dirty="0" smtClean="0"/>
+              <a:rPr lang="en-US" altLang="ja-JP" dirty="0"/>
               <a:t>output (.xml)</a:t>
             </a:r>
             <a:r>
-              <a:rPr lang="ja-JP" altLang="en-US" dirty="0" smtClean="0"/>
-              <a:t>から</a:t>
-            </a:r>
-            <a:r>
               <a:rPr lang="ja-JP" altLang="en-US" dirty="0"/>
-              <a:t>シミュレーション</a:t>
-            </a:r>
-            <a:r>
-              <a:rPr lang="ja-JP" altLang="en-US" dirty="0" smtClean="0"/>
-              <a:t>に使うパラメータ推定値を読み取ることも可能</a:t>
-            </a:r>
-            <a:endParaRPr kumimoji="1" lang="en-US" altLang="ja-JP" dirty="0" smtClean="0"/>
-          </a:p>
-          <a:p>
-            <a:endParaRPr kumimoji="1" lang="en-US" altLang="ja-JP" dirty="0" smtClean="0"/>
+              <a:t>からシミュレーションに使うパラメータ推定値を読み取ることも可能</a:t>
+            </a:r>
+            <a:endParaRPr kumimoji="1" lang="en-US" altLang="ja-JP" dirty="0"/>
+          </a:p>
+          <a:p>
+            <a:endParaRPr kumimoji="1" lang="en-US" altLang="ja-JP" dirty="0"/>
           </a:p>
         </p:txBody>
       </p:sp>
@@ -12545,26 +13031,26 @@
           <a:lstStyle/>
           <a:p>
             <a:r>
-              <a:rPr lang="en-US" altLang="ja-JP" smtClean="0"/>
+              <a:rPr lang="en-US" altLang="ja-JP"/>
               <a:t>R</a:t>
             </a:r>
             <a:r>
-              <a:rPr lang="ja-JP" altLang="en-US" smtClean="0"/>
+              <a:rPr lang="ja-JP" altLang="en-US"/>
               <a:t> </a:t>
             </a:r>
             <a:r>
-              <a:rPr lang="en-US" altLang="ja-JP" smtClean="0"/>
+              <a:rPr lang="en-US" altLang="ja-JP"/>
               <a:t>for</a:t>
             </a:r>
             <a:r>
-              <a:rPr lang="ja-JP" altLang="en-US" smtClean="0"/>
+              <a:rPr lang="ja-JP" altLang="en-US"/>
               <a:t> </a:t>
             </a:r>
             <a:r>
-              <a:rPr lang="en-US" altLang="ja-JP" smtClean="0"/>
+              <a:rPr lang="en-US" altLang="ja-JP"/>
               <a:t>Pharmacometrics</a:t>
             </a:r>
-            <a:endParaRPr lang="ja-JP" altLang="en-US" dirty="0" smtClean="0"/>
+            <a:endParaRPr lang="ja-JP" altLang="en-US" dirty="0"/>
           </a:p>
         </p:txBody>
       </p:sp>
@@ -12675,15 +13161,15 @@
           <a:lstStyle/>
           <a:p>
             <a:r>
-              <a:rPr kumimoji="1" lang="en-US" altLang="ja-JP" dirty="0" err="1" smtClean="0"/>
+              <a:rPr kumimoji="1" lang="en-US" altLang="ja-JP" dirty="0" err="1"/>
               <a:t>mrgsolve</a:t>
             </a:r>
             <a:r>
-              <a:rPr kumimoji="1" lang="ja-JP" altLang="en-US" dirty="0" smtClean="0"/>
+              <a:rPr kumimoji="1" lang="ja-JP" altLang="en-US" dirty="0"/>
               <a:t> </a:t>
             </a:r>
             <a:r>
-              <a:rPr lang="ja-JP" altLang="en-US" dirty="0" smtClean="0"/>
+              <a:rPr lang="ja-JP" altLang="en-US" dirty="0"/>
               <a:t>コード例</a:t>
             </a:r>
             <a:endParaRPr kumimoji="1" lang="ja-JP" altLang="en-US" dirty="0"/>
@@ -12716,17 +13202,17 @@
               <a:buNone/>
             </a:pPr>
             <a:r>
-              <a:rPr lang="en-US" altLang="ja" sz="1050" dirty="0" smtClean="0"/>
+              <a:rPr lang="en-US" altLang="ja" sz="1050" dirty="0"/>
               <a:t>code &lt;- '</a:t>
             </a:r>
-            <a:endParaRPr lang="ja" altLang="en-US" sz="1050" dirty="0" smtClean="0"/>
+            <a:endParaRPr lang="ja" altLang="en-US" sz="1050" dirty="0"/>
           </a:p>
           <a:p>
             <a:pPr marL="0" indent="0">
               <a:buNone/>
             </a:pPr>
             <a:r>
-              <a:rPr lang="en-US" altLang="ja" sz="1050" dirty="0" smtClean="0">
+              <a:rPr lang="en-US" altLang="ja" sz="1050" dirty="0">
                 <a:solidFill>
                   <a:srgbClr val="FF0000"/>
                 </a:solidFill>
@@ -12734,45 +13220,45 @@
               <a:t>$PARAM </a:t>
             </a:r>
             <a:r>
-              <a:rPr lang="en-US" altLang="ja" sz="1050" dirty="0" smtClean="0"/>
+              <a:rPr lang="en-US" altLang="ja" sz="1050" dirty="0"/>
               <a:t>@annotate</a:t>
             </a:r>
-            <a:endParaRPr lang="ja" altLang="en-US" sz="1050" dirty="0" smtClean="0"/>
+            <a:endParaRPr lang="ja" altLang="en-US" sz="1050" dirty="0"/>
           </a:p>
           <a:p>
             <a:pPr marL="0" indent="0">
               <a:buNone/>
             </a:pPr>
             <a:r>
-              <a:rPr lang="en-US" altLang="ja" sz="1050" dirty="0" smtClean="0"/>
+              <a:rPr lang="en-US" altLang="ja" sz="1050" dirty="0"/>
               <a:t>TVKA: 2 : Typical absorption coefficient (1/h)</a:t>
             </a:r>
-            <a:endParaRPr lang="ja" altLang="en-US" sz="1050" dirty="0" smtClean="0"/>
+            <a:endParaRPr lang="ja" altLang="en-US" sz="1050" dirty="0"/>
           </a:p>
           <a:p>
             <a:pPr marL="0" indent="0">
               <a:buNone/>
             </a:pPr>
             <a:r>
-              <a:rPr lang="en-US" altLang="ja" sz="1050" dirty="0" smtClean="0"/>
+              <a:rPr lang="en-US" altLang="ja" sz="1050" dirty="0"/>
               <a:t>TVCL: 10: Typical clear</a:t>
             </a:r>
             <a:r>
-              <a:rPr lang="en-US" altLang="ja-JP" sz="1050" dirty="0" smtClean="0"/>
+              <a:rPr lang="en-US" altLang="ja-JP" sz="1050" dirty="0"/>
               <a:t>a</a:t>
             </a:r>
             <a:r>
-              <a:rPr lang="en-US" altLang="ja" sz="1050" dirty="0" smtClean="0"/>
+              <a:rPr lang="en-US" altLang="ja" sz="1050" dirty="0"/>
               <a:t>nce(L/h)</a:t>
             </a:r>
-            <a:endParaRPr lang="ja" altLang="en-US" sz="1050" dirty="0" smtClean="0"/>
+            <a:endParaRPr lang="ja" altLang="en-US" sz="1050" dirty="0"/>
           </a:p>
           <a:p>
             <a:pPr marL="0" indent="0">
               <a:buNone/>
             </a:pPr>
             <a:r>
-              <a:rPr lang="en-US" altLang="ja" sz="1050" dirty="0" smtClean="0"/>
+              <a:rPr lang="en-US" altLang="ja" sz="1050" dirty="0"/>
               <a:t>TVV1: 30: Typical Central Volume(L)</a:t>
             </a:r>
           </a:p>
@@ -12781,31 +13267,23 @@
               <a:buNone/>
             </a:pPr>
             <a:r>
-              <a:rPr lang="en-US" altLang="ja" sz="1050" dirty="0" smtClean="0"/>
-              <a:t>WT: 70: </a:t>
-            </a:r>
-            <a:r>
               <a:rPr lang="en-US" altLang="ja" sz="1050" dirty="0"/>
-              <a:t>B</a:t>
-            </a:r>
-            <a:r>
-              <a:rPr lang="en-US" altLang="ja" sz="1050" dirty="0" smtClean="0"/>
-              <a:t>ody weight (kg)</a:t>
-            </a:r>
-            <a:endParaRPr lang="ja" altLang="en-US" sz="1050" dirty="0" smtClean="0"/>
+              <a:t>WT: 70: Body weight (kg)</a:t>
+            </a:r>
+            <a:endParaRPr lang="ja" altLang="en-US" sz="1050" dirty="0"/>
           </a:p>
           <a:p>
             <a:pPr marL="0" indent="0">
               <a:buNone/>
             </a:pPr>
-            <a:endParaRPr lang="ja" altLang="en-US" sz="1050" dirty="0" smtClean="0"/>
+            <a:endParaRPr lang="ja" altLang="en-US" sz="1050" dirty="0"/>
           </a:p>
           <a:p>
             <a:pPr marL="0" indent="0">
               <a:buNone/>
             </a:pPr>
             <a:r>
-              <a:rPr lang="en-US" altLang="ja" sz="1050" dirty="0" smtClean="0">
+              <a:rPr lang="en-US" altLang="ja" sz="1050" dirty="0">
                 <a:solidFill>
                   <a:srgbClr val="FF0000"/>
                 </a:solidFill>
@@ -12813,30 +13291,30 @@
               <a:t>$CMT </a:t>
             </a:r>
             <a:r>
-              <a:rPr lang="en-US" altLang="ja" sz="1050" dirty="0" smtClean="0"/>
+              <a:rPr lang="en-US" altLang="ja" sz="1050" dirty="0"/>
               <a:t>GUT, CENT</a:t>
             </a:r>
-            <a:endParaRPr lang="ja" altLang="en-US" sz="1050" dirty="0" smtClean="0"/>
+            <a:endParaRPr lang="ja" altLang="en-US" sz="1050" dirty="0"/>
           </a:p>
           <a:p>
             <a:pPr marL="0" indent="0">
               <a:buNone/>
             </a:pPr>
-            <a:endParaRPr lang="ja" altLang="en-US" sz="1050" dirty="0" smtClean="0"/>
+            <a:endParaRPr lang="ja" altLang="en-US" sz="1050" dirty="0"/>
           </a:p>
           <a:p>
             <a:pPr marL="0" indent="0">
               <a:buNone/>
             </a:pPr>
             <a:r>
-              <a:rPr lang="en-US" altLang="ja" sz="1050" dirty="0" smtClean="0">
+              <a:rPr lang="en-US" altLang="ja" sz="1050" dirty="0">
                 <a:solidFill>
                   <a:srgbClr val="FF0000"/>
                 </a:solidFill>
               </a:rPr>
               <a:t>$MAIN</a:t>
             </a:r>
-            <a:endParaRPr lang="ja" altLang="en-US" sz="1050" dirty="0" smtClean="0">
+            <a:endParaRPr lang="ja" altLang="en-US" sz="1050" dirty="0">
               <a:solidFill>
                 <a:srgbClr val="FF0000"/>
               </a:solidFill>
@@ -12847,85 +13325,61 @@
               <a:buNone/>
             </a:pPr>
             <a:r>
-              <a:rPr lang="en-US" altLang="ja" sz="1050" dirty="0" smtClean="0"/>
-              <a:t>double KA </a:t>
-            </a:r>
-            <a:r>
               <a:rPr lang="en-US" altLang="ja" sz="1050" dirty="0"/>
-              <a:t>= </a:t>
-            </a:r>
-            <a:r>
-              <a:rPr lang="en-US" altLang="ja" sz="1050" dirty="0" smtClean="0"/>
-              <a:t>TVKA*</a:t>
-            </a:r>
-            <a:r>
-              <a:rPr lang="en-US" altLang="ja" sz="1050" dirty="0" err="1" smtClean="0"/>
+              <a:t>double KA = TVKA*</a:t>
+            </a:r>
+            <a:r>
+              <a:rPr lang="en-US" altLang="ja" sz="1050" dirty="0" err="1"/>
               <a:t>exp</a:t>
             </a:r>
             <a:r>
-              <a:rPr lang="en-US" altLang="ja" sz="1050" dirty="0" smtClean="0"/>
+              <a:rPr lang="en-US" altLang="ja" sz="1050" dirty="0"/>
               <a:t>(EKA);</a:t>
             </a:r>
-            <a:endParaRPr lang="ja" altLang="en-US" sz="1050" dirty="0" smtClean="0"/>
+            <a:endParaRPr lang="ja" altLang="en-US" sz="1050" dirty="0"/>
           </a:p>
           <a:p>
             <a:pPr marL="0" indent="0">
               <a:buNone/>
             </a:pPr>
             <a:r>
-              <a:rPr lang="en-US" altLang="ja" sz="1050" dirty="0" smtClean="0"/>
-              <a:t>double CL = TVCL*pow(WT/60</a:t>
-            </a:r>
-            <a:r>
               <a:rPr lang="en-US" altLang="ja" sz="1050" dirty="0"/>
-              <a:t>, 0.75</a:t>
-            </a:r>
-            <a:r>
-              <a:rPr lang="en-US" altLang="ja" sz="1050" dirty="0" smtClean="0"/>
-              <a:t>)*</a:t>
-            </a:r>
-            <a:r>
-              <a:rPr lang="en-US" altLang="ja" sz="1050" dirty="0" err="1" smtClean="0"/>
+              <a:t>double CL = TVCL*pow(WT/60, 0.75)*</a:t>
+            </a:r>
+            <a:r>
+              <a:rPr lang="en-US" altLang="ja" sz="1050" dirty="0" err="1"/>
               <a:t>exp</a:t>
             </a:r>
             <a:r>
-              <a:rPr lang="en-US" altLang="ja" sz="1050" dirty="0" smtClean="0"/>
+              <a:rPr lang="en-US" altLang="ja" sz="1050" dirty="0"/>
               <a:t>(ECL);</a:t>
             </a:r>
-            <a:endParaRPr lang="ja" altLang="en-US" sz="1050" dirty="0" smtClean="0"/>
+            <a:endParaRPr lang="ja" altLang="en-US" sz="1050" dirty="0"/>
           </a:p>
           <a:p>
             <a:pPr marL="0" indent="0">
               <a:buNone/>
             </a:pPr>
             <a:r>
-              <a:rPr lang="en-US" altLang="ja" sz="1050" dirty="0" smtClean="0"/>
-              <a:t>double V1 = TVV1*pow(WT/60</a:t>
-            </a:r>
-            <a:r>
               <a:rPr lang="en-US" altLang="ja" sz="1050" dirty="0"/>
-              <a:t>, 1</a:t>
-            </a:r>
-            <a:r>
-              <a:rPr lang="en-US" altLang="ja" sz="1050" dirty="0" smtClean="0"/>
-              <a:t>)*</a:t>
-            </a:r>
-            <a:r>
-              <a:rPr lang="en-US" altLang="ja" sz="1050" dirty="0" err="1" smtClean="0"/>
+              <a:t>double V1 = TVV1*pow(WT/60, 1)*</a:t>
+            </a:r>
+            <a:r>
+              <a:rPr lang="en-US" altLang="ja" sz="1050" dirty="0" err="1"/>
               <a:t>exp</a:t>
             </a:r>
             <a:r>
-              <a:rPr lang="en-US" altLang="ja" sz="1050" dirty="0" smtClean="0"/>
+              <a:rPr lang="en-US" altLang="ja" sz="1050" dirty="0"/>
               <a:t>(EV1);</a:t>
             </a:r>
-            <a:endParaRPr lang="ja" altLang="en-US" sz="1050" dirty="0" smtClean="0"/>
+            <a:endParaRPr lang="ja" altLang="en-US" sz="1050" dirty="0"/>
           </a:p>
           <a:p>
             <a:pPr marL="0" indent="0">
               <a:buNone/>
             </a:pPr>
             <a:r>
-              <a:rPr lang="en-US" altLang="ja" sz="1050" dirty="0" smtClean="0"/>
+              <a:rPr lang="en-US" altLang="ja" sz="1050" dirty="0"/>
               <a:t>double K = CL/V1;</a:t>
             </a:r>
           </a:p>
@@ -12947,26 +13401,26 @@
           <a:lstStyle/>
           <a:p>
             <a:r>
-              <a:rPr lang="en-US" altLang="ja-JP" smtClean="0"/>
+              <a:rPr lang="en-US" altLang="ja-JP"/>
               <a:t>R</a:t>
             </a:r>
             <a:r>
-              <a:rPr lang="ja-JP" altLang="en-US" smtClean="0"/>
+              <a:rPr lang="ja-JP" altLang="en-US"/>
               <a:t> </a:t>
             </a:r>
             <a:r>
-              <a:rPr lang="en-US" altLang="ja-JP" smtClean="0"/>
+              <a:rPr lang="en-US" altLang="ja-JP"/>
               <a:t>for</a:t>
             </a:r>
             <a:r>
-              <a:rPr lang="ja-JP" altLang="en-US" smtClean="0"/>
+              <a:rPr lang="ja-JP" altLang="en-US"/>
               <a:t> </a:t>
             </a:r>
             <a:r>
-              <a:rPr lang="en-US" altLang="ja-JP" smtClean="0"/>
+              <a:rPr lang="en-US" altLang="ja-JP"/>
               <a:t>Pharmacometrics</a:t>
             </a:r>
-            <a:endParaRPr lang="ja-JP" altLang="en-US" dirty="0" smtClean="0"/>
+            <a:endParaRPr lang="ja-JP" altLang="en-US" dirty="0"/>
           </a:p>
         </p:txBody>
       </p:sp>
@@ -13184,14 +13638,14 @@
               <a:buNone/>
             </a:pPr>
             <a:r>
-              <a:rPr lang="en-US" altLang="ja" sz="1050" dirty="0" smtClean="0">
+              <a:rPr lang="en-US" altLang="ja" sz="1050" dirty="0">
                 <a:solidFill>
                   <a:srgbClr val="FF0000"/>
                 </a:solidFill>
               </a:rPr>
               <a:t>$ODE</a:t>
             </a:r>
-            <a:endParaRPr lang="ja" altLang="en-US" sz="1050" dirty="0" smtClean="0">
+            <a:endParaRPr lang="ja" altLang="en-US" sz="1050" dirty="0">
               <a:solidFill>
                 <a:srgbClr val="FF0000"/>
               </a:solidFill>
@@ -13203,14 +13657,14 @@
               <a:buNone/>
             </a:pPr>
             <a:r>
-              <a:rPr lang="en-US" altLang="ja" sz="1050" dirty="0" err="1" smtClean="0"/>
+              <a:rPr lang="en-US" altLang="ja" sz="1050" dirty="0" err="1"/>
               <a:t>dxdt_GUT</a:t>
             </a:r>
             <a:r>
-              <a:rPr lang="en-US" altLang="ja" sz="1050" dirty="0" smtClean="0"/>
+              <a:rPr lang="en-US" altLang="ja" sz="1050" dirty="0"/>
               <a:t> = -KA*GUT;</a:t>
             </a:r>
-            <a:endParaRPr lang="ja" altLang="en-US" sz="1050" dirty="0" smtClean="0"/>
+            <a:endParaRPr lang="ja" altLang="en-US" sz="1050" dirty="0"/>
           </a:p>
           <a:p>
             <a:pPr marL="0" indent="0">
@@ -13218,21 +13672,21 @@
               <a:buNone/>
             </a:pPr>
             <a:r>
-              <a:rPr lang="en-US" altLang="ja" sz="1050" dirty="0" err="1" smtClean="0"/>
+              <a:rPr lang="en-US" altLang="ja" sz="1050" dirty="0" err="1"/>
               <a:t>dxdt_CENT</a:t>
             </a:r>
             <a:r>
-              <a:rPr lang="en-US" altLang="ja" sz="1050" dirty="0" smtClean="0"/>
+              <a:rPr lang="en-US" altLang="ja" sz="1050" dirty="0"/>
               <a:t> = KA*GUT - K *CENT ;</a:t>
             </a:r>
-            <a:endParaRPr lang="ja" altLang="en-US" sz="1050" dirty="0" smtClean="0"/>
+            <a:endParaRPr lang="ja" altLang="en-US" sz="1050" dirty="0"/>
           </a:p>
           <a:p>
             <a:pPr marL="0" indent="0">
               <a:buFont typeface="Arial" panose="020B0604020202020204" pitchFamily="34" charset="0"/>
               <a:buNone/>
             </a:pPr>
-            <a:endParaRPr lang="ja" altLang="en-US" sz="1050" dirty="0" smtClean="0"/>
+            <a:endParaRPr lang="ja" altLang="en-US" sz="1050" dirty="0"/>
           </a:p>
           <a:p>
             <a:pPr marL="0" indent="0">
@@ -13240,7 +13694,7 @@
               <a:buNone/>
             </a:pPr>
             <a:r>
-              <a:rPr lang="en-US" altLang="ja" sz="1050" dirty="0" smtClean="0">
+              <a:rPr lang="en-US" altLang="ja" sz="1050" dirty="0">
                 <a:solidFill>
                   <a:srgbClr val="FF0000"/>
                 </a:solidFill>
@@ -13248,10 +13702,10 @@
               <a:t>$OMEGA </a:t>
             </a:r>
             <a:r>
-              <a:rPr lang="en-US" altLang="ja" sz="1050" dirty="0" smtClean="0"/>
+              <a:rPr lang="en-US" altLang="ja" sz="1050" dirty="0"/>
               <a:t>@labels EKA ECL EV1</a:t>
             </a:r>
-            <a:endParaRPr lang="ja" altLang="en-US" sz="1050" dirty="0" smtClean="0"/>
+            <a:endParaRPr lang="ja" altLang="en-US" sz="1050" dirty="0"/>
           </a:p>
           <a:p>
             <a:pPr marL="0" indent="0">
@@ -13259,10 +13713,10 @@
               <a:buNone/>
             </a:pPr>
             <a:r>
-              <a:rPr lang="en-US" altLang="ja" sz="1050" dirty="0" smtClean="0"/>
+              <a:rPr lang="en-US" altLang="ja" sz="1050" dirty="0"/>
               <a:t>0.2</a:t>
             </a:r>
-            <a:endParaRPr lang="ja" altLang="en-US" sz="1050" dirty="0" smtClean="0"/>
+            <a:endParaRPr lang="ja" altLang="en-US" sz="1050" dirty="0"/>
           </a:p>
           <a:p>
             <a:pPr marL="0" indent="0">
@@ -13270,10 +13724,10 @@
               <a:buNone/>
             </a:pPr>
             <a:r>
-              <a:rPr lang="en-US" altLang="ja" sz="1050" dirty="0" smtClean="0"/>
+              <a:rPr lang="en-US" altLang="ja" sz="1050" dirty="0"/>
               <a:t>0.2</a:t>
             </a:r>
-            <a:endParaRPr lang="ja" altLang="en-US" sz="1050" dirty="0" smtClean="0"/>
+            <a:endParaRPr lang="ja" altLang="en-US" sz="1050" dirty="0"/>
           </a:p>
           <a:p>
             <a:pPr marL="0" indent="0">
@@ -13281,7 +13735,7 @@
               <a:buNone/>
             </a:pPr>
             <a:r>
-              <a:rPr lang="en-US" altLang="ja" sz="1050" dirty="0" smtClean="0"/>
+              <a:rPr lang="en-US" altLang="ja" sz="1050" dirty="0"/>
               <a:t>0.2</a:t>
             </a:r>
           </a:p>
@@ -13290,7 +13744,7 @@
               <a:buFont typeface="Arial" panose="020B0604020202020204" pitchFamily="34" charset="0"/>
               <a:buNone/>
             </a:pPr>
-            <a:endParaRPr lang="ja" altLang="en-US" sz="1050" dirty="0" smtClean="0"/>
+            <a:endParaRPr lang="ja" altLang="en-US" sz="1050" dirty="0"/>
           </a:p>
           <a:p>
             <a:pPr marL="0" indent="0">
@@ -13298,7 +13752,7 @@
               <a:buNone/>
             </a:pPr>
             <a:r>
-              <a:rPr lang="en-US" altLang="ja" sz="1050" dirty="0" smtClean="0">
+              <a:rPr lang="en-US" altLang="ja" sz="1050" dirty="0">
                 <a:solidFill>
                   <a:srgbClr val="FF0000"/>
                 </a:solidFill>
@@ -13306,10 +13760,10 @@
               <a:t>$SIGMA </a:t>
             </a:r>
             <a:r>
-              <a:rPr lang="en-US" altLang="ja" sz="1050" dirty="0" smtClean="0"/>
+              <a:rPr lang="en-US" altLang="ja" sz="1050" dirty="0"/>
               <a:t>@labels ERR_CP</a:t>
             </a:r>
-            <a:endParaRPr lang="ja" altLang="en-US" sz="1050" dirty="0" smtClean="0"/>
+            <a:endParaRPr lang="ja" altLang="en-US" sz="1050" dirty="0"/>
           </a:p>
           <a:p>
             <a:pPr marL="0" indent="0">
@@ -13317,7 +13771,7 @@
               <a:buNone/>
             </a:pPr>
             <a:r>
-              <a:rPr lang="en-US" altLang="ja" sz="1050" dirty="0" smtClean="0"/>
+              <a:rPr lang="en-US" altLang="ja" sz="1050" dirty="0"/>
               <a:t>0.1</a:t>
             </a:r>
           </a:p>
@@ -13326,7 +13780,7 @@
               <a:buFont typeface="Arial" panose="020B0604020202020204" pitchFamily="34" charset="0"/>
               <a:buNone/>
             </a:pPr>
-            <a:endParaRPr lang="en-US" altLang="ja" sz="1050" dirty="0" smtClean="0"/>
+            <a:endParaRPr lang="en-US" altLang="ja" sz="1050" dirty="0"/>
           </a:p>
           <a:p>
             <a:pPr marL="0" indent="0">
@@ -13334,7 +13788,7 @@
               <a:buNone/>
             </a:pPr>
             <a:r>
-              <a:rPr lang="en-US" altLang="ja" sz="1050" dirty="0" smtClean="0">
+              <a:rPr lang="en-US" altLang="ja" sz="1050" dirty="0">
                 <a:solidFill>
                   <a:srgbClr val="FF0000"/>
                 </a:solidFill>
@@ -13348,7 +13802,7 @@
               <a:buNone/>
             </a:pPr>
             <a:r>
-              <a:rPr lang="en-US" altLang="ja" sz="1050" dirty="0" smtClean="0"/>
+              <a:rPr lang="en-US" altLang="ja" sz="1050" dirty="0"/>
               <a:t>capture CP = CENT/V1;</a:t>
             </a:r>
           </a:p>
@@ -13358,7 +13812,7 @@
               <a:buNone/>
             </a:pPr>
             <a:r>
-              <a:rPr lang="en-US" altLang="ja" sz="1050" dirty="0" smtClean="0"/>
+              <a:rPr lang="en-US" altLang="ja" sz="1050" dirty="0"/>
               <a:t>‘</a:t>
             </a:r>
           </a:p>
@@ -13376,11 +13830,7 @@
             </a:r>
             <a:r>
               <a:rPr lang="en-US" altLang="ja" sz="1050" dirty="0"/>
-              <a:t>("</a:t>
-            </a:r>
-            <a:r>
-              <a:rPr lang="en-US" altLang="ja" sz="1050" dirty="0" smtClean="0"/>
-              <a:t>model", </a:t>
+              <a:t>("model", </a:t>
             </a:r>
             <a:r>
               <a:rPr lang="en-US" altLang="ja" sz="1050" dirty="0" err="1"/>
@@ -13390,7 +13840,7 @@
               <a:rPr lang="en-US" altLang="ja" sz="1050" dirty="0"/>
               <a:t>(), code)</a:t>
             </a:r>
-            <a:endParaRPr lang="ja" altLang="en-US" sz="1050" dirty="0" smtClean="0"/>
+            <a:endParaRPr lang="ja" altLang="en-US" sz="1050" dirty="0"/>
           </a:p>
           <a:p>
             <a:pPr marL="0" indent="0">
@@ -13424,50 +13874,42 @@
           <a:p>
             <a:r>
               <a:rPr lang="da-DK" altLang="ja-JP" dirty="0"/>
-              <a:t> mod </a:t>
-            </a:r>
-            <a:r>
-              <a:rPr lang="da-DK" altLang="ja-JP" dirty="0" smtClean="0"/>
-              <a:t>%&gt;%</a:t>
-            </a:r>
-          </a:p>
-          <a:p>
-            <a:r>
-              <a:rPr lang="en-US" altLang="ja-JP" dirty="0" smtClean="0"/>
+              <a:t> mod %&gt;%</a:t>
+            </a:r>
+          </a:p>
+          <a:p>
+            <a:r>
+              <a:rPr lang="en-US" altLang="ja-JP" dirty="0"/>
               <a:t>    </a:t>
             </a:r>
             <a:r>
-              <a:rPr lang="en-US" altLang="ja-JP" dirty="0" err="1" smtClean="0"/>
+              <a:rPr lang="en-US" altLang="ja-JP" dirty="0" err="1"/>
               <a:t>idata_set</a:t>
             </a:r>
             <a:r>
-              <a:rPr lang="en-US" altLang="ja-JP" dirty="0" smtClean="0"/>
+              <a:rPr lang="en-US" altLang="ja-JP" dirty="0"/>
               <a:t>(</a:t>
             </a:r>
             <a:r>
-              <a:rPr lang="en-US" altLang="ja-JP" dirty="0" err="1" smtClean="0"/>
+              <a:rPr lang="en-US" altLang="ja-JP" dirty="0" err="1"/>
               <a:t>data.frame</a:t>
             </a:r>
             <a:r>
-              <a:rPr lang="en-US" altLang="ja-JP" dirty="0" smtClean="0"/>
+              <a:rPr lang="en-US" altLang="ja-JP" dirty="0"/>
               <a:t>(ID=c(1:10)) %&gt;%</a:t>
             </a:r>
           </a:p>
           <a:p>
             <a:r>
               <a:rPr lang="en-US" altLang="ja-JP" dirty="0"/>
+              <a:t>                      mutate(WT=70))</a:t>
+            </a:r>
+            <a:r>
+              <a:rPr lang="ja-JP" altLang="en-US" dirty="0"/>
               <a:t> </a:t>
             </a:r>
             <a:r>
-              <a:rPr lang="en-US" altLang="ja-JP" dirty="0" smtClean="0"/>
-              <a:t>                     mutate(WT=70))</a:t>
-            </a:r>
-            <a:r>
-              <a:rPr lang="ja-JP" altLang="en-US" dirty="0" smtClean="0"/>
-              <a:t> </a:t>
-            </a:r>
-            <a:r>
-              <a:rPr lang="en-US" altLang="ja-JP" dirty="0" smtClean="0"/>
+              <a:rPr lang="en-US" altLang="ja-JP" dirty="0"/>
               <a:t>%&gt;%</a:t>
             </a:r>
             <a:endParaRPr lang="da-DK" altLang="ja-JP" dirty="0"/>
@@ -13481,11 +13923,7 @@
           <a:p>
             <a:r>
               <a:rPr lang="da-DK" altLang="ja-JP" dirty="0"/>
-              <a:t>    </a:t>
-            </a:r>
-            <a:r>
-              <a:rPr lang="da-DK" altLang="ja-JP" dirty="0" smtClean="0"/>
-              <a:t>mrgsim(start=0,end=120,by=0.1)</a:t>
+              <a:t>    mrgsim(start=0,end=120,by=0.1)</a:t>
             </a:r>
             <a:endParaRPr lang="ja-JP" altLang="en-US" dirty="0"/>
           </a:p>
@@ -13514,15 +13952,15 @@
           <a:lstStyle/>
           <a:p>
             <a:r>
-              <a:rPr lang="en-US" altLang="ja-JP" dirty="0" smtClean="0"/>
+              <a:rPr lang="en-US" altLang="ja-JP" dirty="0"/>
               <a:t>&lt;</a:t>
             </a:r>
             <a:r>
-              <a:rPr lang="ja-JP" altLang="en-US" dirty="0" smtClean="0"/>
+              <a:rPr lang="ja-JP" altLang="en-US" dirty="0"/>
               <a:t>モデル</a:t>
             </a:r>
             <a:r>
-              <a:rPr kumimoji="1" lang="en-US" altLang="ja-JP" dirty="0" smtClean="0"/>
+              <a:rPr kumimoji="1" lang="en-US" altLang="ja-JP" dirty="0"/>
               <a:t>&gt;</a:t>
             </a:r>
           </a:p>
@@ -13566,7 +14004,7 @@
           <a:p>
             <a:pPr algn="ctr"/>
             <a:r>
-              <a:rPr lang="ja-JP" altLang="en-US" dirty="0" smtClean="0"/>
+              <a:rPr lang="ja-JP" altLang="en-US" dirty="0"/>
               <a:t>患者情報</a:t>
             </a:r>
             <a:endParaRPr kumimoji="1" lang="ja-JP" altLang="en-US" dirty="0"/>
@@ -13608,12 +14046,8 @@
           <a:p>
             <a:pPr algn="ctr"/>
             <a:r>
-              <a:rPr lang="ja-JP" altLang="en-US" dirty="0" smtClean="0"/>
-              <a:t>投与</a:t>
-            </a:r>
-            <a:r>
               <a:rPr lang="ja-JP" altLang="en-US" dirty="0"/>
-              <a:t>情報</a:t>
+              <a:t>投与情報</a:t>
             </a:r>
             <a:endParaRPr kumimoji="1" lang="ja-JP" altLang="en-US" dirty="0"/>
           </a:p>
@@ -13655,11 +14089,7 @@
             <a:pPr algn="ctr"/>
             <a:r>
               <a:rPr lang="ja-JP" altLang="en-US" dirty="0"/>
-              <a:t>サンプリング</a:t>
-            </a:r>
-            <a:r>
-              <a:rPr lang="ja-JP" altLang="en-US" dirty="0" smtClean="0"/>
-              <a:t>情報</a:t>
+              <a:t>サンプリング情報</a:t>
             </a:r>
             <a:endParaRPr kumimoji="1" lang="ja-JP" altLang="en-US" dirty="0"/>
           </a:p>
@@ -13752,7 +14182,7 @@
           <a:lstStyle/>
           <a:p>
             <a:r>
-              <a:rPr lang="en-US" altLang="ja-JP" dirty="0" smtClean="0"/>
+              <a:rPr lang="en-US" altLang="ja-JP" dirty="0"/>
               <a:t>&lt;</a:t>
             </a:r>
             <a:r>
@@ -13760,10 +14190,9 @@
               <a:t>アウトプット</a:t>
             </a:r>
             <a:r>
-              <a:rPr lang="en-US" altLang="ja-JP" dirty="0" smtClean="0"/>
+              <a:rPr lang="en-US" altLang="ja-JP" dirty="0"/>
               <a:t>&gt;</a:t>
             </a:r>
-            <a:endParaRPr lang="en-US" altLang="ja-JP" dirty="0"/>
           </a:p>
           <a:p>
             <a:endParaRPr kumimoji="1" lang="ja-JP" altLang="en-US" dirty="0"/>
@@ -13816,15 +14245,15 @@
           <a:lstStyle/>
           <a:p>
             <a:r>
-              <a:rPr lang="en-US" altLang="ja-JP" dirty="0" smtClean="0"/>
+              <a:rPr lang="en-US" altLang="ja-JP" dirty="0"/>
               <a:t>Interactive</a:t>
             </a:r>
             <a:r>
-              <a:rPr lang="ja-JP" altLang="en-US" dirty="0" smtClean="0"/>
+              <a:rPr lang="ja-JP" altLang="en-US" dirty="0"/>
               <a:t> </a:t>
             </a:r>
             <a:r>
-              <a:rPr lang="en-US" altLang="ja-JP" dirty="0" smtClean="0"/>
+              <a:rPr lang="en-US" altLang="ja-JP" dirty="0"/>
               <a:t>communication</a:t>
             </a:r>
             <a:endParaRPr kumimoji="1" lang="ja-JP" altLang="en-US" dirty="0"/>
@@ -13856,30 +14285,30 @@
               <a:t>s</a:t>
             </a:r>
             <a:r>
-              <a:rPr kumimoji="1" lang="en-US" altLang="ja-JP" dirty="0" smtClean="0"/>
+              <a:rPr kumimoji="1" lang="en-US" altLang="ja-JP" dirty="0"/>
               <a:t>hiny </a:t>
             </a:r>
             <a:r>
-              <a:rPr kumimoji="1" lang="ja-JP" altLang="en-US" dirty="0" smtClean="0"/>
+              <a:rPr kumimoji="1" lang="ja-JP" altLang="en-US" dirty="0"/>
               <a:t>を使うことで、</a:t>
             </a:r>
             <a:r>
-              <a:rPr kumimoji="1" lang="en-US" altLang="ja-JP" dirty="0" smtClean="0"/>
+              <a:rPr kumimoji="1" lang="en-US" altLang="ja-JP" dirty="0"/>
               <a:t>R</a:t>
             </a:r>
             <a:r>
-              <a:rPr kumimoji="1" lang="ja-JP" altLang="en-US" dirty="0" smtClean="0"/>
+              <a:rPr kumimoji="1" lang="ja-JP" altLang="en-US" dirty="0"/>
               <a:t>との</a:t>
             </a:r>
             <a:r>
-              <a:rPr kumimoji="1" lang="en-US" altLang="ja-JP" dirty="0" smtClean="0"/>
+              <a:rPr kumimoji="1" lang="en-US" altLang="ja-JP" dirty="0"/>
               <a:t>interactive</a:t>
             </a:r>
             <a:r>
-              <a:rPr kumimoji="1" lang="ja-JP" altLang="en-US" dirty="0" smtClean="0"/>
+              <a:rPr kumimoji="1" lang="ja-JP" altLang="en-US" dirty="0"/>
               <a:t>なやり取りが可能となるアプリケーションを作成することができる</a:t>
             </a:r>
-            <a:endParaRPr kumimoji="1" lang="en-US" altLang="ja-JP" dirty="0" smtClean="0"/>
+            <a:endParaRPr kumimoji="1" lang="en-US" altLang="ja-JP" dirty="0"/>
           </a:p>
           <a:p>
             <a:endParaRPr lang="en-US" altLang="ja-JP" dirty="0"/>
@@ -13908,26 +14337,26 @@
           <a:lstStyle/>
           <a:p>
             <a:r>
-              <a:rPr lang="en-US" altLang="ja-JP" smtClean="0"/>
+              <a:rPr lang="en-US" altLang="ja-JP"/>
               <a:t>R</a:t>
             </a:r>
             <a:r>
-              <a:rPr lang="ja-JP" altLang="en-US" smtClean="0"/>
+              <a:rPr lang="ja-JP" altLang="en-US"/>
               <a:t> </a:t>
             </a:r>
             <a:r>
-              <a:rPr lang="en-US" altLang="ja-JP" smtClean="0"/>
+              <a:rPr lang="en-US" altLang="ja-JP"/>
               <a:t>for</a:t>
             </a:r>
             <a:r>
-              <a:rPr lang="ja-JP" altLang="en-US" smtClean="0"/>
+              <a:rPr lang="ja-JP" altLang="en-US"/>
               <a:t> </a:t>
             </a:r>
             <a:r>
-              <a:rPr lang="en-US" altLang="ja-JP" smtClean="0"/>
+              <a:rPr lang="en-US" altLang="ja-JP"/>
               <a:t>Pharmacometrics</a:t>
             </a:r>
-            <a:endParaRPr lang="ja-JP" altLang="en-US" dirty="0" smtClean="0"/>
+            <a:endParaRPr lang="ja-JP" altLang="en-US" dirty="0"/>
           </a:p>
         </p:txBody>
       </p:sp>
@@ -14075,7 +14504,7 @@
           <a:p>
             <a:pPr algn="ctr"/>
             <a:r>
-              <a:rPr lang="ja-JP" altLang="en-US" sz="1600" dirty="0" smtClean="0"/>
+              <a:rPr lang="ja-JP" altLang="en-US" sz="1600" dirty="0"/>
               <a:t>では〇〇の条件でシミュレーションするとどうなりますか？</a:t>
             </a:r>
             <a:endParaRPr kumimoji="1" lang="ja-JP" altLang="en-US" sz="1600" dirty="0"/>
@@ -14120,19 +14549,19 @@
           <a:p>
             <a:pPr algn="ctr"/>
             <a:r>
-              <a:rPr lang="ja-JP" altLang="en-US" sz="1600" dirty="0" smtClean="0"/>
+              <a:rPr lang="ja-JP" altLang="en-US" sz="1600" dirty="0"/>
               <a:t>その条件は検討してませんでした。</a:t>
             </a:r>
-            <a:endParaRPr lang="en-US" altLang="ja-JP" sz="1600" dirty="0" smtClean="0"/>
+            <a:endParaRPr lang="en-US" altLang="ja-JP" sz="1600" dirty="0"/>
           </a:p>
           <a:p>
             <a:pPr algn="ctr"/>
             <a:r>
-              <a:rPr kumimoji="1" lang="ja-JP" altLang="en-US" sz="1600" dirty="0" smtClean="0"/>
+              <a:rPr kumimoji="1" lang="ja-JP" altLang="en-US" sz="1600" dirty="0"/>
               <a:t>いちど持ち帰ります</a:t>
             </a:r>
             <a:r>
-              <a:rPr kumimoji="1" lang="ja-JP" altLang="en-US" sz="1600" dirty="0" err="1" smtClean="0"/>
+              <a:rPr kumimoji="1" lang="ja-JP" altLang="en-US" sz="1600" dirty="0" err="1"/>
               <a:t>。。</a:t>
             </a:r>
             <a:endParaRPr kumimoji="1" lang="ja-JP" altLang="en-US" sz="1600" dirty="0"/>
@@ -14177,24 +14606,8 @@
           <a:p>
             <a:pPr algn="ctr"/>
             <a:r>
-              <a:rPr lang="ja-JP" altLang="en-US" sz="1600" dirty="0" smtClean="0"/>
-              <a:t>その</a:t>
-            </a:r>
-            <a:r>
               <a:rPr lang="ja-JP" altLang="en-US" sz="1600" dirty="0"/>
-              <a:t>条件</a:t>
-            </a:r>
-            <a:r>
-              <a:rPr lang="ja-JP" altLang="en-US" sz="1600" dirty="0" smtClean="0"/>
-              <a:t>は</a:t>
-            </a:r>
-            <a:r>
-              <a:rPr lang="ja-JP" altLang="en-US" sz="1600" dirty="0"/>
-              <a:t>未検討</a:t>
-            </a:r>
-            <a:r>
-              <a:rPr lang="ja-JP" altLang="en-US" sz="1600" dirty="0" smtClean="0"/>
-              <a:t>でしたが、この場で確認できます。</a:t>
+              <a:t>その条件は未検討でしたが、この場で確認できます。</a:t>
             </a:r>
             <a:endParaRPr kumimoji="1" lang="ja-JP" altLang="en-US" sz="1600" dirty="0"/>
           </a:p>
@@ -14313,10 +14726,9 @@
           <a:lstStyle/>
           <a:p>
             <a:r>
-              <a:rPr kumimoji="1" lang="ja-JP" altLang="en-US" dirty="0" smtClean="0"/>
+              <a:rPr kumimoji="1" lang="ja-JP" altLang="en-US" dirty="0"/>
               <a:t>通常</a:t>
             </a:r>
-            <a:endParaRPr kumimoji="1" lang="ja-JP" altLang="en-US" dirty="0"/>
           </a:p>
         </p:txBody>
       </p:sp>
@@ -14356,14 +14768,13 @@
           <a:lstStyle/>
           <a:p>
             <a:r>
-              <a:rPr kumimoji="1" lang="en-US" altLang="ja-JP" dirty="0" smtClean="0"/>
+              <a:rPr kumimoji="1" lang="en-US" altLang="ja-JP" dirty="0"/>
               <a:t>shiny</a:t>
             </a:r>
             <a:r>
-              <a:rPr kumimoji="1" lang="ja-JP" altLang="en-US" dirty="0" smtClean="0"/>
+              <a:rPr kumimoji="1" lang="ja-JP" altLang="en-US" dirty="0"/>
               <a:t>を使っていた場合</a:t>
             </a:r>
-            <a:endParaRPr kumimoji="1" lang="ja-JP" altLang="en-US" dirty="0"/>
           </a:p>
         </p:txBody>
       </p:sp>
@@ -14604,15 +15015,15 @@
           <a:lstStyle/>
           <a:p>
             <a:r>
-              <a:rPr kumimoji="1" lang="en-US" altLang="ja-JP" dirty="0" smtClean="0"/>
+              <a:rPr kumimoji="1" lang="en-US" altLang="ja-JP" dirty="0"/>
               <a:t>Shiny</a:t>
             </a:r>
             <a:r>
-              <a:rPr kumimoji="1" lang="ja-JP" altLang="en-US" dirty="0" smtClean="0"/>
+              <a:rPr kumimoji="1" lang="ja-JP" altLang="en-US" dirty="0"/>
               <a:t> </a:t>
             </a:r>
             <a:r>
-              <a:rPr kumimoji="1" lang="en-US" altLang="ja-JP" dirty="0" smtClean="0"/>
+              <a:rPr kumimoji="1" lang="en-US" altLang="ja-JP" dirty="0"/>
               <a:t>application</a:t>
             </a:r>
             <a:endParaRPr kumimoji="1" lang="ja-JP" altLang="en-US" dirty="0"/>
@@ -14640,26 +15051,26 @@
           <a:lstStyle/>
           <a:p>
             <a:r>
-              <a:rPr lang="en-US" altLang="ja-JP" smtClean="0"/>
+              <a:rPr lang="en-US" altLang="ja-JP"/>
               <a:t>R</a:t>
             </a:r>
             <a:r>
-              <a:rPr lang="ja-JP" altLang="en-US" smtClean="0"/>
+              <a:rPr lang="ja-JP" altLang="en-US"/>
               <a:t> </a:t>
             </a:r>
             <a:r>
-              <a:rPr lang="en-US" altLang="ja-JP" smtClean="0"/>
+              <a:rPr lang="en-US" altLang="ja-JP"/>
               <a:t>for</a:t>
             </a:r>
             <a:r>
-              <a:rPr lang="ja-JP" altLang="en-US" smtClean="0"/>
+              <a:rPr lang="ja-JP" altLang="en-US"/>
               <a:t> </a:t>
             </a:r>
             <a:r>
-              <a:rPr lang="en-US" altLang="ja-JP" smtClean="0"/>
+              <a:rPr lang="en-US" altLang="ja-JP"/>
               <a:t>Pharmacometrics</a:t>
             </a:r>
-            <a:endParaRPr lang="ja-JP" altLang="en-US" dirty="0" smtClean="0"/>
+            <a:endParaRPr lang="ja-JP" altLang="en-US" dirty="0"/>
           </a:p>
         </p:txBody>
       </p:sp>
@@ -14767,7 +15178,7 @@
               <a:buNone/>
               <a:tabLst/>
             </a:pPr>
-            <a:endParaRPr kumimoji="0" lang="ja-JP" altLang="en-US" sz="2800" b="1" i="0" u="sng" strike="noStrike" kern="1200" cap="none" spc="0" normalizeH="0" baseline="0" noProof="0" dirty="0" smtClean="0">
+            <a:endParaRPr kumimoji="0" lang="ja-JP" altLang="en-US" sz="2800" b="1" i="0" u="sng" strike="noStrike" kern="1200" cap="none" spc="0" normalizeH="0" baseline="0" noProof="0" dirty="0">
               <a:ln>
                 <a:noFill/>
               </a:ln>
@@ -14822,7 +15233,7 @@
               <a:tabLst/>
             </a:pPr>
             <a:r>
-              <a:rPr kumimoji="0" lang="ja-JP" altLang="en-US" sz="1600" b="0" i="0" u="none" strike="noStrike" kern="1200" cap="none" spc="0" normalizeH="0" baseline="0" noProof="0" dirty="0" smtClean="0">
+              <a:rPr kumimoji="0" lang="ja-JP" altLang="en-US" sz="1600" b="0" i="0" u="none" strike="noStrike" kern="1200" cap="none" spc="0" normalizeH="0" baseline="0" noProof="0" dirty="0">
                 <a:ln>
                   <a:noFill/>
                 </a:ln>
@@ -14879,7 +15290,7 @@
               <a:tabLst/>
             </a:pPr>
             <a:r>
-              <a:rPr kumimoji="0" lang="ja-JP" altLang="en-US" sz="1600" b="0" i="0" u="none" strike="noStrike" kern="1200" cap="none" spc="0" normalizeH="0" baseline="0" noProof="0" dirty="0" smtClean="0">
+              <a:rPr kumimoji="0" lang="ja-JP" altLang="en-US" sz="1600" b="0" i="0" u="none" strike="noStrike" kern="1200" cap="none" spc="0" normalizeH="0" baseline="0" noProof="0" dirty="0">
                 <a:ln>
                   <a:noFill/>
                 </a:ln>
@@ -15183,18 +15594,17 @@
           <a:p>
             <a:pPr algn="ctr"/>
             <a:r>
-              <a:rPr kumimoji="1" lang="ja-JP" altLang="en-US" sz="1600" dirty="0" smtClean="0"/>
+              <a:rPr kumimoji="1" lang="ja-JP" altLang="en-US" sz="1600" dirty="0"/>
               <a:t>ウィジェット</a:t>
             </a:r>
-            <a:endParaRPr kumimoji="1" lang="en-US" altLang="ja-JP" sz="1600" dirty="0" smtClean="0"/>
+            <a:endParaRPr kumimoji="1" lang="en-US" altLang="ja-JP" sz="1600" dirty="0"/>
           </a:p>
           <a:p>
             <a:pPr algn="ctr"/>
             <a:r>
-              <a:rPr kumimoji="1" lang="ja-JP" altLang="en-US" sz="1600" dirty="0" smtClean="0"/>
+              <a:rPr kumimoji="1" lang="ja-JP" altLang="en-US" sz="1600" dirty="0"/>
               <a:t>（数値を入力）</a:t>
             </a:r>
-            <a:endParaRPr kumimoji="1" lang="ja-JP" altLang="en-US" sz="1600" dirty="0"/>
           </a:p>
         </p:txBody>
       </p:sp>
@@ -15236,10 +15646,9 @@
           <a:p>
             <a:pPr algn="ctr"/>
             <a:r>
-              <a:rPr kumimoji="1" lang="ja-JP" altLang="en-US" sz="1600" dirty="0" smtClean="0"/>
+              <a:rPr kumimoji="1" lang="ja-JP" altLang="en-US" sz="1600" dirty="0"/>
               <a:t>アウトプットの設置</a:t>
             </a:r>
-            <a:endParaRPr kumimoji="1" lang="ja-JP" altLang="en-US" sz="1600" dirty="0"/>
           </a:p>
         </p:txBody>
       </p:sp>
@@ -15281,15 +15690,15 @@
           <a:p>
             <a:pPr algn="ctr"/>
             <a:r>
-              <a:rPr kumimoji="1" lang="ja-JP" altLang="en-US" sz="1600" dirty="0" smtClean="0"/>
+              <a:rPr kumimoji="1" lang="ja-JP" altLang="en-US" sz="1600" dirty="0"/>
               <a:t>アウトプットの作成</a:t>
             </a:r>
-            <a:endParaRPr kumimoji="1" lang="en-US" altLang="ja-JP" sz="1600" dirty="0" smtClean="0"/>
+            <a:endParaRPr kumimoji="1" lang="en-US" altLang="ja-JP" sz="1600" dirty="0"/>
           </a:p>
           <a:p>
             <a:pPr algn="ctr"/>
             <a:r>
-              <a:rPr lang="ja-JP" altLang="en-US" sz="1600" dirty="0" smtClean="0"/>
+              <a:rPr lang="ja-JP" altLang="en-US" sz="1600" dirty="0"/>
               <a:t>（入力した数値分の乱数を発生させヒストグラムを作成する）</a:t>
             </a:r>
             <a:endParaRPr kumimoji="1" lang="ja-JP" altLang="en-US" sz="1600" dirty="0"/>
@@ -15334,10 +15743,10 @@
           <a:p>
             <a:pPr algn="ctr"/>
             <a:r>
-              <a:rPr kumimoji="1" lang="ja-JP" altLang="en-US" sz="1600" dirty="0" smtClean="0"/>
+              <a:rPr kumimoji="1" lang="ja-JP" altLang="en-US" sz="1600" dirty="0"/>
               <a:t>ウィジェット</a:t>
             </a:r>
-            <a:endParaRPr kumimoji="1" lang="en-US" altLang="ja-JP" sz="1600" dirty="0" smtClean="0"/>
+            <a:endParaRPr kumimoji="1" lang="en-US" altLang="ja-JP" sz="1600" dirty="0"/>
           </a:p>
         </p:txBody>
       </p:sp>
@@ -15387,19 +15796,19 @@
           <a:lstStyle/>
           <a:p>
             <a:r>
-              <a:rPr kumimoji="1" lang="en-US" altLang="ja-JP" dirty="0" err="1" smtClean="0"/>
+              <a:rPr kumimoji="1" lang="en-US" altLang="ja-JP" dirty="0" err="1"/>
               <a:t>mrgsolve</a:t>
             </a:r>
             <a:r>
-              <a:rPr lang="ja-JP" altLang="en-US" dirty="0" smtClean="0"/>
+              <a:rPr lang="ja-JP" altLang="en-US" dirty="0"/>
               <a:t>と</a:t>
             </a:r>
             <a:r>
-              <a:rPr lang="en-US" altLang="ja-JP" dirty="0" smtClean="0"/>
+              <a:rPr lang="en-US" altLang="ja-JP" dirty="0"/>
               <a:t>shiny</a:t>
             </a:r>
             <a:r>
-              <a:rPr lang="ja-JP" altLang="en-US" dirty="0" smtClean="0"/>
+              <a:rPr lang="ja-JP" altLang="en-US" dirty="0"/>
               <a:t>の組み合わせ（デモ）</a:t>
             </a:r>
             <a:endParaRPr kumimoji="1" lang="ja-JP" altLang="en-US" dirty="0"/>
@@ -15441,26 +15850,26 @@
           <a:lstStyle/>
           <a:p>
             <a:r>
-              <a:rPr lang="en-US" altLang="ja-JP" smtClean="0"/>
+              <a:rPr lang="en-US" altLang="ja-JP"/>
               <a:t>R</a:t>
             </a:r>
             <a:r>
-              <a:rPr lang="ja-JP" altLang="en-US" smtClean="0"/>
+              <a:rPr lang="ja-JP" altLang="en-US"/>
               <a:t> </a:t>
             </a:r>
             <a:r>
-              <a:rPr lang="en-US" altLang="ja-JP" smtClean="0"/>
+              <a:rPr lang="en-US" altLang="ja-JP"/>
               <a:t>for</a:t>
             </a:r>
             <a:r>
-              <a:rPr lang="ja-JP" altLang="en-US" smtClean="0"/>
+              <a:rPr lang="ja-JP" altLang="en-US"/>
               <a:t> </a:t>
             </a:r>
             <a:r>
-              <a:rPr lang="en-US" altLang="ja-JP" smtClean="0"/>
+              <a:rPr lang="en-US" altLang="ja-JP"/>
               <a:t>Pharmacometrics</a:t>
             </a:r>
-            <a:endParaRPr lang="ja-JP" altLang="en-US" dirty="0" smtClean="0"/>
+            <a:endParaRPr lang="ja-JP" altLang="en-US" dirty="0"/>
           </a:p>
         </p:txBody>
       </p:sp>
@@ -15521,18 +15930,18 @@
           <a:lstStyle/>
           <a:p>
             <a:r>
-              <a:rPr kumimoji="1" lang="en-US" altLang="ja-JP" dirty="0" smtClean="0"/>
+              <a:rPr kumimoji="1" lang="en-US" altLang="ja-JP" dirty="0"/>
               <a:t>PK</a:t>
             </a:r>
             <a:r>
-              <a:rPr kumimoji="1" lang="ja-JP" altLang="en-US" dirty="0" smtClean="0"/>
+              <a:rPr kumimoji="1" lang="ja-JP" altLang="en-US" dirty="0"/>
               <a:t>と</a:t>
             </a:r>
             <a:r>
-              <a:rPr lang="ja-JP" altLang="en-US" dirty="0" smtClean="0"/>
+              <a:rPr lang="ja-JP" altLang="en-US" dirty="0"/>
               <a:t>腫瘍サイズの変化を気軽に確認できる。</a:t>
             </a:r>
-            <a:endParaRPr lang="en-US" altLang="ja-JP" dirty="0" smtClean="0"/>
+            <a:endParaRPr lang="en-US" altLang="ja-JP" dirty="0"/>
           </a:p>
           <a:p>
             <a:pPr marL="285750" indent="-285750">
@@ -15541,13 +15950,9 @@
             </a:pPr>
             <a:r>
               <a:rPr kumimoji="1" lang="ja-JP" altLang="en-US" dirty="0"/>
-              <a:t>パラメータ</a:t>
-            </a:r>
-            <a:r>
-              <a:rPr kumimoji="1" lang="ja-JP" altLang="en-US" dirty="0" smtClean="0"/>
-              <a:t>を動かしたときの変化</a:t>
-            </a:r>
-            <a:endParaRPr kumimoji="1" lang="en-US" altLang="ja-JP" dirty="0" smtClean="0"/>
+              <a:t>パラメータを動かしたときの変化</a:t>
+            </a:r>
+            <a:endParaRPr kumimoji="1" lang="en-US" altLang="ja-JP" dirty="0"/>
           </a:p>
           <a:p>
             <a:pPr marL="285750" indent="-285750">
@@ -15556,21 +15961,9 @@
             </a:pPr>
             <a:r>
               <a:rPr lang="ja-JP" altLang="en-US" dirty="0"/>
-              <a:t>共変量</a:t>
-            </a:r>
-            <a:r>
-              <a:rPr lang="ja-JP" altLang="en-US" dirty="0" smtClean="0"/>
-              <a:t>を</a:t>
-            </a:r>
-            <a:r>
-              <a:rPr lang="ja-JP" altLang="en-US" dirty="0"/>
-              <a:t>動</a:t>
-            </a:r>
-            <a:r>
-              <a:rPr lang="ja-JP" altLang="en-US" dirty="0" smtClean="0"/>
-              <a:t>かしたときの変化</a:t>
-            </a:r>
-            <a:endParaRPr lang="en-US" altLang="ja-JP" dirty="0" smtClean="0"/>
+              <a:t>共変量を動かしたときの変化</a:t>
+            </a:r>
+            <a:endParaRPr lang="en-US" altLang="ja-JP" dirty="0"/>
           </a:p>
           <a:p>
             <a:pPr marL="285750" indent="-285750">
@@ -15579,21 +15972,8 @@
             </a:pPr>
             <a:r>
               <a:rPr kumimoji="1" lang="ja-JP" altLang="en-US" dirty="0"/>
-              <a:t>レジメン</a:t>
-            </a:r>
-            <a:r>
-              <a:rPr kumimoji="1" lang="ja-JP" altLang="en-US" dirty="0" smtClean="0"/>
-              <a:t>を</a:t>
-            </a:r>
-            <a:r>
-              <a:rPr kumimoji="1" lang="ja-JP" altLang="en-US" dirty="0"/>
-              <a:t>変</a:t>
-            </a:r>
-            <a:r>
-              <a:rPr kumimoji="1" lang="ja-JP" altLang="en-US" dirty="0" smtClean="0"/>
-              <a:t>えたときの変化　など</a:t>
-            </a:r>
-            <a:endParaRPr kumimoji="1" lang="ja-JP" altLang="en-US" dirty="0"/>
+              <a:t>レジメンを変えたときの変化　など</a:t>
+            </a:r>
           </a:p>
         </p:txBody>
       </p:sp>
@@ -15667,10 +16047,9 @@
           <a:lstStyle/>
           <a:p>
             <a:r>
-              <a:rPr kumimoji="1" lang="ja-JP" altLang="en-US" dirty="0" smtClean="0"/>
+              <a:rPr kumimoji="1" lang="ja-JP" altLang="en-US" dirty="0"/>
               <a:t>まとめ</a:t>
             </a:r>
-            <a:endParaRPr kumimoji="1" lang="ja-JP" altLang="en-US" dirty="0"/>
           </a:p>
         </p:txBody>
       </p:sp>
@@ -15690,66 +16069,58 @@
           <a:lstStyle/>
           <a:p>
             <a:r>
-              <a:rPr kumimoji="1" lang="ja-JP" altLang="en-US" dirty="0" smtClean="0"/>
+              <a:rPr kumimoji="1" lang="ja-JP" altLang="en-US" dirty="0"/>
               <a:t>シミュレーションは身近なところや</a:t>
             </a:r>
             <a:r>
-              <a:rPr kumimoji="1" lang="en-US" altLang="ja-JP" dirty="0" smtClean="0"/>
+              <a:rPr kumimoji="1" lang="en-US" altLang="ja-JP" dirty="0"/>
               <a:t>PK</a:t>
             </a:r>
             <a:r>
-              <a:rPr kumimoji="1" lang="ja-JP" altLang="en-US" dirty="0" smtClean="0"/>
+              <a:rPr kumimoji="1" lang="ja-JP" altLang="en-US" dirty="0"/>
               <a:t>など幅広く活用できる手法です。</a:t>
             </a:r>
-            <a:endParaRPr kumimoji="1" lang="en-US" altLang="ja-JP" dirty="0" smtClean="0"/>
+            <a:endParaRPr kumimoji="1" lang="en-US" altLang="ja-JP" dirty="0"/>
           </a:p>
           <a:p>
             <a:endParaRPr lang="en-US" altLang="ja-JP" dirty="0"/>
           </a:p>
           <a:p>
             <a:r>
-              <a:rPr kumimoji="1" lang="en-US" altLang="ja-JP" dirty="0" smtClean="0"/>
+              <a:rPr kumimoji="1" lang="en-US" altLang="ja-JP" dirty="0"/>
               <a:t>PK</a:t>
             </a:r>
             <a:r>
-              <a:rPr kumimoji="1" lang="ja-JP" altLang="en-US" dirty="0" smtClean="0"/>
+              <a:rPr kumimoji="1" lang="ja-JP" altLang="en-US" dirty="0"/>
               <a:t>のシミュレーションを</a:t>
             </a:r>
             <a:r>
-              <a:rPr kumimoji="1" lang="en-US" altLang="ja-JP" dirty="0" smtClean="0"/>
+              <a:rPr kumimoji="1" lang="en-US" altLang="ja-JP" dirty="0"/>
               <a:t>R</a:t>
             </a:r>
             <a:r>
-              <a:rPr kumimoji="1" lang="ja-JP" altLang="en-US" dirty="0" smtClean="0"/>
+              <a:rPr kumimoji="1" lang="ja-JP" altLang="en-US" dirty="0"/>
               <a:t>のみで実施することもでき、</a:t>
             </a:r>
-            <a:r>
-              <a:rPr kumimoji="1" lang="en-US" altLang="ja-JP" dirty="0" smtClean="0"/>
-              <a:t/>
-            </a:r>
             <a:br>
-              <a:rPr kumimoji="1" lang="en-US" altLang="ja-JP" dirty="0" smtClean="0"/>
+              <a:rPr kumimoji="1" lang="en-US" altLang="ja-JP" dirty="0"/>
             </a:br>
             <a:r>
-              <a:rPr kumimoji="1" lang="en-US" altLang="ja-JP" dirty="0" smtClean="0"/>
+              <a:rPr kumimoji="1" lang="en-US" altLang="ja-JP" dirty="0"/>
               <a:t>shiny</a:t>
             </a:r>
             <a:r>
-              <a:rPr kumimoji="1" lang="ja-JP" altLang="en-US" dirty="0" smtClean="0"/>
+              <a:rPr kumimoji="1" lang="ja-JP" altLang="en-US" dirty="0"/>
               <a:t>と組み合わせることによって効率的なコミュニケーションに</a:t>
             </a:r>
-            <a:r>
-              <a:rPr kumimoji="1" lang="en-US" altLang="ja-JP" dirty="0" smtClean="0"/>
-              <a:t/>
-            </a:r>
             <a:br>
-              <a:rPr kumimoji="1" lang="en-US" altLang="ja-JP" dirty="0" smtClean="0"/>
+              <a:rPr kumimoji="1" lang="en-US" altLang="ja-JP" dirty="0"/>
             </a:br>
             <a:r>
-              <a:rPr kumimoji="1" lang="ja-JP" altLang="en-US" dirty="0" smtClean="0"/>
+              <a:rPr kumimoji="1" lang="ja-JP" altLang="en-US" dirty="0"/>
               <a:t>つなげることができます。</a:t>
             </a:r>
-            <a:endParaRPr kumimoji="1" lang="en-US" altLang="ja-JP" dirty="0" smtClean="0"/>
+            <a:endParaRPr kumimoji="1" lang="en-US" altLang="ja-JP" dirty="0"/>
           </a:p>
           <a:p>
             <a:pPr marL="0" indent="0">
@@ -15781,26 +16152,26 @@
           <a:lstStyle/>
           <a:p>
             <a:r>
-              <a:rPr lang="en-US" altLang="ja-JP" smtClean="0"/>
+              <a:rPr lang="en-US" altLang="ja-JP"/>
               <a:t>R</a:t>
             </a:r>
             <a:r>
-              <a:rPr lang="ja-JP" altLang="en-US" smtClean="0"/>
+              <a:rPr lang="ja-JP" altLang="en-US"/>
               <a:t> </a:t>
             </a:r>
             <a:r>
-              <a:rPr lang="en-US" altLang="ja-JP" smtClean="0"/>
+              <a:rPr lang="en-US" altLang="ja-JP"/>
               <a:t>for</a:t>
             </a:r>
             <a:r>
-              <a:rPr lang="ja-JP" altLang="en-US" smtClean="0"/>
+              <a:rPr lang="ja-JP" altLang="en-US"/>
               <a:t> </a:t>
             </a:r>
             <a:r>
-              <a:rPr lang="en-US" altLang="ja-JP" smtClean="0"/>
+              <a:rPr lang="en-US" altLang="ja-JP"/>
               <a:t>Pharmacometrics</a:t>
             </a:r>
-            <a:endParaRPr lang="ja-JP" altLang="en-US" dirty="0" smtClean="0"/>
+            <a:endParaRPr lang="ja-JP" altLang="en-US" dirty="0"/>
           </a:p>
         </p:txBody>
       </p:sp>
@@ -15873,7 +16244,7 @@
           <a:lstStyle/>
           <a:p>
             <a:r>
-              <a:rPr kumimoji="1" lang="en-US" altLang="ja-JP" dirty="0" smtClean="0"/>
+              <a:rPr kumimoji="1" lang="en-US" altLang="ja-JP" dirty="0"/>
               <a:t>Backup</a:t>
             </a:r>
             <a:endParaRPr kumimoji="1" lang="ja-JP" altLang="en-US" dirty="0"/>
@@ -15915,26 +16286,26 @@
           <a:lstStyle/>
           <a:p>
             <a:r>
-              <a:rPr lang="en-US" altLang="ja-JP" smtClean="0"/>
+              <a:rPr lang="en-US" altLang="ja-JP"/>
               <a:t>R</a:t>
             </a:r>
             <a:r>
-              <a:rPr lang="ja-JP" altLang="en-US" smtClean="0"/>
+              <a:rPr lang="ja-JP" altLang="en-US"/>
               <a:t> </a:t>
             </a:r>
             <a:r>
-              <a:rPr lang="en-US" altLang="ja-JP" smtClean="0"/>
+              <a:rPr lang="en-US" altLang="ja-JP"/>
               <a:t>for</a:t>
             </a:r>
             <a:r>
-              <a:rPr lang="ja-JP" altLang="en-US" smtClean="0"/>
+              <a:rPr lang="ja-JP" altLang="en-US"/>
               <a:t> </a:t>
             </a:r>
             <a:r>
-              <a:rPr lang="en-US" altLang="ja-JP" smtClean="0"/>
+              <a:rPr lang="en-US" altLang="ja-JP"/>
               <a:t>Pharmacometrics</a:t>
             </a:r>
-            <a:endParaRPr lang="ja-JP" altLang="en-US" dirty="0" smtClean="0"/>
+            <a:endParaRPr lang="ja-JP" altLang="en-US" dirty="0"/>
           </a:p>
         </p:txBody>
       </p:sp>
@@ -16007,10 +16378,9 @@
           <a:lstStyle/>
           <a:p>
             <a:r>
-              <a:rPr kumimoji="1" lang="ja-JP" altLang="en-US" dirty="0" smtClean="0"/>
+              <a:rPr kumimoji="1" lang="ja-JP" altLang="en-US" dirty="0"/>
               <a:t>シミュレーション</a:t>
             </a:r>
-            <a:endParaRPr kumimoji="1" lang="ja-JP" altLang="en-US" dirty="0"/>
           </a:p>
         </p:txBody>
       </p:sp>
@@ -16030,10 +16400,10 @@
           <a:lstStyle/>
           <a:p>
             <a:r>
-              <a:rPr kumimoji="1" lang="ja-JP" altLang="en-US" dirty="0" smtClean="0"/>
+              <a:rPr kumimoji="1" lang="ja-JP" altLang="en-US" dirty="0"/>
               <a:t>シミュレーションとは？</a:t>
             </a:r>
-            <a:endParaRPr kumimoji="1" lang="en-US" altLang="ja-JP" dirty="0" smtClean="0"/>
+            <a:endParaRPr kumimoji="1" lang="en-US" altLang="ja-JP" dirty="0"/>
           </a:p>
           <a:p>
             <a:pPr marL="0" indent="0">
@@ -16041,21 +16411,17 @@
             </a:pPr>
             <a:r>
               <a:rPr lang="ja-JP" altLang="en-US" dirty="0"/>
-              <a:t>コンピューターなどを使用して模擬的に実験を行う</a:t>
-            </a:r>
-            <a:r>
-              <a:rPr lang="ja-JP" altLang="en-US" dirty="0" smtClean="0"/>
-              <a:t>こと。（</a:t>
-            </a:r>
-            <a:r>
-              <a:rPr lang="en-US" altLang="ja-JP" dirty="0" smtClean="0"/>
+              <a:t>コンピューターなどを使用して模擬的に実験を行うこと。（</a:t>
+            </a:r>
+            <a:r>
+              <a:rPr lang="en-US" altLang="ja-JP" dirty="0"/>
               <a:t>goo</a:t>
             </a:r>
             <a:r>
-              <a:rPr lang="ja-JP" altLang="en-US" dirty="0" smtClean="0"/>
+              <a:rPr lang="ja-JP" altLang="en-US" dirty="0"/>
               <a:t>辞書）</a:t>
             </a:r>
-            <a:endParaRPr lang="en-US" altLang="ja-JP" dirty="0" smtClean="0"/>
+            <a:endParaRPr lang="en-US" altLang="ja-JP" dirty="0"/>
           </a:p>
           <a:p>
             <a:pPr marL="0" indent="0">
@@ -16068,16 +16434,16 @@
               <a:buNone/>
             </a:pPr>
             <a:r>
-              <a:rPr lang="ja-JP" altLang="en-US" dirty="0" smtClean="0"/>
+              <a:rPr lang="ja-JP" altLang="en-US" dirty="0"/>
               <a:t>ここでは乱数を多数発生させて行う確率論的なシミュレーション（モンテカルロシミュレーション）について紹介する。</a:t>
             </a:r>
-            <a:endParaRPr lang="en-US" altLang="ja-JP" dirty="0" smtClean="0"/>
+            <a:endParaRPr lang="en-US" altLang="ja-JP" dirty="0"/>
           </a:p>
           <a:p>
             <a:pPr marL="0" indent="0">
               <a:buNone/>
             </a:pPr>
-            <a:endParaRPr kumimoji="1" lang="en-US" altLang="ja-JP" dirty="0" smtClean="0"/>
+            <a:endParaRPr kumimoji="1" lang="en-US" altLang="ja-JP" dirty="0"/>
           </a:p>
           <a:p>
             <a:pPr marL="0" indent="0">
@@ -16103,26 +16469,26 @@
           <a:lstStyle/>
           <a:p>
             <a:r>
-              <a:rPr lang="en-US" altLang="ja-JP" smtClean="0"/>
+              <a:rPr lang="en-US" altLang="ja-JP"/>
               <a:t>R</a:t>
             </a:r>
             <a:r>
-              <a:rPr lang="ja-JP" altLang="en-US" smtClean="0"/>
+              <a:rPr lang="ja-JP" altLang="en-US"/>
               <a:t> </a:t>
             </a:r>
             <a:r>
-              <a:rPr lang="en-US" altLang="ja-JP" smtClean="0"/>
+              <a:rPr lang="en-US" altLang="ja-JP"/>
               <a:t>for</a:t>
             </a:r>
             <a:r>
-              <a:rPr lang="ja-JP" altLang="en-US" smtClean="0"/>
+              <a:rPr lang="ja-JP" altLang="en-US"/>
               <a:t> </a:t>
             </a:r>
             <a:r>
-              <a:rPr lang="en-US" altLang="ja-JP" smtClean="0"/>
+              <a:rPr lang="en-US" altLang="ja-JP"/>
               <a:t>Pharmacometrics</a:t>
             </a:r>
-            <a:endParaRPr lang="ja-JP" altLang="en-US" dirty="0" smtClean="0"/>
+            <a:endParaRPr lang="ja-JP" altLang="en-US" dirty="0"/>
           </a:p>
         </p:txBody>
       </p:sp>
@@ -16195,11 +16561,11 @@
           <a:lstStyle/>
           <a:p>
             <a:r>
-              <a:rPr kumimoji="1" lang="en-US" altLang="ja-JP" dirty="0" err="1" smtClean="0"/>
+              <a:rPr kumimoji="1" lang="en-US" altLang="ja-JP" dirty="0" err="1"/>
               <a:t>RxODE</a:t>
             </a:r>
             <a:r>
-              <a:rPr lang="en-US" altLang="ja-JP" dirty="0" smtClean="0"/>
+              <a:rPr lang="en-US" altLang="ja-JP" dirty="0"/>
               <a:t>: overview</a:t>
             </a:r>
             <a:endParaRPr kumimoji="1" lang="ja-JP" altLang="en-US" dirty="0"/>
@@ -16241,26 +16607,26 @@
           <a:lstStyle/>
           <a:p>
             <a:r>
-              <a:rPr lang="en-US" altLang="ja-JP" smtClean="0"/>
+              <a:rPr lang="en-US" altLang="ja-JP"/>
               <a:t>R</a:t>
             </a:r>
             <a:r>
-              <a:rPr lang="ja-JP" altLang="en-US" smtClean="0"/>
+              <a:rPr lang="ja-JP" altLang="en-US"/>
               <a:t> </a:t>
             </a:r>
             <a:r>
-              <a:rPr lang="en-US" altLang="ja-JP" smtClean="0"/>
+              <a:rPr lang="en-US" altLang="ja-JP"/>
               <a:t>for</a:t>
             </a:r>
             <a:r>
-              <a:rPr lang="ja-JP" altLang="en-US" smtClean="0"/>
+              <a:rPr lang="ja-JP" altLang="en-US"/>
               <a:t> </a:t>
             </a:r>
             <a:r>
-              <a:rPr lang="en-US" altLang="ja-JP" smtClean="0"/>
+              <a:rPr lang="en-US" altLang="ja-JP"/>
               <a:t>Pharmacometrics</a:t>
             </a:r>
-            <a:endParaRPr lang="ja-JP" altLang="en-US" dirty="0" smtClean="0"/>
+            <a:endParaRPr lang="ja-JP" altLang="en-US" dirty="0"/>
           </a:p>
         </p:txBody>
       </p:sp>
@@ -16292,7 +16658,7 @@
           <p:cNvPr id="6" name="Picture 4" descr="An external file that holds a picture, illustration, etc.&#10;Object name is PSP4-5-03-g002.jpg">
             <a:extLst>
               <a:ext uri="{FF2B5EF4-FFF2-40B4-BE49-F238E27FC236}">
-                <a16:creationId xmlns:a16="http://schemas.microsoft.com/office/drawing/2014/main" xmlns="" id="{CD12B13C-05CE-43A6-BE42-5F342F19E421}"/>
+                <a16:creationId xmlns:a16="http://schemas.microsoft.com/office/drawing/2014/main" id="{CD12B13C-05CE-43A6-BE42-5F342F19E421}"/>
               </a:ext>
             </a:extLst>
           </p:cNvPr>
@@ -16357,23 +16723,7 @@
           <a:p>
             <a:r>
               <a:rPr lang="en-US" altLang="ja-JP" sz="1200" dirty="0"/>
-              <a:t>W </a:t>
-            </a:r>
-            <a:r>
-              <a:rPr lang="en-US" altLang="ja-JP" sz="1200" dirty="0" smtClean="0"/>
-              <a:t>Wang</a:t>
-            </a:r>
-            <a:r>
-              <a:rPr lang="en-US" altLang="ja-JP" sz="1200" dirty="0"/>
-              <a:t> </a:t>
-            </a:r>
-            <a:r>
-              <a:rPr lang="en-US" altLang="ja-JP" sz="1200" dirty="0" smtClean="0"/>
-              <a:t>et al</a:t>
-            </a:r>
-            <a:r>
-              <a:rPr lang="en-US" altLang="ja-JP" sz="1200" dirty="0"/>
-              <a:t>. CPT </a:t>
+              <a:t>W Wang et al. CPT </a:t>
             </a:r>
             <a:r>
               <a:rPr lang="en-US" altLang="ja-JP" sz="1200" dirty="0" err="1"/>
@@ -16434,14 +16784,7 @@
                 <a:latin typeface="Arial" pitchFamily="34" charset="0"/>
                 <a:cs typeface="Arial" pitchFamily="34" charset="0"/>
               </a:rPr>
-              <a:t>パラメータ、各コンパートメントの初期値、投与・サンプリングスケジュール、</a:t>
-            </a:r>
-            <a:r>
-              <a:rPr lang="ja-JP" altLang="en-US" dirty="0" smtClean="0">
-                <a:latin typeface="Arial" pitchFamily="34" charset="0"/>
-                <a:cs typeface="Arial" pitchFamily="34" charset="0"/>
-              </a:rPr>
-              <a:t>モデルの</a:t>
+              <a:t>パラメータ、各コンパートメントの初期値、投与・サンプリングスケジュール、モデルの</a:t>
             </a:r>
             <a:r>
               <a:rPr lang="en-US" altLang="ja-JP" dirty="0">
@@ -16455,21 +16798,7 @@
                 <a:latin typeface="Arial" pitchFamily="34" charset="0"/>
                 <a:cs typeface="Arial" pitchFamily="34" charset="0"/>
               </a:rPr>
-              <a:t>つから</a:t>
-            </a:r>
-            <a:r>
-              <a:rPr lang="ja-JP" altLang="en-US" dirty="0" smtClean="0">
-                <a:latin typeface="Arial" pitchFamily="34" charset="0"/>
-                <a:cs typeface="Arial" pitchFamily="34" charset="0"/>
-              </a:rPr>
-              <a:t>構成され</a:t>
-            </a:r>
-            <a:r>
-              <a:rPr lang="ja-JP" altLang="en-US" dirty="0">
-                <a:latin typeface="Arial" pitchFamily="34" charset="0"/>
-                <a:cs typeface="Arial" pitchFamily="34" charset="0"/>
-              </a:rPr>
-              <a:t>る</a:t>
+              <a:t>つから構成される</a:t>
             </a:r>
             <a:endParaRPr kumimoji="0" lang="ja-JP" altLang="en-US" dirty="0">
               <a:latin typeface="Arial" pitchFamily="34" charset="0"/>
@@ -16578,26 +16907,26 @@
           <a:lstStyle/>
           <a:p>
             <a:r>
-              <a:rPr lang="en-US" altLang="ja-JP" smtClean="0"/>
+              <a:rPr lang="en-US" altLang="ja-JP"/>
               <a:t>R</a:t>
             </a:r>
             <a:r>
-              <a:rPr lang="ja-JP" altLang="en-US" smtClean="0"/>
+              <a:rPr lang="ja-JP" altLang="en-US"/>
               <a:t> </a:t>
             </a:r>
             <a:r>
-              <a:rPr lang="en-US" altLang="ja-JP" smtClean="0"/>
+              <a:rPr lang="en-US" altLang="ja-JP"/>
               <a:t>for</a:t>
             </a:r>
             <a:r>
-              <a:rPr lang="ja-JP" altLang="en-US" smtClean="0"/>
+              <a:rPr lang="ja-JP" altLang="en-US"/>
               <a:t> </a:t>
             </a:r>
             <a:r>
-              <a:rPr lang="en-US" altLang="ja-JP" smtClean="0"/>
+              <a:rPr lang="en-US" altLang="ja-JP"/>
               <a:t>Pharmacometrics</a:t>
             </a:r>
-            <a:endParaRPr lang="ja-JP" altLang="en-US" dirty="0" smtClean="0"/>
+            <a:endParaRPr lang="ja-JP" altLang="en-US" dirty="0"/>
           </a:p>
         </p:txBody>
       </p:sp>
@@ -16673,34 +17002,34 @@
             <a:p>
               <a:pPr algn="ctr"/>
               <a:r>
-                <a:rPr kumimoji="1" lang="en-US" altLang="ja-JP" b="1" dirty="0" smtClean="0"/>
+                <a:rPr kumimoji="1" lang="en-US" altLang="ja-JP" b="1" dirty="0"/>
                 <a:t>dataset(data1)</a:t>
               </a:r>
             </a:p>
             <a:p>
               <a:pPr algn="ctr"/>
-              <a:endParaRPr kumimoji="1" lang="en-US" altLang="ja-JP" b="1" dirty="0" smtClean="0"/>
+              <a:endParaRPr kumimoji="1" lang="en-US" altLang="ja-JP" b="1" dirty="0"/>
             </a:p>
             <a:p>
               <a:pPr algn="ctr"/>
               <a:r>
-                <a:rPr kumimoji="1" lang="ja-JP" altLang="en-US" dirty="0" smtClean="0"/>
+                <a:rPr kumimoji="1" lang="ja-JP" altLang="en-US" dirty="0"/>
                 <a:t>投与条件</a:t>
               </a:r>
-              <a:endParaRPr kumimoji="1" lang="en-US" altLang="ja-JP" dirty="0" smtClean="0"/>
+              <a:endParaRPr kumimoji="1" lang="en-US" altLang="ja-JP" dirty="0"/>
             </a:p>
             <a:p>
               <a:pPr algn="ctr"/>
               <a:r>
-                <a:rPr kumimoji="1" lang="en-US" altLang="ja-JP" dirty="0" smtClean="0"/>
+                <a:rPr kumimoji="1" lang="en-US" altLang="ja-JP" dirty="0"/>
                 <a:t>data1 &lt;- </a:t>
               </a:r>
               <a:r>
-                <a:rPr kumimoji="1" lang="en-US" altLang="ja-JP" dirty="0" err="1" smtClean="0"/>
+                <a:rPr kumimoji="1" lang="en-US" altLang="ja-JP" dirty="0" err="1"/>
                 <a:t>ev</a:t>
               </a:r>
               <a:r>
-                <a:rPr kumimoji="1" lang="en-US" altLang="ja-JP" dirty="0" smtClean="0"/>
+                <a:rPr kumimoji="1" lang="en-US" altLang="ja-JP" dirty="0"/>
                 <a:t>()</a:t>
               </a:r>
               <a:endParaRPr kumimoji="1" lang="ja-JP" altLang="en-US" dirty="0"/>
@@ -16761,15 +17090,15 @@
             <a:p>
               <a:pPr algn="ctr"/>
               <a:r>
-                <a:rPr kumimoji="1" lang="ja-JP" altLang="en-US" dirty="0" smtClean="0"/>
+                <a:rPr kumimoji="1" lang="ja-JP" altLang="en-US" dirty="0"/>
                 <a:t>患者データ</a:t>
               </a:r>
-              <a:endParaRPr kumimoji="1" lang="en-US" altLang="ja-JP" dirty="0" smtClean="0"/>
+              <a:endParaRPr kumimoji="1" lang="en-US" altLang="ja-JP" dirty="0"/>
             </a:p>
             <a:p>
               <a:pPr algn="ctr"/>
               <a:r>
-                <a:rPr kumimoji="1" lang="en-US" altLang="ja-JP" dirty="0" err="1" smtClean="0"/>
+                <a:rPr kumimoji="1" lang="en-US" altLang="ja-JP" dirty="0" err="1"/>
                 <a:t>idata</a:t>
               </a:r>
               <a:r>
@@ -16777,34 +17106,26 @@
                 <a:t> &lt;-</a:t>
               </a:r>
               <a:r>
-                <a:rPr kumimoji="1" lang="en-US" altLang="ja-JP" dirty="0" err="1" smtClean="0"/>
+                <a:rPr kumimoji="1" lang="en-US" altLang="ja-JP" dirty="0" err="1"/>
                 <a:t>data_frame</a:t>
               </a:r>
               <a:r>
-                <a:rPr kumimoji="1" lang="en-US" altLang="ja-JP" dirty="0" smtClean="0"/>
-                <a:t>(ID=1:100) </a:t>
+                <a:rPr kumimoji="1" lang="en-US" altLang="ja-JP" dirty="0"/>
+                <a:t>(ID=1:100) %&gt;% </a:t>
+              </a:r>
+              <a:br>
+                <a:rPr kumimoji="1" lang="en-US" altLang="ja-JP" dirty="0"/>
+              </a:br>
+              <a:r>
+                <a:rPr kumimoji="1" lang="en-US" altLang="ja-JP" dirty="0"/>
+                <a:t>mutate(</a:t>
+              </a:r>
+              <a:r>
+                <a:rPr kumimoji="1" lang="ja-JP" altLang="en-US" dirty="0"/>
+                <a:t>･･･</a:t>
               </a:r>
               <a:r>
                 <a:rPr kumimoji="1" lang="en-US" altLang="ja-JP" dirty="0"/>
-                <a:t>%&gt;% </a:t>
-              </a:r>
-              <a:r>
-                <a:rPr kumimoji="1" lang="en-US" altLang="ja-JP" dirty="0" smtClean="0"/>
-                <a:t/>
-              </a:r>
-              <a:br>
-                <a:rPr kumimoji="1" lang="en-US" altLang="ja-JP" dirty="0" smtClean="0"/>
-              </a:br>
-              <a:r>
-                <a:rPr kumimoji="1" lang="en-US" altLang="ja-JP" dirty="0" smtClean="0"/>
-                <a:t>mutate(</a:t>
-              </a:r>
-              <a:r>
-                <a:rPr kumimoji="1" lang="ja-JP" altLang="en-US" dirty="0" smtClean="0"/>
-                <a:t>･･･</a:t>
-              </a:r>
-              <a:r>
-                <a:rPr kumimoji="1" lang="en-US" altLang="ja-JP" dirty="0" smtClean="0"/>
                 <a:t>) </a:t>
               </a:r>
               <a:endParaRPr kumimoji="1" lang="ja-JP" altLang="en-US" dirty="0"/>
@@ -16846,27 +17167,27 @@
             <a:p>
               <a:pPr algn="ctr"/>
               <a:r>
-                <a:rPr kumimoji="1" lang="en-US" altLang="ja-JP" b="1" dirty="0" err="1" smtClean="0"/>
+                <a:rPr kumimoji="1" lang="en-US" altLang="ja-JP" b="1" dirty="0" err="1"/>
                 <a:t>mrgsim</a:t>
               </a:r>
-              <a:endParaRPr kumimoji="1" lang="en-US" altLang="ja-JP" b="1" dirty="0" smtClean="0"/>
+              <a:endParaRPr kumimoji="1" lang="en-US" altLang="ja-JP" b="1" dirty="0"/>
             </a:p>
             <a:p>
               <a:pPr algn="ctr"/>
-              <a:endParaRPr kumimoji="1" lang="en-US" altLang="ja-JP" b="1" dirty="0" smtClean="0"/>
+              <a:endParaRPr kumimoji="1" lang="en-US" altLang="ja-JP" b="1" dirty="0"/>
             </a:p>
             <a:p>
               <a:pPr algn="ctr"/>
               <a:r>
-                <a:rPr kumimoji="1" lang="ja-JP" altLang="en-US" dirty="0" smtClean="0"/>
+                <a:rPr kumimoji="1" lang="ja-JP" altLang="en-US" dirty="0"/>
                 <a:t>サンプリング</a:t>
               </a:r>
               <a:r>
-                <a:rPr kumimoji="1" lang="en-US" altLang="ja-JP" dirty="0" err="1" smtClean="0"/>
+                <a:rPr kumimoji="1" lang="en-US" altLang="ja-JP" dirty="0" err="1"/>
                 <a:t>mrgsim</a:t>
               </a:r>
               <a:r>
-                <a:rPr kumimoji="1" lang="en-US" altLang="ja-JP" dirty="0" smtClean="0"/>
+                <a:rPr kumimoji="1" lang="en-US" altLang="ja-JP" dirty="0"/>
                 <a:t>()</a:t>
               </a:r>
               <a:endParaRPr kumimoji="1" lang="ja-JP" altLang="en-US" dirty="0"/>
@@ -16922,26 +17243,26 @@
               <a:p>
                 <a:pPr algn="ctr"/>
                 <a:r>
-                  <a:rPr kumimoji="1" lang="en-US" altLang="ja-JP" b="1" dirty="0" smtClean="0"/>
+                  <a:rPr kumimoji="1" lang="en-US" altLang="ja-JP" b="1" dirty="0"/>
                   <a:t>mod</a:t>
                 </a:r>
               </a:p>
               <a:p>
                 <a:pPr algn="ctr"/>
-                <a:endParaRPr kumimoji="1" lang="en-US" altLang="ja-JP" b="1" dirty="0" smtClean="0"/>
+                <a:endParaRPr kumimoji="1" lang="en-US" altLang="ja-JP" b="1" dirty="0"/>
               </a:p>
               <a:p>
                 <a:pPr algn="ctr"/>
                 <a:r>
-                  <a:rPr kumimoji="1" lang="en-US" altLang="ja-JP" dirty="0" err="1" smtClean="0"/>
+                  <a:rPr kumimoji="1" lang="en-US" altLang="ja-JP" dirty="0" err="1"/>
                   <a:t>mrgsolve</a:t>
                 </a:r>
                 <a:r>
-                  <a:rPr kumimoji="1" lang="ja-JP" altLang="en-US" dirty="0" smtClean="0"/>
+                  <a:rPr kumimoji="1" lang="ja-JP" altLang="en-US" dirty="0"/>
                   <a:t> </a:t>
                 </a:r>
                 <a:r>
-                  <a:rPr kumimoji="1" lang="en-US" altLang="ja-JP" dirty="0" smtClean="0"/>
+                  <a:rPr kumimoji="1" lang="en-US" altLang="ja-JP" dirty="0"/>
                   <a:t>model</a:t>
                 </a:r>
                 <a:endParaRPr kumimoji="1" lang="ja-JP" altLang="en-US" dirty="0"/>
@@ -16983,7 +17304,7 @@
               <a:p>
                 <a:pPr algn="ctr"/>
                 <a:r>
-                  <a:rPr kumimoji="1" lang="en-US" altLang="ja-JP" dirty="0" smtClean="0"/>
+                  <a:rPr kumimoji="1" lang="en-US" altLang="ja-JP" dirty="0"/>
                   <a:t>Parameters</a:t>
                 </a:r>
                 <a:endParaRPr kumimoji="1" lang="ja-JP" altLang="en-US" dirty="0"/>
@@ -17025,7 +17346,7 @@
               <a:p>
                 <a:pPr algn="ctr"/>
                 <a:r>
-                  <a:rPr kumimoji="1" lang="en-US" altLang="ja-JP" dirty="0" smtClean="0"/>
+                  <a:rPr kumimoji="1" lang="en-US" altLang="ja-JP" dirty="0"/>
                   <a:t>Initial conditions</a:t>
                 </a:r>
                 <a:endParaRPr kumimoji="1" lang="ja-JP" altLang="en-US" dirty="0"/>
@@ -17148,7 +17469,7 @@
             <a:p>
               <a:pPr algn="ctr"/>
               <a:r>
-                <a:rPr kumimoji="1" lang="en-US" altLang="ja-JP" b="1" dirty="0" smtClean="0"/>
+                <a:rPr kumimoji="1" lang="en-US" altLang="ja-JP" b="1" dirty="0"/>
                 <a:t>Output</a:t>
               </a:r>
               <a:endParaRPr kumimoji="1" lang="ja-JP" altLang="en-US" dirty="0"/>
@@ -17183,7 +17504,7 @@
               </a:spcBef>
             </a:pPr>
             <a:r>
-              <a:rPr lang="ja-JP" altLang="en-US" dirty="0" smtClean="0">
+              <a:rPr lang="ja-JP" altLang="en-US" dirty="0">
                 <a:latin typeface="Arial" pitchFamily="34" charset="0"/>
                 <a:cs typeface="Arial" pitchFamily="34" charset="0"/>
               </a:rPr>
@@ -17242,14 +17563,13 @@
           <a:lstStyle/>
           <a:p>
             <a:r>
-              <a:rPr kumimoji="1" lang="en-US" altLang="ja-JP" dirty="0" smtClean="0"/>
+              <a:rPr kumimoji="1" lang="en-US" altLang="ja-JP" dirty="0"/>
               <a:t>Shiny</a:t>
             </a:r>
             <a:r>
-              <a:rPr kumimoji="1" lang="ja-JP" altLang="en-US" dirty="0" smtClean="0"/>
+              <a:rPr kumimoji="1" lang="ja-JP" altLang="en-US" dirty="0"/>
               <a:t>で使用したモデル</a:t>
             </a:r>
-            <a:endParaRPr kumimoji="1" lang="ja-JP" altLang="en-US" dirty="0"/>
           </a:p>
         </p:txBody>
       </p:sp>
@@ -17279,100 +17599,84 @@
               <a:buNone/>
             </a:pPr>
             <a:r>
-              <a:rPr kumimoji="1" lang="en-US" altLang="ja-JP" dirty="0" smtClean="0"/>
+              <a:rPr kumimoji="1" lang="en-US" altLang="ja-JP" dirty="0"/>
               <a:t>Exposure</a:t>
             </a:r>
             <a:r>
-              <a:rPr kumimoji="1" lang="ja-JP" altLang="en-US" dirty="0" smtClean="0"/>
+              <a:rPr kumimoji="1" lang="ja-JP" altLang="en-US" dirty="0"/>
               <a:t> （</a:t>
             </a:r>
             <a:r>
-              <a:rPr kumimoji="1" lang="en-US" altLang="ja-JP" dirty="0" smtClean="0"/>
+              <a:rPr kumimoji="1" lang="en-US" altLang="ja-JP" dirty="0"/>
               <a:t>AUC)</a:t>
             </a:r>
             <a:r>
-              <a:rPr kumimoji="1" lang="ja-JP" altLang="en-US" dirty="0" smtClean="0"/>
+              <a:rPr kumimoji="1" lang="ja-JP" altLang="en-US" dirty="0"/>
               <a:t> と</a:t>
             </a:r>
             <a:r>
-              <a:rPr kumimoji="1" lang="en-US" altLang="ja-JP" dirty="0" smtClean="0"/>
+              <a:rPr kumimoji="1" lang="en-US" altLang="ja-JP" dirty="0"/>
               <a:t>soluble</a:t>
             </a:r>
             <a:r>
-              <a:rPr kumimoji="1" lang="ja-JP" altLang="en-US" dirty="0" smtClean="0"/>
+              <a:rPr kumimoji="1" lang="ja-JP" altLang="en-US" dirty="0"/>
               <a:t> </a:t>
             </a:r>
             <a:r>
-              <a:rPr kumimoji="1" lang="en-US" altLang="ja-JP" dirty="0" smtClean="0"/>
+              <a:rPr kumimoji="1" lang="en-US" altLang="ja-JP" dirty="0"/>
               <a:t>VEGFR-3, soluble stem cell factor receptor (</a:t>
             </a:r>
             <a:r>
-              <a:rPr kumimoji="1" lang="en-US" altLang="ja-JP" dirty="0" err="1" smtClean="0"/>
+              <a:rPr kumimoji="1" lang="en-US" altLang="ja-JP" dirty="0" err="1"/>
               <a:t>sKIT</a:t>
             </a:r>
             <a:r>
-              <a:rPr kumimoji="1" lang="en-US" altLang="ja-JP" dirty="0" smtClean="0"/>
+              <a:rPr kumimoji="1" lang="en-US" altLang="ja-JP" dirty="0"/>
               <a:t>)</a:t>
             </a:r>
             <a:r>
-              <a:rPr kumimoji="1" lang="ja-JP" altLang="en-US" dirty="0" smtClean="0"/>
+              <a:rPr kumimoji="1" lang="ja-JP" altLang="en-US" dirty="0"/>
               <a:t>から</a:t>
             </a:r>
             <a:r>
-              <a:rPr kumimoji="1" lang="en-US" altLang="ja-JP" dirty="0" smtClean="0"/>
+              <a:rPr kumimoji="1" lang="en-US" altLang="ja-JP" dirty="0"/>
               <a:t>Tumor</a:t>
             </a:r>
             <a:r>
-              <a:rPr kumimoji="1" lang="ja-JP" altLang="en-US" dirty="0" smtClean="0"/>
+              <a:rPr kumimoji="1" lang="ja-JP" altLang="en-US" dirty="0"/>
               <a:t> </a:t>
             </a:r>
             <a:r>
-              <a:rPr kumimoji="1" lang="en-US" altLang="ja-JP" dirty="0" smtClean="0"/>
+              <a:rPr kumimoji="1" lang="en-US" altLang="ja-JP" dirty="0"/>
               <a:t>size</a:t>
             </a:r>
             <a:r>
-              <a:rPr lang="ja-JP" altLang="en-US" dirty="0" smtClean="0"/>
-              <a:t>の</a:t>
-            </a:r>
-            <a:r>
               <a:rPr lang="ja-JP" altLang="en-US" dirty="0"/>
-              <a:t>関係</a:t>
-            </a:r>
-            <a:r>
-              <a:rPr lang="ja-JP" altLang="en-US" dirty="0" smtClean="0"/>
-              <a:t>を</a:t>
-            </a:r>
-            <a:r>
-              <a:rPr lang="ja-JP" altLang="en-US" dirty="0"/>
-              <a:t>記述</a:t>
-            </a:r>
-            <a:r>
-              <a:rPr lang="ja-JP" altLang="en-US" dirty="0" smtClean="0"/>
-              <a:t>した</a:t>
-            </a:r>
-            <a:r>
-              <a:rPr kumimoji="1" lang="ja-JP" altLang="en-US" dirty="0" smtClean="0"/>
+              <a:t>の関係を記述した</a:t>
+            </a:r>
+            <a:r>
+              <a:rPr kumimoji="1" lang="ja-JP" altLang="en-US" dirty="0"/>
               <a:t>モデル</a:t>
             </a:r>
-            <a:endParaRPr kumimoji="1" lang="en-US" altLang="ja-JP" dirty="0" smtClean="0"/>
+            <a:endParaRPr kumimoji="1" lang="en-US" altLang="ja-JP" dirty="0"/>
           </a:p>
           <a:p>
             <a:pPr marL="0" indent="0">
               <a:buNone/>
             </a:pPr>
             <a:r>
-              <a:rPr lang="ja-JP" altLang="en-US" dirty="0" smtClean="0"/>
+              <a:rPr lang="ja-JP" altLang="en-US" dirty="0"/>
               <a:t>（モデルは</a:t>
             </a:r>
             <a:r>
-              <a:rPr lang="en-US" altLang="ja-JP" dirty="0" err="1" smtClean="0"/>
+              <a:rPr lang="en-US" altLang="ja-JP" dirty="0" err="1"/>
               <a:t>DDMoRe</a:t>
             </a:r>
             <a:r>
-              <a:rPr lang="ja-JP" altLang="en-US" dirty="0" smtClean="0"/>
+              <a:rPr lang="ja-JP" altLang="en-US" dirty="0"/>
               <a:t>参照）</a:t>
             </a:r>
-            <a:endParaRPr kumimoji="1" lang="en-US" altLang="ja-JP" dirty="0" smtClean="0"/>
+            <a:endParaRPr kumimoji="1" lang="en-US" altLang="ja-JP" dirty="0"/>
           </a:p>
         </p:txBody>
       </p:sp>
@@ -17397,26 +17701,26 @@
           <a:lstStyle/>
           <a:p>
             <a:r>
-              <a:rPr lang="en-US" altLang="ja-JP" dirty="0" smtClean="0"/>
+              <a:rPr lang="en-US" altLang="ja-JP" dirty="0"/>
               <a:t>R</a:t>
             </a:r>
             <a:r>
-              <a:rPr lang="ja-JP" altLang="en-US" dirty="0" smtClean="0"/>
+              <a:rPr lang="ja-JP" altLang="en-US" dirty="0"/>
               <a:t> </a:t>
             </a:r>
             <a:r>
-              <a:rPr lang="en-US" altLang="ja-JP" dirty="0" smtClean="0"/>
+              <a:rPr lang="en-US" altLang="ja-JP" dirty="0"/>
               <a:t>for</a:t>
             </a:r>
             <a:r>
-              <a:rPr lang="ja-JP" altLang="en-US" dirty="0" smtClean="0"/>
+              <a:rPr lang="ja-JP" altLang="en-US" dirty="0"/>
               <a:t> </a:t>
             </a:r>
             <a:r>
-              <a:rPr lang="en-US" altLang="ja-JP" dirty="0" err="1" smtClean="0"/>
+              <a:rPr lang="en-US" altLang="ja-JP" dirty="0" err="1"/>
               <a:t>Pharmacometrics</a:t>
             </a:r>
-            <a:endParaRPr lang="ja-JP" altLang="en-US" dirty="0" smtClean="0"/>
+            <a:endParaRPr lang="ja-JP" altLang="en-US" dirty="0"/>
           </a:p>
         </p:txBody>
       </p:sp>
@@ -17475,16 +17779,6 @@
               <a:t>Hansson, E K et al. </a:t>
             </a:r>
             <a:r>
-              <a:rPr lang="en-US" altLang="ja-JP" sz="1100" i="1" dirty="0" smtClean="0">
-                <a:solidFill>
-                  <a:srgbClr val="212121"/>
-                </a:solidFill>
-                <a:latin typeface="Arial" panose="020B0604020202020204" pitchFamily="34" charset="0"/>
-                <a:cs typeface="Arial" panose="020B0604020202020204" pitchFamily="34" charset="0"/>
-              </a:rPr>
-              <a:t>CPT</a:t>
-            </a:r>
-            <a:r>
               <a:rPr lang="en-US" altLang="ja-JP" sz="1100" i="1" dirty="0">
                 <a:solidFill>
                   <a:srgbClr val="212121"/>
@@ -17492,7 +17786,7 @@
                 <a:latin typeface="Arial" panose="020B0604020202020204" pitchFamily="34" charset="0"/>
                 <a:cs typeface="Arial" panose="020B0604020202020204" pitchFamily="34" charset="0"/>
               </a:rPr>
-              <a:t>: </a:t>
+              <a:t>CPT: </a:t>
             </a:r>
             <a:r>
               <a:rPr lang="en-US" altLang="ja-JP" sz="1100" i="1" dirty="0" err="1">
@@ -17542,22 +17836,12 @@
                 <a:latin typeface="Arial" panose="020B0604020202020204" pitchFamily="34" charset="0"/>
                 <a:cs typeface="Arial" panose="020B0604020202020204" pitchFamily="34" charset="0"/>
               </a:rPr>
-              <a:t>. 2,11 </a:t>
-            </a:r>
-            <a:r>
-              <a:rPr lang="en-US" altLang="ja-JP" sz="1100" dirty="0" smtClean="0">
-                <a:solidFill>
-                  <a:srgbClr val="212121"/>
-                </a:solidFill>
-                <a:latin typeface="Arial" panose="020B0604020202020204" pitchFamily="34" charset="0"/>
-                <a:cs typeface="Arial" panose="020B0604020202020204" pitchFamily="34" charset="0"/>
-              </a:rPr>
-              <a:t>e84. 2013</a:t>
-            </a:r>
-          </a:p>
-          <a:p>
-            <a:r>
-              <a:rPr lang="en-US" altLang="ja-JP" sz="1100" dirty="0" err="1" smtClean="0">
+              <a:t>. 2,11 e84. 2013</a:t>
+            </a:r>
+          </a:p>
+          <a:p>
+            <a:r>
+              <a:rPr lang="en-US" altLang="ja-JP" sz="1100" dirty="0" err="1">
                 <a:solidFill>
                   <a:srgbClr val="212121"/>
                 </a:solidFill>
@@ -17699,7 +17983,7 @@
           <a:lstStyle/>
           <a:p>
             <a:r>
-              <a:rPr kumimoji="1" lang="en-US" altLang="ja-JP" dirty="0" smtClean="0"/>
+              <a:rPr kumimoji="1" lang="en-US" altLang="ja-JP" dirty="0"/>
               <a:t>Topic</a:t>
             </a:r>
             <a:endParaRPr kumimoji="1" lang="ja-JP" altLang="en-US" dirty="0"/>
@@ -17722,38 +18006,38 @@
           <a:lstStyle/>
           <a:p>
             <a:r>
-              <a:rPr kumimoji="1" lang="ja-JP" altLang="en-US" dirty="0" smtClean="0"/>
+              <a:rPr kumimoji="1" lang="ja-JP" altLang="en-US" dirty="0"/>
               <a:t>身近な出来事のシミュレーション</a:t>
             </a:r>
-            <a:endParaRPr kumimoji="1" lang="en-US" altLang="ja-JP" dirty="0" smtClean="0"/>
+            <a:endParaRPr kumimoji="1" lang="en-US" altLang="ja-JP" dirty="0"/>
           </a:p>
           <a:p>
             <a:pPr lvl="1"/>
             <a:r>
-              <a:rPr lang="ja-JP" altLang="en-US" dirty="0" smtClean="0"/>
+              <a:rPr lang="ja-JP" altLang="en-US" dirty="0"/>
               <a:t>グリコの例を用いて</a:t>
             </a:r>
-            <a:endParaRPr lang="en-US" altLang="ja-JP" dirty="0" smtClean="0"/>
+            <a:endParaRPr lang="en-US" altLang="ja-JP" dirty="0"/>
           </a:p>
           <a:p>
             <a:pPr lvl="1"/>
-            <a:endParaRPr kumimoji="1" lang="en-US" altLang="ja-JP" dirty="0" smtClean="0"/>
-          </a:p>
-          <a:p>
-            <a:r>
-              <a:rPr lang="ja-JP" altLang="en-US" dirty="0" smtClean="0"/>
+            <a:endParaRPr kumimoji="1" lang="en-US" altLang="ja-JP" dirty="0"/>
+          </a:p>
+          <a:p>
+            <a:r>
+              <a:rPr lang="ja-JP" altLang="en-US" dirty="0"/>
               <a:t>微分方程式を用いたシミュレーション</a:t>
             </a:r>
-            <a:endParaRPr lang="en-US" altLang="ja-JP" dirty="0" smtClean="0"/>
+            <a:endParaRPr lang="en-US" altLang="ja-JP" dirty="0"/>
           </a:p>
           <a:p>
             <a:pPr lvl="1"/>
             <a:r>
-              <a:rPr lang="en-US" altLang="ja-JP" dirty="0" err="1" smtClean="0"/>
+              <a:rPr lang="en-US" altLang="ja-JP" dirty="0" err="1"/>
               <a:t>RxODE</a:t>
             </a:r>
             <a:r>
-              <a:rPr lang="en-US" altLang="ja-JP" dirty="0" smtClean="0"/>
+              <a:rPr lang="en-US" altLang="ja-JP" dirty="0"/>
               <a:t>,</a:t>
             </a:r>
             <a:r>
@@ -17761,18 +18045,18 @@
               <a:t> </a:t>
             </a:r>
             <a:r>
-              <a:rPr lang="en-US" altLang="ja-JP" dirty="0" err="1" smtClean="0"/>
+              <a:rPr lang="en-US" altLang="ja-JP" dirty="0" err="1"/>
               <a:t>mrgsolve</a:t>
             </a:r>
-            <a:endParaRPr lang="en-US" altLang="ja-JP" dirty="0" smtClean="0"/>
+            <a:endParaRPr lang="en-US" altLang="ja-JP" dirty="0"/>
           </a:p>
           <a:p>
             <a:pPr lvl="1"/>
-            <a:endParaRPr lang="en-US" altLang="ja-JP" dirty="0" smtClean="0"/>
-          </a:p>
-          <a:p>
-            <a:r>
-              <a:rPr kumimoji="1" lang="en-US" altLang="ja-JP" dirty="0" smtClean="0"/>
+            <a:endParaRPr lang="en-US" altLang="ja-JP" dirty="0"/>
+          </a:p>
+          <a:p>
+            <a:r>
+              <a:rPr kumimoji="1" lang="en-US" altLang="ja-JP" dirty="0"/>
               <a:t>Interactive</a:t>
             </a:r>
             <a:r>
@@ -17780,20 +18064,16 @@
               <a:t> </a:t>
             </a:r>
             <a:r>
-              <a:rPr lang="en-US" altLang="ja-JP" dirty="0" smtClean="0"/>
+              <a:rPr lang="en-US" altLang="ja-JP" dirty="0"/>
               <a:t>communication</a:t>
             </a:r>
-            <a:endParaRPr kumimoji="1" lang="en-US" altLang="ja-JP" dirty="0" smtClean="0"/>
+            <a:endParaRPr kumimoji="1" lang="en-US" altLang="ja-JP" dirty="0"/>
           </a:p>
           <a:p>
             <a:pPr lvl="1"/>
             <a:r>
               <a:rPr lang="en-US" altLang="ja-JP" dirty="0"/>
-              <a:t>s</a:t>
-            </a:r>
-            <a:r>
-              <a:rPr lang="en-US" altLang="ja-JP" dirty="0" smtClean="0"/>
-              <a:t>hiny</a:t>
+              <a:t>shiny</a:t>
             </a:r>
             <a:endParaRPr kumimoji="1" lang="ja-JP" altLang="en-US" dirty="0"/>
           </a:p>
@@ -17815,26 +18095,26 @@
           <a:lstStyle/>
           <a:p>
             <a:r>
-              <a:rPr lang="en-US" altLang="ja-JP" smtClean="0"/>
+              <a:rPr lang="en-US" altLang="ja-JP"/>
               <a:t>R</a:t>
             </a:r>
             <a:r>
-              <a:rPr lang="ja-JP" altLang="en-US" smtClean="0"/>
+              <a:rPr lang="ja-JP" altLang="en-US"/>
               <a:t> </a:t>
             </a:r>
             <a:r>
-              <a:rPr lang="en-US" altLang="ja-JP" smtClean="0"/>
+              <a:rPr lang="en-US" altLang="ja-JP"/>
               <a:t>for</a:t>
             </a:r>
             <a:r>
-              <a:rPr lang="ja-JP" altLang="en-US" smtClean="0"/>
+              <a:rPr lang="ja-JP" altLang="en-US"/>
               <a:t> </a:t>
             </a:r>
             <a:r>
-              <a:rPr lang="en-US" altLang="ja-JP" smtClean="0"/>
+              <a:rPr lang="en-US" altLang="ja-JP"/>
               <a:t>Pharmacometrics</a:t>
             </a:r>
-            <a:endParaRPr lang="ja-JP" altLang="en-US" dirty="0" smtClean="0"/>
+            <a:endParaRPr lang="ja-JP" altLang="en-US" dirty="0"/>
           </a:p>
         </p:txBody>
       </p:sp>
@@ -17908,23 +18188,7 @@
           <a:p>
             <a:r>
               <a:rPr lang="ja-JP" altLang="en-US" dirty="0"/>
-              <a:t>身近</a:t>
-            </a:r>
-            <a:r>
-              <a:rPr lang="ja-JP" altLang="en-US" dirty="0" smtClean="0"/>
-              <a:t>な</a:t>
-            </a:r>
-            <a:r>
-              <a:rPr lang="ja-JP" altLang="en-US" dirty="0"/>
-              <a:t>出来事</a:t>
-            </a:r>
-            <a:r>
-              <a:rPr lang="ja-JP" altLang="en-US" dirty="0" smtClean="0"/>
-              <a:t>の</a:t>
-            </a:r>
-            <a:r>
-              <a:rPr lang="ja-JP" altLang="en-US" dirty="0"/>
-              <a:t>シミュレーション</a:t>
+              <a:t>身近な出来事のシミュレーション</a:t>
             </a:r>
             <a:endParaRPr kumimoji="1" lang="ja-JP" altLang="en-US" dirty="0"/>
           </a:p>
@@ -17956,79 +18220,40 @@
               <a:buNone/>
             </a:pPr>
             <a:r>
-              <a:rPr kumimoji="1" lang="ja-JP" altLang="en-US" sz="2400" dirty="0" smtClean="0"/>
+              <a:rPr kumimoji="1" lang="ja-JP" altLang="en-US" sz="2400" dirty="0"/>
               <a:t>グリコのシミュレーション</a:t>
             </a:r>
-            <a:endParaRPr kumimoji="1" lang="en-US" altLang="ja-JP" sz="2400" dirty="0" smtClean="0"/>
+            <a:endParaRPr kumimoji="1" lang="en-US" altLang="ja-JP" sz="2400" dirty="0"/>
           </a:p>
           <a:p>
             <a:pPr marL="0" indent="0">
               <a:buNone/>
             </a:pPr>
             <a:r>
-              <a:rPr lang="ja-JP" altLang="en-US" sz="2400" dirty="0" smtClean="0"/>
+              <a:rPr lang="ja-JP" altLang="en-US" sz="2400" dirty="0"/>
               <a:t>ジャンケンをして</a:t>
             </a:r>
-            <a:endParaRPr lang="en-US" altLang="ja-JP" sz="2400" dirty="0" smtClean="0"/>
+            <a:endParaRPr lang="en-US" altLang="ja-JP" sz="2400" dirty="0"/>
           </a:p>
           <a:p>
             <a:r>
               <a:rPr kumimoji="1" lang="ja-JP" altLang="en-US" sz="2400" dirty="0"/>
-              <a:t>グ</a:t>
-            </a:r>
-            <a:r>
-              <a:rPr kumimoji="1" lang="ja-JP" altLang="en-US" sz="2400" dirty="0" smtClean="0"/>
-              <a:t>ーで勝つ：グリコ（</a:t>
-            </a:r>
-            <a:r>
-              <a:rPr kumimoji="1" lang="en-US" altLang="ja-JP" sz="2400" dirty="0" smtClean="0"/>
+              <a:t>グーで勝つ：グリコ（</a:t>
+            </a:r>
+            <a:r>
+              <a:rPr kumimoji="1" lang="en-US" altLang="ja-JP" sz="2400" dirty="0"/>
               <a:t>3</a:t>
             </a:r>
             <a:r>
-              <a:rPr kumimoji="1" lang="ja-JP" altLang="en-US" sz="2400" dirty="0" smtClean="0"/>
+              <a:rPr kumimoji="1" lang="ja-JP" altLang="en-US" sz="2400" dirty="0"/>
               <a:t>段）</a:t>
             </a:r>
-            <a:endParaRPr kumimoji="1" lang="en-US" altLang="ja-JP" sz="2400" dirty="0" smtClean="0"/>
-          </a:p>
-          <a:p>
-            <a:r>
-              <a:rPr lang="ja-JP" altLang="en-US" sz="2400" dirty="0" smtClean="0"/>
+            <a:endParaRPr kumimoji="1" lang="en-US" altLang="ja-JP" sz="2400" dirty="0"/>
+          </a:p>
+          <a:p>
+            <a:r>
+              <a:rPr lang="ja-JP" altLang="en-US" sz="2400" dirty="0"/>
               <a:t>チョキで勝つ：チョコレート（</a:t>
-            </a:r>
-            <a:r>
-              <a:rPr lang="en-US" altLang="ja-JP" sz="2400" dirty="0" smtClean="0"/>
-              <a:t>6</a:t>
-            </a:r>
-            <a:r>
-              <a:rPr lang="ja-JP" altLang="en-US" sz="2400" dirty="0" smtClean="0"/>
-              <a:t>段）</a:t>
-            </a:r>
-            <a:endParaRPr lang="en-US" altLang="ja-JP" sz="2400" dirty="0" smtClean="0"/>
-          </a:p>
-          <a:p>
-            <a:r>
-              <a:rPr lang="ja-JP" altLang="en-US" sz="2400" dirty="0"/>
-              <a:t>パ</a:t>
-            </a:r>
-            <a:r>
-              <a:rPr lang="ja-JP" altLang="en-US" sz="2400" dirty="0" smtClean="0"/>
-              <a:t>ーで</a:t>
-            </a:r>
-            <a:r>
-              <a:rPr lang="ja-JP" altLang="en-US" sz="2400" dirty="0"/>
-              <a:t>勝つ</a:t>
-            </a:r>
-            <a:r>
-              <a:rPr lang="ja-JP" altLang="en-US" sz="2400" dirty="0" smtClean="0"/>
-              <a:t>：</a:t>
-            </a:r>
-            <a:r>
-              <a:rPr lang="ja-JP" altLang="en-US" sz="2400" dirty="0"/>
-              <a:t>パイナップル</a:t>
-            </a:r>
-            <a:r>
-              <a:rPr lang="ja-JP" altLang="en-US" sz="2400" dirty="0" smtClean="0"/>
-              <a:t>（</a:t>
             </a:r>
             <a:r>
               <a:rPr lang="en-US" altLang="ja-JP" sz="2400" dirty="0"/>
@@ -18036,24 +18261,35 @@
             </a:r>
             <a:r>
               <a:rPr lang="ja-JP" altLang="en-US" sz="2400" dirty="0"/>
-              <a:t>段</a:t>
-            </a:r>
-            <a:r>
-              <a:rPr lang="ja-JP" altLang="en-US" sz="2400" dirty="0" smtClean="0"/>
-              <a:t>）</a:t>
-            </a:r>
-            <a:endParaRPr lang="en-US" altLang="ja-JP" sz="2400" dirty="0" smtClean="0"/>
+              <a:t>段）</a:t>
+            </a:r>
+            <a:endParaRPr lang="en-US" altLang="ja-JP" sz="2400" dirty="0"/>
+          </a:p>
+          <a:p>
+            <a:r>
+              <a:rPr lang="ja-JP" altLang="en-US" sz="2400" dirty="0"/>
+              <a:t>パーで勝つ：パイナップル（</a:t>
+            </a:r>
+            <a:r>
+              <a:rPr lang="en-US" altLang="ja-JP" sz="2400" dirty="0"/>
+              <a:t>6</a:t>
+            </a:r>
+            <a:r>
+              <a:rPr lang="ja-JP" altLang="en-US" sz="2400" dirty="0"/>
+              <a:t>段）</a:t>
+            </a:r>
+            <a:endParaRPr lang="en-US" altLang="ja-JP" sz="2400" dirty="0"/>
           </a:p>
           <a:p>
             <a:pPr marL="0" indent="0">
               <a:buNone/>
             </a:pPr>
             <a:r>
-              <a:rPr lang="ja-JP" altLang="en-US" sz="2400" dirty="0" err="1" smtClean="0"/>
+              <a:rPr lang="ja-JP" altLang="en-US" sz="2400" dirty="0" err="1"/>
               <a:t>ずつ</a:t>
             </a:r>
             <a:r>
-              <a:rPr lang="ja-JP" altLang="en-US" sz="2400" dirty="0" smtClean="0"/>
+              <a:rPr lang="ja-JP" altLang="en-US" sz="2400" dirty="0"/>
               <a:t>階段を上り先に頂上に着くと勝利</a:t>
             </a:r>
             <a:endParaRPr lang="en-US" altLang="ja-JP" sz="2400" dirty="0"/>
@@ -18079,26 +18315,26 @@
           <a:lstStyle/>
           <a:p>
             <a:r>
-              <a:rPr lang="en-US" altLang="ja-JP" smtClean="0"/>
+              <a:rPr lang="en-US" altLang="ja-JP"/>
               <a:t>R</a:t>
             </a:r>
             <a:r>
-              <a:rPr lang="ja-JP" altLang="en-US" smtClean="0"/>
+              <a:rPr lang="ja-JP" altLang="en-US"/>
               <a:t> </a:t>
             </a:r>
             <a:r>
-              <a:rPr lang="en-US" altLang="ja-JP" smtClean="0"/>
+              <a:rPr lang="en-US" altLang="ja-JP"/>
               <a:t>for</a:t>
             </a:r>
             <a:r>
-              <a:rPr lang="ja-JP" altLang="en-US" smtClean="0"/>
+              <a:rPr lang="ja-JP" altLang="en-US"/>
               <a:t> </a:t>
             </a:r>
             <a:r>
-              <a:rPr lang="en-US" altLang="ja-JP" smtClean="0"/>
+              <a:rPr lang="en-US" altLang="ja-JP"/>
               <a:t>Pharmacometrics</a:t>
             </a:r>
-            <a:endParaRPr lang="ja-JP" altLang="en-US" dirty="0" smtClean="0"/>
+            <a:endParaRPr lang="ja-JP" altLang="en-US" dirty="0"/>
           </a:p>
         </p:txBody>
       </p:sp>
@@ -18272,26 +18508,26 @@
           <a:lstStyle/>
           <a:p>
             <a:r>
-              <a:rPr lang="en-US" altLang="ja-JP" smtClean="0"/>
+              <a:rPr lang="en-US" altLang="ja-JP"/>
               <a:t>R</a:t>
             </a:r>
             <a:r>
-              <a:rPr lang="ja-JP" altLang="en-US" smtClean="0"/>
+              <a:rPr lang="ja-JP" altLang="en-US"/>
               <a:t> </a:t>
             </a:r>
             <a:r>
-              <a:rPr lang="en-US" altLang="ja-JP" smtClean="0"/>
+              <a:rPr lang="en-US" altLang="ja-JP"/>
               <a:t>for</a:t>
             </a:r>
             <a:r>
-              <a:rPr lang="ja-JP" altLang="en-US" smtClean="0"/>
+              <a:rPr lang="ja-JP" altLang="en-US"/>
               <a:t> </a:t>
             </a:r>
             <a:r>
-              <a:rPr lang="en-US" altLang="ja-JP" smtClean="0"/>
+              <a:rPr lang="en-US" altLang="ja-JP"/>
               <a:t>Pharmacometrics</a:t>
             </a:r>
-            <a:endParaRPr lang="ja-JP" altLang="en-US" dirty="0" smtClean="0"/>
+            <a:endParaRPr lang="ja-JP" altLang="en-US" dirty="0"/>
           </a:p>
         </p:txBody>
       </p:sp>
@@ -18358,30 +18594,26 @@
           <a:p>
             <a:r>
               <a:rPr lang="en-US" altLang="ja-JP" dirty="0"/>
-              <a:t># </a:t>
-            </a:r>
-            <a:r>
-              <a:rPr lang="en-US" altLang="ja-JP" dirty="0" smtClean="0"/>
-              <a:t>1:</a:t>
-            </a:r>
-            <a:r>
-              <a:rPr lang="ja-JP" altLang="en-US" dirty="0" smtClean="0"/>
+              <a:t># 1:</a:t>
+            </a:r>
+            <a:r>
+              <a:rPr lang="ja-JP" altLang="en-US" dirty="0"/>
               <a:t>グー</a:t>
             </a:r>
             <a:r>
-              <a:rPr lang="en-US" altLang="ja-JP" dirty="0" smtClean="0"/>
+              <a:rPr lang="en-US" altLang="ja-JP" dirty="0"/>
               <a:t>,2:</a:t>
             </a:r>
             <a:r>
-              <a:rPr lang="ja-JP" altLang="en-US" dirty="0" smtClean="0"/>
+              <a:rPr lang="ja-JP" altLang="en-US" dirty="0"/>
               <a:t>チョキ</a:t>
             </a:r>
             <a:r>
-              <a:rPr lang="en-US" altLang="ja-JP" dirty="0" smtClean="0"/>
+              <a:rPr lang="en-US" altLang="ja-JP" dirty="0"/>
               <a:t>,3:</a:t>
             </a:r>
             <a:r>
-              <a:rPr lang="ja-JP" altLang="en-US" dirty="0" smtClean="0"/>
+              <a:rPr lang="ja-JP" altLang="en-US" dirty="0"/>
               <a:t>パー</a:t>
             </a:r>
             <a:endParaRPr lang="en-US" altLang="ja-JP" dirty="0"/>
@@ -18423,31 +18655,23 @@
               <a:t>             </a:t>
             </a:r>
             <a:r>
-              <a:rPr lang="ja-JP" altLang="en-US" dirty="0" smtClean="0"/>
+              <a:rPr lang="ja-JP" altLang="en-US" dirty="0"/>
               <a:t>　　　 </a:t>
             </a:r>
             <a:r>
-              <a:rPr lang="en-US" altLang="ja-JP" dirty="0" smtClean="0"/>
+              <a:rPr lang="en-US" altLang="ja-JP" dirty="0"/>
               <a:t>p2=ceiling(</a:t>
             </a:r>
             <a:r>
-              <a:rPr lang="en-US" altLang="ja-JP" dirty="0" err="1" smtClean="0"/>
+              <a:rPr lang="en-US" altLang="ja-JP" dirty="0" err="1"/>
               <a:t>runif</a:t>
             </a:r>
             <a:r>
-              <a:rPr lang="en-US" altLang="ja-JP" dirty="0" smtClean="0"/>
-              <a:t>(n</a:t>
-            </a:r>
-            <a:r>
               <a:rPr lang="en-US" altLang="ja-JP" dirty="0"/>
-              <a:t>, 0, 3))) %&gt;% </a:t>
-            </a:r>
-            <a:r>
-              <a:rPr lang="en-US" altLang="ja-JP" dirty="0" smtClean="0"/>
-              <a:t>#</a:t>
-            </a:r>
-            <a:r>
-              <a:rPr lang="ja-JP" altLang="en-US" dirty="0" smtClean="0"/>
+              <a:t>(n, 0, 3))) %&gt;% #</a:t>
+            </a:r>
+            <a:r>
+              <a:rPr lang="ja-JP" altLang="en-US" dirty="0"/>
               <a:t>乱数を発生させ、手を選ぶ</a:t>
             </a:r>
             <a:endParaRPr lang="en-US" altLang="ja-JP" dirty="0"/>
@@ -18484,15 +18708,15 @@
               <a:t>                          TRUE~0)) %&gt;% </a:t>
             </a:r>
             <a:r>
-              <a:rPr lang="ja-JP" altLang="en-US" dirty="0" smtClean="0"/>
+              <a:rPr lang="ja-JP" altLang="en-US" dirty="0"/>
               <a:t> </a:t>
             </a:r>
             <a:r>
-              <a:rPr lang="en-US" altLang="ja-JP" dirty="0" smtClean="0"/>
+              <a:rPr lang="en-US" altLang="ja-JP" dirty="0"/>
               <a:t>#</a:t>
             </a:r>
             <a:r>
-              <a:rPr lang="ja-JP" altLang="en-US" dirty="0" smtClean="0"/>
+              <a:rPr lang="ja-JP" altLang="en-US" dirty="0"/>
               <a:t>勝ち負けの組み合わせで進む段数が決まる</a:t>
             </a:r>
             <a:endParaRPr lang="en-US" altLang="ja-JP" dirty="0"/>
@@ -18535,20 +18759,16 @@
               <a:t> </a:t>
             </a:r>
             <a:r>
-              <a:rPr lang="en-US" altLang="ja-JP" dirty="0" smtClean="0"/>
+              <a:rPr lang="en-US" altLang="ja-JP" dirty="0"/>
               <a:t>mutate(p1.res=</a:t>
             </a:r>
             <a:r>
-              <a:rPr lang="en-US" altLang="ja-JP" dirty="0" err="1" smtClean="0"/>
+              <a:rPr lang="en-US" altLang="ja-JP" dirty="0" err="1"/>
               <a:t>cumsum</a:t>
             </a:r>
             <a:r>
-              <a:rPr lang="en-US" altLang="ja-JP" dirty="0" smtClean="0"/>
-              <a:t>(p1.win</a:t>
-            </a:r>
-            <a:r>
               <a:rPr lang="en-US" altLang="ja-JP" dirty="0"/>
-              <a:t>),</a:t>
+              <a:t>(p1.win),</a:t>
             </a:r>
           </a:p>
           <a:p>
@@ -18557,52 +18777,24 @@
               <a:t>         </a:t>
             </a:r>
             <a:r>
-              <a:rPr lang="ja-JP" altLang="en-US" dirty="0" smtClean="0"/>
+              <a:rPr lang="ja-JP" altLang="en-US" dirty="0"/>
               <a:t>　　</a:t>
             </a:r>
             <a:r>
-              <a:rPr lang="en-US" altLang="ja-JP" dirty="0" smtClean="0"/>
+              <a:rPr lang="en-US" altLang="ja-JP" dirty="0"/>
               <a:t>p2.res=</a:t>
             </a:r>
             <a:r>
-              <a:rPr lang="en-US" altLang="ja-JP" dirty="0" err="1" smtClean="0"/>
+              <a:rPr lang="en-US" altLang="ja-JP" dirty="0" err="1"/>
               <a:t>cumsum</a:t>
             </a:r>
             <a:r>
-              <a:rPr lang="en-US" altLang="ja-JP" dirty="0" smtClean="0"/>
-              <a:t>(p2.win</a:t>
-            </a:r>
-            <a:r>
               <a:rPr lang="en-US" altLang="ja-JP" dirty="0"/>
-              <a:t>)) %&gt;% </a:t>
-            </a:r>
-            <a:r>
-              <a:rPr lang="en-US" altLang="ja-JP" dirty="0" smtClean="0"/>
-              <a:t>#</a:t>
+              <a:t>(p2.win)) %&gt;% #</a:t>
             </a:r>
             <a:r>
               <a:rPr lang="ja-JP" altLang="en-US" dirty="0"/>
-              <a:t>累積</a:t>
-            </a:r>
-            <a:r>
-              <a:rPr lang="ja-JP" altLang="en-US" dirty="0" smtClean="0"/>
-              <a:t>の</a:t>
-            </a:r>
-            <a:r>
-              <a:rPr lang="ja-JP" altLang="en-US" dirty="0"/>
-              <a:t>段数</a:t>
-            </a:r>
-            <a:r>
-              <a:rPr lang="ja-JP" altLang="en-US" dirty="0" smtClean="0"/>
-              <a:t>を</a:t>
-            </a:r>
-            <a:r>
-              <a:rPr lang="ja-JP" altLang="en-US" dirty="0"/>
-              <a:t>計算</a:t>
-            </a:r>
-            <a:r>
-              <a:rPr lang="ja-JP" altLang="en-US" dirty="0" smtClean="0"/>
-              <a:t>する</a:t>
+              <a:t>累積の段数を計算する</a:t>
             </a:r>
             <a:endParaRPr lang="en-US" altLang="ja-JP" dirty="0"/>
           </a:p>
@@ -18631,42 +18823,30 @@
             </a:r>
             <a:r>
               <a:rPr lang="en-US" altLang="ja-JP" dirty="0"/>
-              <a:t>(p1.res&gt;=n.step|p2.res&gt;=n.step,1,0)) </a:t>
-            </a:r>
-            <a:r>
-              <a:rPr lang="en-US" altLang="ja-JP" dirty="0" smtClean="0"/>
-              <a:t>#</a:t>
+              <a:t>(p1.res&gt;=n.step|p2.res&gt;=n.step,1,0)) #</a:t>
             </a:r>
             <a:r>
               <a:rPr lang="ja-JP" altLang="en-US" dirty="0"/>
-              <a:t>ゴール</a:t>
-            </a:r>
-            <a:r>
-              <a:rPr lang="ja-JP" altLang="en-US" dirty="0" smtClean="0"/>
-              <a:t>したら</a:t>
-            </a:r>
-            <a:r>
-              <a:rPr lang="en-US" altLang="ja-JP" dirty="0" smtClean="0"/>
+              <a:t>ゴールしたら</a:t>
+            </a:r>
+            <a:r>
+              <a:rPr lang="en-US" altLang="ja-JP" dirty="0"/>
               <a:t>1</a:t>
             </a:r>
             <a:r>
-              <a:rPr lang="ja-JP" altLang="en-US" dirty="0" smtClean="0"/>
+              <a:rPr lang="ja-JP" altLang="en-US" dirty="0"/>
               <a:t>のフラグが立つ</a:t>
             </a:r>
-            <a:endParaRPr lang="en-US" altLang="ja-JP" dirty="0" smtClean="0"/>
-          </a:p>
-          <a:p>
-            <a:r>
-              <a:rPr lang="en-US" altLang="ja-JP" dirty="0" err="1" smtClean="0"/>
+            <a:endParaRPr lang="en-US" altLang="ja-JP" dirty="0"/>
+          </a:p>
+          <a:p>
+            <a:r>
+              <a:rPr lang="en-US" altLang="ja-JP" dirty="0" err="1"/>
               <a:t>fin.num</a:t>
             </a:r>
             <a:r>
-              <a:rPr lang="en-US" altLang="ja-JP" dirty="0" smtClean="0"/>
-              <a:t> </a:t>
-            </a:r>
-            <a:r>
               <a:rPr lang="en-US" altLang="ja-JP" dirty="0"/>
-              <a:t>&lt;- d %&gt;% filter(fin==1) %&gt;% slice(1) %&gt;% .$</a:t>
+              <a:t> &lt;- d %&gt;% filter(fin==1) %&gt;% slice(1) %&gt;% .$</a:t>
             </a:r>
             <a:r>
               <a:rPr lang="en-US" altLang="ja-JP" dirty="0" err="1"/>
@@ -18686,14 +18866,6 @@
   <p:clrMapOvr>
     <a:masterClrMapping/>
   </p:clrMapOvr>
-  <mc:AlternateContent xmlns:mc="http://schemas.openxmlformats.org/markup-compatibility/2006" xmlns:p14="http://schemas.microsoft.com/office/powerpoint/2010/main">
-    <mc:Choice Requires="p14">
-      <p:transition spd="slow" p14:dur="2000"/>
-    </mc:Choice>
-    <mc:Fallback xmlns="">
-      <p:transition spd="slow"/>
-    </mc:Fallback>
-  </mc:AlternateContent>
 </p:sld>
 </file>
 
@@ -18730,10 +18902,9 @@
           <a:lstStyle/>
           <a:p>
             <a:r>
-              <a:rPr kumimoji="1" lang="ja-JP" altLang="en-US" dirty="0" smtClean="0"/>
+              <a:rPr kumimoji="1" lang="ja-JP" altLang="en-US" dirty="0"/>
               <a:t>何も戦略を立てない場合</a:t>
             </a:r>
-            <a:endParaRPr kumimoji="1" lang="ja-JP" altLang="en-US" dirty="0"/>
           </a:p>
         </p:txBody>
       </p:sp>
@@ -18772,26 +18943,26 @@
           <a:lstStyle/>
           <a:p>
             <a:r>
-              <a:rPr lang="en-US" altLang="ja-JP" smtClean="0"/>
+              <a:rPr lang="en-US" altLang="ja-JP"/>
               <a:t>R</a:t>
             </a:r>
             <a:r>
-              <a:rPr lang="ja-JP" altLang="en-US" smtClean="0"/>
+              <a:rPr lang="ja-JP" altLang="en-US"/>
               <a:t> </a:t>
             </a:r>
             <a:r>
-              <a:rPr lang="en-US" altLang="ja-JP" smtClean="0"/>
+              <a:rPr lang="en-US" altLang="ja-JP"/>
               <a:t>for</a:t>
             </a:r>
             <a:r>
-              <a:rPr lang="ja-JP" altLang="en-US" smtClean="0"/>
+              <a:rPr lang="ja-JP" altLang="en-US"/>
               <a:t> </a:t>
             </a:r>
             <a:r>
-              <a:rPr lang="en-US" altLang="ja-JP" smtClean="0"/>
+              <a:rPr lang="en-US" altLang="ja-JP"/>
               <a:t>Pharmacometrics</a:t>
             </a:r>
-            <a:endParaRPr lang="ja-JP" altLang="en-US" dirty="0" smtClean="0"/>
+            <a:endParaRPr lang="ja-JP" altLang="en-US" dirty="0"/>
           </a:p>
         </p:txBody>
       </p:sp>
@@ -18869,10 +19040,9 @@
               <a:t>勝利</a:t>
             </a:r>
             <a:r>
-              <a:rPr kumimoji="1" lang="ja-JP" altLang="en-US" sz="2400" dirty="0" smtClean="0"/>
+              <a:rPr kumimoji="1" lang="ja-JP" altLang="en-US" sz="2400" dirty="0"/>
               <a:t>数はほぼ同じ</a:t>
             </a:r>
-            <a:endParaRPr kumimoji="1" lang="ja-JP" altLang="en-US" sz="2400" dirty="0"/>
           </a:p>
         </p:txBody>
       </p:sp>
@@ -18903,26 +19073,26 @@
               <a:buChar char="•"/>
             </a:pPr>
             <a:r>
-              <a:rPr lang="ja-JP" altLang="en-US" sz="2400" dirty="0" smtClean="0"/>
+              <a:rPr lang="ja-JP" altLang="en-US" sz="2400" dirty="0"/>
               <a:t>シミュレーション回数</a:t>
             </a:r>
             <a:r>
-              <a:rPr lang="en-US" altLang="ja-JP" sz="2400" dirty="0" smtClean="0"/>
+              <a:rPr lang="en-US" altLang="ja-JP" sz="2400" dirty="0"/>
               <a:t>:</a:t>
             </a:r>
             <a:r>
-              <a:rPr lang="ja-JP" altLang="en-US" sz="2400" dirty="0" smtClean="0"/>
+              <a:rPr lang="ja-JP" altLang="en-US" sz="2400" dirty="0"/>
               <a:t> </a:t>
             </a:r>
             <a:r>
-              <a:rPr lang="en-US" altLang="ja-JP" sz="2400" dirty="0" smtClean="0"/>
+              <a:rPr lang="en-US" altLang="ja-JP" sz="2400" dirty="0"/>
               <a:t>1000</a:t>
             </a:r>
             <a:r>
-              <a:rPr lang="ja-JP" altLang="en-US" sz="2400" dirty="0" smtClean="0"/>
+              <a:rPr lang="ja-JP" altLang="en-US" sz="2400" dirty="0"/>
               <a:t>回</a:t>
             </a:r>
-            <a:endParaRPr lang="en-US" altLang="ja-JP" sz="2400" dirty="0" smtClean="0"/>
+            <a:endParaRPr lang="en-US" altLang="ja-JP" sz="2400" dirty="0"/>
           </a:p>
           <a:p>
             <a:pPr marL="342900" indent="-342900">
@@ -18930,18 +19100,18 @@
               <a:buChar char="•"/>
             </a:pPr>
             <a:r>
-              <a:rPr kumimoji="1" lang="ja-JP" altLang="en-US" sz="2400" dirty="0" smtClean="0"/>
+              <a:rPr kumimoji="1" lang="ja-JP" altLang="en-US" sz="2400" dirty="0"/>
               <a:t>階段の段数</a:t>
             </a:r>
             <a:r>
-              <a:rPr kumimoji="1" lang="en-US" altLang="ja-JP" sz="2400" dirty="0" smtClean="0"/>
+              <a:rPr kumimoji="1" lang="en-US" altLang="ja-JP" sz="2400" dirty="0"/>
               <a:t>: 30</a:t>
             </a:r>
             <a:r>
-              <a:rPr kumimoji="1" lang="ja-JP" altLang="en-US" sz="2400" dirty="0" smtClean="0"/>
+              <a:rPr kumimoji="1" lang="ja-JP" altLang="en-US" sz="2400" dirty="0"/>
               <a:t>段</a:t>
             </a:r>
-            <a:endParaRPr kumimoji="1" lang="en-US" altLang="ja-JP" sz="2400" dirty="0" smtClean="0"/>
+            <a:endParaRPr kumimoji="1" lang="en-US" altLang="ja-JP" sz="2400" dirty="0"/>
           </a:p>
           <a:p>
             <a:pPr marL="342900" indent="-342900">
@@ -18956,26 +19126,10 @@
               <a:buChar char="•"/>
             </a:pPr>
             <a:r>
-              <a:rPr kumimoji="1" lang="ja-JP" altLang="en-US" sz="2400" dirty="0" smtClean="0"/>
-              <a:t>全ての</a:t>
-            </a:r>
-            <a:r>
               <a:rPr kumimoji="1" lang="ja-JP" altLang="en-US" sz="2400" dirty="0"/>
-              <a:t>手</a:t>
-            </a:r>
-            <a:r>
-              <a:rPr kumimoji="1" lang="ja-JP" altLang="en-US" sz="2400" dirty="0" smtClean="0"/>
-              <a:t>を出す</a:t>
-            </a:r>
-            <a:r>
-              <a:rPr kumimoji="1" lang="ja-JP" altLang="en-US" sz="2400" dirty="0"/>
-              <a:t>確率</a:t>
-            </a:r>
-            <a:r>
-              <a:rPr kumimoji="1" lang="ja-JP" altLang="en-US" sz="2400" dirty="0" smtClean="0"/>
-              <a:t>が等しい</a:t>
-            </a:r>
-            <a:endParaRPr kumimoji="1" lang="en-US" altLang="ja-JP" sz="2400" dirty="0" smtClean="0"/>
+              <a:t>全ての手を出す確率が等しい</a:t>
+            </a:r>
+            <a:endParaRPr kumimoji="1" lang="en-US" altLang="ja-JP" sz="2400" dirty="0"/>
           </a:p>
           <a:p>
             <a:pPr marL="342900" indent="-342900">
@@ -19032,10 +19186,9 @@
           <a:lstStyle/>
           <a:p>
             <a:r>
-              <a:rPr kumimoji="1" lang="ja-JP" altLang="en-US" dirty="0" smtClean="0"/>
+              <a:rPr kumimoji="1" lang="ja-JP" altLang="en-US" dirty="0"/>
               <a:t>グリコの戦略を考える</a:t>
             </a:r>
-            <a:endParaRPr kumimoji="1" lang="ja-JP" altLang="en-US" dirty="0"/>
           </a:p>
         </p:txBody>
       </p:sp>
@@ -19084,26 +19237,26 @@
           <a:lstStyle/>
           <a:p>
             <a:r>
-              <a:rPr lang="en-US" altLang="ja-JP" smtClean="0"/>
+              <a:rPr lang="en-US" altLang="ja-JP"/>
               <a:t>R</a:t>
             </a:r>
             <a:r>
-              <a:rPr lang="ja-JP" altLang="en-US" smtClean="0"/>
+              <a:rPr lang="ja-JP" altLang="en-US"/>
               <a:t> </a:t>
             </a:r>
             <a:r>
-              <a:rPr lang="en-US" altLang="ja-JP" smtClean="0"/>
+              <a:rPr lang="en-US" altLang="ja-JP"/>
               <a:t>for</a:t>
             </a:r>
             <a:r>
-              <a:rPr lang="ja-JP" altLang="en-US" smtClean="0"/>
+              <a:rPr lang="ja-JP" altLang="en-US"/>
               <a:t> </a:t>
             </a:r>
             <a:r>
-              <a:rPr lang="en-US" altLang="ja-JP" smtClean="0"/>
+              <a:rPr lang="en-US" altLang="ja-JP"/>
               <a:t>Pharmacometrics</a:t>
             </a:r>
-            <a:endParaRPr lang="ja-JP" altLang="en-US" dirty="0" smtClean="0"/>
+            <a:endParaRPr lang="ja-JP" altLang="en-US" dirty="0"/>
           </a:p>
         </p:txBody>
       </p:sp>
@@ -19155,40 +19308,20 @@
             <a:pPr algn="ctr"/>
             <a:r>
               <a:rPr lang="ja-JP" altLang="en-US" sz="1200" dirty="0"/>
-              <a:t>グ</a:t>
-            </a:r>
-            <a:r>
-              <a:rPr lang="ja-JP" altLang="en-US" sz="1200" dirty="0" smtClean="0"/>
-              <a:t>ーで勝っても</a:t>
-            </a:r>
-            <a:r>
-              <a:rPr lang="en-US" altLang="ja-JP" sz="1200" dirty="0" smtClean="0"/>
-              <a:t/>
+              <a:t>グーで勝っても</a:t>
             </a:r>
             <a:br>
-              <a:rPr lang="en-US" altLang="ja-JP" sz="1200" dirty="0" smtClean="0"/>
+              <a:rPr lang="en-US" altLang="ja-JP" sz="1200" dirty="0"/>
             </a:br>
             <a:r>
-              <a:rPr lang="ja-JP" altLang="en-US" sz="1200" dirty="0" smtClean="0"/>
-              <a:t>あまり</a:t>
-            </a:r>
-            <a:r>
               <a:rPr lang="ja-JP" altLang="en-US" sz="1200" dirty="0"/>
-              <a:t>進</a:t>
-            </a:r>
-            <a:r>
-              <a:rPr lang="ja-JP" altLang="en-US" sz="1200" dirty="0" smtClean="0"/>
-              <a:t>めないから、</a:t>
-            </a:r>
-            <a:r>
-              <a:rPr lang="en-US" altLang="ja-JP" sz="1200" dirty="0" smtClean="0"/>
-              <a:t/>
+              <a:t>あまり進めないから、</a:t>
             </a:r>
             <a:br>
-              <a:rPr lang="en-US" altLang="ja-JP" sz="1200" dirty="0" smtClean="0"/>
+              <a:rPr lang="en-US" altLang="ja-JP" sz="1200" dirty="0"/>
             </a:br>
             <a:r>
-              <a:rPr lang="ja-JP" altLang="en-US" sz="1200" dirty="0" smtClean="0"/>
+              <a:rPr lang="ja-JP" altLang="en-US" sz="1200" dirty="0"/>
               <a:t>グーを減らそう</a:t>
             </a:r>
             <a:endParaRPr kumimoji="1" lang="ja-JP" altLang="en-US" sz="1200" dirty="0"/>
@@ -19249,29 +19382,21 @@
           <a:p>
             <a:pPr algn="ctr"/>
             <a:r>
-              <a:rPr lang="ja-JP" altLang="en-US" sz="1200" dirty="0" smtClean="0"/>
+              <a:rPr lang="ja-JP" altLang="en-US" sz="1200" dirty="0"/>
               <a:t>グーを減らして</a:t>
             </a:r>
-            <a:r>
-              <a:rPr lang="en-US" altLang="ja-JP" sz="1200" dirty="0" smtClean="0"/>
-              <a:t/>
-            </a:r>
             <a:br>
-              <a:rPr lang="en-US" altLang="ja-JP" sz="1200" dirty="0" smtClean="0"/>
+              <a:rPr lang="en-US" altLang="ja-JP" sz="1200" dirty="0"/>
             </a:br>
             <a:r>
-              <a:rPr lang="ja-JP" altLang="en-US" sz="1200" dirty="0" smtClean="0"/>
+              <a:rPr lang="ja-JP" altLang="en-US" sz="1200" dirty="0"/>
               <a:t>くるかも・・・</a:t>
             </a:r>
-            <a:r>
-              <a:rPr lang="en-US" altLang="ja-JP" sz="1200" dirty="0" smtClean="0"/>
-              <a:t/>
-            </a:r>
             <a:br>
-              <a:rPr lang="en-US" altLang="ja-JP" sz="1200" dirty="0" smtClean="0"/>
+              <a:rPr lang="en-US" altLang="ja-JP" sz="1200" dirty="0"/>
             </a:br>
             <a:r>
-              <a:rPr lang="ja-JP" altLang="en-US" sz="1200" dirty="0" smtClean="0"/>
+              <a:rPr lang="ja-JP" altLang="en-US" sz="1200" dirty="0"/>
               <a:t>パーを減らそう</a:t>
             </a:r>
             <a:endParaRPr kumimoji="1" lang="ja-JP" altLang="en-US" sz="1200" dirty="0"/>
@@ -19332,41 +19457,24 @@
           <a:p>
             <a:pPr algn="ctr"/>
             <a:r>
-              <a:rPr lang="ja-JP" altLang="en-US" sz="1200" dirty="0" smtClean="0"/>
+              <a:rPr lang="ja-JP" altLang="en-US" sz="1200" dirty="0"/>
               <a:t>さらに読んできてパーを</a:t>
             </a:r>
-            <a:r>
-              <a:rPr lang="en-US" altLang="ja-JP" sz="1200" dirty="0" smtClean="0"/>
-              <a:t/>
-            </a:r>
             <a:br>
-              <a:rPr lang="en-US" altLang="ja-JP" sz="1200" dirty="0" smtClean="0"/>
+              <a:rPr lang="en-US" altLang="ja-JP" sz="1200" dirty="0"/>
             </a:br>
             <a:r>
-              <a:rPr lang="ja-JP" altLang="en-US" sz="1200" dirty="0" smtClean="0"/>
+              <a:rPr lang="ja-JP" altLang="en-US" sz="1200" dirty="0"/>
               <a:t>減らしてくるかも・・・</a:t>
             </a:r>
-            <a:endParaRPr lang="en-US" altLang="ja-JP" sz="1200" dirty="0" smtClean="0"/>
+            <a:endParaRPr lang="en-US" altLang="ja-JP" sz="1200" dirty="0"/>
           </a:p>
           <a:p>
             <a:pPr algn="ctr"/>
             <a:r>
               <a:rPr kumimoji="1" lang="ja-JP" altLang="en-US" sz="1200" dirty="0"/>
-              <a:t>チョキ</a:t>
-            </a:r>
-            <a:r>
-              <a:rPr kumimoji="1" lang="ja-JP" altLang="en-US" sz="1200" dirty="0" smtClean="0"/>
-              <a:t>を</a:t>
-            </a:r>
-            <a:r>
-              <a:rPr kumimoji="1" lang="ja-JP" altLang="en-US" sz="1200" dirty="0"/>
-              <a:t>減</a:t>
-            </a:r>
-            <a:r>
-              <a:rPr kumimoji="1" lang="ja-JP" altLang="en-US" sz="1200" dirty="0" smtClean="0"/>
-              <a:t>らそう</a:t>
-            </a:r>
-            <a:endParaRPr kumimoji="1" lang="ja-JP" altLang="en-US" sz="1200" dirty="0"/>
+              <a:t>チョキを減らそう</a:t>
+            </a:r>
           </a:p>
         </p:txBody>
       </p:sp>
@@ -19393,10 +19501,9 @@
           <a:lstStyle/>
           <a:p>
             <a:r>
-              <a:rPr kumimoji="1" lang="ja-JP" altLang="en-US" dirty="0" smtClean="0"/>
+              <a:rPr kumimoji="1" lang="ja-JP" altLang="en-US" dirty="0"/>
               <a:t>結局どうすれば勝てるでしょう？</a:t>
             </a:r>
-            <a:endParaRPr kumimoji="1" lang="ja-JP" altLang="en-US" dirty="0"/>
           </a:p>
         </p:txBody>
       </p:sp>
@@ -19446,10 +19553,9 @@
           <a:lstStyle/>
           <a:p>
             <a:r>
-              <a:rPr kumimoji="1" lang="ja-JP" altLang="en-US" dirty="0" smtClean="0"/>
+              <a:rPr kumimoji="1" lang="ja-JP" altLang="en-US" dirty="0"/>
               <a:t>グーを半分に減らす</a:t>
             </a:r>
-            <a:endParaRPr kumimoji="1" lang="ja-JP" altLang="en-US" dirty="0"/>
           </a:p>
         </p:txBody>
       </p:sp>
@@ -19488,26 +19594,26 @@
           <a:lstStyle/>
           <a:p>
             <a:r>
-              <a:rPr lang="en-US" altLang="ja-JP" smtClean="0"/>
+              <a:rPr lang="en-US" altLang="ja-JP"/>
               <a:t>R</a:t>
             </a:r>
             <a:r>
-              <a:rPr lang="ja-JP" altLang="en-US" smtClean="0"/>
+              <a:rPr lang="ja-JP" altLang="en-US"/>
               <a:t> </a:t>
             </a:r>
             <a:r>
-              <a:rPr lang="en-US" altLang="ja-JP" smtClean="0"/>
+              <a:rPr lang="en-US" altLang="ja-JP"/>
               <a:t>for</a:t>
             </a:r>
             <a:r>
-              <a:rPr lang="ja-JP" altLang="en-US" smtClean="0"/>
+              <a:rPr lang="ja-JP" altLang="en-US"/>
               <a:t> </a:t>
             </a:r>
             <a:r>
-              <a:rPr lang="en-US" altLang="ja-JP" smtClean="0"/>
+              <a:rPr lang="en-US" altLang="ja-JP"/>
               <a:t>Pharmacometrics</a:t>
             </a:r>
-            <a:endParaRPr lang="ja-JP" altLang="en-US" dirty="0" smtClean="0"/>
+            <a:endParaRPr lang="ja-JP" altLang="en-US" dirty="0"/>
           </a:p>
         </p:txBody>
       </p:sp>
@@ -19589,40 +19695,20 @@
             <a:pPr algn="ctr"/>
             <a:r>
               <a:rPr lang="ja-JP" altLang="en-US" sz="1200" dirty="0"/>
-              <a:t>グ</a:t>
-            </a:r>
-            <a:r>
-              <a:rPr lang="ja-JP" altLang="en-US" sz="1200" dirty="0" smtClean="0"/>
-              <a:t>ーで勝っても</a:t>
-            </a:r>
-            <a:r>
-              <a:rPr lang="en-US" altLang="ja-JP" sz="1200" dirty="0" smtClean="0"/>
-              <a:t/>
+              <a:t>グーで勝っても</a:t>
             </a:r>
             <a:br>
-              <a:rPr lang="en-US" altLang="ja-JP" sz="1200" dirty="0" smtClean="0"/>
+              <a:rPr lang="en-US" altLang="ja-JP" sz="1200" dirty="0"/>
             </a:br>
             <a:r>
-              <a:rPr lang="ja-JP" altLang="en-US" sz="1200" dirty="0" smtClean="0"/>
-              <a:t>あまり</a:t>
-            </a:r>
-            <a:r>
               <a:rPr lang="ja-JP" altLang="en-US" sz="1200" dirty="0"/>
-              <a:t>進</a:t>
-            </a:r>
-            <a:r>
-              <a:rPr lang="ja-JP" altLang="en-US" sz="1200" dirty="0" smtClean="0"/>
-              <a:t>めないから、</a:t>
-            </a:r>
-            <a:r>
-              <a:rPr lang="en-US" altLang="ja-JP" sz="1200" dirty="0" smtClean="0"/>
-              <a:t/>
+              <a:t>あまり進めないから、</a:t>
             </a:r>
             <a:br>
-              <a:rPr lang="en-US" altLang="ja-JP" sz="1200" dirty="0" smtClean="0"/>
+              <a:rPr lang="en-US" altLang="ja-JP" sz="1200" dirty="0"/>
             </a:br>
             <a:r>
-              <a:rPr lang="ja-JP" altLang="en-US" sz="1200" dirty="0" smtClean="0"/>
+              <a:rPr lang="ja-JP" altLang="en-US" sz="1200" dirty="0"/>
               <a:t>グーを減らそう</a:t>
             </a:r>
             <a:endParaRPr kumimoji="1" lang="ja-JP" altLang="en-US" sz="1200" dirty="0"/>
@@ -19676,14 +19762,13 @@
           <a:lstStyle/>
           <a:p>
             <a:r>
-              <a:rPr lang="ja-JP" altLang="en-US" sz="2400" dirty="0" smtClean="0"/>
+              <a:rPr lang="ja-JP" altLang="en-US" sz="2400" dirty="0"/>
               <a:t>勝利</a:t>
             </a:r>
             <a:r>
-              <a:rPr kumimoji="1" lang="ja-JP" altLang="en-US" sz="2400" dirty="0" smtClean="0"/>
+              <a:rPr kumimoji="1" lang="ja-JP" altLang="en-US" sz="2400" dirty="0"/>
               <a:t>数が増えた</a:t>
             </a:r>
-            <a:endParaRPr kumimoji="1" lang="ja-JP" altLang="en-US" sz="2400" dirty="0"/>
           </a:p>
         </p:txBody>
       </p:sp>
@@ -19710,13 +19795,82 @@
           <a:lstStyle/>
           <a:p>
             <a:r>
-              <a:rPr kumimoji="1" lang="ja-JP" altLang="en-US" dirty="0" smtClean="0"/>
+              <a:rPr kumimoji="1" lang="ja-JP" altLang="en-US" dirty="0"/>
               <a:t>グーを減らす</a:t>
             </a:r>
-            <a:endParaRPr kumimoji="1" lang="ja-JP" altLang="en-US" dirty="0"/>
-          </a:p>
-        </p:txBody>
-      </p:sp>
+          </a:p>
+        </p:txBody>
+      </p:sp>
+      <p:pic>
+        <p:nvPicPr>
+          <p:cNvPr id="11" name="コンテンツ プレースホルダー 5">
+            <a:extLst>
+              <a:ext uri="{FF2B5EF4-FFF2-40B4-BE49-F238E27FC236}">
+                <a16:creationId xmlns:a16="http://schemas.microsoft.com/office/drawing/2014/main" id="{5575D0ED-69A5-467F-9F4C-A640013A425F}"/>
+              </a:ext>
+            </a:extLst>
+          </p:cNvPr>
+          <p:cNvPicPr>
+            <a:picLocks noChangeAspect="1"/>
+          </p:cNvPicPr>
+          <p:nvPr/>
+        </p:nvPicPr>
+        <p:blipFill rotWithShape="1">
+          <a:blip r:embed="rId4" cstate="print">
+            <a:extLst>
+              <a:ext uri="{28A0092B-C50C-407E-A947-70E740481C1C}">
+                <a14:useLocalDpi xmlns:a14="http://schemas.microsoft.com/office/drawing/2010/main" val="0"/>
+              </a:ext>
+            </a:extLst>
+          </a:blip>
+          <a:srcRect l="44979" t="16409" r="13158" b="23064"/>
+          <a:stretch/>
+        </p:blipFill>
+        <p:spPr>
+          <a:xfrm>
+            <a:off x="7462362" y="4412655"/>
+            <a:ext cx="837422" cy="1210766"/>
+          </a:xfrm>
+          <a:prstGeom prst="rect">
+            <a:avLst/>
+          </a:prstGeom>
+        </p:spPr>
+      </p:pic>
+      <p:pic>
+        <p:nvPicPr>
+          <p:cNvPr id="12" name="図 11">
+            <a:extLst>
+              <a:ext uri="{FF2B5EF4-FFF2-40B4-BE49-F238E27FC236}">
+                <a16:creationId xmlns:a16="http://schemas.microsoft.com/office/drawing/2014/main" id="{FC0CFAB2-0068-44ED-AF9C-F02778F04AAA}"/>
+              </a:ext>
+            </a:extLst>
+          </p:cNvPr>
+          <p:cNvPicPr>
+            <a:picLocks noChangeAspect="1"/>
+          </p:cNvPicPr>
+          <p:nvPr/>
+        </p:nvPicPr>
+        <p:blipFill rotWithShape="1">
+          <a:blip r:embed="rId5">
+            <a:extLst>
+              <a:ext uri="{28A0092B-C50C-407E-A947-70E740481C1C}">
+                <a14:useLocalDpi xmlns:a14="http://schemas.microsoft.com/office/drawing/2010/main" val="0"/>
+              </a:ext>
+            </a:extLst>
+          </a:blip>
+          <a:srcRect l="43692" t="16266" r="13622" b="20732"/>
+          <a:stretch/>
+        </p:blipFill>
+        <p:spPr>
+          <a:xfrm>
+            <a:off x="9851519" y="4461542"/>
+            <a:ext cx="837422" cy="1235981"/>
+          </a:xfrm>
+          <a:prstGeom prst="rect">
+            <a:avLst/>
+          </a:prstGeom>
+        </p:spPr>
+      </p:pic>
     </p:spTree>
     <p:extLst>
       <p:ext uri="{BB962C8B-B14F-4D97-AF65-F5344CB8AC3E}">
@@ -19763,10 +19917,9 @@
           <a:lstStyle/>
           <a:p>
             <a:r>
-              <a:rPr kumimoji="1" lang="ja-JP" altLang="en-US" dirty="0" smtClean="0"/>
+              <a:rPr kumimoji="1" lang="ja-JP" altLang="en-US" dirty="0"/>
               <a:t>対策としてパーを半分に減らす</a:t>
             </a:r>
-            <a:endParaRPr kumimoji="1" lang="ja-JP" altLang="en-US" dirty="0"/>
           </a:p>
         </p:txBody>
       </p:sp>
@@ -19805,26 +19958,26 @@
           <a:lstStyle/>
           <a:p>
             <a:r>
-              <a:rPr lang="en-US" altLang="ja-JP" smtClean="0"/>
+              <a:rPr lang="en-US" altLang="ja-JP"/>
               <a:t>R</a:t>
             </a:r>
             <a:r>
-              <a:rPr lang="ja-JP" altLang="en-US" smtClean="0"/>
+              <a:rPr lang="ja-JP" altLang="en-US"/>
               <a:t> </a:t>
             </a:r>
             <a:r>
-              <a:rPr lang="en-US" altLang="ja-JP" smtClean="0"/>
+              <a:rPr lang="en-US" altLang="ja-JP"/>
               <a:t>for</a:t>
             </a:r>
             <a:r>
-              <a:rPr lang="ja-JP" altLang="en-US" smtClean="0"/>
+              <a:rPr lang="ja-JP" altLang="en-US"/>
               <a:t> </a:t>
             </a:r>
             <a:r>
-              <a:rPr lang="en-US" altLang="ja-JP" smtClean="0"/>
+              <a:rPr lang="en-US" altLang="ja-JP"/>
               <a:t>Pharmacometrics</a:t>
             </a:r>
-            <a:endParaRPr lang="ja-JP" altLang="en-US" dirty="0" smtClean="0"/>
+            <a:endParaRPr lang="ja-JP" altLang="en-US" dirty="0"/>
           </a:p>
         </p:txBody>
       </p:sp>
@@ -19905,29 +20058,21 @@
           <a:p>
             <a:pPr algn="ctr"/>
             <a:r>
-              <a:rPr lang="ja-JP" altLang="en-US" sz="1200" dirty="0" smtClean="0"/>
+              <a:rPr lang="ja-JP" altLang="en-US" sz="1200" dirty="0"/>
               <a:t>グーを減らして</a:t>
             </a:r>
-            <a:r>
-              <a:rPr lang="en-US" altLang="ja-JP" sz="1200" dirty="0" smtClean="0"/>
-              <a:t/>
-            </a:r>
             <a:br>
-              <a:rPr lang="en-US" altLang="ja-JP" sz="1200" dirty="0" smtClean="0"/>
+              <a:rPr lang="en-US" altLang="ja-JP" sz="1200" dirty="0"/>
             </a:br>
             <a:r>
-              <a:rPr lang="ja-JP" altLang="en-US" sz="1200" dirty="0" smtClean="0"/>
+              <a:rPr lang="ja-JP" altLang="en-US" sz="1200" dirty="0"/>
               <a:t>くるかも・・・</a:t>
             </a:r>
-            <a:r>
-              <a:rPr lang="en-US" altLang="ja-JP" sz="1200" dirty="0" smtClean="0"/>
-              <a:t/>
-            </a:r>
             <a:br>
-              <a:rPr lang="en-US" altLang="ja-JP" sz="1200" dirty="0" smtClean="0"/>
+              <a:rPr lang="en-US" altLang="ja-JP" sz="1200" dirty="0"/>
             </a:br>
             <a:r>
-              <a:rPr lang="ja-JP" altLang="en-US" sz="1200" dirty="0" smtClean="0"/>
+              <a:rPr lang="ja-JP" altLang="en-US" sz="1200" dirty="0"/>
               <a:t>パーを減らそう</a:t>
             </a:r>
             <a:endParaRPr kumimoji="1" lang="ja-JP" altLang="en-US" sz="1200" dirty="0"/>
@@ -19981,7 +20126,7 @@
           <a:lstStyle/>
           <a:p>
             <a:r>
-              <a:rPr lang="ja-JP" altLang="en-US" sz="2400" dirty="0" smtClean="0"/>
+              <a:rPr lang="ja-JP" altLang="en-US" sz="2400" dirty="0"/>
               <a:t>裏を読むことで勝ちやすくなる</a:t>
             </a:r>
             <a:endParaRPr kumimoji="1" lang="ja-JP" altLang="en-US" sz="2400" dirty="0"/>
@@ -20011,10 +20156,9 @@
           <a:lstStyle/>
           <a:p>
             <a:r>
-              <a:rPr kumimoji="1" lang="ja-JP" altLang="en-US" dirty="0" smtClean="0"/>
+              <a:rPr kumimoji="1" lang="ja-JP" altLang="en-US" dirty="0"/>
               <a:t>グーを減らす</a:t>
             </a:r>
-            <a:endParaRPr kumimoji="1" lang="ja-JP" altLang="en-US" dirty="0"/>
           </a:p>
         </p:txBody>
       </p:sp>
@@ -20045,10 +20189,9 @@
               <a:t>パ</a:t>
             </a:r>
             <a:r>
-              <a:rPr kumimoji="1" lang="ja-JP" altLang="en-US" dirty="0" smtClean="0"/>
+              <a:rPr kumimoji="1" lang="ja-JP" altLang="en-US" dirty="0"/>
               <a:t>ーを減らす</a:t>
             </a:r>
-            <a:endParaRPr kumimoji="1" lang="ja-JP" altLang="en-US" dirty="0"/>
           </a:p>
         </p:txBody>
       </p:sp>

--- a/1st_review_slide/4_Advanced_simulation_201009.pptx
+++ b/1st_review_slide/4_Advanced_simulation_201009.pptx
@@ -5,31 +5,32 @@
     <p:sldMasterId id="2147483660" r:id="rId1"/>
   </p:sldMasterIdLst>
   <p:notesMasterIdLst>
-    <p:notesMasterId r:id="rId24"/>
+    <p:notesMasterId r:id="rId25"/>
   </p:notesMasterIdLst>
   <p:sldIdLst>
     <p:sldId id="287" r:id="rId2"/>
-    <p:sldId id="319" r:id="rId3"/>
-    <p:sldId id="301" r:id="rId4"/>
-    <p:sldId id="300" r:id="rId5"/>
-    <p:sldId id="308" r:id="rId6"/>
-    <p:sldId id="303" r:id="rId7"/>
-    <p:sldId id="302" r:id="rId8"/>
-    <p:sldId id="304" r:id="rId9"/>
-    <p:sldId id="305" r:id="rId10"/>
-    <p:sldId id="306" r:id="rId11"/>
-    <p:sldId id="307" r:id="rId12"/>
-    <p:sldId id="310" r:id="rId13"/>
-    <p:sldId id="311" r:id="rId14"/>
-    <p:sldId id="318" r:id="rId15"/>
-    <p:sldId id="314" r:id="rId16"/>
-    <p:sldId id="316" r:id="rId17"/>
-    <p:sldId id="315" r:id="rId18"/>
-    <p:sldId id="320" r:id="rId19"/>
-    <p:sldId id="317" r:id="rId20"/>
-    <p:sldId id="312" r:id="rId21"/>
-    <p:sldId id="313" r:id="rId22"/>
-    <p:sldId id="321" r:id="rId23"/>
+    <p:sldId id="322" r:id="rId3"/>
+    <p:sldId id="319" r:id="rId4"/>
+    <p:sldId id="301" r:id="rId5"/>
+    <p:sldId id="300" r:id="rId6"/>
+    <p:sldId id="308" r:id="rId7"/>
+    <p:sldId id="303" r:id="rId8"/>
+    <p:sldId id="302" r:id="rId9"/>
+    <p:sldId id="304" r:id="rId10"/>
+    <p:sldId id="305" r:id="rId11"/>
+    <p:sldId id="306" r:id="rId12"/>
+    <p:sldId id="307" r:id="rId13"/>
+    <p:sldId id="310" r:id="rId14"/>
+    <p:sldId id="311" r:id="rId15"/>
+    <p:sldId id="318" r:id="rId16"/>
+    <p:sldId id="314" r:id="rId17"/>
+    <p:sldId id="316" r:id="rId18"/>
+    <p:sldId id="315" r:id="rId19"/>
+    <p:sldId id="320" r:id="rId20"/>
+    <p:sldId id="317" r:id="rId21"/>
+    <p:sldId id="312" r:id="rId22"/>
+    <p:sldId id="313" r:id="rId23"/>
+    <p:sldId id="321" r:id="rId24"/>
   </p:sldIdLst>
   <p:sldSz cx="12192000" cy="6858000"/>
   <p:notesSz cx="6807200" cy="9939338"/>
@@ -145,10 +146,45 @@
       </p:ext>
     </p:extLst>
   </p:cmAuthor>
+  <p:cmAuthor id="2" name="FUKAE MASATO / 深江 真登" initials="FM/深真" lastIdx="2" clrIdx="1">
+    <p:extLst>
+      <p:ext uri="{19B8F6BF-5375-455C-9EA6-DF929625EA0E}">
+        <p15:presenceInfo xmlns:p15="http://schemas.microsoft.com/office/powerpoint/2012/main" userId="S-1-5-21-2304227532-392271255-3195294537-169173" providerId="AD"/>
+      </p:ext>
+    </p:extLst>
+  </p:cmAuthor>
 </p:cmAuthorLst>
 </file>
 
 <file path=ppt/comments/comment1.xml><?xml version="1.0" encoding="utf-8"?>
+<p:cmLst xmlns:a="http://schemas.openxmlformats.org/drawingml/2006/main" xmlns:r="http://schemas.openxmlformats.org/officeDocument/2006/relationships" xmlns:p="http://schemas.openxmlformats.org/presentationml/2006/main">
+  <p:cm authorId="2" dt="2020-10-23T11:13:03.166" idx="1">
+    <p:pos x="6197" y="1692"/>
+    <p:text>Advancedな使い方、としてはいかが？そのうちシミュレーションを紹介しますという位置づけ</p:text>
+    <p:extLst>
+      <p:ext uri="{C676402C-5697-4E1C-873F-D02D1690AC5C}">
+        <p15:threadingInfo xmlns:p15="http://schemas.microsoft.com/office/powerpoint/2012/main" timeZoneBias="-540"/>
+      </p:ext>
+    </p:extLst>
+  </p:cm>
+</p:cmLst>
+</file>
+
+<file path=ppt/comments/comment2.xml><?xml version="1.0" encoding="utf-8"?>
+<p:cmLst xmlns:a="http://schemas.openxmlformats.org/drawingml/2006/main" xmlns:r="http://schemas.openxmlformats.org/officeDocument/2006/relationships" xmlns:p="http://schemas.openxmlformats.org/presentationml/2006/main">
+  <p:cm authorId="2" dt="2020-10-23T11:13:47.600" idx="2">
+    <p:pos x="10" y="10"/>
+    <p:text>たしてみました。色々できるけど今回はシミュレーションとShinyを紹介するよって位置づけでお願いします</p:text>
+    <p:extLst>
+      <p:ext uri="{C676402C-5697-4E1C-873F-D02D1690AC5C}">
+        <p15:threadingInfo xmlns:p15="http://schemas.microsoft.com/office/powerpoint/2012/main" timeZoneBias="-540"/>
+      </p:ext>
+    </p:extLst>
+  </p:cm>
+</p:cmLst>
+</file>
+
+<file path=ppt/comments/comment3.xml><?xml version="1.0" encoding="utf-8"?>
 <p:cmLst xmlns:a="http://schemas.openxmlformats.org/drawingml/2006/main" xmlns:r="http://schemas.openxmlformats.org/officeDocument/2006/relationships" xmlns:p="http://schemas.openxmlformats.org/presentationml/2006/main">
   <p:cm authorId="1" dt="2020-10-10T09:32:43.990" idx="6">
     <p:pos x="495" y="222"/>
@@ -163,7 +199,7 @@
 </p:cmLst>
 </file>
 
-<file path=ppt/comments/comment2.xml><?xml version="1.0" encoding="utf-8"?>
+<file path=ppt/comments/comment4.xml><?xml version="1.0" encoding="utf-8"?>
 <p:cmLst xmlns:a="http://schemas.openxmlformats.org/drawingml/2006/main" xmlns:r="http://schemas.openxmlformats.org/officeDocument/2006/relationships" xmlns:p="http://schemas.openxmlformats.org/presentationml/2006/main">
   <p:cm authorId="1" dt="2020-10-10T09:28:29.717" idx="4">
     <p:pos x="5012" y="2642"/>
@@ -177,7 +213,7 @@
 </p:cmLst>
 </file>
 
-<file path=ppt/comments/comment3.xml><?xml version="1.0" encoding="utf-8"?>
+<file path=ppt/comments/comment5.xml><?xml version="1.0" encoding="utf-8"?>
 <p:cmLst xmlns:a="http://schemas.openxmlformats.org/drawingml/2006/main" xmlns:r="http://schemas.openxmlformats.org/officeDocument/2006/relationships" xmlns:p="http://schemas.openxmlformats.org/presentationml/2006/main">
   <p:cm authorId="1" dt="2020-10-10T09:30:29.870" idx="5">
     <p:pos x="2243" y="3254"/>
@@ -191,7 +227,7 @@
 </p:cmLst>
 </file>
 
-<file path=ppt/comments/comment4.xml><?xml version="1.0" encoding="utf-8"?>
+<file path=ppt/comments/comment6.xml><?xml version="1.0" encoding="utf-8"?>
 <p:cmLst xmlns:a="http://schemas.openxmlformats.org/drawingml/2006/main" xmlns:r="http://schemas.openxmlformats.org/officeDocument/2006/relationships" xmlns:p="http://schemas.openxmlformats.org/presentationml/2006/main">
   <p:cm authorId="1" dt="2020-10-10T09:15:22.453" idx="1">
     <p:pos x="1444" y="981"/>
@@ -206,7 +242,7 @@
 </p:cmLst>
 </file>
 
-<file path=ppt/comments/comment5.xml><?xml version="1.0" encoding="utf-8"?>
+<file path=ppt/comments/comment7.xml><?xml version="1.0" encoding="utf-8"?>
 <p:cmLst xmlns:a="http://schemas.openxmlformats.org/drawingml/2006/main" xmlns:r="http://schemas.openxmlformats.org/officeDocument/2006/relationships" xmlns:p="http://schemas.openxmlformats.org/presentationml/2006/main">
   <p:cm authorId="1" dt="2020-10-10T09:20:13.398" idx="2">
     <p:pos x="1616" y="1630"/>
@@ -220,7 +256,7 @@
 </p:cmLst>
 </file>
 
-<file path=ppt/comments/comment6.xml><?xml version="1.0" encoding="utf-8"?>
+<file path=ppt/comments/comment8.xml><?xml version="1.0" encoding="utf-8"?>
 <p:cmLst xmlns:a="http://schemas.openxmlformats.org/drawingml/2006/main" xmlns:r="http://schemas.openxmlformats.org/officeDocument/2006/relationships" xmlns:p="http://schemas.openxmlformats.org/presentationml/2006/main">
   <p:cm authorId="1" dt="2020-10-10T09:21:25.180" idx="3">
     <p:pos x="699" y="857"/>
@@ -1958,6 +1994,10 @@
             <a:rPr kumimoji="1" lang="ja-JP" altLang="en-US" sz="1600" dirty="0"/>
             <a:t>アウトプット</a:t>
           </a:r>
+          <a:r>
+            <a:rPr kumimoji="1" lang="en-US" altLang="ja-JP" sz="1600" dirty="0"/>
+            <a:t/>
+          </a:r>
           <a:br>
             <a:rPr kumimoji="1" lang="en-US" altLang="ja-JP" sz="1600" dirty="0"/>
           </a:br>
@@ -2003,6 +2043,13 @@
         </dgm:presLayoutVars>
       </dgm:prSet>
       <dgm:spPr/>
+      <dgm:t>
+        <a:bodyPr/>
+        <a:lstStyle/>
+        <a:p>
+          <a:endParaRPr kumimoji="1" lang="ja-JP" altLang="en-US"/>
+        </a:p>
+      </dgm:t>
     </dgm:pt>
     <dgm:pt modelId="{3FCFE795-28F4-4DCE-B257-23F98F3D9021}" type="pres">
       <dgm:prSet presAssocID="{1025E5B2-7A8A-4ED3-A208-00072E0A699B}" presName="hierRoot1" presStyleCnt="0">
@@ -2023,10 +2070,24 @@
         </dgm:presLayoutVars>
       </dgm:prSet>
       <dgm:spPr/>
+      <dgm:t>
+        <a:bodyPr/>
+        <a:lstStyle/>
+        <a:p>
+          <a:endParaRPr kumimoji="1" lang="ja-JP" altLang="en-US"/>
+        </a:p>
+      </dgm:t>
     </dgm:pt>
     <dgm:pt modelId="{642CA78D-05BE-4642-BF9E-21432BF66DD7}" type="pres">
       <dgm:prSet presAssocID="{1025E5B2-7A8A-4ED3-A208-00072E0A699B}" presName="rootConnector1" presStyleLbl="node1" presStyleIdx="0" presStyleCnt="0"/>
       <dgm:spPr/>
+      <dgm:t>
+        <a:bodyPr/>
+        <a:lstStyle/>
+        <a:p>
+          <a:endParaRPr kumimoji="1" lang="ja-JP" altLang="en-US"/>
+        </a:p>
+      </dgm:t>
     </dgm:pt>
     <dgm:pt modelId="{F821BC8E-451D-4331-ACC1-0D9E1B8656B7}" type="pres">
       <dgm:prSet presAssocID="{1025E5B2-7A8A-4ED3-A208-00072E0A699B}" presName="hierChild2" presStyleCnt="0"/>
@@ -2035,6 +2096,13 @@
     <dgm:pt modelId="{415DF792-1391-44EA-820A-E05D110585B5}" type="pres">
       <dgm:prSet presAssocID="{64DECFBB-E17A-4F4A-B069-1C241AF5E92C}" presName="Name37" presStyleLbl="parChTrans1D2" presStyleIdx="0" presStyleCnt="2"/>
       <dgm:spPr/>
+      <dgm:t>
+        <a:bodyPr/>
+        <a:lstStyle/>
+        <a:p>
+          <a:endParaRPr kumimoji="1" lang="ja-JP" altLang="en-US"/>
+        </a:p>
+      </dgm:t>
     </dgm:pt>
     <dgm:pt modelId="{DFF3B6CE-9494-4674-8316-17C3B2DFC23D}" type="pres">
       <dgm:prSet presAssocID="{46E4609F-B08F-4711-9B9B-990BCBC15613}" presName="hierRoot2" presStyleCnt="0">
@@ -2055,10 +2123,24 @@
         </dgm:presLayoutVars>
       </dgm:prSet>
       <dgm:spPr/>
+      <dgm:t>
+        <a:bodyPr/>
+        <a:lstStyle/>
+        <a:p>
+          <a:endParaRPr kumimoji="1" lang="ja-JP" altLang="en-US"/>
+        </a:p>
+      </dgm:t>
     </dgm:pt>
     <dgm:pt modelId="{E082C7B4-D543-4B36-B9E1-73848796EE58}" type="pres">
       <dgm:prSet presAssocID="{46E4609F-B08F-4711-9B9B-990BCBC15613}" presName="rootConnector" presStyleLbl="node2" presStyleIdx="0" presStyleCnt="2"/>
       <dgm:spPr/>
+      <dgm:t>
+        <a:bodyPr/>
+        <a:lstStyle/>
+        <a:p>
+          <a:endParaRPr kumimoji="1" lang="ja-JP" altLang="en-US"/>
+        </a:p>
+      </dgm:t>
     </dgm:pt>
     <dgm:pt modelId="{DFDF9CE5-A19C-4C36-8EA4-73C529FE8843}" type="pres">
       <dgm:prSet presAssocID="{46E4609F-B08F-4711-9B9B-990BCBC15613}" presName="hierChild4" presStyleCnt="0"/>
@@ -2071,6 +2153,13 @@
     <dgm:pt modelId="{BC40B87C-AD1E-47FC-86EA-1B97142ED498}" type="pres">
       <dgm:prSet presAssocID="{A0317733-37D3-407C-90FF-A7EF32EC9315}" presName="Name37" presStyleLbl="parChTrans1D2" presStyleIdx="1" presStyleCnt="2"/>
       <dgm:spPr/>
+      <dgm:t>
+        <a:bodyPr/>
+        <a:lstStyle/>
+        <a:p>
+          <a:endParaRPr kumimoji="1" lang="ja-JP" altLang="en-US"/>
+        </a:p>
+      </dgm:t>
     </dgm:pt>
     <dgm:pt modelId="{CADD7C38-39D4-4865-AC86-A79F94F7CBB5}" type="pres">
       <dgm:prSet presAssocID="{134DC636-BC4F-4997-8698-79796E244D0D}" presName="hierRoot2" presStyleCnt="0">
@@ -2091,10 +2180,24 @@
         </dgm:presLayoutVars>
       </dgm:prSet>
       <dgm:spPr/>
+      <dgm:t>
+        <a:bodyPr/>
+        <a:lstStyle/>
+        <a:p>
+          <a:endParaRPr kumimoji="1" lang="ja-JP" altLang="en-US"/>
+        </a:p>
+      </dgm:t>
     </dgm:pt>
     <dgm:pt modelId="{976F9D60-1F4B-4225-B8D5-82FA7CB4DAC7}" type="pres">
       <dgm:prSet presAssocID="{134DC636-BC4F-4997-8698-79796E244D0D}" presName="rootConnector" presStyleLbl="node2" presStyleIdx="1" presStyleCnt="2"/>
       <dgm:spPr/>
+      <dgm:t>
+        <a:bodyPr/>
+        <a:lstStyle/>
+        <a:p>
+          <a:endParaRPr kumimoji="1" lang="ja-JP" altLang="en-US"/>
+        </a:p>
+      </dgm:t>
     </dgm:pt>
     <dgm:pt modelId="{0425BA1F-6197-4F83-AC77-02AB80DFE30A}" type="pres">
       <dgm:prSet presAssocID="{134DC636-BC4F-4997-8698-79796E244D0D}" presName="hierChild4" presStyleCnt="0"/>
@@ -2110,18 +2213,18 @@
     </dgm:pt>
   </dgm:ptLst>
   <dgm:cxnLst>
+    <dgm:cxn modelId="{16CA31E8-6FD0-4755-9225-EC97E362A3DF}" type="presOf" srcId="{A0317733-37D3-407C-90FF-A7EF32EC9315}" destId="{BC40B87C-AD1E-47FC-86EA-1B97142ED498}" srcOrd="0" destOrd="0" presId="urn:microsoft.com/office/officeart/2005/8/layout/orgChart1"/>
+    <dgm:cxn modelId="{53537F52-6FA8-4F78-BE42-03C30AD0DDAD}" type="presOf" srcId="{64DECFBB-E17A-4F4A-B069-1C241AF5E92C}" destId="{415DF792-1391-44EA-820A-E05D110585B5}" srcOrd="0" destOrd="0" presId="urn:microsoft.com/office/officeart/2005/8/layout/orgChart1"/>
+    <dgm:cxn modelId="{DD0CCE27-024D-4E41-A668-09FFAB0EFAEA}" srcId="{348D42BF-81D8-461D-96B3-375C5FC0D1C4}" destId="{1025E5B2-7A8A-4ED3-A208-00072E0A699B}" srcOrd="0" destOrd="0" parTransId="{CD5A9E03-90FE-4123-A84B-C1BCA1C58862}" sibTransId="{D3C4FF53-391E-4044-B0BB-5C277E87EAF4}"/>
+    <dgm:cxn modelId="{3AAB17C8-1D0F-43D4-B050-686F71F7E608}" type="presOf" srcId="{1025E5B2-7A8A-4ED3-A208-00072E0A699B}" destId="{D206A387-5174-40B0-B628-117159033CCA}" srcOrd="0" destOrd="0" presId="urn:microsoft.com/office/officeart/2005/8/layout/orgChart1"/>
+    <dgm:cxn modelId="{AC9B5249-D0FE-4295-BFFE-A2BE1E5D8CAB}" type="presOf" srcId="{134DC636-BC4F-4997-8698-79796E244D0D}" destId="{976F9D60-1F4B-4225-B8D5-82FA7CB4DAC7}" srcOrd="1" destOrd="0" presId="urn:microsoft.com/office/officeart/2005/8/layout/orgChart1"/>
+    <dgm:cxn modelId="{69929073-C882-4017-9F11-BEF9BB55F0BA}" srcId="{1025E5B2-7A8A-4ED3-A208-00072E0A699B}" destId="{46E4609F-B08F-4711-9B9B-990BCBC15613}" srcOrd="0" destOrd="0" parTransId="{64DECFBB-E17A-4F4A-B069-1C241AF5E92C}" sibTransId="{E6113D43-A64A-4332-A96C-15A83DB21940}"/>
+    <dgm:cxn modelId="{FD5A2367-2168-4959-8AA6-DFC39970AE47}" type="presOf" srcId="{134DC636-BC4F-4997-8698-79796E244D0D}" destId="{40A63680-0C4B-4654-BD1E-88649ECF0D1B}" srcOrd="0" destOrd="0" presId="urn:microsoft.com/office/officeart/2005/8/layout/orgChart1"/>
     <dgm:cxn modelId="{AAF52F1C-4C40-45A5-91E7-D8E079F26A1E}" type="presOf" srcId="{46E4609F-B08F-4711-9B9B-990BCBC15613}" destId="{2C45F10C-E933-492D-9942-112BAF9BE6DF}" srcOrd="0" destOrd="0" presId="urn:microsoft.com/office/officeart/2005/8/layout/orgChart1"/>
-    <dgm:cxn modelId="{DD0CCE27-024D-4E41-A668-09FFAB0EFAEA}" srcId="{348D42BF-81D8-461D-96B3-375C5FC0D1C4}" destId="{1025E5B2-7A8A-4ED3-A208-00072E0A699B}" srcOrd="0" destOrd="0" parTransId="{CD5A9E03-90FE-4123-A84B-C1BCA1C58862}" sibTransId="{D3C4FF53-391E-4044-B0BB-5C277E87EAF4}"/>
-    <dgm:cxn modelId="{FD5A2367-2168-4959-8AA6-DFC39970AE47}" type="presOf" srcId="{134DC636-BC4F-4997-8698-79796E244D0D}" destId="{40A63680-0C4B-4654-BD1E-88649ECF0D1B}" srcOrd="0" destOrd="0" presId="urn:microsoft.com/office/officeart/2005/8/layout/orgChart1"/>
-    <dgm:cxn modelId="{AC9B5249-D0FE-4295-BFFE-A2BE1E5D8CAB}" type="presOf" srcId="{134DC636-BC4F-4997-8698-79796E244D0D}" destId="{976F9D60-1F4B-4225-B8D5-82FA7CB4DAC7}" srcOrd="1" destOrd="0" presId="urn:microsoft.com/office/officeart/2005/8/layout/orgChart1"/>
     <dgm:cxn modelId="{E83A084F-5C07-4FE0-9499-4A547B777A43}" type="presOf" srcId="{1025E5B2-7A8A-4ED3-A208-00072E0A699B}" destId="{642CA78D-05BE-4642-BF9E-21432BF66DD7}" srcOrd="1" destOrd="0" presId="urn:microsoft.com/office/officeart/2005/8/layout/orgChart1"/>
-    <dgm:cxn modelId="{53537F52-6FA8-4F78-BE42-03C30AD0DDAD}" type="presOf" srcId="{64DECFBB-E17A-4F4A-B069-1C241AF5E92C}" destId="{415DF792-1391-44EA-820A-E05D110585B5}" srcOrd="0" destOrd="0" presId="urn:microsoft.com/office/officeart/2005/8/layout/orgChart1"/>
-    <dgm:cxn modelId="{69929073-C882-4017-9F11-BEF9BB55F0BA}" srcId="{1025E5B2-7A8A-4ED3-A208-00072E0A699B}" destId="{46E4609F-B08F-4711-9B9B-990BCBC15613}" srcOrd="0" destOrd="0" parTransId="{64DECFBB-E17A-4F4A-B069-1C241AF5E92C}" sibTransId="{E6113D43-A64A-4332-A96C-15A83DB21940}"/>
+    <dgm:cxn modelId="{C39FB8DA-F7E1-4473-B354-6BB4F865AF2B}" type="presOf" srcId="{348D42BF-81D8-461D-96B3-375C5FC0D1C4}" destId="{59F57934-8801-468D-BB66-AA0295DA33D6}" srcOrd="0" destOrd="0" presId="urn:microsoft.com/office/officeart/2005/8/layout/orgChart1"/>
+    <dgm:cxn modelId="{82233FA2-E669-4256-B5CA-CAAF8392A32B}" type="presOf" srcId="{46E4609F-B08F-4711-9B9B-990BCBC15613}" destId="{E082C7B4-D543-4B36-B9E1-73848796EE58}" srcOrd="1" destOrd="0" presId="urn:microsoft.com/office/officeart/2005/8/layout/orgChart1"/>
     <dgm:cxn modelId="{C6CE5D76-1A3F-4867-A711-BF350BC8253C}" srcId="{1025E5B2-7A8A-4ED3-A208-00072E0A699B}" destId="{134DC636-BC4F-4997-8698-79796E244D0D}" srcOrd="1" destOrd="0" parTransId="{A0317733-37D3-407C-90FF-A7EF32EC9315}" sibTransId="{C765A176-3248-4587-B545-F86E377AFBC5}"/>
-    <dgm:cxn modelId="{82233FA2-E669-4256-B5CA-CAAF8392A32B}" type="presOf" srcId="{46E4609F-B08F-4711-9B9B-990BCBC15613}" destId="{E082C7B4-D543-4B36-B9E1-73848796EE58}" srcOrd="1" destOrd="0" presId="urn:microsoft.com/office/officeart/2005/8/layout/orgChart1"/>
-    <dgm:cxn modelId="{3AAB17C8-1D0F-43D4-B050-686F71F7E608}" type="presOf" srcId="{1025E5B2-7A8A-4ED3-A208-00072E0A699B}" destId="{D206A387-5174-40B0-B628-117159033CCA}" srcOrd="0" destOrd="0" presId="urn:microsoft.com/office/officeart/2005/8/layout/orgChart1"/>
-    <dgm:cxn modelId="{C39FB8DA-F7E1-4473-B354-6BB4F865AF2B}" type="presOf" srcId="{348D42BF-81D8-461D-96B3-375C5FC0D1C4}" destId="{59F57934-8801-468D-BB66-AA0295DA33D6}" srcOrd="0" destOrd="0" presId="urn:microsoft.com/office/officeart/2005/8/layout/orgChart1"/>
-    <dgm:cxn modelId="{16CA31E8-6FD0-4755-9225-EC97E362A3DF}" type="presOf" srcId="{A0317733-37D3-407C-90FF-A7EF32EC9315}" destId="{BC40B87C-AD1E-47FC-86EA-1B97142ED498}" srcOrd="0" destOrd="0" presId="urn:microsoft.com/office/officeart/2005/8/layout/orgChart1"/>
     <dgm:cxn modelId="{5B74E6C2-FE79-4EF6-86C4-017EDFD82F0E}" type="presParOf" srcId="{59F57934-8801-468D-BB66-AA0295DA33D6}" destId="{3FCFE795-28F4-4DCE-B257-23F98F3D9021}" srcOrd="0" destOrd="0" presId="urn:microsoft.com/office/officeart/2005/8/layout/orgChart1"/>
     <dgm:cxn modelId="{4D37C3EA-3038-4BE2-B2E2-B1C6681655AD}" type="presParOf" srcId="{3FCFE795-28F4-4DCE-B257-23F98F3D9021}" destId="{E1F672A3-44E1-450B-B0F6-774D1E18A5C1}" srcOrd="0" destOrd="0" presId="urn:microsoft.com/office/officeart/2005/8/layout/orgChart1"/>
     <dgm:cxn modelId="{351AA30F-B3BE-4E15-BCE0-08C9625D1FB6}" type="presParOf" srcId="{E1F672A3-44E1-450B-B0F6-774D1E18A5C1}" destId="{D206A387-5174-40B0-B628-117159033CCA}" srcOrd="0" destOrd="0" presId="urn:microsoft.com/office/officeart/2005/8/layout/orgChart1"/>
@@ -2214,6 +2317,10 @@
           <a:r>
             <a:rPr kumimoji="1" lang="ja-JP" altLang="en-US" sz="1800" dirty="0"/>
             <a:t>レイアウトの</a:t>
+          </a:r>
+          <a:r>
+            <a:rPr kumimoji="1" lang="en-US" altLang="ja-JP" sz="1800" dirty="0"/>
+            <a:t/>
           </a:r>
           <a:br>
             <a:rPr kumimoji="1" lang="en-US" altLang="ja-JP" sz="1800" dirty="0"/>
@@ -2331,6 +2438,13 @@
         </dgm:presLayoutVars>
       </dgm:prSet>
       <dgm:spPr/>
+      <dgm:t>
+        <a:bodyPr/>
+        <a:lstStyle/>
+        <a:p>
+          <a:endParaRPr kumimoji="1" lang="ja-JP" altLang="en-US"/>
+        </a:p>
+      </dgm:t>
     </dgm:pt>
     <dgm:pt modelId="{3FCFE795-28F4-4DCE-B257-23F98F3D9021}" type="pres">
       <dgm:prSet presAssocID="{1025E5B2-7A8A-4ED3-A208-00072E0A699B}" presName="hierRoot1" presStyleCnt="0">
@@ -2351,10 +2465,24 @@
         </dgm:presLayoutVars>
       </dgm:prSet>
       <dgm:spPr/>
+      <dgm:t>
+        <a:bodyPr/>
+        <a:lstStyle/>
+        <a:p>
+          <a:endParaRPr kumimoji="1" lang="ja-JP" altLang="en-US"/>
+        </a:p>
+      </dgm:t>
     </dgm:pt>
     <dgm:pt modelId="{642CA78D-05BE-4642-BF9E-21432BF66DD7}" type="pres">
       <dgm:prSet presAssocID="{1025E5B2-7A8A-4ED3-A208-00072E0A699B}" presName="rootConnector1" presStyleLbl="node1" presStyleIdx="0" presStyleCnt="0"/>
       <dgm:spPr/>
+      <dgm:t>
+        <a:bodyPr/>
+        <a:lstStyle/>
+        <a:p>
+          <a:endParaRPr kumimoji="1" lang="ja-JP" altLang="en-US"/>
+        </a:p>
+      </dgm:t>
     </dgm:pt>
     <dgm:pt modelId="{F821BC8E-451D-4331-ACC1-0D9E1B8656B7}" type="pres">
       <dgm:prSet presAssocID="{1025E5B2-7A8A-4ED3-A208-00072E0A699B}" presName="hierChild2" presStyleCnt="0"/>
@@ -2363,6 +2491,13 @@
     <dgm:pt modelId="{54DE5B61-DC78-4519-B7C1-C4937DC4910D}" type="pres">
       <dgm:prSet presAssocID="{685A9930-0EAC-4025-AD3E-A05DC3E224E2}" presName="Name37" presStyleLbl="parChTrans1D2" presStyleIdx="0" presStyleCnt="3"/>
       <dgm:spPr/>
+      <dgm:t>
+        <a:bodyPr/>
+        <a:lstStyle/>
+        <a:p>
+          <a:endParaRPr kumimoji="1" lang="ja-JP" altLang="en-US"/>
+        </a:p>
+      </dgm:t>
     </dgm:pt>
     <dgm:pt modelId="{9D8251DA-DEEB-45F2-A06E-E0C06A9EC4C9}" type="pres">
       <dgm:prSet presAssocID="{9933850E-8335-4643-AC33-6F78A12AAE73}" presName="hierRoot2" presStyleCnt="0">
@@ -2383,10 +2518,24 @@
         </dgm:presLayoutVars>
       </dgm:prSet>
       <dgm:spPr/>
+      <dgm:t>
+        <a:bodyPr/>
+        <a:lstStyle/>
+        <a:p>
+          <a:endParaRPr kumimoji="1" lang="ja-JP" altLang="en-US"/>
+        </a:p>
+      </dgm:t>
     </dgm:pt>
     <dgm:pt modelId="{E92FCEF8-854D-4238-8F47-276C2AE19214}" type="pres">
       <dgm:prSet presAssocID="{9933850E-8335-4643-AC33-6F78A12AAE73}" presName="rootConnector" presStyleLbl="node2" presStyleIdx="0" presStyleCnt="3"/>
       <dgm:spPr/>
+      <dgm:t>
+        <a:bodyPr/>
+        <a:lstStyle/>
+        <a:p>
+          <a:endParaRPr kumimoji="1" lang="ja-JP" altLang="en-US"/>
+        </a:p>
+      </dgm:t>
     </dgm:pt>
     <dgm:pt modelId="{5F393139-201F-40D1-884E-689AC5908CF3}" type="pres">
       <dgm:prSet presAssocID="{9933850E-8335-4643-AC33-6F78A12AAE73}" presName="hierChild4" presStyleCnt="0"/>
@@ -2399,6 +2548,13 @@
     <dgm:pt modelId="{415DF792-1391-44EA-820A-E05D110585B5}" type="pres">
       <dgm:prSet presAssocID="{64DECFBB-E17A-4F4A-B069-1C241AF5E92C}" presName="Name37" presStyleLbl="parChTrans1D2" presStyleIdx="1" presStyleCnt="3"/>
       <dgm:spPr/>
+      <dgm:t>
+        <a:bodyPr/>
+        <a:lstStyle/>
+        <a:p>
+          <a:endParaRPr kumimoji="1" lang="ja-JP" altLang="en-US"/>
+        </a:p>
+      </dgm:t>
     </dgm:pt>
     <dgm:pt modelId="{DFF3B6CE-9494-4674-8316-17C3B2DFC23D}" type="pres">
       <dgm:prSet presAssocID="{46E4609F-B08F-4711-9B9B-990BCBC15613}" presName="hierRoot2" presStyleCnt="0">
@@ -2419,10 +2575,24 @@
         </dgm:presLayoutVars>
       </dgm:prSet>
       <dgm:spPr/>
+      <dgm:t>
+        <a:bodyPr/>
+        <a:lstStyle/>
+        <a:p>
+          <a:endParaRPr kumimoji="1" lang="ja-JP" altLang="en-US"/>
+        </a:p>
+      </dgm:t>
     </dgm:pt>
     <dgm:pt modelId="{E082C7B4-D543-4B36-B9E1-73848796EE58}" type="pres">
       <dgm:prSet presAssocID="{46E4609F-B08F-4711-9B9B-990BCBC15613}" presName="rootConnector" presStyleLbl="node2" presStyleIdx="1" presStyleCnt="3"/>
       <dgm:spPr/>
+      <dgm:t>
+        <a:bodyPr/>
+        <a:lstStyle/>
+        <a:p>
+          <a:endParaRPr kumimoji="1" lang="ja-JP" altLang="en-US"/>
+        </a:p>
+      </dgm:t>
     </dgm:pt>
     <dgm:pt modelId="{DFDF9CE5-A19C-4C36-8EA4-73C529FE8843}" type="pres">
       <dgm:prSet presAssocID="{46E4609F-B08F-4711-9B9B-990BCBC15613}" presName="hierChild4" presStyleCnt="0"/>
@@ -2435,6 +2605,13 @@
     <dgm:pt modelId="{BC40B87C-AD1E-47FC-86EA-1B97142ED498}" type="pres">
       <dgm:prSet presAssocID="{A0317733-37D3-407C-90FF-A7EF32EC9315}" presName="Name37" presStyleLbl="parChTrans1D2" presStyleIdx="2" presStyleCnt="3"/>
       <dgm:spPr/>
+      <dgm:t>
+        <a:bodyPr/>
+        <a:lstStyle/>
+        <a:p>
+          <a:endParaRPr kumimoji="1" lang="ja-JP" altLang="en-US"/>
+        </a:p>
+      </dgm:t>
     </dgm:pt>
     <dgm:pt modelId="{CADD7C38-39D4-4865-AC86-A79F94F7CBB5}" type="pres">
       <dgm:prSet presAssocID="{134DC636-BC4F-4997-8698-79796E244D0D}" presName="hierRoot2" presStyleCnt="0">
@@ -2455,10 +2632,24 @@
         </dgm:presLayoutVars>
       </dgm:prSet>
       <dgm:spPr/>
+      <dgm:t>
+        <a:bodyPr/>
+        <a:lstStyle/>
+        <a:p>
+          <a:endParaRPr kumimoji="1" lang="ja-JP" altLang="en-US"/>
+        </a:p>
+      </dgm:t>
     </dgm:pt>
     <dgm:pt modelId="{976F9D60-1F4B-4225-B8D5-82FA7CB4DAC7}" type="pres">
       <dgm:prSet presAssocID="{134DC636-BC4F-4997-8698-79796E244D0D}" presName="rootConnector" presStyleLbl="node2" presStyleIdx="2" presStyleCnt="3"/>
       <dgm:spPr/>
+      <dgm:t>
+        <a:bodyPr/>
+        <a:lstStyle/>
+        <a:p>
+          <a:endParaRPr kumimoji="1" lang="ja-JP" altLang="en-US"/>
+        </a:p>
+      </dgm:t>
     </dgm:pt>
     <dgm:pt modelId="{0425BA1F-6197-4F83-AC77-02AB80DFE30A}" type="pres">
       <dgm:prSet presAssocID="{134DC636-BC4F-4997-8698-79796E244D0D}" presName="hierChild4" presStyleCnt="0"/>
@@ -2474,22 +2665,22 @@
     </dgm:pt>
   </dgm:ptLst>
   <dgm:cxnLst>
+    <dgm:cxn modelId="{4A9E50F7-CA4A-4B29-A81C-66DD98BE0453}" srcId="{1025E5B2-7A8A-4ED3-A208-00072E0A699B}" destId="{9933850E-8335-4643-AC33-6F78A12AAE73}" srcOrd="0" destOrd="0" parTransId="{685A9930-0EAC-4025-AD3E-A05DC3E224E2}" sibTransId="{8C170907-527D-4BA6-9ABD-04A6DC5A4CB1}"/>
+    <dgm:cxn modelId="{D72F68B0-7938-4509-A638-B8FE4D899BF7}" type="presOf" srcId="{134DC636-BC4F-4997-8698-79796E244D0D}" destId="{976F9D60-1F4B-4225-B8D5-82FA7CB4DAC7}" srcOrd="1" destOrd="0" presId="urn:microsoft.com/office/officeart/2005/8/layout/orgChart1"/>
     <dgm:cxn modelId="{015C9F0E-DCFB-4500-9ACF-52F046786CEE}" type="presOf" srcId="{46E4609F-B08F-4711-9B9B-990BCBC15613}" destId="{E082C7B4-D543-4B36-B9E1-73848796EE58}" srcOrd="1" destOrd="0" presId="urn:microsoft.com/office/officeart/2005/8/layout/orgChart1"/>
+    <dgm:cxn modelId="{DD0CCE27-024D-4E41-A668-09FFAB0EFAEA}" srcId="{348D42BF-81D8-461D-96B3-375C5FC0D1C4}" destId="{1025E5B2-7A8A-4ED3-A208-00072E0A699B}" srcOrd="0" destOrd="0" parTransId="{CD5A9E03-90FE-4123-A84B-C1BCA1C58862}" sibTransId="{D3C4FF53-391E-4044-B0BB-5C277E87EAF4}"/>
+    <dgm:cxn modelId="{2EAFCAD8-59AE-4014-84EC-D266D29F96FD}" type="presOf" srcId="{46E4609F-B08F-4711-9B9B-990BCBC15613}" destId="{2C45F10C-E933-492D-9942-112BAF9BE6DF}" srcOrd="0" destOrd="0" presId="urn:microsoft.com/office/officeart/2005/8/layout/orgChart1"/>
+    <dgm:cxn modelId="{C6CE5D76-1A3F-4867-A711-BF350BC8253C}" srcId="{1025E5B2-7A8A-4ED3-A208-00072E0A699B}" destId="{134DC636-BC4F-4997-8698-79796E244D0D}" srcOrd="2" destOrd="0" parTransId="{A0317733-37D3-407C-90FF-A7EF32EC9315}" sibTransId="{C765A176-3248-4587-B545-F86E377AFBC5}"/>
+    <dgm:cxn modelId="{696F5F68-FAFC-43F3-8E34-29878AEC52A7}" type="presOf" srcId="{1025E5B2-7A8A-4ED3-A208-00072E0A699B}" destId="{642CA78D-05BE-4642-BF9E-21432BF66DD7}" srcOrd="1" destOrd="0" presId="urn:microsoft.com/office/officeart/2005/8/layout/orgChart1"/>
+    <dgm:cxn modelId="{57C203F4-C56C-478C-B301-C22C2E3D3247}" type="presOf" srcId="{A0317733-37D3-407C-90FF-A7EF32EC9315}" destId="{BC40B87C-AD1E-47FC-86EA-1B97142ED498}" srcOrd="0" destOrd="0" presId="urn:microsoft.com/office/officeart/2005/8/layout/orgChart1"/>
+    <dgm:cxn modelId="{4B99B6B8-5AA1-497A-86C7-088ABA997CE9}" type="presOf" srcId="{1025E5B2-7A8A-4ED3-A208-00072E0A699B}" destId="{D206A387-5174-40B0-B628-117159033CCA}" srcOrd="0" destOrd="0" presId="urn:microsoft.com/office/officeart/2005/8/layout/orgChart1"/>
+    <dgm:cxn modelId="{716308E9-928F-4406-B27D-A60D9C3B017E}" type="presOf" srcId="{9933850E-8335-4643-AC33-6F78A12AAE73}" destId="{E92FCEF8-854D-4238-8F47-276C2AE19214}" srcOrd="1" destOrd="0" presId="urn:microsoft.com/office/officeart/2005/8/layout/orgChart1"/>
+    <dgm:cxn modelId="{2452DD8B-586C-4122-99AE-C4C1DDB5A5EC}" type="presOf" srcId="{64DECFBB-E17A-4F4A-B069-1C241AF5E92C}" destId="{415DF792-1391-44EA-820A-E05D110585B5}" srcOrd="0" destOrd="0" presId="urn:microsoft.com/office/officeart/2005/8/layout/orgChart1"/>
+    <dgm:cxn modelId="{69929073-C882-4017-9F11-BEF9BB55F0BA}" srcId="{1025E5B2-7A8A-4ED3-A208-00072E0A699B}" destId="{46E4609F-B08F-4711-9B9B-990BCBC15613}" srcOrd="1" destOrd="0" parTransId="{64DECFBB-E17A-4F4A-B069-1C241AF5E92C}" sibTransId="{E6113D43-A64A-4332-A96C-15A83DB21940}"/>
     <dgm:cxn modelId="{9327CC24-C18F-464B-9C7B-B93A05388E67}" type="presOf" srcId="{685A9930-0EAC-4025-AD3E-A05DC3E224E2}" destId="{54DE5B61-DC78-4519-B7C1-C4937DC4910D}" srcOrd="0" destOrd="0" presId="urn:microsoft.com/office/officeart/2005/8/layout/orgChart1"/>
-    <dgm:cxn modelId="{DD0CCE27-024D-4E41-A668-09FFAB0EFAEA}" srcId="{348D42BF-81D8-461D-96B3-375C5FC0D1C4}" destId="{1025E5B2-7A8A-4ED3-A208-00072E0A699B}" srcOrd="0" destOrd="0" parTransId="{CD5A9E03-90FE-4123-A84B-C1BCA1C58862}" sibTransId="{D3C4FF53-391E-4044-B0BB-5C277E87EAF4}"/>
+    <dgm:cxn modelId="{DF169498-224B-475F-BAB8-0F5EC14208D5}" type="presOf" srcId="{134DC636-BC4F-4997-8698-79796E244D0D}" destId="{40A63680-0C4B-4654-BD1E-88649ECF0D1B}" srcOrd="0" destOrd="0" presId="urn:microsoft.com/office/officeart/2005/8/layout/orgChart1"/>
     <dgm:cxn modelId="{6F649229-F65F-4433-B3B7-A785E9F5C066}" type="presOf" srcId="{348D42BF-81D8-461D-96B3-375C5FC0D1C4}" destId="{59F57934-8801-468D-BB66-AA0295DA33D6}" srcOrd="0" destOrd="0" presId="urn:microsoft.com/office/officeart/2005/8/layout/orgChart1"/>
-    <dgm:cxn modelId="{696F5F68-FAFC-43F3-8E34-29878AEC52A7}" type="presOf" srcId="{1025E5B2-7A8A-4ED3-A208-00072E0A699B}" destId="{642CA78D-05BE-4642-BF9E-21432BF66DD7}" srcOrd="1" destOrd="0" presId="urn:microsoft.com/office/officeart/2005/8/layout/orgChart1"/>
-    <dgm:cxn modelId="{69929073-C882-4017-9F11-BEF9BB55F0BA}" srcId="{1025E5B2-7A8A-4ED3-A208-00072E0A699B}" destId="{46E4609F-B08F-4711-9B9B-990BCBC15613}" srcOrd="1" destOrd="0" parTransId="{64DECFBB-E17A-4F4A-B069-1C241AF5E92C}" sibTransId="{E6113D43-A64A-4332-A96C-15A83DB21940}"/>
-    <dgm:cxn modelId="{C6CE5D76-1A3F-4867-A711-BF350BC8253C}" srcId="{1025E5B2-7A8A-4ED3-A208-00072E0A699B}" destId="{134DC636-BC4F-4997-8698-79796E244D0D}" srcOrd="2" destOrd="0" parTransId="{A0317733-37D3-407C-90FF-A7EF32EC9315}" sibTransId="{C765A176-3248-4587-B545-F86E377AFBC5}"/>
-    <dgm:cxn modelId="{2452DD8B-586C-4122-99AE-C4C1DDB5A5EC}" type="presOf" srcId="{64DECFBB-E17A-4F4A-B069-1C241AF5E92C}" destId="{415DF792-1391-44EA-820A-E05D110585B5}" srcOrd="0" destOrd="0" presId="urn:microsoft.com/office/officeart/2005/8/layout/orgChart1"/>
-    <dgm:cxn modelId="{DF169498-224B-475F-BAB8-0F5EC14208D5}" type="presOf" srcId="{134DC636-BC4F-4997-8698-79796E244D0D}" destId="{40A63680-0C4B-4654-BD1E-88649ECF0D1B}" srcOrd="0" destOrd="0" presId="urn:microsoft.com/office/officeart/2005/8/layout/orgChart1"/>
-    <dgm:cxn modelId="{D72F68B0-7938-4509-A638-B8FE4D899BF7}" type="presOf" srcId="{134DC636-BC4F-4997-8698-79796E244D0D}" destId="{976F9D60-1F4B-4225-B8D5-82FA7CB4DAC7}" srcOrd="1" destOrd="0" presId="urn:microsoft.com/office/officeart/2005/8/layout/orgChart1"/>
-    <dgm:cxn modelId="{4B99B6B8-5AA1-497A-86C7-088ABA997CE9}" type="presOf" srcId="{1025E5B2-7A8A-4ED3-A208-00072E0A699B}" destId="{D206A387-5174-40B0-B628-117159033CCA}" srcOrd="0" destOrd="0" presId="urn:microsoft.com/office/officeart/2005/8/layout/orgChart1"/>
-    <dgm:cxn modelId="{2EAFCAD8-59AE-4014-84EC-D266D29F96FD}" type="presOf" srcId="{46E4609F-B08F-4711-9B9B-990BCBC15613}" destId="{2C45F10C-E933-492D-9942-112BAF9BE6DF}" srcOrd="0" destOrd="0" presId="urn:microsoft.com/office/officeart/2005/8/layout/orgChart1"/>
-    <dgm:cxn modelId="{716308E9-928F-4406-B27D-A60D9C3B017E}" type="presOf" srcId="{9933850E-8335-4643-AC33-6F78A12AAE73}" destId="{E92FCEF8-854D-4238-8F47-276C2AE19214}" srcOrd="1" destOrd="0" presId="urn:microsoft.com/office/officeart/2005/8/layout/orgChart1"/>
     <dgm:cxn modelId="{B127BDE9-91F8-4105-BAD2-176271F54279}" type="presOf" srcId="{9933850E-8335-4643-AC33-6F78A12AAE73}" destId="{47E76CCF-C692-4D9B-8AD4-89C2BFA3D2ED}" srcOrd="0" destOrd="0" presId="urn:microsoft.com/office/officeart/2005/8/layout/orgChart1"/>
-    <dgm:cxn modelId="{57C203F4-C56C-478C-B301-C22C2E3D3247}" type="presOf" srcId="{A0317733-37D3-407C-90FF-A7EF32EC9315}" destId="{BC40B87C-AD1E-47FC-86EA-1B97142ED498}" srcOrd="0" destOrd="0" presId="urn:microsoft.com/office/officeart/2005/8/layout/orgChart1"/>
-    <dgm:cxn modelId="{4A9E50F7-CA4A-4B29-A81C-66DD98BE0453}" srcId="{1025E5B2-7A8A-4ED3-A208-00072E0A699B}" destId="{9933850E-8335-4643-AC33-6F78A12AAE73}" srcOrd="0" destOrd="0" parTransId="{685A9930-0EAC-4025-AD3E-A05DC3E224E2}" sibTransId="{8C170907-527D-4BA6-9ABD-04A6DC5A4CB1}"/>
     <dgm:cxn modelId="{BA2F7AD3-16E5-4200-865B-1C2B0F553C1A}" type="presParOf" srcId="{59F57934-8801-468D-BB66-AA0295DA33D6}" destId="{3FCFE795-28F4-4DCE-B257-23F98F3D9021}" srcOrd="0" destOrd="0" presId="urn:microsoft.com/office/officeart/2005/8/layout/orgChart1"/>
     <dgm:cxn modelId="{0D391AEC-A7CD-4088-A7B9-C5C6BA1F04EF}" type="presParOf" srcId="{3FCFE795-28F4-4DCE-B257-23F98F3D9021}" destId="{E1F672A3-44E1-450B-B0F6-774D1E18A5C1}" srcOrd="0" destOrd="0" presId="urn:microsoft.com/office/officeart/2005/8/layout/orgChart1"/>
     <dgm:cxn modelId="{1B029F5B-7051-4896-8EB2-DC520A119141}" type="presParOf" srcId="{E1F672A3-44E1-450B-B0F6-774D1E18A5C1}" destId="{D206A387-5174-40B0-B628-117159033CCA}" srcOrd="0" destOrd="0" presId="urn:microsoft.com/office/officeart/2005/8/layout/orgChart1"/>
@@ -2536,376 +2727,6 @@
       <dsp:cNvGrpSpPr/>
     </dsp:nvGrpSpPr>
     <dsp:grpSpPr/>
-    <dsp:sp modelId="{BC40B87C-AD1E-47FC-86EA-1B97142ED498}">
-      <dsp:nvSpPr>
-        <dsp:cNvPr id="0" name=""/>
-        <dsp:cNvSpPr/>
-      </dsp:nvSpPr>
-      <dsp:spPr>
-        <a:xfrm>
-          <a:off x="2081849" y="813040"/>
-          <a:ext cx="1093049" cy="341019"/>
-        </a:xfrm>
-        <a:custGeom>
-          <a:avLst/>
-          <a:gdLst/>
-          <a:ahLst/>
-          <a:cxnLst/>
-          <a:rect l="0" t="0" r="0" b="0"/>
-          <a:pathLst>
-            <a:path>
-              <a:moveTo>
-                <a:pt x="0" y="0"/>
-              </a:moveTo>
-              <a:lnTo>
-                <a:pt x="0" y="170509"/>
-              </a:lnTo>
-              <a:lnTo>
-                <a:pt x="1093049" y="170509"/>
-              </a:lnTo>
-              <a:lnTo>
-                <a:pt x="1093049" y="341019"/>
-              </a:lnTo>
-            </a:path>
-          </a:pathLst>
-        </a:custGeom>
-        <a:noFill/>
-        <a:ln w="12700" cap="flat" cmpd="sng" algn="ctr">
-          <a:solidFill>
-            <a:schemeClr val="accent2">
-              <a:shade val="60000"/>
-              <a:hueOff val="0"/>
-              <a:satOff val="0"/>
-              <a:lumOff val="0"/>
-              <a:alphaOff val="0"/>
-            </a:schemeClr>
-          </a:solidFill>
-          <a:prstDash val="solid"/>
-          <a:miter lim="800000"/>
-        </a:ln>
-        <a:effectLst/>
-      </dsp:spPr>
-      <dsp:style>
-        <a:lnRef idx="2">
-          <a:scrgbClr r="0" g="0" b="0"/>
-        </a:lnRef>
-        <a:fillRef idx="0">
-          <a:scrgbClr r="0" g="0" b="0"/>
-        </a:fillRef>
-        <a:effectRef idx="0">
-          <a:scrgbClr r="0" g="0" b="0"/>
-        </a:effectRef>
-        <a:fontRef idx="minor"/>
-      </dsp:style>
-    </dsp:sp>
-    <dsp:sp modelId="{415DF792-1391-44EA-820A-E05D110585B5}">
-      <dsp:nvSpPr>
-        <dsp:cNvPr id="0" name=""/>
-        <dsp:cNvSpPr/>
-      </dsp:nvSpPr>
-      <dsp:spPr>
-        <a:xfrm>
-          <a:off x="1099387" y="813040"/>
-          <a:ext cx="982461" cy="341019"/>
-        </a:xfrm>
-        <a:custGeom>
-          <a:avLst/>
-          <a:gdLst/>
-          <a:ahLst/>
-          <a:cxnLst/>
-          <a:rect l="0" t="0" r="0" b="0"/>
-          <a:pathLst>
-            <a:path>
-              <a:moveTo>
-                <a:pt x="982461" y="0"/>
-              </a:moveTo>
-              <a:lnTo>
-                <a:pt x="982461" y="170509"/>
-              </a:lnTo>
-              <a:lnTo>
-                <a:pt x="0" y="170509"/>
-              </a:lnTo>
-              <a:lnTo>
-                <a:pt x="0" y="341019"/>
-              </a:lnTo>
-            </a:path>
-          </a:pathLst>
-        </a:custGeom>
-        <a:noFill/>
-        <a:ln w="12700" cap="flat" cmpd="sng" algn="ctr">
-          <a:solidFill>
-            <a:schemeClr val="accent2">
-              <a:shade val="60000"/>
-              <a:hueOff val="0"/>
-              <a:satOff val="0"/>
-              <a:lumOff val="0"/>
-              <a:alphaOff val="0"/>
-            </a:schemeClr>
-          </a:solidFill>
-          <a:prstDash val="solid"/>
-          <a:miter lim="800000"/>
-        </a:ln>
-        <a:effectLst/>
-      </dsp:spPr>
-      <dsp:style>
-        <a:lnRef idx="2">
-          <a:scrgbClr r="0" g="0" b="0"/>
-        </a:lnRef>
-        <a:fillRef idx="0">
-          <a:scrgbClr r="0" g="0" b="0"/>
-        </a:fillRef>
-        <a:effectRef idx="0">
-          <a:scrgbClr r="0" g="0" b="0"/>
-        </a:effectRef>
-        <a:fontRef idx="minor"/>
-      </dsp:style>
-    </dsp:sp>
-    <dsp:sp modelId="{D206A387-5174-40B0-B628-117159033CCA}">
-      <dsp:nvSpPr>
-        <dsp:cNvPr id="0" name=""/>
-        <dsp:cNvSpPr/>
-      </dsp:nvSpPr>
-      <dsp:spPr>
-        <a:xfrm>
-          <a:off x="1269897" y="1088"/>
-          <a:ext cx="1623903" cy="811951"/>
-        </a:xfrm>
-        <a:prstGeom prst="rect">
-          <a:avLst/>
-        </a:prstGeom>
-        <a:solidFill>
-          <a:schemeClr val="lt1">
-            <a:hueOff val="0"/>
-            <a:satOff val="0"/>
-            <a:lumOff val="0"/>
-            <a:alphaOff val="0"/>
-          </a:schemeClr>
-        </a:solidFill>
-        <a:ln w="12700" cap="flat" cmpd="sng" algn="ctr">
-          <a:solidFill>
-            <a:schemeClr val="accent2">
-              <a:shade val="80000"/>
-              <a:hueOff val="0"/>
-              <a:satOff val="0"/>
-              <a:lumOff val="0"/>
-              <a:alphaOff val="0"/>
-            </a:schemeClr>
-          </a:solidFill>
-          <a:prstDash val="solid"/>
-          <a:miter lim="800000"/>
-        </a:ln>
-        <a:effectLst/>
-      </dsp:spPr>
-      <dsp:style>
-        <a:lnRef idx="2">
-          <a:scrgbClr r="0" g="0" b="0"/>
-        </a:lnRef>
-        <a:fillRef idx="1">
-          <a:scrgbClr r="0" g="0" b="0"/>
-        </a:fillRef>
-        <a:effectRef idx="0">
-          <a:scrgbClr r="0" g="0" b="0"/>
-        </a:effectRef>
-        <a:fontRef idx="minor">
-          <a:schemeClr val="lt1"/>
-        </a:fontRef>
-      </dsp:style>
-      <dsp:txBody>
-        <a:bodyPr spcFirstLastPara="0" vert="horz" wrap="square" lIns="11430" tIns="11430" rIns="11430" bIns="11430" numCol="1" spcCol="1270" anchor="ctr" anchorCtr="0">
-          <a:noAutofit/>
-        </a:bodyPr>
-        <a:lstStyle/>
-        <a:p>
-          <a:pPr marL="0" lvl="0" indent="0" algn="ctr" defTabSz="800100">
-            <a:lnSpc>
-              <a:spcPct val="90000"/>
-            </a:lnSpc>
-            <a:spcBef>
-              <a:spcPct val="0"/>
-            </a:spcBef>
-            <a:spcAft>
-              <a:spcPct val="35000"/>
-            </a:spcAft>
-            <a:buNone/>
-          </a:pPr>
-          <a:r>
-            <a:rPr kumimoji="1" lang="en-US" altLang="ja-JP" sz="1800" kern="1200" dirty="0" err="1"/>
-            <a:t>server.R</a:t>
-          </a:r>
-          <a:endParaRPr kumimoji="1" lang="ja-JP" altLang="en-US" sz="1800" kern="1200" dirty="0"/>
-        </a:p>
-      </dsp:txBody>
-      <dsp:txXfrm>
-        <a:off x="1269897" y="1088"/>
-        <a:ext cx="1623903" cy="811951"/>
-      </dsp:txXfrm>
-    </dsp:sp>
-    <dsp:sp modelId="{2C45F10C-E933-492D-9942-112BAF9BE6DF}">
-      <dsp:nvSpPr>
-        <dsp:cNvPr id="0" name=""/>
-        <dsp:cNvSpPr/>
-      </dsp:nvSpPr>
-      <dsp:spPr>
-        <a:xfrm>
-          <a:off x="176848" y="1154060"/>
-          <a:ext cx="1845079" cy="811951"/>
-        </a:xfrm>
-        <a:prstGeom prst="rect">
-          <a:avLst/>
-        </a:prstGeom>
-        <a:solidFill>
-          <a:schemeClr val="lt1">
-            <a:hueOff val="0"/>
-            <a:satOff val="0"/>
-            <a:lumOff val="0"/>
-            <a:alphaOff val="0"/>
-          </a:schemeClr>
-        </a:solidFill>
-        <a:ln w="12700" cap="flat" cmpd="sng" algn="ctr">
-          <a:solidFill>
-            <a:schemeClr val="accent2">
-              <a:shade val="80000"/>
-              <a:hueOff val="0"/>
-              <a:satOff val="0"/>
-              <a:lumOff val="0"/>
-              <a:alphaOff val="0"/>
-            </a:schemeClr>
-          </a:solidFill>
-          <a:prstDash val="solid"/>
-          <a:miter lim="800000"/>
-        </a:ln>
-        <a:effectLst/>
-      </dsp:spPr>
-      <dsp:style>
-        <a:lnRef idx="2">
-          <a:scrgbClr r="0" g="0" b="0"/>
-        </a:lnRef>
-        <a:fillRef idx="1">
-          <a:scrgbClr r="0" g="0" b="0"/>
-        </a:fillRef>
-        <a:effectRef idx="0">
-          <a:scrgbClr r="0" g="0" b="0"/>
-        </a:effectRef>
-        <a:fontRef idx="minor">
-          <a:schemeClr val="lt1"/>
-        </a:fontRef>
-      </dsp:style>
-      <dsp:txBody>
-        <a:bodyPr spcFirstLastPara="0" vert="horz" wrap="square" lIns="10160" tIns="10160" rIns="10160" bIns="10160" numCol="1" spcCol="1270" anchor="ctr" anchorCtr="0">
-          <a:noAutofit/>
-        </a:bodyPr>
-        <a:lstStyle/>
-        <a:p>
-          <a:pPr marL="0" lvl="0" indent="0" algn="ctr" defTabSz="711200">
-            <a:lnSpc>
-              <a:spcPct val="90000"/>
-            </a:lnSpc>
-            <a:spcBef>
-              <a:spcPct val="0"/>
-            </a:spcBef>
-            <a:spcAft>
-              <a:spcPct val="35000"/>
-            </a:spcAft>
-            <a:buNone/>
-          </a:pPr>
-          <a:r>
-            <a:rPr kumimoji="1" lang="ja-JP" altLang="en-US" sz="1600" kern="1200" dirty="0"/>
-            <a:t>計算などを実施し、結果を出す</a:t>
-          </a:r>
-        </a:p>
-      </dsp:txBody>
-      <dsp:txXfrm>
-        <a:off x="176848" y="1154060"/>
-        <a:ext cx="1845079" cy="811951"/>
-      </dsp:txXfrm>
-    </dsp:sp>
-    <dsp:sp modelId="{40A63680-0C4B-4654-BD1E-88649ECF0D1B}">
-      <dsp:nvSpPr>
-        <dsp:cNvPr id="0" name=""/>
-        <dsp:cNvSpPr/>
-      </dsp:nvSpPr>
-      <dsp:spPr>
-        <a:xfrm>
-          <a:off x="2362947" y="1154060"/>
-          <a:ext cx="1623903" cy="811951"/>
-        </a:xfrm>
-        <a:prstGeom prst="rect">
-          <a:avLst/>
-        </a:prstGeom>
-        <a:solidFill>
-          <a:schemeClr val="lt1">
-            <a:hueOff val="0"/>
-            <a:satOff val="0"/>
-            <a:lumOff val="0"/>
-            <a:alphaOff val="0"/>
-          </a:schemeClr>
-        </a:solidFill>
-        <a:ln w="12700" cap="flat" cmpd="sng" algn="ctr">
-          <a:solidFill>
-            <a:schemeClr val="accent2">
-              <a:shade val="80000"/>
-              <a:hueOff val="0"/>
-              <a:satOff val="0"/>
-              <a:lumOff val="0"/>
-              <a:alphaOff val="0"/>
-            </a:schemeClr>
-          </a:solidFill>
-          <a:prstDash val="solid"/>
-          <a:miter lim="800000"/>
-        </a:ln>
-        <a:effectLst/>
-      </dsp:spPr>
-      <dsp:style>
-        <a:lnRef idx="2">
-          <a:scrgbClr r="0" g="0" b="0"/>
-        </a:lnRef>
-        <a:fillRef idx="1">
-          <a:scrgbClr r="0" g="0" b="0"/>
-        </a:fillRef>
-        <a:effectRef idx="0">
-          <a:scrgbClr r="0" g="0" b="0"/>
-        </a:effectRef>
-        <a:fontRef idx="minor">
-          <a:schemeClr val="lt1"/>
-        </a:fontRef>
-      </dsp:style>
-      <dsp:txBody>
-        <a:bodyPr spcFirstLastPara="0" vert="horz" wrap="square" lIns="10160" tIns="10160" rIns="10160" bIns="10160" numCol="1" spcCol="1270" anchor="ctr" anchorCtr="0">
-          <a:noAutofit/>
-        </a:bodyPr>
-        <a:lstStyle/>
-        <a:p>
-          <a:pPr marL="0" lvl="0" indent="0" algn="ctr" defTabSz="711200">
-            <a:lnSpc>
-              <a:spcPct val="90000"/>
-            </a:lnSpc>
-            <a:spcBef>
-              <a:spcPct val="0"/>
-            </a:spcBef>
-            <a:spcAft>
-              <a:spcPct val="35000"/>
-            </a:spcAft>
-            <a:buNone/>
-          </a:pPr>
-          <a:r>
-            <a:rPr kumimoji="1" lang="ja-JP" altLang="en-US" sz="1600" kern="1200" dirty="0"/>
-            <a:t>アウトプット</a:t>
-          </a:r>
-          <a:br>
-            <a:rPr kumimoji="1" lang="en-US" altLang="ja-JP" sz="1600" kern="1200" dirty="0"/>
-          </a:br>
-          <a:r>
-            <a:rPr kumimoji="1" lang="ja-JP" altLang="en-US" sz="1600" kern="1200" dirty="0"/>
-            <a:t>を作成</a:t>
-          </a:r>
-          <a:endParaRPr kumimoji="1" lang="en-US" altLang="ja-JP" sz="1600" kern="1200" dirty="0"/>
-        </a:p>
-      </dsp:txBody>
-      <dsp:txXfrm>
-        <a:off x="2362947" y="1154060"/>
-        <a:ext cx="1623903" cy="811951"/>
-      </dsp:txXfrm>
-    </dsp:sp>
   </dsp:spTree>
 </dsp:drawing>
 </file>
@@ -2918,510 +2739,6 @@
       <dsp:cNvGrpSpPr/>
     </dsp:nvGrpSpPr>
     <dsp:grpSpPr/>
-    <dsp:sp modelId="{BC40B87C-AD1E-47FC-86EA-1B97142ED498}">
-      <dsp:nvSpPr>
-        <dsp:cNvPr id="0" name=""/>
-        <dsp:cNvSpPr/>
-      </dsp:nvSpPr>
-      <dsp:spPr>
-        <a:xfrm>
-          <a:off x="2591092" y="1065057"/>
-          <a:ext cx="1833216" cy="318161"/>
-        </a:xfrm>
-        <a:custGeom>
-          <a:avLst/>
-          <a:gdLst/>
-          <a:ahLst/>
-          <a:cxnLst/>
-          <a:rect l="0" t="0" r="0" b="0"/>
-          <a:pathLst>
-            <a:path>
-              <a:moveTo>
-                <a:pt x="0" y="0"/>
-              </a:moveTo>
-              <a:lnTo>
-                <a:pt x="0" y="159080"/>
-              </a:lnTo>
-              <a:lnTo>
-                <a:pt x="1833216" y="159080"/>
-              </a:lnTo>
-              <a:lnTo>
-                <a:pt x="1833216" y="318161"/>
-              </a:lnTo>
-            </a:path>
-          </a:pathLst>
-        </a:custGeom>
-        <a:noFill/>
-        <a:ln w="12700" cap="flat" cmpd="sng" algn="ctr">
-          <a:solidFill>
-            <a:schemeClr val="accent1">
-              <a:shade val="60000"/>
-              <a:hueOff val="0"/>
-              <a:satOff val="0"/>
-              <a:lumOff val="0"/>
-              <a:alphaOff val="0"/>
-            </a:schemeClr>
-          </a:solidFill>
-          <a:prstDash val="solid"/>
-          <a:miter lim="800000"/>
-        </a:ln>
-        <a:effectLst/>
-      </dsp:spPr>
-      <dsp:style>
-        <a:lnRef idx="2">
-          <a:scrgbClr r="0" g="0" b="0"/>
-        </a:lnRef>
-        <a:fillRef idx="0">
-          <a:scrgbClr r="0" g="0" b="0"/>
-        </a:fillRef>
-        <a:effectRef idx="0">
-          <a:scrgbClr r="0" g="0" b="0"/>
-        </a:effectRef>
-        <a:fontRef idx="minor"/>
-      </dsp:style>
-    </dsp:sp>
-    <dsp:sp modelId="{415DF792-1391-44EA-820A-E05D110585B5}">
-      <dsp:nvSpPr>
-        <dsp:cNvPr id="0" name=""/>
-        <dsp:cNvSpPr/>
-      </dsp:nvSpPr>
-      <dsp:spPr>
-        <a:xfrm>
-          <a:off x="2545372" y="1065057"/>
-          <a:ext cx="91440" cy="318161"/>
-        </a:xfrm>
-        <a:custGeom>
-          <a:avLst/>
-          <a:gdLst/>
-          <a:ahLst/>
-          <a:cxnLst/>
-          <a:rect l="0" t="0" r="0" b="0"/>
-          <a:pathLst>
-            <a:path>
-              <a:moveTo>
-                <a:pt x="45720" y="0"/>
-              </a:moveTo>
-              <a:lnTo>
-                <a:pt x="45720" y="318161"/>
-              </a:lnTo>
-            </a:path>
-          </a:pathLst>
-        </a:custGeom>
-        <a:noFill/>
-        <a:ln w="12700" cap="flat" cmpd="sng" algn="ctr">
-          <a:solidFill>
-            <a:schemeClr val="accent1">
-              <a:shade val="60000"/>
-              <a:hueOff val="0"/>
-              <a:satOff val="0"/>
-              <a:lumOff val="0"/>
-              <a:alphaOff val="0"/>
-            </a:schemeClr>
-          </a:solidFill>
-          <a:prstDash val="solid"/>
-          <a:miter lim="800000"/>
-        </a:ln>
-        <a:effectLst/>
-      </dsp:spPr>
-      <dsp:style>
-        <a:lnRef idx="2">
-          <a:scrgbClr r="0" g="0" b="0"/>
-        </a:lnRef>
-        <a:fillRef idx="0">
-          <a:scrgbClr r="0" g="0" b="0"/>
-        </a:fillRef>
-        <a:effectRef idx="0">
-          <a:scrgbClr r="0" g="0" b="0"/>
-        </a:effectRef>
-        <a:fontRef idx="minor"/>
-      </dsp:style>
-    </dsp:sp>
-    <dsp:sp modelId="{54DE5B61-DC78-4519-B7C1-C4937DC4910D}">
-      <dsp:nvSpPr>
-        <dsp:cNvPr id="0" name=""/>
-        <dsp:cNvSpPr/>
-      </dsp:nvSpPr>
-      <dsp:spPr>
-        <a:xfrm>
-          <a:off x="757875" y="1065057"/>
-          <a:ext cx="1833216" cy="318161"/>
-        </a:xfrm>
-        <a:custGeom>
-          <a:avLst/>
-          <a:gdLst/>
-          <a:ahLst/>
-          <a:cxnLst/>
-          <a:rect l="0" t="0" r="0" b="0"/>
-          <a:pathLst>
-            <a:path>
-              <a:moveTo>
-                <a:pt x="1833216" y="0"/>
-              </a:moveTo>
-              <a:lnTo>
-                <a:pt x="1833216" y="159080"/>
-              </a:lnTo>
-              <a:lnTo>
-                <a:pt x="0" y="159080"/>
-              </a:lnTo>
-              <a:lnTo>
-                <a:pt x="0" y="318161"/>
-              </a:lnTo>
-            </a:path>
-          </a:pathLst>
-        </a:custGeom>
-        <a:noFill/>
-        <a:ln w="12700" cap="flat" cmpd="sng" algn="ctr">
-          <a:solidFill>
-            <a:schemeClr val="accent1">
-              <a:shade val="60000"/>
-              <a:hueOff val="0"/>
-              <a:satOff val="0"/>
-              <a:lumOff val="0"/>
-              <a:alphaOff val="0"/>
-            </a:schemeClr>
-          </a:solidFill>
-          <a:prstDash val="solid"/>
-          <a:miter lim="800000"/>
-        </a:ln>
-        <a:effectLst/>
-      </dsp:spPr>
-      <dsp:style>
-        <a:lnRef idx="2">
-          <a:scrgbClr r="0" g="0" b="0"/>
-        </a:lnRef>
-        <a:fillRef idx="0">
-          <a:scrgbClr r="0" g="0" b="0"/>
-        </a:fillRef>
-        <a:effectRef idx="0">
-          <a:scrgbClr r="0" g="0" b="0"/>
-        </a:effectRef>
-        <a:fontRef idx="minor"/>
-      </dsp:style>
-    </dsp:sp>
-    <dsp:sp modelId="{D206A387-5174-40B0-B628-117159033CCA}">
-      <dsp:nvSpPr>
-        <dsp:cNvPr id="0" name=""/>
-        <dsp:cNvSpPr/>
-      </dsp:nvSpPr>
-      <dsp:spPr>
-        <a:xfrm>
-          <a:off x="1833564" y="307529"/>
-          <a:ext cx="1515055" cy="757527"/>
-        </a:xfrm>
-        <a:prstGeom prst="rect">
-          <a:avLst/>
-        </a:prstGeom>
-        <a:solidFill>
-          <a:schemeClr val="lt1">
-            <a:hueOff val="0"/>
-            <a:satOff val="0"/>
-            <a:lumOff val="0"/>
-            <a:alphaOff val="0"/>
-          </a:schemeClr>
-        </a:solidFill>
-        <a:ln w="12700" cap="flat" cmpd="sng" algn="ctr">
-          <a:solidFill>
-            <a:schemeClr val="accent1">
-              <a:shade val="80000"/>
-              <a:hueOff val="0"/>
-              <a:satOff val="0"/>
-              <a:lumOff val="0"/>
-              <a:alphaOff val="0"/>
-            </a:schemeClr>
-          </a:solidFill>
-          <a:prstDash val="solid"/>
-          <a:miter lim="800000"/>
-        </a:ln>
-        <a:effectLst/>
-      </dsp:spPr>
-      <dsp:style>
-        <a:lnRef idx="2">
-          <a:scrgbClr r="0" g="0" b="0"/>
-        </a:lnRef>
-        <a:fillRef idx="1">
-          <a:scrgbClr r="0" g="0" b="0"/>
-        </a:fillRef>
-        <a:effectRef idx="0">
-          <a:scrgbClr r="0" g="0" b="0"/>
-        </a:effectRef>
-        <a:fontRef idx="minor">
-          <a:schemeClr val="lt1"/>
-        </a:fontRef>
-      </dsp:style>
-      <dsp:txBody>
-        <a:bodyPr spcFirstLastPara="0" vert="horz" wrap="square" lIns="11430" tIns="11430" rIns="11430" bIns="11430" numCol="1" spcCol="1270" anchor="ctr" anchorCtr="0">
-          <a:noAutofit/>
-        </a:bodyPr>
-        <a:lstStyle/>
-        <a:p>
-          <a:pPr marL="0" lvl="0" indent="0" algn="ctr" defTabSz="800100">
-            <a:lnSpc>
-              <a:spcPct val="90000"/>
-            </a:lnSpc>
-            <a:spcBef>
-              <a:spcPct val="0"/>
-            </a:spcBef>
-            <a:spcAft>
-              <a:spcPct val="35000"/>
-            </a:spcAft>
-            <a:buNone/>
-          </a:pPr>
-          <a:r>
-            <a:rPr kumimoji="1" lang="en-US" altLang="ja-JP" sz="1800" kern="1200" dirty="0" err="1"/>
-            <a:t>ui.R</a:t>
-          </a:r>
-          <a:endParaRPr kumimoji="1" lang="ja-JP" altLang="en-US" sz="1800" kern="1200" dirty="0"/>
-        </a:p>
-      </dsp:txBody>
-      <dsp:txXfrm>
-        <a:off x="1833564" y="307529"/>
-        <a:ext cx="1515055" cy="757527"/>
-      </dsp:txXfrm>
-    </dsp:sp>
-    <dsp:sp modelId="{47E76CCF-C692-4D9B-8AD4-89C2BFA3D2ED}">
-      <dsp:nvSpPr>
-        <dsp:cNvPr id="0" name=""/>
-        <dsp:cNvSpPr/>
-      </dsp:nvSpPr>
-      <dsp:spPr>
-        <a:xfrm>
-          <a:off x="347" y="1383218"/>
-          <a:ext cx="1515055" cy="757527"/>
-        </a:xfrm>
-        <a:prstGeom prst="rect">
-          <a:avLst/>
-        </a:prstGeom>
-        <a:solidFill>
-          <a:schemeClr val="lt1">
-            <a:hueOff val="0"/>
-            <a:satOff val="0"/>
-            <a:lumOff val="0"/>
-            <a:alphaOff val="0"/>
-          </a:schemeClr>
-        </a:solidFill>
-        <a:ln w="12700" cap="flat" cmpd="sng" algn="ctr">
-          <a:solidFill>
-            <a:schemeClr val="accent1">
-              <a:shade val="80000"/>
-              <a:hueOff val="0"/>
-              <a:satOff val="0"/>
-              <a:lumOff val="0"/>
-              <a:alphaOff val="0"/>
-            </a:schemeClr>
-          </a:solidFill>
-          <a:prstDash val="solid"/>
-          <a:miter lim="800000"/>
-        </a:ln>
-        <a:effectLst/>
-      </dsp:spPr>
-      <dsp:style>
-        <a:lnRef idx="2">
-          <a:scrgbClr r="0" g="0" b="0"/>
-        </a:lnRef>
-        <a:fillRef idx="1">
-          <a:scrgbClr r="0" g="0" b="0"/>
-        </a:fillRef>
-        <a:effectRef idx="0">
-          <a:scrgbClr r="0" g="0" b="0"/>
-        </a:effectRef>
-        <a:fontRef idx="minor">
-          <a:schemeClr val="lt1"/>
-        </a:fontRef>
-      </dsp:style>
-      <dsp:txBody>
-        <a:bodyPr spcFirstLastPara="0" vert="horz" wrap="square" lIns="11430" tIns="11430" rIns="11430" bIns="11430" numCol="1" spcCol="1270" anchor="ctr" anchorCtr="0">
-          <a:noAutofit/>
-        </a:bodyPr>
-        <a:lstStyle/>
-        <a:p>
-          <a:pPr marL="0" lvl="0" indent="0" algn="ctr" defTabSz="800100">
-            <a:lnSpc>
-              <a:spcPct val="90000"/>
-            </a:lnSpc>
-            <a:spcBef>
-              <a:spcPct val="0"/>
-            </a:spcBef>
-            <a:spcAft>
-              <a:spcPct val="35000"/>
-            </a:spcAft>
-            <a:buNone/>
-          </a:pPr>
-          <a:r>
-            <a:rPr kumimoji="1" lang="ja-JP" altLang="en-US" sz="1800" kern="1200" dirty="0"/>
-            <a:t>レイアウトの</a:t>
-          </a:r>
-          <a:br>
-            <a:rPr kumimoji="1" lang="en-US" altLang="ja-JP" sz="1800" kern="1200" dirty="0"/>
-          </a:br>
-          <a:r>
-            <a:rPr kumimoji="1" lang="ja-JP" altLang="en-US" sz="1800" kern="1200" dirty="0"/>
-            <a:t>設定</a:t>
-          </a:r>
-        </a:p>
-      </dsp:txBody>
-      <dsp:txXfrm>
-        <a:off x="347" y="1383218"/>
-        <a:ext cx="1515055" cy="757527"/>
-      </dsp:txXfrm>
-    </dsp:sp>
-    <dsp:sp modelId="{2C45F10C-E933-492D-9942-112BAF9BE6DF}">
-      <dsp:nvSpPr>
-        <dsp:cNvPr id="0" name=""/>
-        <dsp:cNvSpPr/>
-      </dsp:nvSpPr>
-      <dsp:spPr>
-        <a:xfrm>
-          <a:off x="1833564" y="1383218"/>
-          <a:ext cx="1515055" cy="757527"/>
-        </a:xfrm>
-        <a:prstGeom prst="rect">
-          <a:avLst/>
-        </a:prstGeom>
-        <a:solidFill>
-          <a:schemeClr val="lt1">
-            <a:hueOff val="0"/>
-            <a:satOff val="0"/>
-            <a:lumOff val="0"/>
-            <a:alphaOff val="0"/>
-          </a:schemeClr>
-        </a:solidFill>
-        <a:ln w="12700" cap="flat" cmpd="sng" algn="ctr">
-          <a:solidFill>
-            <a:schemeClr val="accent1">
-              <a:shade val="80000"/>
-              <a:hueOff val="0"/>
-              <a:satOff val="0"/>
-              <a:lumOff val="0"/>
-              <a:alphaOff val="0"/>
-            </a:schemeClr>
-          </a:solidFill>
-          <a:prstDash val="solid"/>
-          <a:miter lim="800000"/>
-        </a:ln>
-        <a:effectLst/>
-      </dsp:spPr>
-      <dsp:style>
-        <a:lnRef idx="2">
-          <a:scrgbClr r="0" g="0" b="0"/>
-        </a:lnRef>
-        <a:fillRef idx="1">
-          <a:scrgbClr r="0" g="0" b="0"/>
-        </a:fillRef>
-        <a:effectRef idx="0">
-          <a:scrgbClr r="0" g="0" b="0"/>
-        </a:effectRef>
-        <a:fontRef idx="minor">
-          <a:schemeClr val="lt1"/>
-        </a:fontRef>
-      </dsp:style>
-      <dsp:txBody>
-        <a:bodyPr spcFirstLastPara="0" vert="horz" wrap="square" lIns="11430" tIns="11430" rIns="11430" bIns="11430" numCol="1" spcCol="1270" anchor="ctr" anchorCtr="0">
-          <a:noAutofit/>
-        </a:bodyPr>
-        <a:lstStyle/>
-        <a:p>
-          <a:pPr marL="0" lvl="0" indent="0" algn="ctr" defTabSz="800100">
-            <a:lnSpc>
-              <a:spcPct val="90000"/>
-            </a:lnSpc>
-            <a:spcBef>
-              <a:spcPct val="0"/>
-            </a:spcBef>
-            <a:spcAft>
-              <a:spcPct val="35000"/>
-            </a:spcAft>
-            <a:buNone/>
-          </a:pPr>
-          <a:r>
-            <a:rPr kumimoji="1" lang="ja-JP" altLang="en-US" sz="1800" kern="1200" dirty="0"/>
-            <a:t>ウィジェットの設定</a:t>
-          </a:r>
-        </a:p>
-      </dsp:txBody>
-      <dsp:txXfrm>
-        <a:off x="1833564" y="1383218"/>
-        <a:ext cx="1515055" cy="757527"/>
-      </dsp:txXfrm>
-    </dsp:sp>
-    <dsp:sp modelId="{40A63680-0C4B-4654-BD1E-88649ECF0D1B}">
-      <dsp:nvSpPr>
-        <dsp:cNvPr id="0" name=""/>
-        <dsp:cNvSpPr/>
-      </dsp:nvSpPr>
-      <dsp:spPr>
-        <a:xfrm>
-          <a:off x="3666781" y="1383218"/>
-          <a:ext cx="1515055" cy="757527"/>
-        </a:xfrm>
-        <a:prstGeom prst="rect">
-          <a:avLst/>
-        </a:prstGeom>
-        <a:solidFill>
-          <a:schemeClr val="lt1">
-            <a:hueOff val="0"/>
-            <a:satOff val="0"/>
-            <a:lumOff val="0"/>
-            <a:alphaOff val="0"/>
-          </a:schemeClr>
-        </a:solidFill>
-        <a:ln w="12700" cap="flat" cmpd="sng" algn="ctr">
-          <a:solidFill>
-            <a:schemeClr val="accent1">
-              <a:shade val="80000"/>
-              <a:hueOff val="0"/>
-              <a:satOff val="0"/>
-              <a:lumOff val="0"/>
-              <a:alphaOff val="0"/>
-            </a:schemeClr>
-          </a:solidFill>
-          <a:prstDash val="solid"/>
-          <a:miter lim="800000"/>
-        </a:ln>
-        <a:effectLst/>
-      </dsp:spPr>
-      <dsp:style>
-        <a:lnRef idx="2">
-          <a:scrgbClr r="0" g="0" b="0"/>
-        </a:lnRef>
-        <a:fillRef idx="1">
-          <a:scrgbClr r="0" g="0" b="0"/>
-        </a:fillRef>
-        <a:effectRef idx="0">
-          <a:scrgbClr r="0" g="0" b="0"/>
-        </a:effectRef>
-        <a:fontRef idx="minor">
-          <a:schemeClr val="lt1"/>
-        </a:fontRef>
-      </dsp:style>
-      <dsp:txBody>
-        <a:bodyPr spcFirstLastPara="0" vert="horz" wrap="square" lIns="11430" tIns="11430" rIns="11430" bIns="11430" numCol="1" spcCol="1270" anchor="ctr" anchorCtr="0">
-          <a:noAutofit/>
-        </a:bodyPr>
-        <a:lstStyle/>
-        <a:p>
-          <a:pPr marL="0" lvl="0" indent="0" algn="ctr" defTabSz="800100">
-            <a:lnSpc>
-              <a:spcPct val="90000"/>
-            </a:lnSpc>
-            <a:spcBef>
-              <a:spcPct val="0"/>
-            </a:spcBef>
-            <a:spcAft>
-              <a:spcPct val="35000"/>
-            </a:spcAft>
-            <a:buNone/>
-          </a:pPr>
-          <a:r>
-            <a:rPr kumimoji="1" lang="ja-JP" altLang="en-US" sz="1800" kern="1200" dirty="0"/>
-            <a:t>アウトプットの設置</a:t>
-          </a:r>
-        </a:p>
-      </dsp:txBody>
-      <dsp:txXfrm>
-        <a:off x="3666781" y="1383218"/>
-        <a:ext cx="1515055" cy="757527"/>
-      </dsp:txXfrm>
-    </dsp:sp>
   </dsp:spTree>
 </dsp:drawing>
 </file>
@@ -7868,7 +7185,7 @@
           <a:p>
             <a:fld id="{2A71EC23-F9ED-424C-B5FB-B7B5F6D78B70}" type="datetimeFigureOut">
               <a:rPr kumimoji="1" lang="ja-JP" altLang="en-US" smtClean="0"/>
-              <a:t>2020/10/10</a:t>
+              <a:t>2020/10/23</a:t>
             </a:fld>
             <a:endParaRPr kumimoji="1" lang="ja-JP" altLang="en-US"/>
           </a:p>
@@ -8387,7 +7704,7 @@
           <a:p>
             <a:fld id="{0F81A95D-05BA-458D-BB44-152E4BC8CA84}" type="datetime1">
               <a:rPr kumimoji="1" lang="ja-JP" altLang="en-US" smtClean="0"/>
-              <a:t>2020/10/10</a:t>
+              <a:t>2020/10/23</a:t>
             </a:fld>
             <a:endParaRPr kumimoji="1" lang="ja-JP" altLang="en-US"/>
           </a:p>
@@ -8609,7 +7926,7 @@
           <a:p>
             <a:fld id="{9906A6E4-4266-427F-9354-B8DA436806C3}" type="datetime1">
               <a:rPr kumimoji="1" lang="ja-JP" altLang="en-US" smtClean="0"/>
-              <a:t>2020/10/10</a:t>
+              <a:t>2020/10/23</a:t>
             </a:fld>
             <a:endParaRPr kumimoji="1" lang="ja-JP" altLang="en-US"/>
           </a:p>
@@ -8825,7 +8142,7 @@
           <a:p>
             <a:fld id="{362664A4-23FB-43CF-818D-F7393D757BD2}" type="datetime1">
               <a:rPr kumimoji="1" lang="ja-JP" altLang="en-US" smtClean="0"/>
-              <a:t>2020/10/10</a:t>
+              <a:t>2020/10/23</a:t>
             </a:fld>
             <a:endParaRPr kumimoji="1" lang="ja-JP" altLang="en-US"/>
           </a:p>
@@ -9031,7 +8348,7 @@
           <a:p>
             <a:fld id="{BFE15652-DDD4-4E36-9CB3-8E9EF446BEDB}" type="datetime1">
               <a:rPr kumimoji="1" lang="ja-JP" altLang="en-US" smtClean="0"/>
-              <a:t>2020/10/10</a:t>
+              <a:t>2020/10/23</a:t>
             </a:fld>
             <a:endParaRPr kumimoji="1" lang="ja-JP" altLang="en-US"/>
           </a:p>
@@ -9295,7 +8612,7 @@
           <a:p>
             <a:fld id="{30BAF585-2E3D-431A-AD29-AD87965751CC}" type="datetime1">
               <a:rPr kumimoji="1" lang="ja-JP" altLang="en-US" smtClean="0"/>
-              <a:t>2020/10/10</a:t>
+              <a:t>2020/10/23</a:t>
             </a:fld>
             <a:endParaRPr kumimoji="1" lang="ja-JP" altLang="en-US"/>
           </a:p>
@@ -9611,7 +8928,7 @@
           <a:p>
             <a:fld id="{0A1D67E2-B520-4BB6-8434-DE7E995735B8}" type="datetime1">
               <a:rPr kumimoji="1" lang="ja-JP" altLang="en-US" smtClean="0"/>
-              <a:t>2020/10/10</a:t>
+              <a:t>2020/10/23</a:t>
             </a:fld>
             <a:endParaRPr kumimoji="1" lang="ja-JP" altLang="en-US"/>
           </a:p>
@@ -10062,7 +9379,7 @@
           <a:p>
             <a:fld id="{500F9857-EF08-440C-94CB-83D9EE0D5A5A}" type="datetime1">
               <a:rPr kumimoji="1" lang="ja-JP" altLang="en-US" smtClean="0"/>
-              <a:t>2020/10/10</a:t>
+              <a:t>2020/10/23</a:t>
             </a:fld>
             <a:endParaRPr kumimoji="1" lang="ja-JP" altLang="en-US"/>
           </a:p>
@@ -10200,7 +9517,7 @@
           <a:p>
             <a:fld id="{B6BF44F8-E47A-4CCA-94C1-5A88DC7B414A}" type="datetime1">
               <a:rPr kumimoji="1" lang="ja-JP" altLang="en-US" smtClean="0"/>
-              <a:t>2020/10/10</a:t>
+              <a:t>2020/10/23</a:t>
             </a:fld>
             <a:endParaRPr kumimoji="1" lang="ja-JP" altLang="en-US"/>
           </a:p>
@@ -10315,7 +9632,7 @@
           <a:p>
             <a:fld id="{DE263015-59FD-444D-A49B-45D0DD94C4F1}" type="datetime1">
               <a:rPr kumimoji="1" lang="ja-JP" altLang="en-US" smtClean="0"/>
-              <a:t>2020/10/10</a:t>
+              <a:t>2020/10/23</a:t>
             </a:fld>
             <a:endParaRPr kumimoji="1" lang="ja-JP" altLang="en-US"/>
           </a:p>
@@ -10644,7 +9961,7 @@
           <a:p>
             <a:fld id="{7A6651C1-F643-424E-9D81-62CF9A82FABB}" type="datetime1">
               <a:rPr kumimoji="1" lang="ja-JP" altLang="en-US" smtClean="0"/>
-              <a:t>2020/10/10</a:t>
+              <a:t>2020/10/23</a:t>
             </a:fld>
             <a:endParaRPr kumimoji="1" lang="ja-JP" altLang="en-US"/>
           </a:p>
@@ -10905,7 +10222,7 @@
           <a:p>
             <a:fld id="{E79AACC8-2A3E-4AB1-936D-2A445495DFBA}" type="datetime1">
               <a:rPr kumimoji="1" lang="ja-JP" altLang="en-US" smtClean="0"/>
-              <a:t>2020/10/10</a:t>
+              <a:t>2020/10/23</a:t>
             </a:fld>
             <a:endParaRPr kumimoji="1" lang="ja-JP" altLang="en-US"/>
           </a:p>
@@ -11154,7 +10471,7 @@
           <a:p>
             <a:fld id="{79B7E619-0862-4EB5-B675-91B651E48568}" type="datetime1">
               <a:rPr kumimoji="1" lang="ja-JP" altLang="en-US" smtClean="0"/>
-              <a:t>2020/10/10</a:t>
+              <a:t>2020/10/23</a:t>
             </a:fld>
             <a:endParaRPr kumimoji="1" lang="ja-JP" altLang="en-US"/>
           </a:p>
@@ -11793,7 +11110,7 @@
           <a:p>
             <a:r>
               <a:rPr kumimoji="1" lang="ja-JP" altLang="en-US" dirty="0"/>
-              <a:t>対策の対策としてチョキを半分に減らす</a:t>
+              <a:t>対策としてパーを半分に減らす</a:t>
             </a:r>
           </a:p>
         </p:txBody>
@@ -11813,7 +11130,7 @@
           <a:bodyPr/>
           <a:lstStyle/>
           <a:p>
-            <a:endParaRPr kumimoji="1" lang="ja-JP" altLang="en-US" dirty="0"/>
+            <a:endParaRPr kumimoji="1" lang="ja-JP" altLang="en-US"/>
           </a:p>
         </p:txBody>
       </p:sp>
@@ -11874,6 +11191,338 @@
             <a:fld id="{93256357-0251-4953-A9B8-633A05DE8E91}" type="slidenum">
               <a:rPr kumimoji="1" lang="ja-JP" altLang="en-US" smtClean="0"/>
               <a:t>10</a:t>
+            </a:fld>
+            <a:endParaRPr kumimoji="1" lang="ja-JP" altLang="en-US"/>
+          </a:p>
+        </p:txBody>
+      </p:sp>
+      <p:pic>
+        <p:nvPicPr>
+          <p:cNvPr id="6" name="図 5"/>
+          <p:cNvPicPr>
+            <a:picLocks noChangeAspect="1"/>
+          </p:cNvPicPr>
+          <p:nvPr/>
+        </p:nvPicPr>
+        <p:blipFill>
+          <a:blip r:embed="rId2">
+            <a:extLst>
+              <a:ext uri="{28A0092B-C50C-407E-A947-70E740481C1C}">
+                <a14:useLocalDpi xmlns:a14="http://schemas.microsoft.com/office/drawing/2010/main" val="0"/>
+              </a:ext>
+            </a:extLst>
+          </a:blip>
+          <a:stretch>
+            <a:fillRect/>
+          </a:stretch>
+        </p:blipFill>
+        <p:spPr>
+          <a:xfrm>
+            <a:off x="838200" y="1825625"/>
+            <a:ext cx="3513851" cy="3513851"/>
+          </a:xfrm>
+          <a:prstGeom prst="rect">
+            <a:avLst/>
+          </a:prstGeom>
+        </p:spPr>
+      </p:pic>
+      <p:sp>
+        <p:nvSpPr>
+          <p:cNvPr id="7" name="テキスト ボックス 6"/>
+          <p:cNvSpPr txBox="1"/>
+          <p:nvPr/>
+        </p:nvSpPr>
+        <p:spPr>
+          <a:xfrm>
+            <a:off x="1064330" y="2492739"/>
+            <a:ext cx="1146468" cy="646331"/>
+          </a:xfrm>
+          <a:prstGeom prst="rect">
+            <a:avLst/>
+          </a:prstGeom>
+          <a:noFill/>
+        </p:spPr>
+        <p:txBody>
+          <a:bodyPr wrap="none" rtlCol="0">
+            <a:spAutoFit/>
+          </a:bodyPr>
+          <a:lstStyle/>
+          <a:p>
+            <a:pPr algn="ctr"/>
+            <a:r>
+              <a:rPr lang="ja-JP" altLang="en-US" sz="1200" dirty="0"/>
+              <a:t>グーを減らして</a:t>
+            </a:r>
+            <a:r>
+              <a:rPr lang="en-US" altLang="ja-JP" sz="1200" dirty="0"/>
+              <a:t/>
+            </a:r>
+            <a:br>
+              <a:rPr lang="en-US" altLang="ja-JP" sz="1200" dirty="0"/>
+            </a:br>
+            <a:r>
+              <a:rPr lang="ja-JP" altLang="en-US" sz="1200" dirty="0"/>
+              <a:t>くるかも・・・</a:t>
+            </a:r>
+            <a:r>
+              <a:rPr lang="en-US" altLang="ja-JP" sz="1200" dirty="0"/>
+              <a:t/>
+            </a:r>
+            <a:br>
+              <a:rPr lang="en-US" altLang="ja-JP" sz="1200" dirty="0"/>
+            </a:br>
+            <a:r>
+              <a:rPr lang="ja-JP" altLang="en-US" sz="1200" dirty="0"/>
+              <a:t>パーを減らそう</a:t>
+            </a:r>
+            <a:endParaRPr kumimoji="1" lang="ja-JP" altLang="en-US" sz="1200" dirty="0"/>
+          </a:p>
+        </p:txBody>
+      </p:sp>
+      <p:pic>
+        <p:nvPicPr>
+          <p:cNvPr id="8" name="図 7"/>
+          <p:cNvPicPr>
+            <a:picLocks noChangeAspect="1"/>
+          </p:cNvPicPr>
+          <p:nvPr/>
+        </p:nvPicPr>
+        <p:blipFill>
+          <a:blip r:embed="rId3"/>
+          <a:stretch>
+            <a:fillRect/>
+          </a:stretch>
+        </p:blipFill>
+        <p:spPr>
+          <a:xfrm>
+            <a:off x="6142021" y="1449099"/>
+            <a:ext cx="5437909" cy="4727864"/>
+          </a:xfrm>
+          <a:prstGeom prst="rect">
+            <a:avLst/>
+          </a:prstGeom>
+        </p:spPr>
+      </p:pic>
+      <p:sp>
+        <p:nvSpPr>
+          <p:cNvPr id="9" name="テキスト ボックス 8"/>
+          <p:cNvSpPr txBox="1"/>
+          <p:nvPr/>
+        </p:nvSpPr>
+        <p:spPr>
+          <a:xfrm>
+            <a:off x="2595125" y="5715298"/>
+            <a:ext cx="4025461" cy="461665"/>
+          </a:xfrm>
+          <a:prstGeom prst="rect">
+            <a:avLst/>
+          </a:prstGeom>
+          <a:noFill/>
+        </p:spPr>
+        <p:txBody>
+          <a:bodyPr wrap="none" rtlCol="0">
+            <a:spAutoFit/>
+          </a:bodyPr>
+          <a:lstStyle/>
+          <a:p>
+            <a:r>
+              <a:rPr lang="ja-JP" altLang="en-US" sz="2400" dirty="0"/>
+              <a:t>裏を読むことで勝ちやすくなる</a:t>
+            </a:r>
+            <a:endParaRPr kumimoji="1" lang="ja-JP" altLang="en-US" sz="2400" dirty="0"/>
+          </a:p>
+        </p:txBody>
+      </p:sp>
+      <p:sp>
+        <p:nvSpPr>
+          <p:cNvPr id="10" name="テキスト ボックス 9"/>
+          <p:cNvSpPr txBox="1"/>
+          <p:nvPr/>
+        </p:nvSpPr>
+        <p:spPr>
+          <a:xfrm>
+            <a:off x="7176946" y="1870079"/>
+            <a:ext cx="1459054" cy="369332"/>
+          </a:xfrm>
+          <a:prstGeom prst="rect">
+            <a:avLst/>
+          </a:prstGeom>
+          <a:noFill/>
+        </p:spPr>
+        <p:txBody>
+          <a:bodyPr wrap="none" rtlCol="0">
+            <a:spAutoFit/>
+          </a:bodyPr>
+          <a:lstStyle/>
+          <a:p>
+            <a:r>
+              <a:rPr kumimoji="1" lang="ja-JP" altLang="en-US" dirty="0"/>
+              <a:t>グーを減らす</a:t>
+            </a:r>
+          </a:p>
+        </p:txBody>
+      </p:sp>
+      <p:sp>
+        <p:nvSpPr>
+          <p:cNvPr id="11" name="テキスト ボックス 10"/>
+          <p:cNvSpPr txBox="1"/>
+          <p:nvPr/>
+        </p:nvSpPr>
+        <p:spPr>
+          <a:xfrm>
+            <a:off x="9399446" y="1285123"/>
+            <a:ext cx="1471878" cy="369332"/>
+          </a:xfrm>
+          <a:prstGeom prst="rect">
+            <a:avLst/>
+          </a:prstGeom>
+          <a:noFill/>
+        </p:spPr>
+        <p:txBody>
+          <a:bodyPr wrap="none" rtlCol="0">
+            <a:spAutoFit/>
+          </a:bodyPr>
+          <a:lstStyle/>
+          <a:p>
+            <a:r>
+              <a:rPr lang="ja-JP" altLang="en-US" dirty="0"/>
+              <a:t>パ</a:t>
+            </a:r>
+            <a:r>
+              <a:rPr kumimoji="1" lang="ja-JP" altLang="en-US" dirty="0"/>
+              <a:t>ーを減らす</a:t>
+            </a:r>
+          </a:p>
+        </p:txBody>
+      </p:sp>
+    </p:spTree>
+    <p:extLst>
+      <p:ext uri="{BB962C8B-B14F-4D97-AF65-F5344CB8AC3E}">
+        <p14:creationId xmlns:p14="http://schemas.microsoft.com/office/powerpoint/2010/main" val="1158307178"/>
+      </p:ext>
+    </p:extLst>
+  </p:cSld>
+  <p:clrMapOvr>
+    <a:masterClrMapping/>
+  </p:clrMapOvr>
+</p:sld>
+</file>
+
+<file path=ppt/slides/slide11.xml><?xml version="1.0" encoding="utf-8"?>
+<p:sld xmlns:a="http://schemas.openxmlformats.org/drawingml/2006/main" xmlns:r="http://schemas.openxmlformats.org/officeDocument/2006/relationships" xmlns:p="http://schemas.openxmlformats.org/presentationml/2006/main">
+  <p:cSld>
+    <p:spTree>
+      <p:nvGrpSpPr>
+        <p:cNvPr id="1" name=""/>
+        <p:cNvGrpSpPr/>
+        <p:nvPr/>
+      </p:nvGrpSpPr>
+      <p:grpSpPr>
+        <a:xfrm>
+          <a:off x="0" y="0"/>
+          <a:ext cx="0" cy="0"/>
+          <a:chOff x="0" y="0"/>
+          <a:chExt cx="0" cy="0"/>
+        </a:xfrm>
+      </p:grpSpPr>
+      <p:sp>
+        <p:nvSpPr>
+          <p:cNvPr id="2" name="タイトル 1"/>
+          <p:cNvSpPr>
+            <a:spLocks noGrp="1"/>
+          </p:cNvSpPr>
+          <p:nvPr>
+            <p:ph type="title"/>
+          </p:nvPr>
+        </p:nvSpPr>
+        <p:spPr/>
+        <p:txBody>
+          <a:bodyPr/>
+          <a:lstStyle/>
+          <a:p>
+            <a:r>
+              <a:rPr kumimoji="1" lang="ja-JP" altLang="en-US" dirty="0"/>
+              <a:t>対策の対策としてチョキを半分に減らす</a:t>
+            </a:r>
+          </a:p>
+        </p:txBody>
+      </p:sp>
+      <p:sp>
+        <p:nvSpPr>
+          <p:cNvPr id="3" name="コンテンツ プレースホルダー 2"/>
+          <p:cNvSpPr>
+            <a:spLocks noGrp="1"/>
+          </p:cNvSpPr>
+          <p:nvPr>
+            <p:ph idx="1"/>
+          </p:nvPr>
+        </p:nvSpPr>
+        <p:spPr/>
+        <p:txBody>
+          <a:bodyPr/>
+          <a:lstStyle/>
+          <a:p>
+            <a:endParaRPr kumimoji="1" lang="ja-JP" altLang="en-US" dirty="0"/>
+          </a:p>
+        </p:txBody>
+      </p:sp>
+      <p:sp>
+        <p:nvSpPr>
+          <p:cNvPr id="4" name="フッター プレースホルダー 3"/>
+          <p:cNvSpPr>
+            <a:spLocks noGrp="1"/>
+          </p:cNvSpPr>
+          <p:nvPr>
+            <p:ph type="ftr" sz="quarter" idx="11"/>
+          </p:nvPr>
+        </p:nvSpPr>
+        <p:spPr/>
+        <p:txBody>
+          <a:bodyPr/>
+          <a:lstStyle/>
+          <a:p>
+            <a:r>
+              <a:rPr lang="en-US" altLang="ja-JP"/>
+              <a:t>R</a:t>
+            </a:r>
+            <a:r>
+              <a:rPr lang="ja-JP" altLang="en-US"/>
+              <a:t> </a:t>
+            </a:r>
+            <a:r>
+              <a:rPr lang="en-US" altLang="ja-JP"/>
+              <a:t>for</a:t>
+            </a:r>
+            <a:r>
+              <a:rPr lang="ja-JP" altLang="en-US"/>
+              <a:t> </a:t>
+            </a:r>
+            <a:r>
+              <a:rPr lang="en-US" altLang="ja-JP"/>
+              <a:t>Pharmacometrics</a:t>
+            </a:r>
+            <a:endParaRPr lang="ja-JP" altLang="en-US" dirty="0"/>
+          </a:p>
+        </p:txBody>
+      </p:sp>
+      <p:sp>
+        <p:nvSpPr>
+          <p:cNvPr id="5" name="スライド番号プレースホルダー 4"/>
+          <p:cNvSpPr>
+            <a:spLocks noGrp="1"/>
+          </p:cNvSpPr>
+          <p:nvPr>
+            <p:ph type="sldNum" sz="quarter" idx="12"/>
+          </p:nvPr>
+        </p:nvSpPr>
+        <p:spPr/>
+        <p:txBody>
+          <a:bodyPr/>
+          <a:lstStyle/>
+          <a:p>
+            <a:fld id="{93256357-0251-4953-A9B8-633A05DE8E91}" type="slidenum">
+              <a:rPr kumimoji="1" lang="ja-JP" altLang="en-US" smtClean="0"/>
+              <a:t>11</a:t>
             </a:fld>
             <a:endParaRPr kumimoji="1" lang="ja-JP" altLang="en-US"/>
           </a:p>
@@ -11966,6 +11615,10 @@
               <a:rPr lang="ja-JP" altLang="en-US" sz="1200" dirty="0"/>
               <a:t>さらに読んできてパーを</a:t>
             </a:r>
+            <a:r>
+              <a:rPr lang="en-US" altLang="ja-JP" sz="1200" dirty="0"/>
+              <a:t/>
+            </a:r>
             <a:br>
               <a:rPr lang="en-US" altLang="ja-JP" sz="1200" dirty="0"/>
             </a:br>
@@ -12087,7 +11740,7 @@
 </p:sld>
 </file>
 
-<file path=ppt/slides/slide11.xml><?xml version="1.0" encoding="utf-8"?>
+<file path=ppt/slides/slide12.xml><?xml version="1.0" encoding="utf-8"?>
 <p:sld xmlns:a="http://schemas.openxmlformats.org/drawingml/2006/main" xmlns:r="http://schemas.openxmlformats.org/officeDocument/2006/relationships" xmlns:p="http://schemas.openxmlformats.org/presentationml/2006/main">
   <p:cSld>
     <p:spTree>
@@ -12201,7 +11854,7 @@
           <a:p>
             <a:fld id="{93256357-0251-4953-A9B8-633A05DE8E91}" type="slidenum">
               <a:rPr kumimoji="1" lang="ja-JP" altLang="en-US" smtClean="0"/>
-              <a:t>11</a:t>
+              <a:t>12</a:t>
             </a:fld>
             <a:endParaRPr kumimoji="1" lang="ja-JP" altLang="en-US"/>
           </a:p>
@@ -12264,12 +11917,20 @@
               <a:rPr lang="ja-JP" altLang="en-US" sz="1200" dirty="0"/>
               <a:t>グーを減らして</a:t>
             </a:r>
+            <a:r>
+              <a:rPr lang="en-US" altLang="ja-JP" sz="1200" dirty="0"/>
+              <a:t/>
+            </a:r>
             <a:br>
               <a:rPr lang="en-US" altLang="ja-JP" sz="1200" dirty="0"/>
             </a:br>
             <a:r>
               <a:rPr lang="ja-JP" altLang="en-US" sz="1200" dirty="0"/>
               <a:t>くるはず！</a:t>
+            </a:r>
+            <a:r>
+              <a:rPr lang="en-US" altLang="ja-JP" sz="1200" dirty="0"/>
+              <a:t/>
             </a:r>
             <a:br>
               <a:rPr lang="en-US" altLang="ja-JP" sz="1200" dirty="0"/>
@@ -12363,12 +12024,20 @@
               <a:rPr lang="ja-JP" altLang="en-US" sz="1200" dirty="0"/>
               <a:t>さらに読んできて</a:t>
             </a:r>
+            <a:r>
+              <a:rPr lang="en-US" altLang="ja-JP" sz="1200" dirty="0"/>
+              <a:t/>
+            </a:r>
             <a:br>
               <a:rPr lang="en-US" altLang="ja-JP" sz="1200" dirty="0"/>
             </a:br>
             <a:r>
               <a:rPr lang="ja-JP" altLang="en-US" sz="1200" dirty="0"/>
               <a:t>パーを減らして</a:t>
+            </a:r>
+            <a:r>
+              <a:rPr lang="en-US" altLang="ja-JP" sz="1200" dirty="0"/>
+              <a:t/>
             </a:r>
             <a:br>
               <a:rPr lang="en-US" altLang="ja-JP" sz="1200" dirty="0"/>
@@ -12645,223 +12314,6 @@
 </p:sld>
 </file>
 
-<file path=ppt/slides/slide12.xml><?xml version="1.0" encoding="utf-8"?>
-<p:sld xmlns:a="http://schemas.openxmlformats.org/drawingml/2006/main" xmlns:r="http://schemas.openxmlformats.org/officeDocument/2006/relationships" xmlns:p="http://schemas.openxmlformats.org/presentationml/2006/main">
-  <p:cSld>
-    <p:spTree>
-      <p:nvGrpSpPr>
-        <p:cNvPr id="1" name=""/>
-        <p:cNvGrpSpPr/>
-        <p:nvPr/>
-      </p:nvGrpSpPr>
-      <p:grpSpPr>
-        <a:xfrm>
-          <a:off x="0" y="0"/>
-          <a:ext cx="0" cy="0"/>
-          <a:chOff x="0" y="0"/>
-          <a:chExt cx="0" cy="0"/>
-        </a:xfrm>
-      </p:grpSpPr>
-      <p:sp>
-        <p:nvSpPr>
-          <p:cNvPr id="2" name="タイトル 1"/>
-          <p:cNvSpPr>
-            <a:spLocks noGrp="1"/>
-          </p:cNvSpPr>
-          <p:nvPr>
-            <p:ph type="title"/>
-          </p:nvPr>
-        </p:nvSpPr>
-        <p:spPr/>
-        <p:txBody>
-          <a:bodyPr/>
-          <a:lstStyle/>
-          <a:p>
-            <a:r>
-              <a:rPr lang="ja-JP" altLang="en-US" dirty="0"/>
-              <a:t>微分方程式を用いたシミュレーション</a:t>
-            </a:r>
-            <a:endParaRPr kumimoji="1" lang="ja-JP" altLang="en-US" dirty="0"/>
-          </a:p>
-        </p:txBody>
-      </p:sp>
-      <p:sp>
-        <p:nvSpPr>
-          <p:cNvPr id="3" name="コンテンツ プレースホルダー 2"/>
-          <p:cNvSpPr>
-            <a:spLocks noGrp="1"/>
-          </p:cNvSpPr>
-          <p:nvPr>
-            <p:ph idx="1"/>
-          </p:nvPr>
-        </p:nvSpPr>
-        <p:spPr/>
-        <p:txBody>
-          <a:bodyPr/>
-          <a:lstStyle/>
-          <a:p>
-            <a:r>
-              <a:rPr kumimoji="1" lang="ja-JP" altLang="en-US" dirty="0"/>
-              <a:t>使用するパッケージ例</a:t>
-            </a:r>
-            <a:endParaRPr kumimoji="1" lang="en-US" altLang="ja-JP" dirty="0"/>
-          </a:p>
-          <a:p>
-            <a:pPr lvl="1"/>
-            <a:r>
-              <a:rPr kumimoji="1" lang="en-US" altLang="ja-JP" dirty="0" err="1"/>
-              <a:t>RxODE</a:t>
-            </a:r>
-            <a:endParaRPr kumimoji="1" lang="en-US" altLang="ja-JP" dirty="0"/>
-          </a:p>
-          <a:p>
-            <a:pPr lvl="1"/>
-            <a:r>
-              <a:rPr lang="en-US" altLang="ja-JP" dirty="0" err="1"/>
-              <a:t>mrgsolve</a:t>
-            </a:r>
-            <a:endParaRPr kumimoji="1" lang="en-US" altLang="ja-JP" dirty="0"/>
-          </a:p>
-          <a:p>
-            <a:pPr lvl="1"/>
-            <a:endParaRPr kumimoji="1" lang="en-US" altLang="ja-JP" dirty="0"/>
-          </a:p>
-          <a:p>
-            <a:r>
-              <a:rPr lang="ja-JP" altLang="en-US" dirty="0"/>
-              <a:t>これらのパッケージは</a:t>
-            </a:r>
-            <a:endParaRPr lang="en-US" altLang="ja-JP" dirty="0"/>
-          </a:p>
-          <a:p>
-            <a:pPr lvl="1"/>
-            <a:r>
-              <a:rPr lang="en-US" altLang="ja-JP" dirty="0"/>
-              <a:t>R</a:t>
-            </a:r>
-            <a:r>
-              <a:rPr lang="ja-JP" altLang="en-US" dirty="0"/>
-              <a:t>のみでシミュレーションを完結できる</a:t>
-            </a:r>
-            <a:endParaRPr lang="en-US" altLang="ja-JP" dirty="0"/>
-          </a:p>
-          <a:p>
-            <a:pPr lvl="1"/>
-            <a:r>
-              <a:rPr lang="ja-JP" altLang="en-US" dirty="0"/>
-              <a:t>微分方程式を扱えるので</a:t>
-            </a:r>
-            <a:r>
-              <a:rPr lang="en-US" altLang="ja-JP" dirty="0"/>
-              <a:t>PK</a:t>
-            </a:r>
-            <a:r>
-              <a:rPr lang="ja-JP" altLang="en-US" dirty="0"/>
-              <a:t>のシミュレーションにも利用しやすい</a:t>
-            </a:r>
-            <a:endParaRPr lang="en-US" altLang="ja-JP" dirty="0"/>
-          </a:p>
-          <a:p>
-            <a:pPr lvl="1"/>
-            <a:r>
-              <a:rPr lang="ja-JP" altLang="en-US" dirty="0"/>
-              <a:t>薬物投与の情報を簡単に記述できる</a:t>
-            </a:r>
-            <a:endParaRPr kumimoji="1" lang="en-US" altLang="ja-JP" dirty="0"/>
-          </a:p>
-          <a:p>
-            <a:pPr lvl="1"/>
-            <a:r>
-              <a:rPr kumimoji="1" lang="en-US" altLang="ja-JP" dirty="0"/>
-              <a:t>Run time</a:t>
-            </a:r>
-            <a:r>
-              <a:rPr kumimoji="1" lang="ja-JP" altLang="en-US" dirty="0"/>
-              <a:t>が短い</a:t>
-            </a:r>
-            <a:r>
-              <a:rPr lang="ja-JP" altLang="en-US" dirty="0"/>
-              <a:t>　などの特徴がある</a:t>
-            </a:r>
-            <a:endParaRPr kumimoji="1" lang="ja-JP" altLang="en-US" dirty="0"/>
-          </a:p>
-        </p:txBody>
-      </p:sp>
-      <p:sp>
-        <p:nvSpPr>
-          <p:cNvPr id="4" name="フッター プレースホルダー 3"/>
-          <p:cNvSpPr>
-            <a:spLocks noGrp="1"/>
-          </p:cNvSpPr>
-          <p:nvPr>
-            <p:ph type="ftr" sz="quarter" idx="11"/>
-          </p:nvPr>
-        </p:nvSpPr>
-        <p:spPr/>
-        <p:txBody>
-          <a:bodyPr/>
-          <a:lstStyle/>
-          <a:p>
-            <a:r>
-              <a:rPr lang="en-US" altLang="ja-JP"/>
-              <a:t>R</a:t>
-            </a:r>
-            <a:r>
-              <a:rPr lang="ja-JP" altLang="en-US"/>
-              <a:t> </a:t>
-            </a:r>
-            <a:r>
-              <a:rPr lang="en-US" altLang="ja-JP"/>
-              <a:t>for</a:t>
-            </a:r>
-            <a:r>
-              <a:rPr lang="ja-JP" altLang="en-US"/>
-              <a:t> </a:t>
-            </a:r>
-            <a:r>
-              <a:rPr lang="en-US" altLang="ja-JP"/>
-              <a:t>Pharmacometrics</a:t>
-            </a:r>
-            <a:endParaRPr lang="ja-JP" altLang="en-US" dirty="0"/>
-          </a:p>
-        </p:txBody>
-      </p:sp>
-      <p:sp>
-        <p:nvSpPr>
-          <p:cNvPr id="5" name="スライド番号プレースホルダー 4"/>
-          <p:cNvSpPr>
-            <a:spLocks noGrp="1"/>
-          </p:cNvSpPr>
-          <p:nvPr>
-            <p:ph type="sldNum" sz="quarter" idx="12"/>
-          </p:nvPr>
-        </p:nvSpPr>
-        <p:spPr/>
-        <p:txBody>
-          <a:bodyPr/>
-          <a:lstStyle/>
-          <a:p>
-            <a:fld id="{93256357-0251-4953-A9B8-633A05DE8E91}" type="slidenum">
-              <a:rPr kumimoji="1" lang="ja-JP" altLang="en-US" smtClean="0"/>
-              <a:t>12</a:t>
-            </a:fld>
-            <a:endParaRPr kumimoji="1" lang="ja-JP" altLang="en-US"/>
-          </a:p>
-        </p:txBody>
-      </p:sp>
-    </p:spTree>
-    <p:extLst>
-      <p:ext uri="{BB962C8B-B14F-4D97-AF65-F5344CB8AC3E}">
-        <p14:creationId xmlns:p14="http://schemas.microsoft.com/office/powerpoint/2010/main" val="1860617998"/>
-      </p:ext>
-    </p:extLst>
-  </p:cSld>
-  <p:clrMapOvr>
-    <a:masterClrMapping/>
-  </p:clrMapOvr>
-</p:sld>
-</file>
-
 <file path=ppt/slides/slide13.xml><?xml version="1.0" encoding="utf-8"?>
 <p:sld xmlns:a="http://schemas.openxmlformats.org/drawingml/2006/main" xmlns:r="http://schemas.openxmlformats.org/officeDocument/2006/relationships" xmlns:p="http://schemas.openxmlformats.org/presentationml/2006/main">
   <p:cSld>
@@ -12895,9 +12347,10 @@
           <a:lstStyle/>
           <a:p>
             <a:r>
-              <a:rPr kumimoji="1" lang="ja-JP" altLang="en-US" dirty="0"/>
-              <a:t>パッケージの紹介</a:t>
-            </a:r>
+              <a:rPr lang="ja-JP" altLang="en-US" dirty="0"/>
+              <a:t>微分方程式を用いたシミュレーション</a:t>
+            </a:r>
+            <a:endParaRPr kumimoji="1" lang="ja-JP" altLang="en-US" dirty="0"/>
           </a:p>
         </p:txBody>
       </p:sp>
@@ -12913,105 +12366,93 @@
         </p:nvSpPr>
         <p:spPr/>
         <p:txBody>
-          <a:bodyPr>
-            <a:normAutofit lnSpcReduction="10000"/>
-          </a:bodyPr>
+          <a:bodyPr/>
           <a:lstStyle/>
           <a:p>
             <a:r>
+              <a:rPr kumimoji="1" lang="ja-JP" altLang="en-US" dirty="0"/>
+              <a:t>使用するパッケージ例</a:t>
+            </a:r>
+            <a:endParaRPr kumimoji="1" lang="en-US" altLang="ja-JP" dirty="0"/>
+          </a:p>
+          <a:p>
+            <a:pPr lvl="1"/>
+            <a:r>
+              <a:rPr kumimoji="1" lang="en-US" altLang="ja-JP" dirty="0" err="1"/>
+              <a:t>RxODE</a:t>
+            </a:r>
+            <a:endParaRPr kumimoji="1" lang="en-US" altLang="ja-JP" dirty="0"/>
+          </a:p>
+          <a:p>
+            <a:pPr lvl="1"/>
+            <a:r>
               <a:rPr lang="en-US" altLang="ja-JP" dirty="0" err="1"/>
-              <a:t>RxODE</a:t>
-            </a:r>
-            <a:endParaRPr lang="ja-JP" altLang="en-US" dirty="0"/>
+              <a:t>mrgsolve</a:t>
+            </a:r>
+            <a:endParaRPr kumimoji="1" lang="en-US" altLang="ja-JP" dirty="0"/>
           </a:p>
           <a:p>
             <a:pPr lvl="1"/>
+            <a:endParaRPr kumimoji="1" lang="en-US" altLang="ja-JP" dirty="0"/>
+          </a:p>
+          <a:p>
+            <a:r>
+              <a:rPr lang="ja-JP" altLang="en-US" dirty="0"/>
+              <a:t>これらのパッケージは</a:t>
+            </a:r>
+            <a:endParaRPr lang="en-US" altLang="ja-JP" dirty="0"/>
+          </a:p>
+          <a:p>
+            <a:pPr lvl="1"/>
+            <a:r>
+              <a:rPr lang="en-US" altLang="ja-JP" dirty="0"/>
+              <a:t>R</a:t>
+            </a:r>
+            <a:r>
+              <a:rPr lang="ja-JP" altLang="en-US" dirty="0"/>
+              <a:t>のみでシミュレーションを完結できる</a:t>
+            </a:r>
+            <a:endParaRPr lang="en-US" altLang="ja-JP" dirty="0"/>
+          </a:p>
+          <a:p>
+            <a:pPr lvl="1"/>
+            <a:r>
+              <a:rPr lang="ja-JP" altLang="en-US" dirty="0"/>
+              <a:t>微分方程式を扱えるので</a:t>
+            </a:r>
+            <a:r>
+              <a:rPr lang="en-US" altLang="ja-JP" dirty="0"/>
+              <a:t>PK</a:t>
+            </a:r>
+            <a:r>
+              <a:rPr lang="ja-JP" altLang="en-US" dirty="0"/>
+              <a:t>のシミュレーションにも利用しやすい</a:t>
+            </a:r>
+            <a:endParaRPr lang="en-US" altLang="ja-JP" dirty="0"/>
+          </a:p>
+          <a:p>
+            <a:pPr lvl="1"/>
+            <a:r>
+              <a:rPr lang="ja-JP" altLang="en-US" dirty="0"/>
+              <a:t>薬物投与の情報を簡単に記述できる</a:t>
+            </a:r>
+            <a:endParaRPr kumimoji="1" lang="en-US" altLang="ja-JP" dirty="0"/>
+          </a:p>
+          <a:p>
+            <a:pPr lvl="1"/>
             <a:r>
               <a:rPr kumimoji="1" lang="en-US" altLang="ja-JP" dirty="0"/>
-              <a:t>NONMEM</a:t>
+              <a:t>Run time</a:t>
             </a:r>
             <a:r>
               <a:rPr kumimoji="1" lang="ja-JP" altLang="en-US" dirty="0"/>
-              <a:t>コードがかけない場合でも微分方程式が理解できていればシミュレーションが可能</a:t>
-            </a:r>
-            <a:endParaRPr kumimoji="1" lang="en-US" altLang="ja-JP" dirty="0"/>
-          </a:p>
-          <a:p>
-            <a:pPr lvl="1"/>
-            <a:r>
-              <a:rPr kumimoji="1" lang="ja-JP" altLang="en-US" dirty="0"/>
-              <a:t>複数患者のシミュレーションなどでは</a:t>
-            </a:r>
-            <a:r>
-              <a:rPr kumimoji="1" lang="en-US" altLang="ja-JP" dirty="0"/>
-              <a:t>for</a:t>
-            </a:r>
-            <a:r>
-              <a:rPr kumimoji="1" lang="ja-JP" altLang="en-US" dirty="0"/>
-              <a:t>文などを使う必要があるため、</a:t>
-            </a:r>
-            <a:r>
-              <a:rPr kumimoji="1" lang="en-US" altLang="ja-JP" dirty="0"/>
-              <a:t>R</a:t>
-            </a:r>
-            <a:r>
-              <a:rPr kumimoji="1" lang="ja-JP" altLang="en-US" dirty="0"/>
-              <a:t>に慣れておく必要がある</a:t>
-            </a:r>
-            <a:endParaRPr kumimoji="1" lang="en-US" altLang="ja-JP" dirty="0"/>
-          </a:p>
-          <a:p>
-            <a:endParaRPr kumimoji="1" lang="en-US" altLang="ja-JP" dirty="0"/>
-          </a:p>
-          <a:p>
-            <a:r>
-              <a:rPr kumimoji="1" lang="en-US" altLang="ja-JP" dirty="0" err="1"/>
-              <a:t>mrgsolve</a:t>
-            </a:r>
-            <a:endParaRPr kumimoji="1" lang="en-US" altLang="ja-JP" dirty="0"/>
-          </a:p>
-          <a:p>
-            <a:pPr lvl="1"/>
-            <a:r>
-              <a:rPr kumimoji="1" lang="en-US" altLang="ja-JP" dirty="0"/>
-              <a:t>NONMEM</a:t>
-            </a:r>
-            <a:r>
-              <a:rPr kumimoji="1" lang="ja-JP" altLang="en-US" dirty="0"/>
-              <a:t>のコントロールファイルに近い形で記述できる</a:t>
-            </a:r>
-            <a:endParaRPr kumimoji="1" lang="en-US" altLang="ja-JP" dirty="0"/>
-          </a:p>
-          <a:p>
-            <a:pPr lvl="1"/>
-            <a:r>
-              <a:rPr kumimoji="1" lang="ja-JP" altLang="en-US" dirty="0"/>
-              <a:t>シミュレーションデータセットの作成が簡単で、複数患者のシミュレーションも容易</a:t>
-            </a:r>
-            <a:endParaRPr kumimoji="1" lang="en-US" altLang="ja-JP" dirty="0"/>
-          </a:p>
-          <a:p>
-            <a:pPr lvl="1"/>
-            <a:r>
-              <a:rPr lang="en-US" altLang="ja-JP" dirty="0"/>
-              <a:t>NONMEM</a:t>
+              <a:t>が短い</a:t>
             </a:r>
             <a:r>
               <a:rPr lang="ja-JP" altLang="en-US" dirty="0"/>
-              <a:t> </a:t>
-            </a:r>
-            <a:r>
-              <a:rPr lang="en-US" altLang="ja-JP" dirty="0"/>
-              <a:t>output (.xml)</a:t>
-            </a:r>
-            <a:r>
-              <a:rPr lang="ja-JP" altLang="en-US" dirty="0"/>
-              <a:t>からシミュレーションに使うパラメータ推定値を読み取ることも可能</a:t>
-            </a:r>
-            <a:endParaRPr kumimoji="1" lang="en-US" altLang="ja-JP" dirty="0"/>
-          </a:p>
-          <a:p>
-            <a:endParaRPr kumimoji="1" lang="en-US" altLang="ja-JP" dirty="0"/>
+              <a:t>　などの特徴がある</a:t>
+            </a:r>
+            <a:endParaRPr kumimoji="1" lang="ja-JP" altLang="en-US" dirty="0"/>
           </a:p>
         </p:txBody>
       </p:sp>
@@ -13080,7 +12521,7 @@
     </p:spTree>
     <p:extLst>
       <p:ext uri="{BB962C8B-B14F-4D97-AF65-F5344CB8AC3E}">
-        <p14:creationId xmlns:p14="http://schemas.microsoft.com/office/powerpoint/2010/main" val="1382305795"/>
+        <p14:creationId xmlns:p14="http://schemas.microsoft.com/office/powerpoint/2010/main" val="1860617998"/>
       </p:ext>
     </p:extLst>
   </p:cSld>
@@ -13109,6 +12550,234 @@
       </p:grpSpPr>
       <p:sp>
         <p:nvSpPr>
+          <p:cNvPr id="2" name="タイトル 1"/>
+          <p:cNvSpPr>
+            <a:spLocks noGrp="1"/>
+          </p:cNvSpPr>
+          <p:nvPr>
+            <p:ph type="title"/>
+          </p:nvPr>
+        </p:nvSpPr>
+        <p:spPr/>
+        <p:txBody>
+          <a:bodyPr/>
+          <a:lstStyle/>
+          <a:p>
+            <a:r>
+              <a:rPr kumimoji="1" lang="ja-JP" altLang="en-US" dirty="0"/>
+              <a:t>パッケージの紹介</a:t>
+            </a:r>
+          </a:p>
+        </p:txBody>
+      </p:sp>
+      <p:sp>
+        <p:nvSpPr>
+          <p:cNvPr id="3" name="コンテンツ プレースホルダー 2"/>
+          <p:cNvSpPr>
+            <a:spLocks noGrp="1"/>
+          </p:cNvSpPr>
+          <p:nvPr>
+            <p:ph idx="1"/>
+          </p:nvPr>
+        </p:nvSpPr>
+        <p:spPr/>
+        <p:txBody>
+          <a:bodyPr>
+            <a:normAutofit lnSpcReduction="10000"/>
+          </a:bodyPr>
+          <a:lstStyle/>
+          <a:p>
+            <a:r>
+              <a:rPr lang="en-US" altLang="ja-JP" dirty="0" err="1"/>
+              <a:t>RxODE</a:t>
+            </a:r>
+            <a:endParaRPr lang="ja-JP" altLang="en-US" dirty="0"/>
+          </a:p>
+          <a:p>
+            <a:pPr lvl="1"/>
+            <a:r>
+              <a:rPr kumimoji="1" lang="en-US" altLang="ja-JP" dirty="0"/>
+              <a:t>NONMEM</a:t>
+            </a:r>
+            <a:r>
+              <a:rPr kumimoji="1" lang="ja-JP" altLang="en-US" dirty="0"/>
+              <a:t>コードがかけない場合でも微分方程式が理解できていればシミュレーションが可能</a:t>
+            </a:r>
+            <a:endParaRPr kumimoji="1" lang="en-US" altLang="ja-JP" dirty="0"/>
+          </a:p>
+          <a:p>
+            <a:pPr lvl="1"/>
+            <a:r>
+              <a:rPr kumimoji="1" lang="ja-JP" altLang="en-US" dirty="0"/>
+              <a:t>複数患者のシミュレーションなどでは</a:t>
+            </a:r>
+            <a:r>
+              <a:rPr kumimoji="1" lang="en-US" altLang="ja-JP" dirty="0"/>
+              <a:t>for</a:t>
+            </a:r>
+            <a:r>
+              <a:rPr kumimoji="1" lang="ja-JP" altLang="en-US" dirty="0"/>
+              <a:t>文などを使う必要があるため、</a:t>
+            </a:r>
+            <a:r>
+              <a:rPr kumimoji="1" lang="en-US" altLang="ja-JP" dirty="0"/>
+              <a:t>R</a:t>
+            </a:r>
+            <a:r>
+              <a:rPr kumimoji="1" lang="ja-JP" altLang="en-US" dirty="0"/>
+              <a:t>に慣れておく必要がある</a:t>
+            </a:r>
+            <a:endParaRPr kumimoji="1" lang="en-US" altLang="ja-JP" dirty="0"/>
+          </a:p>
+          <a:p>
+            <a:endParaRPr kumimoji="1" lang="en-US" altLang="ja-JP" dirty="0"/>
+          </a:p>
+          <a:p>
+            <a:r>
+              <a:rPr kumimoji="1" lang="en-US" altLang="ja-JP" dirty="0" err="1"/>
+              <a:t>mrgsolve</a:t>
+            </a:r>
+            <a:endParaRPr kumimoji="1" lang="en-US" altLang="ja-JP" dirty="0"/>
+          </a:p>
+          <a:p>
+            <a:pPr lvl="1"/>
+            <a:r>
+              <a:rPr kumimoji="1" lang="en-US" altLang="ja-JP" dirty="0"/>
+              <a:t>NONMEM</a:t>
+            </a:r>
+            <a:r>
+              <a:rPr kumimoji="1" lang="ja-JP" altLang="en-US" dirty="0"/>
+              <a:t>のコントロールファイルに近い形で記述できる</a:t>
+            </a:r>
+            <a:endParaRPr kumimoji="1" lang="en-US" altLang="ja-JP" dirty="0"/>
+          </a:p>
+          <a:p>
+            <a:pPr lvl="1"/>
+            <a:r>
+              <a:rPr kumimoji="1" lang="ja-JP" altLang="en-US" dirty="0"/>
+              <a:t>シミュレーションデータセットの作成が簡単で、複数患者のシミュレーションも容易</a:t>
+            </a:r>
+            <a:endParaRPr kumimoji="1" lang="en-US" altLang="ja-JP" dirty="0"/>
+          </a:p>
+          <a:p>
+            <a:pPr lvl="1"/>
+            <a:r>
+              <a:rPr lang="en-US" altLang="ja-JP" dirty="0"/>
+              <a:t>NONMEM</a:t>
+            </a:r>
+            <a:r>
+              <a:rPr lang="ja-JP" altLang="en-US" dirty="0"/>
+              <a:t> </a:t>
+            </a:r>
+            <a:r>
+              <a:rPr lang="en-US" altLang="ja-JP" dirty="0"/>
+              <a:t>output (.xml)</a:t>
+            </a:r>
+            <a:r>
+              <a:rPr lang="ja-JP" altLang="en-US" dirty="0"/>
+              <a:t>からシミュレーションに使うパラメータ推定値を読み取ることも可能</a:t>
+            </a:r>
+            <a:endParaRPr kumimoji="1" lang="en-US" altLang="ja-JP" dirty="0"/>
+          </a:p>
+          <a:p>
+            <a:endParaRPr kumimoji="1" lang="en-US" altLang="ja-JP" dirty="0"/>
+          </a:p>
+        </p:txBody>
+      </p:sp>
+      <p:sp>
+        <p:nvSpPr>
+          <p:cNvPr id="4" name="フッター プレースホルダー 3"/>
+          <p:cNvSpPr>
+            <a:spLocks noGrp="1"/>
+          </p:cNvSpPr>
+          <p:nvPr>
+            <p:ph type="ftr" sz="quarter" idx="11"/>
+          </p:nvPr>
+        </p:nvSpPr>
+        <p:spPr/>
+        <p:txBody>
+          <a:bodyPr/>
+          <a:lstStyle/>
+          <a:p>
+            <a:r>
+              <a:rPr lang="en-US" altLang="ja-JP"/>
+              <a:t>R</a:t>
+            </a:r>
+            <a:r>
+              <a:rPr lang="ja-JP" altLang="en-US"/>
+              <a:t> </a:t>
+            </a:r>
+            <a:r>
+              <a:rPr lang="en-US" altLang="ja-JP"/>
+              <a:t>for</a:t>
+            </a:r>
+            <a:r>
+              <a:rPr lang="ja-JP" altLang="en-US"/>
+              <a:t> </a:t>
+            </a:r>
+            <a:r>
+              <a:rPr lang="en-US" altLang="ja-JP"/>
+              <a:t>Pharmacometrics</a:t>
+            </a:r>
+            <a:endParaRPr lang="ja-JP" altLang="en-US" dirty="0"/>
+          </a:p>
+        </p:txBody>
+      </p:sp>
+      <p:sp>
+        <p:nvSpPr>
+          <p:cNvPr id="5" name="スライド番号プレースホルダー 4"/>
+          <p:cNvSpPr>
+            <a:spLocks noGrp="1"/>
+          </p:cNvSpPr>
+          <p:nvPr>
+            <p:ph type="sldNum" sz="quarter" idx="12"/>
+          </p:nvPr>
+        </p:nvSpPr>
+        <p:spPr/>
+        <p:txBody>
+          <a:bodyPr/>
+          <a:lstStyle/>
+          <a:p>
+            <a:fld id="{93256357-0251-4953-A9B8-633A05DE8E91}" type="slidenum">
+              <a:rPr kumimoji="1" lang="ja-JP" altLang="en-US" smtClean="0"/>
+              <a:t>14</a:t>
+            </a:fld>
+            <a:endParaRPr kumimoji="1" lang="ja-JP" altLang="en-US"/>
+          </a:p>
+        </p:txBody>
+      </p:sp>
+    </p:spTree>
+    <p:extLst>
+      <p:ext uri="{BB962C8B-B14F-4D97-AF65-F5344CB8AC3E}">
+        <p14:creationId xmlns:p14="http://schemas.microsoft.com/office/powerpoint/2010/main" val="1382305795"/>
+      </p:ext>
+    </p:extLst>
+  </p:cSld>
+  <p:clrMapOvr>
+    <a:masterClrMapping/>
+  </p:clrMapOvr>
+</p:sld>
+</file>
+
+<file path=ppt/slides/slide15.xml><?xml version="1.0" encoding="utf-8"?>
+<p:sld xmlns:a="http://schemas.openxmlformats.org/drawingml/2006/main" xmlns:r="http://schemas.openxmlformats.org/officeDocument/2006/relationships" xmlns:p="http://schemas.openxmlformats.org/presentationml/2006/main">
+  <p:cSld>
+    <p:spTree>
+      <p:nvGrpSpPr>
+        <p:cNvPr id="1" name=""/>
+        <p:cNvGrpSpPr/>
+        <p:nvPr/>
+      </p:nvGrpSpPr>
+      <p:grpSpPr>
+        <a:xfrm>
+          <a:off x="0" y="0"/>
+          <a:ext cx="0" cy="0"/>
+          <a:chOff x="0" y="0"/>
+          <a:chExt cx="0" cy="0"/>
+        </a:xfrm>
+      </p:grpSpPr>
+      <p:sp>
+        <p:nvSpPr>
           <p:cNvPr id="7" name="正方形/長方形 6"/>
           <p:cNvSpPr/>
           <p:nvPr/>
@@ -13441,7 +13110,7 @@
           <a:p>
             <a:fld id="{93256357-0251-4953-A9B8-633A05DE8E91}" type="slidenum">
               <a:rPr kumimoji="1" lang="ja-JP" altLang="en-US" smtClean="0"/>
-              <a:t>14</a:t>
+              <a:t>15</a:t>
             </a:fld>
             <a:endParaRPr kumimoji="1" lang="ja-JP" altLang="en-US"/>
           </a:p>
@@ -14212,7 +13881,7 @@
 </p:sld>
 </file>
 
-<file path=ppt/slides/slide15.xml><?xml version="1.0" encoding="utf-8"?>
+<file path=ppt/slides/slide16.xml><?xml version="1.0" encoding="utf-8"?>
 <p:sld xmlns:a="http://schemas.openxmlformats.org/drawingml/2006/main" xmlns:r="http://schemas.openxmlformats.org/officeDocument/2006/relationships" xmlns:p="http://schemas.openxmlformats.org/presentationml/2006/main">
   <p:cSld>
     <p:spTree>
@@ -14377,7 +14046,7 @@
           <a:p>
             <a:fld id="{93256357-0251-4953-A9B8-633A05DE8E91}" type="slidenum">
               <a:rPr kumimoji="1" lang="ja-JP" altLang="en-US" smtClean="0"/>
-              <a:t>15</a:t>
+              <a:t>16</a:t>
             </a:fld>
             <a:endParaRPr kumimoji="1" lang="ja-JP" altLang="en-US"/>
           </a:p>
@@ -14982,7 +14651,7 @@
 </p:sld>
 </file>
 
-<file path=ppt/slides/slide16.xml><?xml version="1.0" encoding="utf-8"?>
+<file path=ppt/slides/slide17.xml><?xml version="1.0" encoding="utf-8"?>
 <p:sld xmlns:a="http://schemas.openxmlformats.org/drawingml/2006/main" xmlns:r="http://schemas.openxmlformats.org/officeDocument/2006/relationships" xmlns:p="http://schemas.openxmlformats.org/presentationml/2006/main">
   <p:cSld>
     <p:spTree>
@@ -15091,7 +14760,7 @@
           <a:p>
             <a:fld id="{93256357-0251-4953-A9B8-633A05DE8E91}" type="slidenum">
               <a:rPr kumimoji="1" lang="ja-JP" altLang="en-US" smtClean="0"/>
-              <a:t>16</a:t>
+              <a:t>17</a:t>
             </a:fld>
             <a:endParaRPr kumimoji="1" lang="ja-JP" altLang="en-US"/>
           </a:p>
@@ -15763,7 +15432,7 @@
 </p:sld>
 </file>
 
-<file path=ppt/slides/slide17.xml><?xml version="1.0" encoding="utf-8"?>
+<file path=ppt/slides/slide18.xml><?xml version="1.0" encoding="utf-8"?>
 <p:sld xmlns:a="http://schemas.openxmlformats.org/drawingml/2006/main" xmlns:r="http://schemas.openxmlformats.org/officeDocument/2006/relationships" xmlns:p="http://schemas.openxmlformats.org/presentationml/2006/main">
   <p:cSld>
     <p:spTree>
@@ -15890,7 +15559,7 @@
           <a:p>
             <a:fld id="{93256357-0251-4953-A9B8-633A05DE8E91}" type="slidenum">
               <a:rPr kumimoji="1" lang="ja-JP" altLang="en-US" smtClean="0"/>
-              <a:t>17</a:t>
+              <a:t>18</a:t>
             </a:fld>
             <a:endParaRPr kumimoji="1" lang="ja-JP" altLang="en-US"/>
           </a:p>
@@ -16014,203 +15683,6 @@
 </p:sld>
 </file>
 
-<file path=ppt/slides/slide18.xml><?xml version="1.0" encoding="utf-8"?>
-<p:sld xmlns:a="http://schemas.openxmlformats.org/drawingml/2006/main" xmlns:r="http://schemas.openxmlformats.org/officeDocument/2006/relationships" xmlns:p="http://schemas.openxmlformats.org/presentationml/2006/main">
-  <p:cSld>
-    <p:spTree>
-      <p:nvGrpSpPr>
-        <p:cNvPr id="1" name=""/>
-        <p:cNvGrpSpPr/>
-        <p:nvPr/>
-      </p:nvGrpSpPr>
-      <p:grpSpPr>
-        <a:xfrm>
-          <a:off x="0" y="0"/>
-          <a:ext cx="0" cy="0"/>
-          <a:chOff x="0" y="0"/>
-          <a:chExt cx="0" cy="0"/>
-        </a:xfrm>
-      </p:grpSpPr>
-      <p:sp>
-        <p:nvSpPr>
-          <p:cNvPr id="2" name="タイトル 1"/>
-          <p:cNvSpPr>
-            <a:spLocks noGrp="1"/>
-          </p:cNvSpPr>
-          <p:nvPr>
-            <p:ph type="title"/>
-          </p:nvPr>
-        </p:nvSpPr>
-        <p:spPr/>
-        <p:txBody>
-          <a:bodyPr/>
-          <a:lstStyle/>
-          <a:p>
-            <a:r>
-              <a:rPr kumimoji="1" lang="ja-JP" altLang="en-US" dirty="0"/>
-              <a:t>まとめ</a:t>
-            </a:r>
-          </a:p>
-        </p:txBody>
-      </p:sp>
-      <p:sp>
-        <p:nvSpPr>
-          <p:cNvPr id="3" name="コンテンツ プレースホルダー 2"/>
-          <p:cNvSpPr>
-            <a:spLocks noGrp="1"/>
-          </p:cNvSpPr>
-          <p:nvPr>
-            <p:ph idx="1"/>
-          </p:nvPr>
-        </p:nvSpPr>
-        <p:spPr/>
-        <p:txBody>
-          <a:bodyPr/>
-          <a:lstStyle/>
-          <a:p>
-            <a:r>
-              <a:rPr kumimoji="1" lang="ja-JP" altLang="en-US" dirty="0"/>
-              <a:t>シミュレーションは身近なところや</a:t>
-            </a:r>
-            <a:r>
-              <a:rPr kumimoji="1" lang="en-US" altLang="ja-JP" dirty="0"/>
-              <a:t>PK</a:t>
-            </a:r>
-            <a:r>
-              <a:rPr kumimoji="1" lang="ja-JP" altLang="en-US" dirty="0"/>
-              <a:t>など幅広く活用できる手法です。</a:t>
-            </a:r>
-            <a:endParaRPr kumimoji="1" lang="en-US" altLang="ja-JP" dirty="0"/>
-          </a:p>
-          <a:p>
-            <a:endParaRPr lang="en-US" altLang="ja-JP" dirty="0"/>
-          </a:p>
-          <a:p>
-            <a:r>
-              <a:rPr kumimoji="1" lang="en-US" altLang="ja-JP" dirty="0"/>
-              <a:t>PK</a:t>
-            </a:r>
-            <a:r>
-              <a:rPr kumimoji="1" lang="ja-JP" altLang="en-US" dirty="0"/>
-              <a:t>のシミュレーションを</a:t>
-            </a:r>
-            <a:r>
-              <a:rPr kumimoji="1" lang="en-US" altLang="ja-JP" dirty="0"/>
-              <a:t>R</a:t>
-            </a:r>
-            <a:r>
-              <a:rPr kumimoji="1" lang="ja-JP" altLang="en-US" dirty="0"/>
-              <a:t>のみで実施することもでき、</a:t>
-            </a:r>
-            <a:br>
-              <a:rPr kumimoji="1" lang="en-US" altLang="ja-JP" dirty="0"/>
-            </a:br>
-            <a:r>
-              <a:rPr kumimoji="1" lang="en-US" altLang="ja-JP" dirty="0"/>
-              <a:t>shiny</a:t>
-            </a:r>
-            <a:r>
-              <a:rPr kumimoji="1" lang="ja-JP" altLang="en-US" dirty="0"/>
-              <a:t>と組み合わせることによって効率的なコミュニケーションに</a:t>
-            </a:r>
-            <a:br>
-              <a:rPr kumimoji="1" lang="en-US" altLang="ja-JP" dirty="0"/>
-            </a:br>
-            <a:r>
-              <a:rPr kumimoji="1" lang="ja-JP" altLang="en-US" dirty="0"/>
-              <a:t>つなげることができます。</a:t>
-            </a:r>
-            <a:endParaRPr kumimoji="1" lang="en-US" altLang="ja-JP" dirty="0"/>
-          </a:p>
-          <a:p>
-            <a:pPr marL="0" indent="0">
-              <a:buNone/>
-            </a:pPr>
-            <a:endParaRPr lang="en-US" altLang="ja-JP" dirty="0"/>
-          </a:p>
-          <a:p>
-            <a:pPr marL="0" indent="0">
-              <a:buNone/>
-            </a:pPr>
-            <a:endParaRPr kumimoji="1" lang="ja-JP" altLang="en-US" dirty="0"/>
-          </a:p>
-        </p:txBody>
-      </p:sp>
-      <p:sp>
-        <p:nvSpPr>
-          <p:cNvPr id="4" name="フッター プレースホルダー 3"/>
-          <p:cNvSpPr>
-            <a:spLocks noGrp="1"/>
-          </p:cNvSpPr>
-          <p:nvPr>
-            <p:ph type="ftr" sz="quarter" idx="11"/>
-          </p:nvPr>
-        </p:nvSpPr>
-        <p:spPr/>
-        <p:txBody>
-          <a:bodyPr/>
-          <a:lstStyle/>
-          <a:p>
-            <a:r>
-              <a:rPr lang="en-US" altLang="ja-JP"/>
-              <a:t>R</a:t>
-            </a:r>
-            <a:r>
-              <a:rPr lang="ja-JP" altLang="en-US"/>
-              <a:t> </a:t>
-            </a:r>
-            <a:r>
-              <a:rPr lang="en-US" altLang="ja-JP"/>
-              <a:t>for</a:t>
-            </a:r>
-            <a:r>
-              <a:rPr lang="ja-JP" altLang="en-US"/>
-              <a:t> </a:t>
-            </a:r>
-            <a:r>
-              <a:rPr lang="en-US" altLang="ja-JP"/>
-              <a:t>Pharmacometrics</a:t>
-            </a:r>
-            <a:endParaRPr lang="ja-JP" altLang="en-US" dirty="0"/>
-          </a:p>
-        </p:txBody>
-      </p:sp>
-      <p:sp>
-        <p:nvSpPr>
-          <p:cNvPr id="5" name="スライド番号プレースホルダー 4"/>
-          <p:cNvSpPr>
-            <a:spLocks noGrp="1"/>
-          </p:cNvSpPr>
-          <p:nvPr>
-            <p:ph type="sldNum" sz="quarter" idx="12"/>
-          </p:nvPr>
-        </p:nvSpPr>
-        <p:spPr/>
-        <p:txBody>
-          <a:bodyPr/>
-          <a:lstStyle/>
-          <a:p>
-            <a:fld id="{93256357-0251-4953-A9B8-633A05DE8E91}" type="slidenum">
-              <a:rPr kumimoji="1" lang="ja-JP" altLang="en-US" smtClean="0"/>
-              <a:t>18</a:t>
-            </a:fld>
-            <a:endParaRPr kumimoji="1" lang="ja-JP" altLang="en-US"/>
-          </a:p>
-        </p:txBody>
-      </p:sp>
-    </p:spTree>
-    <p:extLst>
-      <p:ext uri="{BB962C8B-B14F-4D97-AF65-F5344CB8AC3E}">
-        <p14:creationId xmlns:p14="http://schemas.microsoft.com/office/powerpoint/2010/main" val="3288736170"/>
-      </p:ext>
-    </p:extLst>
-  </p:cSld>
-  <p:clrMapOvr>
-    <a:masterClrMapping/>
-  </p:clrMapOvr>
-</p:sld>
-</file>
-
 <file path=ppt/slides/slide19.xml><?xml version="1.0" encoding="utf-8"?>
 <p:sld xmlns:a="http://schemas.openxmlformats.org/drawingml/2006/main" xmlns:r="http://schemas.openxmlformats.org/officeDocument/2006/relationships" xmlns:p="http://schemas.openxmlformats.org/presentationml/2006/main">
   <p:cSld>
@@ -16244,10 +15716,9 @@
           <a:lstStyle/>
           <a:p>
             <a:r>
-              <a:rPr kumimoji="1" lang="en-US" altLang="ja-JP" dirty="0"/>
-              <a:t>Backup</a:t>
-            </a:r>
-            <a:endParaRPr kumimoji="1" lang="ja-JP" altLang="en-US" dirty="0"/>
+              <a:rPr kumimoji="1" lang="ja-JP" altLang="en-US" dirty="0"/>
+              <a:t>まとめ</a:t>
+            </a:r>
           </a:p>
         </p:txBody>
       </p:sp>
@@ -16266,7 +15737,79 @@
           <a:bodyPr/>
           <a:lstStyle/>
           <a:p>
-            <a:endParaRPr kumimoji="1" lang="ja-JP" altLang="en-US"/>
+            <a:r>
+              <a:rPr kumimoji="1" lang="ja-JP" altLang="en-US" dirty="0"/>
+              <a:t>シミュレーションは身近なところや</a:t>
+            </a:r>
+            <a:r>
+              <a:rPr kumimoji="1" lang="en-US" altLang="ja-JP" dirty="0"/>
+              <a:t>PK</a:t>
+            </a:r>
+            <a:r>
+              <a:rPr kumimoji="1" lang="ja-JP" altLang="en-US" dirty="0"/>
+              <a:t>など幅広く活用できる手法です。</a:t>
+            </a:r>
+            <a:endParaRPr kumimoji="1" lang="en-US" altLang="ja-JP" dirty="0"/>
+          </a:p>
+          <a:p>
+            <a:endParaRPr lang="en-US" altLang="ja-JP" dirty="0"/>
+          </a:p>
+          <a:p>
+            <a:r>
+              <a:rPr kumimoji="1" lang="en-US" altLang="ja-JP" dirty="0"/>
+              <a:t>PK</a:t>
+            </a:r>
+            <a:r>
+              <a:rPr kumimoji="1" lang="ja-JP" altLang="en-US" dirty="0"/>
+              <a:t>のシミュレーションを</a:t>
+            </a:r>
+            <a:r>
+              <a:rPr kumimoji="1" lang="en-US" altLang="ja-JP" dirty="0"/>
+              <a:t>R</a:t>
+            </a:r>
+            <a:r>
+              <a:rPr kumimoji="1" lang="ja-JP" altLang="en-US" dirty="0"/>
+              <a:t>のみで実施することもでき、</a:t>
+            </a:r>
+            <a:r>
+              <a:rPr kumimoji="1" lang="en-US" altLang="ja-JP" dirty="0"/>
+              <a:t/>
+            </a:r>
+            <a:br>
+              <a:rPr kumimoji="1" lang="en-US" altLang="ja-JP" dirty="0"/>
+            </a:br>
+            <a:r>
+              <a:rPr kumimoji="1" lang="en-US" altLang="ja-JP" dirty="0"/>
+              <a:t>shiny</a:t>
+            </a:r>
+            <a:r>
+              <a:rPr kumimoji="1" lang="ja-JP" altLang="en-US" dirty="0"/>
+              <a:t>と組み合わせることによって効率的なコミュニケーションに</a:t>
+            </a:r>
+            <a:r>
+              <a:rPr kumimoji="1" lang="en-US" altLang="ja-JP" dirty="0"/>
+              <a:t/>
+            </a:r>
+            <a:br>
+              <a:rPr kumimoji="1" lang="en-US" altLang="ja-JP" dirty="0"/>
+            </a:br>
+            <a:r>
+              <a:rPr kumimoji="1" lang="ja-JP" altLang="en-US" dirty="0"/>
+              <a:t>つなげることができます。</a:t>
+            </a:r>
+            <a:endParaRPr kumimoji="1" lang="en-US" altLang="ja-JP" dirty="0"/>
+          </a:p>
+          <a:p>
+            <a:pPr marL="0" indent="0">
+              <a:buNone/>
+            </a:pPr>
+            <a:endParaRPr lang="en-US" altLang="ja-JP" dirty="0"/>
+          </a:p>
+          <a:p>
+            <a:pPr marL="0" indent="0">
+              <a:buNone/>
+            </a:pPr>
+            <a:endParaRPr kumimoji="1" lang="ja-JP" altLang="en-US" dirty="0"/>
           </a:p>
         </p:txBody>
       </p:sp>
@@ -16335,7 +15878,7 @@
     </p:spTree>
     <p:extLst>
       <p:ext uri="{BB962C8B-B14F-4D97-AF65-F5344CB8AC3E}">
-        <p14:creationId xmlns:p14="http://schemas.microsoft.com/office/powerpoint/2010/main" val="3866390143"/>
+        <p14:creationId xmlns:p14="http://schemas.microsoft.com/office/powerpoint/2010/main" val="3288736170"/>
       </p:ext>
     </p:extLst>
   </p:cSld>
@@ -16378,9 +15921,18 @@
           <a:lstStyle/>
           <a:p>
             <a:r>
-              <a:rPr kumimoji="1" lang="ja-JP" altLang="en-US" dirty="0"/>
-              <a:t>シミュレーション</a:t>
-            </a:r>
+              <a:rPr lang="ja-JP" altLang="en-US" dirty="0" smtClean="0"/>
+              <a:t>演習で行ったこと以外にも</a:t>
+            </a:r>
+            <a:r>
+              <a:rPr lang="en-US" altLang="ja-JP" dirty="0" smtClean="0"/>
+              <a:t>R</a:t>
+            </a:r>
+            <a:r>
+              <a:rPr lang="ja-JP" altLang="en-US" dirty="0" smtClean="0"/>
+              <a:t>で色々できます</a:t>
+            </a:r>
+            <a:endParaRPr kumimoji="1" lang="ja-JP" altLang="en-US" dirty="0"/>
           </a:p>
         </p:txBody>
       </p:sp>
@@ -16396,59 +15948,138 @@
         </p:nvSpPr>
         <p:spPr/>
         <p:txBody>
-          <a:bodyPr/>
+          <a:bodyPr>
+            <a:normAutofit/>
+          </a:bodyPr>
           <a:lstStyle/>
           <a:p>
             <a:r>
-              <a:rPr kumimoji="1" lang="ja-JP" altLang="en-US" dirty="0"/>
-              <a:t>シミュレーションとは？</a:t>
-            </a:r>
-            <a:endParaRPr kumimoji="1" lang="en-US" altLang="ja-JP" dirty="0"/>
+              <a:rPr kumimoji="1" lang="en-US" altLang="ja-JP" dirty="0" smtClean="0"/>
+              <a:t>R</a:t>
+            </a:r>
+            <a:r>
+              <a:rPr kumimoji="1" lang="ja-JP" altLang="en-US" dirty="0" smtClean="0"/>
+              <a:t>によるモデリング</a:t>
+            </a:r>
+            <a:endParaRPr lang="en-US" altLang="ja-JP" dirty="0"/>
+          </a:p>
+          <a:p>
+            <a:pPr lvl="1"/>
+            <a:r>
+              <a:rPr lang="en-US" altLang="ja-JP" dirty="0" err="1" smtClean="0"/>
+              <a:t>lmer</a:t>
+            </a:r>
+            <a:r>
+              <a:rPr lang="en-US" altLang="ja-JP" dirty="0" smtClean="0"/>
+              <a:t>/</a:t>
+            </a:r>
+            <a:r>
+              <a:rPr kumimoji="1" lang="en-US" altLang="ja-JP" dirty="0" err="1" smtClean="0"/>
+              <a:t>nlme</a:t>
+            </a:r>
+            <a:r>
+              <a:rPr lang="en-US" altLang="ja-JP" dirty="0"/>
+              <a:t>/</a:t>
+            </a:r>
+            <a:r>
+              <a:rPr lang="en-US" altLang="ja-JP" dirty="0" err="1" smtClean="0"/>
+              <a:t>nlmixr</a:t>
+            </a:r>
+            <a:endParaRPr kumimoji="1" lang="en-US" altLang="ja-JP" dirty="0" smtClean="0"/>
+          </a:p>
+          <a:p>
+            <a:r>
+              <a:rPr kumimoji="1" lang="ja-JP" altLang="en-US" dirty="0" smtClean="0"/>
+              <a:t>シミュレーション</a:t>
+            </a:r>
+            <a:endParaRPr kumimoji="1" lang="en-US" altLang="ja-JP" dirty="0" smtClean="0"/>
+          </a:p>
+          <a:p>
+            <a:pPr lvl="1"/>
+            <a:r>
+              <a:rPr lang="en-US" altLang="ja-JP" dirty="0" smtClean="0"/>
+              <a:t>R</a:t>
+            </a:r>
+            <a:r>
+              <a:rPr lang="ja-JP" altLang="en-US" dirty="0" err="1" smtClean="0"/>
+              <a:t>ｘ</a:t>
+            </a:r>
+            <a:r>
+              <a:rPr lang="en-US" altLang="ja-JP" dirty="0" smtClean="0"/>
+              <a:t>ODE/</a:t>
+            </a:r>
+            <a:r>
+              <a:rPr kumimoji="1" lang="en-US" altLang="ja-JP" dirty="0" err="1" smtClean="0"/>
+              <a:t>mrgsolve</a:t>
+            </a:r>
+            <a:endParaRPr kumimoji="1" lang="en-US" altLang="ja-JP" dirty="0" smtClean="0"/>
+          </a:p>
+          <a:p>
+            <a:r>
+              <a:rPr lang="en-US" altLang="ja-JP" dirty="0" smtClean="0"/>
+              <a:t>Interactive</a:t>
+            </a:r>
+            <a:r>
+              <a:rPr lang="ja-JP" altLang="en-US" dirty="0" smtClean="0"/>
+              <a:t> </a:t>
+            </a:r>
+            <a:r>
+              <a:rPr lang="en-US" altLang="ja-JP" dirty="0" smtClean="0"/>
+              <a:t>application</a:t>
+            </a:r>
+          </a:p>
+          <a:p>
+            <a:pPr lvl="1"/>
+            <a:r>
+              <a:rPr kumimoji="1" lang="en-US" altLang="ja-JP" dirty="0" smtClean="0"/>
+              <a:t>Shiny</a:t>
+            </a:r>
+          </a:p>
+          <a:p>
+            <a:r>
+              <a:rPr lang="en-US" altLang="ja-JP" dirty="0" smtClean="0"/>
+              <a:t>AI/machine</a:t>
+            </a:r>
+            <a:r>
+              <a:rPr lang="ja-JP" altLang="en-US" dirty="0" smtClean="0"/>
+              <a:t> </a:t>
+            </a:r>
+            <a:r>
+              <a:rPr lang="en-US" altLang="ja-JP" dirty="0" smtClean="0"/>
+              <a:t>learning</a:t>
+            </a:r>
+            <a:endParaRPr lang="en-US" altLang="ja-JP" dirty="0"/>
+          </a:p>
+          <a:p>
+            <a:pPr lvl="1"/>
+            <a:r>
+              <a:rPr lang="en-US" altLang="ja-JP" dirty="0" smtClean="0"/>
+              <a:t>caret/</a:t>
+            </a:r>
+            <a:r>
+              <a:rPr lang="en-US" altLang="ja-JP" dirty="0" err="1" smtClean="0"/>
+              <a:t>mlr</a:t>
+            </a:r>
+            <a:r>
+              <a:rPr lang="en-US" altLang="ja-JP" dirty="0" smtClean="0"/>
+              <a:t>/</a:t>
+            </a:r>
+            <a:r>
+              <a:rPr lang="en-US" altLang="ja-JP" dirty="0" err="1" smtClean="0"/>
+              <a:t>tidymodels</a:t>
+            </a:r>
+            <a:endParaRPr lang="en-US" altLang="ja-JP" dirty="0"/>
           </a:p>
           <a:p>
             <a:pPr marL="0" indent="0">
               <a:buNone/>
             </a:pPr>
-            <a:r>
-              <a:rPr lang="ja-JP" altLang="en-US" dirty="0"/>
-              <a:t>コンピューターなどを使用して模擬的に実験を行うこと。（</a:t>
-            </a:r>
-            <a:r>
-              <a:rPr lang="en-US" altLang="ja-JP" dirty="0"/>
-              <a:t>goo</a:t>
-            </a:r>
-            <a:r>
-              <a:rPr lang="ja-JP" altLang="en-US" dirty="0"/>
-              <a:t>辞書）</a:t>
-            </a:r>
+            <a:endParaRPr kumimoji="1" lang="en-US" altLang="ja-JP" dirty="0" smtClean="0"/>
+          </a:p>
+          <a:p>
             <a:endParaRPr lang="en-US" altLang="ja-JP" dirty="0"/>
           </a:p>
           <a:p>
-            <a:pPr marL="0" indent="0">
-              <a:buNone/>
-            </a:pPr>
-            <a:endParaRPr lang="en-US" altLang="ja-JP" dirty="0"/>
-          </a:p>
-          <a:p>
-            <a:pPr marL="0" indent="0">
-              <a:buNone/>
-            </a:pPr>
-            <a:r>
-              <a:rPr lang="ja-JP" altLang="en-US" dirty="0"/>
-              <a:t>ここでは乱数を多数発生させて行う確率論的なシミュレーション（モンテカルロシミュレーション）について紹介する。</a:t>
-            </a:r>
-            <a:endParaRPr lang="en-US" altLang="ja-JP" dirty="0"/>
-          </a:p>
-          <a:p>
-            <a:pPr marL="0" indent="0">
-              <a:buNone/>
-            </a:pPr>
-            <a:endParaRPr kumimoji="1" lang="en-US" altLang="ja-JP" dirty="0"/>
-          </a:p>
-          <a:p>
-            <a:pPr marL="0" indent="0">
-              <a:buNone/>
-            </a:pPr>
             <a:endParaRPr kumimoji="1" lang="ja-JP" altLang="en-US" dirty="0"/>
           </a:p>
         </p:txBody>
@@ -16469,23 +16100,23 @@
           <a:lstStyle/>
           <a:p>
             <a:r>
-              <a:rPr lang="en-US" altLang="ja-JP"/>
+              <a:rPr lang="en-US" altLang="ja-JP" smtClean="0"/>
               <a:t>R</a:t>
             </a:r>
             <a:r>
-              <a:rPr lang="ja-JP" altLang="en-US"/>
+              <a:rPr lang="ja-JP" altLang="en-US" smtClean="0"/>
               <a:t> </a:t>
             </a:r>
             <a:r>
-              <a:rPr lang="en-US" altLang="ja-JP"/>
+              <a:rPr lang="en-US" altLang="ja-JP" smtClean="0"/>
               <a:t>for</a:t>
             </a:r>
             <a:r>
-              <a:rPr lang="ja-JP" altLang="en-US"/>
+              <a:rPr lang="ja-JP" altLang="en-US" smtClean="0"/>
               <a:t> </a:t>
             </a:r>
             <a:r>
-              <a:rPr lang="en-US" altLang="ja-JP"/>
+              <a:rPr lang="en-US" altLang="ja-JP" smtClean="0"/>
               <a:t>Pharmacometrics</a:t>
             </a:r>
             <a:endParaRPr lang="ja-JP" altLang="en-US" dirty="0"/>
@@ -16518,7 +16149,7 @@
     </p:spTree>
     <p:extLst>
       <p:ext uri="{BB962C8B-B14F-4D97-AF65-F5344CB8AC3E}">
-        <p14:creationId xmlns:p14="http://schemas.microsoft.com/office/powerpoint/2010/main" val="3797821230"/>
+        <p14:creationId xmlns:p14="http://schemas.microsoft.com/office/powerpoint/2010/main" val="783261691"/>
       </p:ext>
     </p:extLst>
   </p:cSld>
@@ -16561,12 +16192,8 @@
           <a:lstStyle/>
           <a:p>
             <a:r>
-              <a:rPr kumimoji="1" lang="en-US" altLang="ja-JP" dirty="0" err="1"/>
-              <a:t>RxODE</a:t>
-            </a:r>
-            <a:r>
-              <a:rPr lang="en-US" altLang="ja-JP" dirty="0"/>
-              <a:t>: overview</a:t>
+              <a:rPr kumimoji="1" lang="en-US" altLang="ja-JP" dirty="0"/>
+              <a:t>Backup</a:t>
             </a:r>
             <a:endParaRPr kumimoji="1" lang="ja-JP" altLang="en-US" dirty="0"/>
           </a:p>
@@ -16653,12 +16280,150 @@
           </a:p>
         </p:txBody>
       </p:sp>
+    </p:spTree>
+    <p:extLst>
+      <p:ext uri="{BB962C8B-B14F-4D97-AF65-F5344CB8AC3E}">
+        <p14:creationId xmlns:p14="http://schemas.microsoft.com/office/powerpoint/2010/main" val="3866390143"/>
+      </p:ext>
+    </p:extLst>
+  </p:cSld>
+  <p:clrMapOvr>
+    <a:masterClrMapping/>
+  </p:clrMapOvr>
+</p:sld>
+</file>
+
+<file path=ppt/slides/slide21.xml><?xml version="1.0" encoding="utf-8"?>
+<p:sld xmlns:a="http://schemas.openxmlformats.org/drawingml/2006/main" xmlns:r="http://schemas.openxmlformats.org/officeDocument/2006/relationships" xmlns:p="http://schemas.openxmlformats.org/presentationml/2006/main">
+  <p:cSld>
+    <p:spTree>
+      <p:nvGrpSpPr>
+        <p:cNvPr id="1" name=""/>
+        <p:cNvGrpSpPr/>
+        <p:nvPr/>
+      </p:nvGrpSpPr>
+      <p:grpSpPr>
+        <a:xfrm>
+          <a:off x="0" y="0"/>
+          <a:ext cx="0" cy="0"/>
+          <a:chOff x="0" y="0"/>
+          <a:chExt cx="0" cy="0"/>
+        </a:xfrm>
+      </p:grpSpPr>
+      <p:sp>
+        <p:nvSpPr>
+          <p:cNvPr id="2" name="タイトル 1"/>
+          <p:cNvSpPr>
+            <a:spLocks noGrp="1"/>
+          </p:cNvSpPr>
+          <p:nvPr>
+            <p:ph type="title"/>
+          </p:nvPr>
+        </p:nvSpPr>
+        <p:spPr/>
+        <p:txBody>
+          <a:bodyPr/>
+          <a:lstStyle/>
+          <a:p>
+            <a:r>
+              <a:rPr kumimoji="1" lang="en-US" altLang="ja-JP" dirty="0" err="1"/>
+              <a:t>RxODE</a:t>
+            </a:r>
+            <a:r>
+              <a:rPr lang="en-US" altLang="ja-JP" dirty="0"/>
+              <a:t>: overview</a:t>
+            </a:r>
+            <a:endParaRPr kumimoji="1" lang="ja-JP" altLang="en-US" dirty="0"/>
+          </a:p>
+        </p:txBody>
+      </p:sp>
+      <p:sp>
+        <p:nvSpPr>
+          <p:cNvPr id="3" name="コンテンツ プレースホルダー 2"/>
+          <p:cNvSpPr>
+            <a:spLocks noGrp="1"/>
+          </p:cNvSpPr>
+          <p:nvPr>
+            <p:ph idx="1"/>
+          </p:nvPr>
+        </p:nvSpPr>
+        <p:spPr/>
+        <p:txBody>
+          <a:bodyPr/>
+          <a:lstStyle/>
+          <a:p>
+            <a:endParaRPr kumimoji="1" lang="ja-JP" altLang="en-US"/>
+          </a:p>
+        </p:txBody>
+      </p:sp>
+      <p:sp>
+        <p:nvSpPr>
+          <p:cNvPr id="4" name="フッター プレースホルダー 3"/>
+          <p:cNvSpPr>
+            <a:spLocks noGrp="1"/>
+          </p:cNvSpPr>
+          <p:nvPr>
+            <p:ph type="ftr" sz="quarter" idx="11"/>
+          </p:nvPr>
+        </p:nvSpPr>
+        <p:spPr/>
+        <p:txBody>
+          <a:bodyPr/>
+          <a:lstStyle/>
+          <a:p>
+            <a:r>
+              <a:rPr lang="en-US" altLang="ja-JP"/>
+              <a:t>R</a:t>
+            </a:r>
+            <a:r>
+              <a:rPr lang="ja-JP" altLang="en-US"/>
+              <a:t> </a:t>
+            </a:r>
+            <a:r>
+              <a:rPr lang="en-US" altLang="ja-JP"/>
+              <a:t>for</a:t>
+            </a:r>
+            <a:r>
+              <a:rPr lang="ja-JP" altLang="en-US"/>
+              <a:t> </a:t>
+            </a:r>
+            <a:r>
+              <a:rPr lang="en-US" altLang="ja-JP"/>
+              <a:t>Pharmacometrics</a:t>
+            </a:r>
+            <a:endParaRPr lang="ja-JP" altLang="en-US" dirty="0"/>
+          </a:p>
+        </p:txBody>
+      </p:sp>
+      <p:sp>
+        <p:nvSpPr>
+          <p:cNvPr id="5" name="スライド番号プレースホルダー 4"/>
+          <p:cNvSpPr>
+            <a:spLocks noGrp="1"/>
+          </p:cNvSpPr>
+          <p:nvPr>
+            <p:ph type="sldNum" sz="quarter" idx="12"/>
+          </p:nvPr>
+        </p:nvSpPr>
+        <p:spPr/>
+        <p:txBody>
+          <a:bodyPr/>
+          <a:lstStyle/>
+          <a:p>
+            <a:fld id="{93256357-0251-4953-A9B8-633A05DE8E91}" type="slidenum">
+              <a:rPr kumimoji="1" lang="ja-JP" altLang="en-US" smtClean="0"/>
+              <a:t>21</a:t>
+            </a:fld>
+            <a:endParaRPr kumimoji="1" lang="ja-JP" altLang="en-US"/>
+          </a:p>
+        </p:txBody>
+      </p:sp>
       <p:pic>
         <p:nvPicPr>
           <p:cNvPr id="6" name="Picture 4" descr="An external file that holds a picture, illustration, etc.&#10;Object name is PSP4-5-03-g002.jpg">
             <a:extLst>
               <a:ext uri="{FF2B5EF4-FFF2-40B4-BE49-F238E27FC236}">
-                <a16:creationId xmlns:a16="http://schemas.microsoft.com/office/drawing/2014/main" id="{CD12B13C-05CE-43A6-BE42-5F342F19E421}"/>
+                <a16:creationId xmlns:a16="http://schemas.microsoft.com/office/drawing/2014/main" xmlns="" id="{CD12B13C-05CE-43A6-BE42-5F342F19E421}"/>
               </a:ext>
             </a:extLst>
           </p:cNvPr>
@@ -16820,7 +16585,7 @@
 </p:sld>
 </file>
 
-<file path=ppt/slides/slide21.xml><?xml version="1.0" encoding="utf-8"?>
+<file path=ppt/slides/slide22.xml><?xml version="1.0" encoding="utf-8"?>
 <p:sld xmlns:a="http://schemas.openxmlformats.org/drawingml/2006/main" xmlns:r="http://schemas.openxmlformats.org/officeDocument/2006/relationships" xmlns:p="http://schemas.openxmlformats.org/presentationml/2006/main">
   <p:cSld>
     <p:spTree>
@@ -16947,7 +16712,7 @@
           <a:p>
             <a:fld id="{93256357-0251-4953-A9B8-633A05DE8E91}" type="slidenum">
               <a:rPr kumimoji="1" lang="ja-JP" altLang="en-US" smtClean="0"/>
-              <a:t>21</a:t>
+              <a:t>22</a:t>
             </a:fld>
             <a:endParaRPr kumimoji="1" lang="ja-JP" altLang="en-US"/>
           </a:p>
@@ -17530,7 +17295,7 @@
 </p:sld>
 </file>
 
-<file path=ppt/slides/slide22.xml><?xml version="1.0" encoding="utf-8"?>
+<file path=ppt/slides/slide23.xml><?xml version="1.0" encoding="utf-8"?>
 <p:sld xmlns:a="http://schemas.openxmlformats.org/drawingml/2006/main" xmlns:r="http://schemas.openxmlformats.org/officeDocument/2006/relationships" xmlns:p="http://schemas.openxmlformats.org/presentationml/2006/main">
   <p:cSld>
     <p:spTree>
@@ -17741,7 +17506,7 @@
           <a:p>
             <a:fld id="{93256357-0251-4953-A9B8-633A05DE8E91}" type="slidenum">
               <a:rPr kumimoji="1" lang="ja-JP" altLang="en-US" smtClean="0"/>
-              <a:t>22</a:t>
+              <a:t>23</a:t>
             </a:fld>
             <a:endParaRPr kumimoji="1" lang="ja-JP" altLang="en-US"/>
           </a:p>
@@ -17983,10 +17748,9 @@
           <a:lstStyle/>
           <a:p>
             <a:r>
-              <a:rPr kumimoji="1" lang="en-US" altLang="ja-JP" dirty="0"/>
-              <a:t>Topic</a:t>
-            </a:r>
-            <a:endParaRPr kumimoji="1" lang="ja-JP" altLang="en-US" dirty="0"/>
+              <a:rPr kumimoji="1" lang="ja-JP" altLang="en-US" dirty="0"/>
+              <a:t>シミュレーション</a:t>
+            </a:r>
           </a:p>
         </p:txBody>
       </p:sp>
@@ -18007,74 +17771,54 @@
           <a:p>
             <a:r>
               <a:rPr kumimoji="1" lang="ja-JP" altLang="en-US" dirty="0"/>
-              <a:t>身近な出来事のシミュレーション</a:t>
+              <a:t>シミュレーションとは？</a:t>
             </a:r>
             <a:endParaRPr kumimoji="1" lang="en-US" altLang="ja-JP" dirty="0"/>
           </a:p>
           <a:p>
-            <a:pPr lvl="1"/>
+            <a:pPr marL="0" indent="0">
+              <a:buNone/>
+            </a:pPr>
             <a:r>
               <a:rPr lang="ja-JP" altLang="en-US" dirty="0"/>
-              <a:t>グリコの例を用いて</a:t>
+              <a:t>コンピューターなどを使用して模擬的に実験を行うこと。（</a:t>
+            </a:r>
+            <a:r>
+              <a:rPr lang="en-US" altLang="ja-JP" dirty="0"/>
+              <a:t>goo</a:t>
+            </a:r>
+            <a:r>
+              <a:rPr lang="ja-JP" altLang="en-US" dirty="0"/>
+              <a:t>辞書）</a:t>
             </a:r>
             <a:endParaRPr lang="en-US" altLang="ja-JP" dirty="0"/>
           </a:p>
           <a:p>
-            <a:pPr lvl="1"/>
+            <a:pPr marL="0" indent="0">
+              <a:buNone/>
+            </a:pPr>
+            <a:endParaRPr lang="en-US" altLang="ja-JP" dirty="0"/>
+          </a:p>
+          <a:p>
+            <a:pPr marL="0" indent="0">
+              <a:buNone/>
+            </a:pPr>
+            <a:r>
+              <a:rPr lang="ja-JP" altLang="en-US" dirty="0"/>
+              <a:t>ここでは乱数を多数発生させて行う確率論的なシミュレーション（モンテカルロシミュレーション）について紹介する。</a:t>
+            </a:r>
+            <a:endParaRPr lang="en-US" altLang="ja-JP" dirty="0"/>
+          </a:p>
+          <a:p>
+            <a:pPr marL="0" indent="0">
+              <a:buNone/>
+            </a:pPr>
             <a:endParaRPr kumimoji="1" lang="en-US" altLang="ja-JP" dirty="0"/>
           </a:p>
           <a:p>
-            <a:r>
-              <a:rPr lang="ja-JP" altLang="en-US" dirty="0"/>
-              <a:t>微分方程式を用いたシミュレーション</a:t>
-            </a:r>
-            <a:endParaRPr lang="en-US" altLang="ja-JP" dirty="0"/>
-          </a:p>
-          <a:p>
-            <a:pPr lvl="1"/>
-            <a:r>
-              <a:rPr lang="en-US" altLang="ja-JP" dirty="0" err="1"/>
-              <a:t>RxODE</a:t>
-            </a:r>
-            <a:r>
-              <a:rPr lang="en-US" altLang="ja-JP" dirty="0"/>
-              <a:t>,</a:t>
-            </a:r>
-            <a:r>
-              <a:rPr lang="ja-JP" altLang="en-US" dirty="0"/>
-              <a:t> </a:t>
-            </a:r>
-            <a:r>
-              <a:rPr lang="en-US" altLang="ja-JP" dirty="0" err="1"/>
-              <a:t>mrgsolve</a:t>
-            </a:r>
-            <a:endParaRPr lang="en-US" altLang="ja-JP" dirty="0"/>
-          </a:p>
-          <a:p>
-            <a:pPr lvl="1"/>
-            <a:endParaRPr lang="en-US" altLang="ja-JP" dirty="0"/>
-          </a:p>
-          <a:p>
-            <a:r>
-              <a:rPr kumimoji="1" lang="en-US" altLang="ja-JP" dirty="0"/>
-              <a:t>Interactive</a:t>
-            </a:r>
-            <a:r>
-              <a:rPr lang="ja-JP" altLang="en-US" dirty="0"/>
-              <a:t> </a:t>
-            </a:r>
-            <a:r>
-              <a:rPr lang="en-US" altLang="ja-JP" dirty="0"/>
-              <a:t>communication</a:t>
-            </a:r>
-            <a:endParaRPr kumimoji="1" lang="en-US" altLang="ja-JP" dirty="0"/>
-          </a:p>
-          <a:p>
-            <a:pPr lvl="1"/>
-            <a:r>
-              <a:rPr lang="en-US" altLang="ja-JP" dirty="0"/>
-              <a:t>shiny</a:t>
-            </a:r>
+            <a:pPr marL="0" indent="0">
+              <a:buNone/>
+            </a:pPr>
             <a:endParaRPr kumimoji="1" lang="ja-JP" altLang="en-US" dirty="0"/>
           </a:p>
         </p:txBody>
@@ -18144,7 +17888,7 @@
     </p:spTree>
     <p:extLst>
       <p:ext uri="{BB962C8B-B14F-4D97-AF65-F5344CB8AC3E}">
-        <p14:creationId xmlns:p14="http://schemas.microsoft.com/office/powerpoint/2010/main" val="1250116413"/>
+        <p14:creationId xmlns:p14="http://schemas.microsoft.com/office/powerpoint/2010/main" val="3797821230"/>
       </p:ext>
     </p:extLst>
   </p:cSld>
@@ -18187,8 +17931,8 @@
           <a:lstStyle/>
           <a:p>
             <a:r>
-              <a:rPr lang="ja-JP" altLang="en-US" dirty="0"/>
-              <a:t>身近な出来事のシミュレーション</a:t>
+              <a:rPr kumimoji="1" lang="en-US" altLang="ja-JP" dirty="0"/>
+              <a:t>Topic</a:t>
             </a:r>
             <a:endParaRPr kumimoji="1" lang="ja-JP" altLang="en-US" dirty="0"/>
           </a:p>
@@ -18204,98 +17948,82 @@
             <p:ph idx="1"/>
           </p:nvPr>
         </p:nvSpPr>
-        <p:spPr>
-          <a:xfrm>
-            <a:off x="503339" y="1825625"/>
-            <a:ext cx="10850461" cy="4351338"/>
-          </a:xfrm>
-        </p:spPr>
-        <p:txBody>
-          <a:bodyPr>
-            <a:normAutofit/>
-          </a:bodyPr>
+        <p:spPr/>
+        <p:txBody>
+          <a:bodyPr/>
           <a:lstStyle/>
           <a:p>
-            <a:pPr marL="0" indent="0">
-              <a:buNone/>
-            </a:pPr>
-            <a:r>
-              <a:rPr kumimoji="1" lang="ja-JP" altLang="en-US" sz="2400" dirty="0"/>
-              <a:t>グリコのシミュレーション</a:t>
-            </a:r>
-            <a:endParaRPr kumimoji="1" lang="en-US" altLang="ja-JP" sz="2400" dirty="0"/>
-          </a:p>
-          <a:p>
-            <a:pPr marL="0" indent="0">
-              <a:buNone/>
-            </a:pPr>
-            <a:r>
-              <a:rPr lang="ja-JP" altLang="en-US" sz="2400" dirty="0"/>
-              <a:t>ジャンケンをして</a:t>
-            </a:r>
-            <a:endParaRPr lang="en-US" altLang="ja-JP" sz="2400" dirty="0"/>
-          </a:p>
-          <a:p>
-            <a:r>
-              <a:rPr kumimoji="1" lang="ja-JP" altLang="en-US" sz="2400" dirty="0"/>
-              <a:t>グーで勝つ：グリコ（</a:t>
-            </a:r>
-            <a:r>
-              <a:rPr kumimoji="1" lang="en-US" altLang="ja-JP" sz="2400" dirty="0"/>
-              <a:t>3</a:t>
-            </a:r>
-            <a:r>
-              <a:rPr kumimoji="1" lang="ja-JP" altLang="en-US" sz="2400" dirty="0"/>
-              <a:t>段）</a:t>
-            </a:r>
-            <a:endParaRPr kumimoji="1" lang="en-US" altLang="ja-JP" sz="2400" dirty="0"/>
-          </a:p>
-          <a:p>
-            <a:r>
-              <a:rPr lang="ja-JP" altLang="en-US" sz="2400" dirty="0"/>
-              <a:t>チョキで勝つ：チョコレート（</a:t>
-            </a:r>
-            <a:r>
-              <a:rPr lang="en-US" altLang="ja-JP" sz="2400" dirty="0"/>
-              <a:t>6</a:t>
-            </a:r>
-            <a:r>
-              <a:rPr lang="ja-JP" altLang="en-US" sz="2400" dirty="0"/>
-              <a:t>段）</a:t>
-            </a:r>
-            <a:endParaRPr lang="en-US" altLang="ja-JP" sz="2400" dirty="0"/>
-          </a:p>
-          <a:p>
-            <a:r>
-              <a:rPr lang="ja-JP" altLang="en-US" sz="2400" dirty="0"/>
-              <a:t>パーで勝つ：パイナップル（</a:t>
-            </a:r>
-            <a:r>
-              <a:rPr lang="en-US" altLang="ja-JP" sz="2400" dirty="0"/>
-              <a:t>6</a:t>
-            </a:r>
-            <a:r>
-              <a:rPr lang="ja-JP" altLang="en-US" sz="2400" dirty="0"/>
-              <a:t>段）</a:t>
-            </a:r>
-            <a:endParaRPr lang="en-US" altLang="ja-JP" sz="2400" dirty="0"/>
-          </a:p>
-          <a:p>
-            <a:pPr marL="0" indent="0">
-              <a:buNone/>
-            </a:pPr>
-            <a:r>
-              <a:rPr lang="ja-JP" altLang="en-US" sz="2400" dirty="0" err="1"/>
-              <a:t>ずつ</a:t>
-            </a:r>
-            <a:r>
-              <a:rPr lang="ja-JP" altLang="en-US" sz="2400" dirty="0"/>
-              <a:t>階段を上り先に頂上に着くと勝利</a:t>
-            </a:r>
-            <a:endParaRPr lang="en-US" altLang="ja-JP" sz="2400" dirty="0"/>
-          </a:p>
-          <a:p>
-            <a:endParaRPr kumimoji="1" lang="ja-JP" altLang="en-US" sz="2400" dirty="0"/>
+            <a:r>
+              <a:rPr kumimoji="1" lang="ja-JP" altLang="en-US" dirty="0"/>
+              <a:t>身近な出来事のシミュレーション</a:t>
+            </a:r>
+            <a:endParaRPr kumimoji="1" lang="en-US" altLang="ja-JP" dirty="0"/>
+          </a:p>
+          <a:p>
+            <a:pPr lvl="1"/>
+            <a:r>
+              <a:rPr lang="ja-JP" altLang="en-US" dirty="0"/>
+              <a:t>グリコの例を用いて</a:t>
+            </a:r>
+            <a:endParaRPr lang="en-US" altLang="ja-JP" dirty="0"/>
+          </a:p>
+          <a:p>
+            <a:pPr lvl="1"/>
+            <a:endParaRPr kumimoji="1" lang="en-US" altLang="ja-JP" dirty="0"/>
+          </a:p>
+          <a:p>
+            <a:r>
+              <a:rPr lang="ja-JP" altLang="en-US" dirty="0"/>
+              <a:t>微分方程式を用いたシミュレーション</a:t>
+            </a:r>
+            <a:endParaRPr lang="en-US" altLang="ja-JP" dirty="0"/>
+          </a:p>
+          <a:p>
+            <a:pPr lvl="1"/>
+            <a:r>
+              <a:rPr lang="en-US" altLang="ja-JP" dirty="0" err="1"/>
+              <a:t>RxODE</a:t>
+            </a:r>
+            <a:r>
+              <a:rPr lang="en-US" altLang="ja-JP" dirty="0"/>
+              <a:t>,</a:t>
+            </a:r>
+            <a:r>
+              <a:rPr lang="ja-JP" altLang="en-US" dirty="0"/>
+              <a:t> </a:t>
+            </a:r>
+            <a:r>
+              <a:rPr lang="en-US" altLang="ja-JP" dirty="0" err="1"/>
+              <a:t>mrgsolve</a:t>
+            </a:r>
+            <a:endParaRPr lang="en-US" altLang="ja-JP" dirty="0"/>
+          </a:p>
+          <a:p>
+            <a:pPr lvl="1"/>
+            <a:endParaRPr lang="en-US" altLang="ja-JP" dirty="0"/>
+          </a:p>
+          <a:p>
+            <a:r>
+              <a:rPr kumimoji="1" lang="en-US" altLang="ja-JP" dirty="0"/>
+              <a:t>Interactive</a:t>
+            </a:r>
+            <a:r>
+              <a:rPr lang="ja-JP" altLang="en-US" dirty="0"/>
+              <a:t> </a:t>
+            </a:r>
+            <a:r>
+              <a:rPr lang="en-US" altLang="ja-JP" dirty="0"/>
+              <a:t>communication</a:t>
+            </a:r>
+            <a:endParaRPr kumimoji="1" lang="en-US" altLang="ja-JP" dirty="0"/>
+          </a:p>
+          <a:p>
+            <a:pPr lvl="1"/>
+            <a:r>
+              <a:rPr lang="en-US" altLang="ja-JP" dirty="0"/>
+              <a:t>shiny</a:t>
+            </a:r>
+            <a:endParaRPr kumimoji="1" lang="ja-JP" altLang="en-US" dirty="0"/>
           </a:p>
         </p:txBody>
       </p:sp>
@@ -18356,6 +18084,226 @@
             <a:fld id="{93256357-0251-4953-A9B8-633A05DE8E91}" type="slidenum">
               <a:rPr kumimoji="1" lang="ja-JP" altLang="en-US" smtClean="0"/>
               <a:t>4</a:t>
+            </a:fld>
+            <a:endParaRPr kumimoji="1" lang="ja-JP" altLang="en-US"/>
+          </a:p>
+        </p:txBody>
+      </p:sp>
+    </p:spTree>
+    <p:extLst>
+      <p:ext uri="{BB962C8B-B14F-4D97-AF65-F5344CB8AC3E}">
+        <p14:creationId xmlns:p14="http://schemas.microsoft.com/office/powerpoint/2010/main" val="1250116413"/>
+      </p:ext>
+    </p:extLst>
+  </p:cSld>
+  <p:clrMapOvr>
+    <a:masterClrMapping/>
+  </p:clrMapOvr>
+</p:sld>
+</file>
+
+<file path=ppt/slides/slide5.xml><?xml version="1.0" encoding="utf-8"?>
+<p:sld xmlns:a="http://schemas.openxmlformats.org/drawingml/2006/main" xmlns:r="http://schemas.openxmlformats.org/officeDocument/2006/relationships" xmlns:p="http://schemas.openxmlformats.org/presentationml/2006/main">
+  <p:cSld>
+    <p:spTree>
+      <p:nvGrpSpPr>
+        <p:cNvPr id="1" name=""/>
+        <p:cNvGrpSpPr/>
+        <p:nvPr/>
+      </p:nvGrpSpPr>
+      <p:grpSpPr>
+        <a:xfrm>
+          <a:off x="0" y="0"/>
+          <a:ext cx="0" cy="0"/>
+          <a:chOff x="0" y="0"/>
+          <a:chExt cx="0" cy="0"/>
+        </a:xfrm>
+      </p:grpSpPr>
+      <p:sp>
+        <p:nvSpPr>
+          <p:cNvPr id="2" name="タイトル 1"/>
+          <p:cNvSpPr>
+            <a:spLocks noGrp="1"/>
+          </p:cNvSpPr>
+          <p:nvPr>
+            <p:ph type="title"/>
+          </p:nvPr>
+        </p:nvSpPr>
+        <p:spPr/>
+        <p:txBody>
+          <a:bodyPr/>
+          <a:lstStyle/>
+          <a:p>
+            <a:r>
+              <a:rPr lang="ja-JP" altLang="en-US" dirty="0"/>
+              <a:t>身近な出来事のシミュレーション</a:t>
+            </a:r>
+            <a:endParaRPr kumimoji="1" lang="ja-JP" altLang="en-US" dirty="0"/>
+          </a:p>
+        </p:txBody>
+      </p:sp>
+      <p:sp>
+        <p:nvSpPr>
+          <p:cNvPr id="3" name="コンテンツ プレースホルダー 2"/>
+          <p:cNvSpPr>
+            <a:spLocks noGrp="1"/>
+          </p:cNvSpPr>
+          <p:nvPr>
+            <p:ph idx="1"/>
+          </p:nvPr>
+        </p:nvSpPr>
+        <p:spPr>
+          <a:xfrm>
+            <a:off x="503339" y="1825625"/>
+            <a:ext cx="10850461" cy="4351338"/>
+          </a:xfrm>
+        </p:spPr>
+        <p:txBody>
+          <a:bodyPr>
+            <a:normAutofit/>
+          </a:bodyPr>
+          <a:lstStyle/>
+          <a:p>
+            <a:pPr marL="0" indent="0">
+              <a:buNone/>
+            </a:pPr>
+            <a:r>
+              <a:rPr kumimoji="1" lang="ja-JP" altLang="en-US" sz="2400" dirty="0"/>
+              <a:t>グリコのシミュレーション</a:t>
+            </a:r>
+            <a:endParaRPr kumimoji="1" lang="en-US" altLang="ja-JP" sz="2400" dirty="0"/>
+          </a:p>
+          <a:p>
+            <a:pPr marL="0" indent="0">
+              <a:buNone/>
+            </a:pPr>
+            <a:r>
+              <a:rPr lang="ja-JP" altLang="en-US" sz="2400" dirty="0"/>
+              <a:t>ジャンケンをして</a:t>
+            </a:r>
+            <a:endParaRPr lang="en-US" altLang="ja-JP" sz="2400" dirty="0"/>
+          </a:p>
+          <a:p>
+            <a:r>
+              <a:rPr kumimoji="1" lang="ja-JP" altLang="en-US" sz="2400" dirty="0"/>
+              <a:t>グーで勝つ：グリコ（</a:t>
+            </a:r>
+            <a:r>
+              <a:rPr kumimoji="1" lang="en-US" altLang="ja-JP" sz="2400" dirty="0"/>
+              <a:t>3</a:t>
+            </a:r>
+            <a:r>
+              <a:rPr kumimoji="1" lang="ja-JP" altLang="en-US" sz="2400" dirty="0"/>
+              <a:t>段）</a:t>
+            </a:r>
+            <a:endParaRPr kumimoji="1" lang="en-US" altLang="ja-JP" sz="2400" dirty="0"/>
+          </a:p>
+          <a:p>
+            <a:r>
+              <a:rPr lang="ja-JP" altLang="en-US" sz="2400" dirty="0"/>
+              <a:t>チョキで勝つ：チョコレート（</a:t>
+            </a:r>
+            <a:r>
+              <a:rPr lang="en-US" altLang="ja-JP" sz="2400" dirty="0"/>
+              <a:t>6</a:t>
+            </a:r>
+            <a:r>
+              <a:rPr lang="ja-JP" altLang="en-US" sz="2400" dirty="0"/>
+              <a:t>段）</a:t>
+            </a:r>
+            <a:endParaRPr lang="en-US" altLang="ja-JP" sz="2400" dirty="0"/>
+          </a:p>
+          <a:p>
+            <a:r>
+              <a:rPr lang="ja-JP" altLang="en-US" sz="2400" dirty="0"/>
+              <a:t>パーで勝つ：パイナップル（</a:t>
+            </a:r>
+            <a:r>
+              <a:rPr lang="en-US" altLang="ja-JP" sz="2400" dirty="0"/>
+              <a:t>6</a:t>
+            </a:r>
+            <a:r>
+              <a:rPr lang="ja-JP" altLang="en-US" sz="2400" dirty="0"/>
+              <a:t>段）</a:t>
+            </a:r>
+            <a:endParaRPr lang="en-US" altLang="ja-JP" sz="2400" dirty="0"/>
+          </a:p>
+          <a:p>
+            <a:pPr marL="0" indent="0">
+              <a:buNone/>
+            </a:pPr>
+            <a:r>
+              <a:rPr lang="ja-JP" altLang="en-US" sz="2400" dirty="0" err="1"/>
+              <a:t>ずつ</a:t>
+            </a:r>
+            <a:r>
+              <a:rPr lang="ja-JP" altLang="en-US" sz="2400" dirty="0"/>
+              <a:t>階段を上り先に頂上に着くと勝利</a:t>
+            </a:r>
+            <a:endParaRPr lang="en-US" altLang="ja-JP" sz="2400" dirty="0"/>
+          </a:p>
+          <a:p>
+            <a:endParaRPr kumimoji="1" lang="ja-JP" altLang="en-US" sz="2400" dirty="0"/>
+          </a:p>
+        </p:txBody>
+      </p:sp>
+      <p:sp>
+        <p:nvSpPr>
+          <p:cNvPr id="4" name="フッター プレースホルダー 3"/>
+          <p:cNvSpPr>
+            <a:spLocks noGrp="1"/>
+          </p:cNvSpPr>
+          <p:nvPr>
+            <p:ph type="ftr" sz="quarter" idx="11"/>
+          </p:nvPr>
+        </p:nvSpPr>
+        <p:spPr/>
+        <p:txBody>
+          <a:bodyPr/>
+          <a:lstStyle/>
+          <a:p>
+            <a:r>
+              <a:rPr lang="en-US" altLang="ja-JP"/>
+              <a:t>R</a:t>
+            </a:r>
+            <a:r>
+              <a:rPr lang="ja-JP" altLang="en-US"/>
+              <a:t> </a:t>
+            </a:r>
+            <a:r>
+              <a:rPr lang="en-US" altLang="ja-JP"/>
+              <a:t>for</a:t>
+            </a:r>
+            <a:r>
+              <a:rPr lang="ja-JP" altLang="en-US"/>
+              <a:t> </a:t>
+            </a:r>
+            <a:r>
+              <a:rPr lang="en-US" altLang="ja-JP"/>
+              <a:t>Pharmacometrics</a:t>
+            </a:r>
+            <a:endParaRPr lang="ja-JP" altLang="en-US" dirty="0"/>
+          </a:p>
+        </p:txBody>
+      </p:sp>
+      <p:sp>
+        <p:nvSpPr>
+          <p:cNvPr id="5" name="スライド番号プレースホルダー 4"/>
+          <p:cNvSpPr>
+            <a:spLocks noGrp="1"/>
+          </p:cNvSpPr>
+          <p:nvPr>
+            <p:ph type="sldNum" sz="quarter" idx="12"/>
+          </p:nvPr>
+        </p:nvSpPr>
+        <p:spPr/>
+        <p:txBody>
+          <a:bodyPr/>
+          <a:lstStyle/>
+          <a:p>
+            <a:fld id="{93256357-0251-4953-A9B8-633A05DE8E91}" type="slidenum">
+              <a:rPr kumimoji="1" lang="ja-JP" altLang="en-US" smtClean="0"/>
+              <a:t>5</a:t>
             </a:fld>
             <a:endParaRPr kumimoji="1" lang="ja-JP" altLang="en-US"/>
           </a:p>
@@ -18475,7 +18423,7 @@
 </p:sld>
 </file>
 
-<file path=ppt/slides/slide5.xml><?xml version="1.0" encoding="utf-8"?>
+<file path=ppt/slides/slide6.xml><?xml version="1.0" encoding="utf-8"?>
 <p:sld xmlns:a="http://schemas.openxmlformats.org/drawingml/2006/main" xmlns:r="http://schemas.openxmlformats.org/officeDocument/2006/relationships" xmlns:p="http://schemas.openxmlformats.org/presentationml/2006/main" show="0">
   <p:cSld>
     <p:spTree>
@@ -18548,7 +18496,7 @@
           <a:p>
             <a:fld id="{93256357-0251-4953-A9B8-633A05DE8E91}" type="slidenum">
               <a:rPr kumimoji="1" lang="ja-JP" altLang="en-US" smtClean="0"/>
-              <a:t>5</a:t>
+              <a:t>6</a:t>
             </a:fld>
             <a:endParaRPr kumimoji="1" lang="ja-JP" altLang="en-US"/>
           </a:p>
@@ -18866,10 +18814,18 @@
   <p:clrMapOvr>
     <a:masterClrMapping/>
   </p:clrMapOvr>
+  <mc:AlternateContent xmlns:mc="http://schemas.openxmlformats.org/markup-compatibility/2006">
+    <mc:Choice xmlns:p14="http://schemas.microsoft.com/office/powerpoint/2010/main" Requires="p14">
+      <p:transition spd="slow" p14:dur="2000"/>
+    </mc:Choice>
+    <mc:Fallback>
+      <p:transition spd="slow"/>
+    </mc:Fallback>
+  </mc:AlternateContent>
 </p:sld>
 </file>
 
-<file path=ppt/slides/slide6.xml><?xml version="1.0" encoding="utf-8"?>
+<file path=ppt/slides/slide7.xml><?xml version="1.0" encoding="utf-8"?>
 <p:sld xmlns:a="http://schemas.openxmlformats.org/drawingml/2006/main" xmlns:r="http://schemas.openxmlformats.org/officeDocument/2006/relationships" xmlns:p="http://schemas.openxmlformats.org/presentationml/2006/main">
   <p:cSld>
     <p:spTree>
@@ -18983,7 +18939,7 @@
           <a:p>
             <a:fld id="{93256357-0251-4953-A9B8-633A05DE8E91}" type="slidenum">
               <a:rPr kumimoji="1" lang="ja-JP" altLang="en-US" smtClean="0"/>
-              <a:t>6</a:t>
+              <a:t>7</a:t>
             </a:fld>
             <a:endParaRPr kumimoji="1" lang="ja-JP" altLang="en-US"/>
           </a:p>
@@ -19153,7 +19109,7 @@
 </p:sld>
 </file>
 
-<file path=ppt/slides/slide7.xml><?xml version="1.0" encoding="utf-8"?>
+<file path=ppt/slides/slide8.xml><?xml version="1.0" encoding="utf-8"?>
 <p:sld xmlns:a="http://schemas.openxmlformats.org/drawingml/2006/main" xmlns:r="http://schemas.openxmlformats.org/officeDocument/2006/relationships" xmlns:p="http://schemas.openxmlformats.org/presentationml/2006/main">
   <p:cSld>
     <p:spTree>
@@ -19277,7 +19233,7 @@
           <a:p>
             <a:fld id="{93256357-0251-4953-A9B8-633A05DE8E91}" type="slidenum">
               <a:rPr kumimoji="1" lang="ja-JP" altLang="en-US" smtClean="0"/>
-              <a:t>7</a:t>
+              <a:t>8</a:t>
             </a:fld>
             <a:endParaRPr kumimoji="1" lang="ja-JP" altLang="en-US"/>
           </a:p>
@@ -19310,12 +19266,20 @@
               <a:rPr lang="ja-JP" altLang="en-US" sz="1200" dirty="0"/>
               <a:t>グーで勝っても</a:t>
             </a:r>
+            <a:r>
+              <a:rPr lang="en-US" altLang="ja-JP" sz="1200" dirty="0"/>
+              <a:t/>
+            </a:r>
             <a:br>
               <a:rPr lang="en-US" altLang="ja-JP" sz="1200" dirty="0"/>
             </a:br>
             <a:r>
               <a:rPr lang="ja-JP" altLang="en-US" sz="1200" dirty="0"/>
               <a:t>あまり進めないから、</a:t>
+            </a:r>
+            <a:r>
+              <a:rPr lang="en-US" altLang="ja-JP" sz="1200" dirty="0"/>
+              <a:t/>
             </a:r>
             <a:br>
               <a:rPr lang="en-US" altLang="ja-JP" sz="1200" dirty="0"/>
@@ -19385,12 +19349,20 @@
               <a:rPr lang="ja-JP" altLang="en-US" sz="1200" dirty="0"/>
               <a:t>グーを減らして</a:t>
             </a:r>
+            <a:r>
+              <a:rPr lang="en-US" altLang="ja-JP" sz="1200" dirty="0"/>
+              <a:t/>
+            </a:r>
             <a:br>
               <a:rPr lang="en-US" altLang="ja-JP" sz="1200" dirty="0"/>
             </a:br>
             <a:r>
               <a:rPr lang="ja-JP" altLang="en-US" sz="1200" dirty="0"/>
               <a:t>くるかも・・・</a:t>
+            </a:r>
+            <a:r>
+              <a:rPr lang="en-US" altLang="ja-JP" sz="1200" dirty="0"/>
+              <a:t/>
             </a:r>
             <a:br>
               <a:rPr lang="en-US" altLang="ja-JP" sz="1200" dirty="0"/>
@@ -19460,6 +19432,10 @@
               <a:rPr lang="ja-JP" altLang="en-US" sz="1200" dirty="0"/>
               <a:t>さらに読んできてパーを</a:t>
             </a:r>
+            <a:r>
+              <a:rPr lang="en-US" altLang="ja-JP" sz="1200" dirty="0"/>
+              <a:t/>
+            </a:r>
             <a:br>
               <a:rPr lang="en-US" altLang="ja-JP" sz="1200" dirty="0"/>
             </a:br>
@@ -19520,7 +19496,7 @@
 </p:sld>
 </file>
 
-<file path=ppt/slides/slide8.xml><?xml version="1.0" encoding="utf-8"?>
+<file path=ppt/slides/slide9.xml><?xml version="1.0" encoding="utf-8"?>
 <p:sld xmlns:a="http://schemas.openxmlformats.org/drawingml/2006/main" xmlns:r="http://schemas.openxmlformats.org/officeDocument/2006/relationships" xmlns:p="http://schemas.openxmlformats.org/presentationml/2006/main">
   <p:cSld>
     <p:spTree>
@@ -19634,7 +19610,7 @@
           <a:p>
             <a:fld id="{93256357-0251-4953-A9B8-633A05DE8E91}" type="slidenum">
               <a:rPr kumimoji="1" lang="ja-JP" altLang="en-US" smtClean="0"/>
-              <a:t>8</a:t>
+              <a:t>9</a:t>
             </a:fld>
             <a:endParaRPr kumimoji="1" lang="ja-JP" altLang="en-US"/>
           </a:p>
@@ -19697,12 +19673,20 @@
               <a:rPr lang="ja-JP" altLang="en-US" sz="1200" dirty="0"/>
               <a:t>グーで勝っても</a:t>
             </a:r>
+            <a:r>
+              <a:rPr lang="en-US" altLang="ja-JP" sz="1200" dirty="0"/>
+              <a:t/>
+            </a:r>
             <a:br>
               <a:rPr lang="en-US" altLang="ja-JP" sz="1200" dirty="0"/>
             </a:br>
             <a:r>
               <a:rPr lang="ja-JP" altLang="en-US" sz="1200" dirty="0"/>
               <a:t>あまり進めないから、</a:t>
+            </a:r>
+            <a:r>
+              <a:rPr lang="en-US" altLang="ja-JP" sz="1200" dirty="0"/>
+              <a:t/>
             </a:r>
             <a:br>
               <a:rPr lang="en-US" altLang="ja-JP" sz="1200" dirty="0"/>
@@ -19806,7 +19790,7 @@
           <p:cNvPr id="11" name="コンテンツ プレースホルダー 5">
             <a:extLst>
               <a:ext uri="{FF2B5EF4-FFF2-40B4-BE49-F238E27FC236}">
-                <a16:creationId xmlns:a16="http://schemas.microsoft.com/office/drawing/2014/main" id="{5575D0ED-69A5-467F-9F4C-A640013A425F}"/>
+                <a16:creationId xmlns:a16="http://schemas.microsoft.com/office/drawing/2014/main" xmlns="" id="{5575D0ED-69A5-467F-9F4C-A640013A425F}"/>
               </a:ext>
             </a:extLst>
           </p:cNvPr>
@@ -19841,7 +19825,7 @@
           <p:cNvPr id="12" name="図 11">
             <a:extLst>
               <a:ext uri="{FF2B5EF4-FFF2-40B4-BE49-F238E27FC236}">
-                <a16:creationId xmlns:a16="http://schemas.microsoft.com/office/drawing/2014/main" id="{FC0CFAB2-0068-44ED-AF9C-F02778F04AAA}"/>
+                <a16:creationId xmlns:a16="http://schemas.microsoft.com/office/drawing/2014/main" xmlns="" id="{FC0CFAB2-0068-44ED-AF9C-F02778F04AAA}"/>
               </a:ext>
             </a:extLst>
           </p:cNvPr>
@@ -19875,330 +19859,6 @@
     <p:extLst>
       <p:ext uri="{BB962C8B-B14F-4D97-AF65-F5344CB8AC3E}">
         <p14:creationId xmlns:p14="http://schemas.microsoft.com/office/powerpoint/2010/main" val="2623457381"/>
-      </p:ext>
-    </p:extLst>
-  </p:cSld>
-  <p:clrMapOvr>
-    <a:masterClrMapping/>
-  </p:clrMapOvr>
-</p:sld>
-</file>
-
-<file path=ppt/slides/slide9.xml><?xml version="1.0" encoding="utf-8"?>
-<p:sld xmlns:a="http://schemas.openxmlformats.org/drawingml/2006/main" xmlns:r="http://schemas.openxmlformats.org/officeDocument/2006/relationships" xmlns:p="http://schemas.openxmlformats.org/presentationml/2006/main">
-  <p:cSld>
-    <p:spTree>
-      <p:nvGrpSpPr>
-        <p:cNvPr id="1" name=""/>
-        <p:cNvGrpSpPr/>
-        <p:nvPr/>
-      </p:nvGrpSpPr>
-      <p:grpSpPr>
-        <a:xfrm>
-          <a:off x="0" y="0"/>
-          <a:ext cx="0" cy="0"/>
-          <a:chOff x="0" y="0"/>
-          <a:chExt cx="0" cy="0"/>
-        </a:xfrm>
-      </p:grpSpPr>
-      <p:sp>
-        <p:nvSpPr>
-          <p:cNvPr id="2" name="タイトル 1"/>
-          <p:cNvSpPr>
-            <a:spLocks noGrp="1"/>
-          </p:cNvSpPr>
-          <p:nvPr>
-            <p:ph type="title"/>
-          </p:nvPr>
-        </p:nvSpPr>
-        <p:spPr/>
-        <p:txBody>
-          <a:bodyPr/>
-          <a:lstStyle/>
-          <a:p>
-            <a:r>
-              <a:rPr kumimoji="1" lang="ja-JP" altLang="en-US" dirty="0"/>
-              <a:t>対策としてパーを半分に減らす</a:t>
-            </a:r>
-          </a:p>
-        </p:txBody>
-      </p:sp>
-      <p:sp>
-        <p:nvSpPr>
-          <p:cNvPr id="3" name="コンテンツ プレースホルダー 2"/>
-          <p:cNvSpPr>
-            <a:spLocks noGrp="1"/>
-          </p:cNvSpPr>
-          <p:nvPr>
-            <p:ph idx="1"/>
-          </p:nvPr>
-        </p:nvSpPr>
-        <p:spPr/>
-        <p:txBody>
-          <a:bodyPr/>
-          <a:lstStyle/>
-          <a:p>
-            <a:endParaRPr kumimoji="1" lang="ja-JP" altLang="en-US"/>
-          </a:p>
-        </p:txBody>
-      </p:sp>
-      <p:sp>
-        <p:nvSpPr>
-          <p:cNvPr id="4" name="フッター プレースホルダー 3"/>
-          <p:cNvSpPr>
-            <a:spLocks noGrp="1"/>
-          </p:cNvSpPr>
-          <p:nvPr>
-            <p:ph type="ftr" sz="quarter" idx="11"/>
-          </p:nvPr>
-        </p:nvSpPr>
-        <p:spPr/>
-        <p:txBody>
-          <a:bodyPr/>
-          <a:lstStyle/>
-          <a:p>
-            <a:r>
-              <a:rPr lang="en-US" altLang="ja-JP"/>
-              <a:t>R</a:t>
-            </a:r>
-            <a:r>
-              <a:rPr lang="ja-JP" altLang="en-US"/>
-              <a:t> </a:t>
-            </a:r>
-            <a:r>
-              <a:rPr lang="en-US" altLang="ja-JP"/>
-              <a:t>for</a:t>
-            </a:r>
-            <a:r>
-              <a:rPr lang="ja-JP" altLang="en-US"/>
-              <a:t> </a:t>
-            </a:r>
-            <a:r>
-              <a:rPr lang="en-US" altLang="ja-JP"/>
-              <a:t>Pharmacometrics</a:t>
-            </a:r>
-            <a:endParaRPr lang="ja-JP" altLang="en-US" dirty="0"/>
-          </a:p>
-        </p:txBody>
-      </p:sp>
-      <p:sp>
-        <p:nvSpPr>
-          <p:cNvPr id="5" name="スライド番号プレースホルダー 4"/>
-          <p:cNvSpPr>
-            <a:spLocks noGrp="1"/>
-          </p:cNvSpPr>
-          <p:nvPr>
-            <p:ph type="sldNum" sz="quarter" idx="12"/>
-          </p:nvPr>
-        </p:nvSpPr>
-        <p:spPr/>
-        <p:txBody>
-          <a:bodyPr/>
-          <a:lstStyle/>
-          <a:p>
-            <a:fld id="{93256357-0251-4953-A9B8-633A05DE8E91}" type="slidenum">
-              <a:rPr kumimoji="1" lang="ja-JP" altLang="en-US" smtClean="0"/>
-              <a:t>9</a:t>
-            </a:fld>
-            <a:endParaRPr kumimoji="1" lang="ja-JP" altLang="en-US"/>
-          </a:p>
-        </p:txBody>
-      </p:sp>
-      <p:pic>
-        <p:nvPicPr>
-          <p:cNvPr id="6" name="図 5"/>
-          <p:cNvPicPr>
-            <a:picLocks noChangeAspect="1"/>
-          </p:cNvPicPr>
-          <p:nvPr/>
-        </p:nvPicPr>
-        <p:blipFill>
-          <a:blip r:embed="rId2">
-            <a:extLst>
-              <a:ext uri="{28A0092B-C50C-407E-A947-70E740481C1C}">
-                <a14:useLocalDpi xmlns:a14="http://schemas.microsoft.com/office/drawing/2010/main" val="0"/>
-              </a:ext>
-            </a:extLst>
-          </a:blip>
-          <a:stretch>
-            <a:fillRect/>
-          </a:stretch>
-        </p:blipFill>
-        <p:spPr>
-          <a:xfrm>
-            <a:off x="838200" y="1825625"/>
-            <a:ext cx="3513851" cy="3513851"/>
-          </a:xfrm>
-          <a:prstGeom prst="rect">
-            <a:avLst/>
-          </a:prstGeom>
-        </p:spPr>
-      </p:pic>
-      <p:sp>
-        <p:nvSpPr>
-          <p:cNvPr id="7" name="テキスト ボックス 6"/>
-          <p:cNvSpPr txBox="1"/>
-          <p:nvPr/>
-        </p:nvSpPr>
-        <p:spPr>
-          <a:xfrm>
-            <a:off x="1064330" y="2492739"/>
-            <a:ext cx="1146468" cy="646331"/>
-          </a:xfrm>
-          <a:prstGeom prst="rect">
-            <a:avLst/>
-          </a:prstGeom>
-          <a:noFill/>
-        </p:spPr>
-        <p:txBody>
-          <a:bodyPr wrap="none" rtlCol="0">
-            <a:spAutoFit/>
-          </a:bodyPr>
-          <a:lstStyle/>
-          <a:p>
-            <a:pPr algn="ctr"/>
-            <a:r>
-              <a:rPr lang="ja-JP" altLang="en-US" sz="1200" dirty="0"/>
-              <a:t>グーを減らして</a:t>
-            </a:r>
-            <a:br>
-              <a:rPr lang="en-US" altLang="ja-JP" sz="1200" dirty="0"/>
-            </a:br>
-            <a:r>
-              <a:rPr lang="ja-JP" altLang="en-US" sz="1200" dirty="0"/>
-              <a:t>くるかも・・・</a:t>
-            </a:r>
-            <a:br>
-              <a:rPr lang="en-US" altLang="ja-JP" sz="1200" dirty="0"/>
-            </a:br>
-            <a:r>
-              <a:rPr lang="ja-JP" altLang="en-US" sz="1200" dirty="0"/>
-              <a:t>パーを減らそう</a:t>
-            </a:r>
-            <a:endParaRPr kumimoji="1" lang="ja-JP" altLang="en-US" sz="1200" dirty="0"/>
-          </a:p>
-        </p:txBody>
-      </p:sp>
-      <p:pic>
-        <p:nvPicPr>
-          <p:cNvPr id="8" name="図 7"/>
-          <p:cNvPicPr>
-            <a:picLocks noChangeAspect="1"/>
-          </p:cNvPicPr>
-          <p:nvPr/>
-        </p:nvPicPr>
-        <p:blipFill>
-          <a:blip r:embed="rId3"/>
-          <a:stretch>
-            <a:fillRect/>
-          </a:stretch>
-        </p:blipFill>
-        <p:spPr>
-          <a:xfrm>
-            <a:off x="6142021" y="1449099"/>
-            <a:ext cx="5437909" cy="4727864"/>
-          </a:xfrm>
-          <a:prstGeom prst="rect">
-            <a:avLst/>
-          </a:prstGeom>
-        </p:spPr>
-      </p:pic>
-      <p:sp>
-        <p:nvSpPr>
-          <p:cNvPr id="9" name="テキスト ボックス 8"/>
-          <p:cNvSpPr txBox="1"/>
-          <p:nvPr/>
-        </p:nvSpPr>
-        <p:spPr>
-          <a:xfrm>
-            <a:off x="2595125" y="5715298"/>
-            <a:ext cx="4025461" cy="461665"/>
-          </a:xfrm>
-          <a:prstGeom prst="rect">
-            <a:avLst/>
-          </a:prstGeom>
-          <a:noFill/>
-        </p:spPr>
-        <p:txBody>
-          <a:bodyPr wrap="none" rtlCol="0">
-            <a:spAutoFit/>
-          </a:bodyPr>
-          <a:lstStyle/>
-          <a:p>
-            <a:r>
-              <a:rPr lang="ja-JP" altLang="en-US" sz="2400" dirty="0"/>
-              <a:t>裏を読むことで勝ちやすくなる</a:t>
-            </a:r>
-            <a:endParaRPr kumimoji="1" lang="ja-JP" altLang="en-US" sz="2400" dirty="0"/>
-          </a:p>
-        </p:txBody>
-      </p:sp>
-      <p:sp>
-        <p:nvSpPr>
-          <p:cNvPr id="10" name="テキスト ボックス 9"/>
-          <p:cNvSpPr txBox="1"/>
-          <p:nvPr/>
-        </p:nvSpPr>
-        <p:spPr>
-          <a:xfrm>
-            <a:off x="7176946" y="1870079"/>
-            <a:ext cx="1459054" cy="369332"/>
-          </a:xfrm>
-          <a:prstGeom prst="rect">
-            <a:avLst/>
-          </a:prstGeom>
-          <a:noFill/>
-        </p:spPr>
-        <p:txBody>
-          <a:bodyPr wrap="none" rtlCol="0">
-            <a:spAutoFit/>
-          </a:bodyPr>
-          <a:lstStyle/>
-          <a:p>
-            <a:r>
-              <a:rPr kumimoji="1" lang="ja-JP" altLang="en-US" dirty="0"/>
-              <a:t>グーを減らす</a:t>
-            </a:r>
-          </a:p>
-        </p:txBody>
-      </p:sp>
-      <p:sp>
-        <p:nvSpPr>
-          <p:cNvPr id="11" name="テキスト ボックス 10"/>
-          <p:cNvSpPr txBox="1"/>
-          <p:nvPr/>
-        </p:nvSpPr>
-        <p:spPr>
-          <a:xfrm>
-            <a:off x="9399446" y="1285123"/>
-            <a:ext cx="1471878" cy="369332"/>
-          </a:xfrm>
-          <a:prstGeom prst="rect">
-            <a:avLst/>
-          </a:prstGeom>
-          <a:noFill/>
-        </p:spPr>
-        <p:txBody>
-          <a:bodyPr wrap="none" rtlCol="0">
-            <a:spAutoFit/>
-          </a:bodyPr>
-          <a:lstStyle/>
-          <a:p>
-            <a:r>
-              <a:rPr lang="ja-JP" altLang="en-US" dirty="0"/>
-              <a:t>パ</a:t>
-            </a:r>
-            <a:r>
-              <a:rPr kumimoji="1" lang="ja-JP" altLang="en-US" dirty="0"/>
-              <a:t>ーを減らす</a:t>
-            </a:r>
-          </a:p>
-        </p:txBody>
-      </p:sp>
-    </p:spTree>
-    <p:extLst>
-      <p:ext uri="{BB962C8B-B14F-4D97-AF65-F5344CB8AC3E}">
-        <p14:creationId xmlns:p14="http://schemas.microsoft.com/office/powerpoint/2010/main" val="1158307178"/>
       </p:ext>
     </p:extLst>
   </p:cSld>

--- a/1st_review_slide/4_Advanced_simulation_201009.pptx
+++ b/1st_review_slide/4_Advanced_simulation_201009.pptx
@@ -153,6 +153,13 @@
       </p:ext>
     </p:extLst>
   </p:cmAuthor>
+  <p:cmAuthor id="3" name="KASHIHARA YUSHI / 柏原 祐志" initials="KY/柏祐" lastIdx="1" clrIdx="2">
+    <p:extLst>
+      <p:ext uri="{19B8F6BF-5375-455C-9EA6-DF929625EA0E}">
+        <p15:presenceInfo xmlns:p15="http://schemas.microsoft.com/office/powerpoint/2012/main" userId="S-1-5-21-2304227532-392271255-3195294537-203918" providerId="AD"/>
+      </p:ext>
+    </p:extLst>
+  </p:cmAuthor>
 </p:cmAuthorLst>
 </file>
 
@@ -273,6 +280,20 @@
   <p:cm authorId="1" dt="2020-10-10T09:34:19.771" idx="7">
     <p:pos x="1086" y="2996"/>
     <p:text>最後に次回以降こんなのやるかも。。という予告しといても良いかもしれないですね。やるかは決まってないとは思いますが。</p:text>
+    <p:extLst>
+      <p:ext uri="{C676402C-5697-4E1C-873F-D02D1690AC5C}">
+        <p15:threadingInfo xmlns:p15="http://schemas.microsoft.com/office/powerpoint/2012/main" timeZoneBias="-540"/>
+      </p:ext>
+    </p:extLst>
+  </p:cm>
+</p:cmLst>
+</file>
+
+<file path=ppt/comments/comment9.xml><?xml version="1.0" encoding="utf-8"?>
+<p:cmLst xmlns:a="http://schemas.openxmlformats.org/drawingml/2006/main" xmlns:r="http://schemas.openxmlformats.org/officeDocument/2006/relationships" xmlns:p="http://schemas.openxmlformats.org/presentationml/2006/main">
+  <p:cm authorId="3" dt="2020-10-23T19:20:44.791" idx="1">
+    <p:pos x="10" y="10"/>
+    <p:text>Backupなので不要かもですが、mrgsoleveだけ引用がないのでコメントしました。もしくはスライド14に引用を記載してもいいかもです。</p:text>
     <p:extLst>
       <p:ext uri="{C676402C-5697-4E1C-873F-D02D1690AC5C}">
         <p15:threadingInfo xmlns:p15="http://schemas.microsoft.com/office/powerpoint/2012/main" timeZoneBias="-540"/>
@@ -2727,6 +2748,377 @@
       <dsp:cNvGrpSpPr/>
     </dsp:nvGrpSpPr>
     <dsp:grpSpPr/>
+    <dsp:sp modelId="{BC40B87C-AD1E-47FC-86EA-1B97142ED498}">
+      <dsp:nvSpPr>
+        <dsp:cNvPr id="0" name=""/>
+        <dsp:cNvSpPr/>
+      </dsp:nvSpPr>
+      <dsp:spPr>
+        <a:xfrm>
+          <a:off x="2081849" y="813040"/>
+          <a:ext cx="1093049" cy="341019"/>
+        </a:xfrm>
+        <a:custGeom>
+          <a:avLst/>
+          <a:gdLst/>
+          <a:ahLst/>
+          <a:cxnLst/>
+          <a:rect l="0" t="0" r="0" b="0"/>
+          <a:pathLst>
+            <a:path>
+              <a:moveTo>
+                <a:pt x="0" y="0"/>
+              </a:moveTo>
+              <a:lnTo>
+                <a:pt x="0" y="170509"/>
+              </a:lnTo>
+              <a:lnTo>
+                <a:pt x="1093049" y="170509"/>
+              </a:lnTo>
+              <a:lnTo>
+                <a:pt x="1093049" y="341019"/>
+              </a:lnTo>
+            </a:path>
+          </a:pathLst>
+        </a:custGeom>
+        <a:noFill/>
+        <a:ln w="12700" cap="flat" cmpd="sng" algn="ctr">
+          <a:solidFill>
+            <a:schemeClr val="accent2">
+              <a:shade val="60000"/>
+              <a:hueOff val="0"/>
+              <a:satOff val="0"/>
+              <a:lumOff val="0"/>
+              <a:alphaOff val="0"/>
+            </a:schemeClr>
+          </a:solidFill>
+          <a:prstDash val="solid"/>
+          <a:miter lim="800000"/>
+        </a:ln>
+        <a:effectLst/>
+      </dsp:spPr>
+      <dsp:style>
+        <a:lnRef idx="2">
+          <a:scrgbClr r="0" g="0" b="0"/>
+        </a:lnRef>
+        <a:fillRef idx="0">
+          <a:scrgbClr r="0" g="0" b="0"/>
+        </a:fillRef>
+        <a:effectRef idx="0">
+          <a:scrgbClr r="0" g="0" b="0"/>
+        </a:effectRef>
+        <a:fontRef idx="minor"/>
+      </dsp:style>
+    </dsp:sp>
+    <dsp:sp modelId="{415DF792-1391-44EA-820A-E05D110585B5}">
+      <dsp:nvSpPr>
+        <dsp:cNvPr id="0" name=""/>
+        <dsp:cNvSpPr/>
+      </dsp:nvSpPr>
+      <dsp:spPr>
+        <a:xfrm>
+          <a:off x="1099387" y="813040"/>
+          <a:ext cx="982461" cy="341019"/>
+        </a:xfrm>
+        <a:custGeom>
+          <a:avLst/>
+          <a:gdLst/>
+          <a:ahLst/>
+          <a:cxnLst/>
+          <a:rect l="0" t="0" r="0" b="0"/>
+          <a:pathLst>
+            <a:path>
+              <a:moveTo>
+                <a:pt x="982461" y="0"/>
+              </a:moveTo>
+              <a:lnTo>
+                <a:pt x="982461" y="170509"/>
+              </a:lnTo>
+              <a:lnTo>
+                <a:pt x="0" y="170509"/>
+              </a:lnTo>
+              <a:lnTo>
+                <a:pt x="0" y="341019"/>
+              </a:lnTo>
+            </a:path>
+          </a:pathLst>
+        </a:custGeom>
+        <a:noFill/>
+        <a:ln w="12700" cap="flat" cmpd="sng" algn="ctr">
+          <a:solidFill>
+            <a:schemeClr val="accent2">
+              <a:shade val="60000"/>
+              <a:hueOff val="0"/>
+              <a:satOff val="0"/>
+              <a:lumOff val="0"/>
+              <a:alphaOff val="0"/>
+            </a:schemeClr>
+          </a:solidFill>
+          <a:prstDash val="solid"/>
+          <a:miter lim="800000"/>
+        </a:ln>
+        <a:effectLst/>
+      </dsp:spPr>
+      <dsp:style>
+        <a:lnRef idx="2">
+          <a:scrgbClr r="0" g="0" b="0"/>
+        </a:lnRef>
+        <a:fillRef idx="0">
+          <a:scrgbClr r="0" g="0" b="0"/>
+        </a:fillRef>
+        <a:effectRef idx="0">
+          <a:scrgbClr r="0" g="0" b="0"/>
+        </a:effectRef>
+        <a:fontRef idx="minor"/>
+      </dsp:style>
+    </dsp:sp>
+    <dsp:sp modelId="{D206A387-5174-40B0-B628-117159033CCA}">
+      <dsp:nvSpPr>
+        <dsp:cNvPr id="0" name=""/>
+        <dsp:cNvSpPr/>
+      </dsp:nvSpPr>
+      <dsp:spPr>
+        <a:xfrm>
+          <a:off x="1269897" y="1088"/>
+          <a:ext cx="1623903" cy="811951"/>
+        </a:xfrm>
+        <a:prstGeom prst="rect">
+          <a:avLst/>
+        </a:prstGeom>
+        <a:solidFill>
+          <a:schemeClr val="lt1">
+            <a:hueOff val="0"/>
+            <a:satOff val="0"/>
+            <a:lumOff val="0"/>
+            <a:alphaOff val="0"/>
+          </a:schemeClr>
+        </a:solidFill>
+        <a:ln w="12700" cap="flat" cmpd="sng" algn="ctr">
+          <a:solidFill>
+            <a:schemeClr val="accent2">
+              <a:shade val="80000"/>
+              <a:hueOff val="0"/>
+              <a:satOff val="0"/>
+              <a:lumOff val="0"/>
+              <a:alphaOff val="0"/>
+            </a:schemeClr>
+          </a:solidFill>
+          <a:prstDash val="solid"/>
+          <a:miter lim="800000"/>
+        </a:ln>
+        <a:effectLst/>
+      </dsp:spPr>
+      <dsp:style>
+        <a:lnRef idx="2">
+          <a:scrgbClr r="0" g="0" b="0"/>
+        </a:lnRef>
+        <a:fillRef idx="1">
+          <a:scrgbClr r="0" g="0" b="0"/>
+        </a:fillRef>
+        <a:effectRef idx="0">
+          <a:scrgbClr r="0" g="0" b="0"/>
+        </a:effectRef>
+        <a:fontRef idx="minor">
+          <a:schemeClr val="lt1"/>
+        </a:fontRef>
+      </dsp:style>
+      <dsp:txBody>
+        <a:bodyPr spcFirstLastPara="0" vert="horz" wrap="square" lIns="11430" tIns="11430" rIns="11430" bIns="11430" numCol="1" spcCol="1270" anchor="ctr" anchorCtr="0">
+          <a:noAutofit/>
+        </a:bodyPr>
+        <a:lstStyle/>
+        <a:p>
+          <a:pPr lvl="0" algn="ctr" defTabSz="800100">
+            <a:lnSpc>
+              <a:spcPct val="90000"/>
+            </a:lnSpc>
+            <a:spcBef>
+              <a:spcPct val="0"/>
+            </a:spcBef>
+            <a:spcAft>
+              <a:spcPct val="35000"/>
+            </a:spcAft>
+          </a:pPr>
+          <a:r>
+            <a:rPr kumimoji="1" lang="en-US" altLang="ja-JP" sz="1800" kern="1200" dirty="0" err="1"/>
+            <a:t>server.R</a:t>
+          </a:r>
+          <a:endParaRPr kumimoji="1" lang="ja-JP" altLang="en-US" sz="1800" kern="1200" dirty="0"/>
+        </a:p>
+      </dsp:txBody>
+      <dsp:txXfrm>
+        <a:off x="1269897" y="1088"/>
+        <a:ext cx="1623903" cy="811951"/>
+      </dsp:txXfrm>
+    </dsp:sp>
+    <dsp:sp modelId="{2C45F10C-E933-492D-9942-112BAF9BE6DF}">
+      <dsp:nvSpPr>
+        <dsp:cNvPr id="0" name=""/>
+        <dsp:cNvSpPr/>
+      </dsp:nvSpPr>
+      <dsp:spPr>
+        <a:xfrm>
+          <a:off x="176848" y="1154060"/>
+          <a:ext cx="1845079" cy="811951"/>
+        </a:xfrm>
+        <a:prstGeom prst="rect">
+          <a:avLst/>
+        </a:prstGeom>
+        <a:solidFill>
+          <a:schemeClr val="lt1">
+            <a:hueOff val="0"/>
+            <a:satOff val="0"/>
+            <a:lumOff val="0"/>
+            <a:alphaOff val="0"/>
+          </a:schemeClr>
+        </a:solidFill>
+        <a:ln w="12700" cap="flat" cmpd="sng" algn="ctr">
+          <a:solidFill>
+            <a:schemeClr val="accent2">
+              <a:shade val="80000"/>
+              <a:hueOff val="0"/>
+              <a:satOff val="0"/>
+              <a:lumOff val="0"/>
+              <a:alphaOff val="0"/>
+            </a:schemeClr>
+          </a:solidFill>
+          <a:prstDash val="solid"/>
+          <a:miter lim="800000"/>
+        </a:ln>
+        <a:effectLst/>
+      </dsp:spPr>
+      <dsp:style>
+        <a:lnRef idx="2">
+          <a:scrgbClr r="0" g="0" b="0"/>
+        </a:lnRef>
+        <a:fillRef idx="1">
+          <a:scrgbClr r="0" g="0" b="0"/>
+        </a:fillRef>
+        <a:effectRef idx="0">
+          <a:scrgbClr r="0" g="0" b="0"/>
+        </a:effectRef>
+        <a:fontRef idx="minor">
+          <a:schemeClr val="lt1"/>
+        </a:fontRef>
+      </dsp:style>
+      <dsp:txBody>
+        <a:bodyPr spcFirstLastPara="0" vert="horz" wrap="square" lIns="10160" tIns="10160" rIns="10160" bIns="10160" numCol="1" spcCol="1270" anchor="ctr" anchorCtr="0">
+          <a:noAutofit/>
+        </a:bodyPr>
+        <a:lstStyle/>
+        <a:p>
+          <a:pPr lvl="0" algn="ctr" defTabSz="711200">
+            <a:lnSpc>
+              <a:spcPct val="90000"/>
+            </a:lnSpc>
+            <a:spcBef>
+              <a:spcPct val="0"/>
+            </a:spcBef>
+            <a:spcAft>
+              <a:spcPct val="35000"/>
+            </a:spcAft>
+          </a:pPr>
+          <a:r>
+            <a:rPr kumimoji="1" lang="ja-JP" altLang="en-US" sz="1600" kern="1200" dirty="0"/>
+            <a:t>計算などを実施し、結果を出す</a:t>
+          </a:r>
+        </a:p>
+      </dsp:txBody>
+      <dsp:txXfrm>
+        <a:off x="176848" y="1154060"/>
+        <a:ext cx="1845079" cy="811951"/>
+      </dsp:txXfrm>
+    </dsp:sp>
+    <dsp:sp modelId="{40A63680-0C4B-4654-BD1E-88649ECF0D1B}">
+      <dsp:nvSpPr>
+        <dsp:cNvPr id="0" name=""/>
+        <dsp:cNvSpPr/>
+      </dsp:nvSpPr>
+      <dsp:spPr>
+        <a:xfrm>
+          <a:off x="2362947" y="1154060"/>
+          <a:ext cx="1623903" cy="811951"/>
+        </a:xfrm>
+        <a:prstGeom prst="rect">
+          <a:avLst/>
+        </a:prstGeom>
+        <a:solidFill>
+          <a:schemeClr val="lt1">
+            <a:hueOff val="0"/>
+            <a:satOff val="0"/>
+            <a:lumOff val="0"/>
+            <a:alphaOff val="0"/>
+          </a:schemeClr>
+        </a:solidFill>
+        <a:ln w="12700" cap="flat" cmpd="sng" algn="ctr">
+          <a:solidFill>
+            <a:schemeClr val="accent2">
+              <a:shade val="80000"/>
+              <a:hueOff val="0"/>
+              <a:satOff val="0"/>
+              <a:lumOff val="0"/>
+              <a:alphaOff val="0"/>
+            </a:schemeClr>
+          </a:solidFill>
+          <a:prstDash val="solid"/>
+          <a:miter lim="800000"/>
+        </a:ln>
+        <a:effectLst/>
+      </dsp:spPr>
+      <dsp:style>
+        <a:lnRef idx="2">
+          <a:scrgbClr r="0" g="0" b="0"/>
+        </a:lnRef>
+        <a:fillRef idx="1">
+          <a:scrgbClr r="0" g="0" b="0"/>
+        </a:fillRef>
+        <a:effectRef idx="0">
+          <a:scrgbClr r="0" g="0" b="0"/>
+        </a:effectRef>
+        <a:fontRef idx="minor">
+          <a:schemeClr val="lt1"/>
+        </a:fontRef>
+      </dsp:style>
+      <dsp:txBody>
+        <a:bodyPr spcFirstLastPara="0" vert="horz" wrap="square" lIns="10160" tIns="10160" rIns="10160" bIns="10160" numCol="1" spcCol="1270" anchor="ctr" anchorCtr="0">
+          <a:noAutofit/>
+        </a:bodyPr>
+        <a:lstStyle/>
+        <a:p>
+          <a:pPr lvl="0" algn="ctr" defTabSz="711200">
+            <a:lnSpc>
+              <a:spcPct val="90000"/>
+            </a:lnSpc>
+            <a:spcBef>
+              <a:spcPct val="0"/>
+            </a:spcBef>
+            <a:spcAft>
+              <a:spcPct val="35000"/>
+            </a:spcAft>
+          </a:pPr>
+          <a:r>
+            <a:rPr kumimoji="1" lang="ja-JP" altLang="en-US" sz="1600" kern="1200" dirty="0"/>
+            <a:t>アウトプット</a:t>
+          </a:r>
+          <a:r>
+            <a:rPr kumimoji="1" lang="en-US" altLang="ja-JP" sz="1600" kern="1200" dirty="0"/>
+            <a:t/>
+          </a:r>
+          <a:br>
+            <a:rPr kumimoji="1" lang="en-US" altLang="ja-JP" sz="1600" kern="1200" dirty="0"/>
+          </a:br>
+          <a:r>
+            <a:rPr kumimoji="1" lang="ja-JP" altLang="en-US" sz="1600" kern="1200" dirty="0"/>
+            <a:t>を作成</a:t>
+          </a:r>
+          <a:endParaRPr kumimoji="1" lang="en-US" altLang="ja-JP" sz="1600" kern="1200" dirty="0"/>
+        </a:p>
+      </dsp:txBody>
+      <dsp:txXfrm>
+        <a:off x="2362947" y="1154060"/>
+        <a:ext cx="1623903" cy="811951"/>
+      </dsp:txXfrm>
+    </dsp:sp>
   </dsp:spTree>
 </dsp:drawing>
 </file>
@@ -2739,6 +3131,510 @@
       <dsp:cNvGrpSpPr/>
     </dsp:nvGrpSpPr>
     <dsp:grpSpPr/>
+    <dsp:sp modelId="{BC40B87C-AD1E-47FC-86EA-1B97142ED498}">
+      <dsp:nvSpPr>
+        <dsp:cNvPr id="0" name=""/>
+        <dsp:cNvSpPr/>
+      </dsp:nvSpPr>
+      <dsp:spPr>
+        <a:xfrm>
+          <a:off x="2591092" y="1065057"/>
+          <a:ext cx="1833216" cy="318161"/>
+        </a:xfrm>
+        <a:custGeom>
+          <a:avLst/>
+          <a:gdLst/>
+          <a:ahLst/>
+          <a:cxnLst/>
+          <a:rect l="0" t="0" r="0" b="0"/>
+          <a:pathLst>
+            <a:path>
+              <a:moveTo>
+                <a:pt x="0" y="0"/>
+              </a:moveTo>
+              <a:lnTo>
+                <a:pt x="0" y="159080"/>
+              </a:lnTo>
+              <a:lnTo>
+                <a:pt x="1833216" y="159080"/>
+              </a:lnTo>
+              <a:lnTo>
+                <a:pt x="1833216" y="318161"/>
+              </a:lnTo>
+            </a:path>
+          </a:pathLst>
+        </a:custGeom>
+        <a:noFill/>
+        <a:ln w="12700" cap="flat" cmpd="sng" algn="ctr">
+          <a:solidFill>
+            <a:schemeClr val="accent1">
+              <a:shade val="60000"/>
+              <a:hueOff val="0"/>
+              <a:satOff val="0"/>
+              <a:lumOff val="0"/>
+              <a:alphaOff val="0"/>
+            </a:schemeClr>
+          </a:solidFill>
+          <a:prstDash val="solid"/>
+          <a:miter lim="800000"/>
+        </a:ln>
+        <a:effectLst/>
+      </dsp:spPr>
+      <dsp:style>
+        <a:lnRef idx="2">
+          <a:scrgbClr r="0" g="0" b="0"/>
+        </a:lnRef>
+        <a:fillRef idx="0">
+          <a:scrgbClr r="0" g="0" b="0"/>
+        </a:fillRef>
+        <a:effectRef idx="0">
+          <a:scrgbClr r="0" g="0" b="0"/>
+        </a:effectRef>
+        <a:fontRef idx="minor"/>
+      </dsp:style>
+    </dsp:sp>
+    <dsp:sp modelId="{415DF792-1391-44EA-820A-E05D110585B5}">
+      <dsp:nvSpPr>
+        <dsp:cNvPr id="0" name=""/>
+        <dsp:cNvSpPr/>
+      </dsp:nvSpPr>
+      <dsp:spPr>
+        <a:xfrm>
+          <a:off x="2545372" y="1065057"/>
+          <a:ext cx="91440" cy="318161"/>
+        </a:xfrm>
+        <a:custGeom>
+          <a:avLst/>
+          <a:gdLst/>
+          <a:ahLst/>
+          <a:cxnLst/>
+          <a:rect l="0" t="0" r="0" b="0"/>
+          <a:pathLst>
+            <a:path>
+              <a:moveTo>
+                <a:pt x="45720" y="0"/>
+              </a:moveTo>
+              <a:lnTo>
+                <a:pt x="45720" y="318161"/>
+              </a:lnTo>
+            </a:path>
+          </a:pathLst>
+        </a:custGeom>
+        <a:noFill/>
+        <a:ln w="12700" cap="flat" cmpd="sng" algn="ctr">
+          <a:solidFill>
+            <a:schemeClr val="accent1">
+              <a:shade val="60000"/>
+              <a:hueOff val="0"/>
+              <a:satOff val="0"/>
+              <a:lumOff val="0"/>
+              <a:alphaOff val="0"/>
+            </a:schemeClr>
+          </a:solidFill>
+          <a:prstDash val="solid"/>
+          <a:miter lim="800000"/>
+        </a:ln>
+        <a:effectLst/>
+      </dsp:spPr>
+      <dsp:style>
+        <a:lnRef idx="2">
+          <a:scrgbClr r="0" g="0" b="0"/>
+        </a:lnRef>
+        <a:fillRef idx="0">
+          <a:scrgbClr r="0" g="0" b="0"/>
+        </a:fillRef>
+        <a:effectRef idx="0">
+          <a:scrgbClr r="0" g="0" b="0"/>
+        </a:effectRef>
+        <a:fontRef idx="minor"/>
+      </dsp:style>
+    </dsp:sp>
+    <dsp:sp modelId="{54DE5B61-DC78-4519-B7C1-C4937DC4910D}">
+      <dsp:nvSpPr>
+        <dsp:cNvPr id="0" name=""/>
+        <dsp:cNvSpPr/>
+      </dsp:nvSpPr>
+      <dsp:spPr>
+        <a:xfrm>
+          <a:off x="757875" y="1065057"/>
+          <a:ext cx="1833216" cy="318161"/>
+        </a:xfrm>
+        <a:custGeom>
+          <a:avLst/>
+          <a:gdLst/>
+          <a:ahLst/>
+          <a:cxnLst/>
+          <a:rect l="0" t="0" r="0" b="0"/>
+          <a:pathLst>
+            <a:path>
+              <a:moveTo>
+                <a:pt x="1833216" y="0"/>
+              </a:moveTo>
+              <a:lnTo>
+                <a:pt x="1833216" y="159080"/>
+              </a:lnTo>
+              <a:lnTo>
+                <a:pt x="0" y="159080"/>
+              </a:lnTo>
+              <a:lnTo>
+                <a:pt x="0" y="318161"/>
+              </a:lnTo>
+            </a:path>
+          </a:pathLst>
+        </a:custGeom>
+        <a:noFill/>
+        <a:ln w="12700" cap="flat" cmpd="sng" algn="ctr">
+          <a:solidFill>
+            <a:schemeClr val="accent1">
+              <a:shade val="60000"/>
+              <a:hueOff val="0"/>
+              <a:satOff val="0"/>
+              <a:lumOff val="0"/>
+              <a:alphaOff val="0"/>
+            </a:schemeClr>
+          </a:solidFill>
+          <a:prstDash val="solid"/>
+          <a:miter lim="800000"/>
+        </a:ln>
+        <a:effectLst/>
+      </dsp:spPr>
+      <dsp:style>
+        <a:lnRef idx="2">
+          <a:scrgbClr r="0" g="0" b="0"/>
+        </a:lnRef>
+        <a:fillRef idx="0">
+          <a:scrgbClr r="0" g="0" b="0"/>
+        </a:fillRef>
+        <a:effectRef idx="0">
+          <a:scrgbClr r="0" g="0" b="0"/>
+        </a:effectRef>
+        <a:fontRef idx="minor"/>
+      </dsp:style>
+    </dsp:sp>
+    <dsp:sp modelId="{D206A387-5174-40B0-B628-117159033CCA}">
+      <dsp:nvSpPr>
+        <dsp:cNvPr id="0" name=""/>
+        <dsp:cNvSpPr/>
+      </dsp:nvSpPr>
+      <dsp:spPr>
+        <a:xfrm>
+          <a:off x="1833564" y="307529"/>
+          <a:ext cx="1515055" cy="757527"/>
+        </a:xfrm>
+        <a:prstGeom prst="rect">
+          <a:avLst/>
+        </a:prstGeom>
+        <a:solidFill>
+          <a:schemeClr val="lt1">
+            <a:hueOff val="0"/>
+            <a:satOff val="0"/>
+            <a:lumOff val="0"/>
+            <a:alphaOff val="0"/>
+          </a:schemeClr>
+        </a:solidFill>
+        <a:ln w="12700" cap="flat" cmpd="sng" algn="ctr">
+          <a:solidFill>
+            <a:schemeClr val="accent1">
+              <a:shade val="80000"/>
+              <a:hueOff val="0"/>
+              <a:satOff val="0"/>
+              <a:lumOff val="0"/>
+              <a:alphaOff val="0"/>
+            </a:schemeClr>
+          </a:solidFill>
+          <a:prstDash val="solid"/>
+          <a:miter lim="800000"/>
+        </a:ln>
+        <a:effectLst/>
+      </dsp:spPr>
+      <dsp:style>
+        <a:lnRef idx="2">
+          <a:scrgbClr r="0" g="0" b="0"/>
+        </a:lnRef>
+        <a:fillRef idx="1">
+          <a:scrgbClr r="0" g="0" b="0"/>
+        </a:fillRef>
+        <a:effectRef idx="0">
+          <a:scrgbClr r="0" g="0" b="0"/>
+        </a:effectRef>
+        <a:fontRef idx="minor">
+          <a:schemeClr val="lt1"/>
+        </a:fontRef>
+      </dsp:style>
+      <dsp:txBody>
+        <a:bodyPr spcFirstLastPara="0" vert="horz" wrap="square" lIns="11430" tIns="11430" rIns="11430" bIns="11430" numCol="1" spcCol="1270" anchor="ctr" anchorCtr="0">
+          <a:noAutofit/>
+        </a:bodyPr>
+        <a:lstStyle/>
+        <a:p>
+          <a:pPr lvl="0" algn="ctr" defTabSz="800100">
+            <a:lnSpc>
+              <a:spcPct val="90000"/>
+            </a:lnSpc>
+            <a:spcBef>
+              <a:spcPct val="0"/>
+            </a:spcBef>
+            <a:spcAft>
+              <a:spcPct val="35000"/>
+            </a:spcAft>
+          </a:pPr>
+          <a:r>
+            <a:rPr kumimoji="1" lang="en-US" altLang="ja-JP" sz="1800" kern="1200" dirty="0" err="1"/>
+            <a:t>ui.R</a:t>
+          </a:r>
+          <a:endParaRPr kumimoji="1" lang="ja-JP" altLang="en-US" sz="1800" kern="1200" dirty="0"/>
+        </a:p>
+      </dsp:txBody>
+      <dsp:txXfrm>
+        <a:off x="1833564" y="307529"/>
+        <a:ext cx="1515055" cy="757527"/>
+      </dsp:txXfrm>
+    </dsp:sp>
+    <dsp:sp modelId="{47E76CCF-C692-4D9B-8AD4-89C2BFA3D2ED}">
+      <dsp:nvSpPr>
+        <dsp:cNvPr id="0" name=""/>
+        <dsp:cNvSpPr/>
+      </dsp:nvSpPr>
+      <dsp:spPr>
+        <a:xfrm>
+          <a:off x="347" y="1383218"/>
+          <a:ext cx="1515055" cy="757527"/>
+        </a:xfrm>
+        <a:prstGeom prst="rect">
+          <a:avLst/>
+        </a:prstGeom>
+        <a:solidFill>
+          <a:schemeClr val="lt1">
+            <a:hueOff val="0"/>
+            <a:satOff val="0"/>
+            <a:lumOff val="0"/>
+            <a:alphaOff val="0"/>
+          </a:schemeClr>
+        </a:solidFill>
+        <a:ln w="12700" cap="flat" cmpd="sng" algn="ctr">
+          <a:solidFill>
+            <a:schemeClr val="accent1">
+              <a:shade val="80000"/>
+              <a:hueOff val="0"/>
+              <a:satOff val="0"/>
+              <a:lumOff val="0"/>
+              <a:alphaOff val="0"/>
+            </a:schemeClr>
+          </a:solidFill>
+          <a:prstDash val="solid"/>
+          <a:miter lim="800000"/>
+        </a:ln>
+        <a:effectLst/>
+      </dsp:spPr>
+      <dsp:style>
+        <a:lnRef idx="2">
+          <a:scrgbClr r="0" g="0" b="0"/>
+        </a:lnRef>
+        <a:fillRef idx="1">
+          <a:scrgbClr r="0" g="0" b="0"/>
+        </a:fillRef>
+        <a:effectRef idx="0">
+          <a:scrgbClr r="0" g="0" b="0"/>
+        </a:effectRef>
+        <a:fontRef idx="minor">
+          <a:schemeClr val="lt1"/>
+        </a:fontRef>
+      </dsp:style>
+      <dsp:txBody>
+        <a:bodyPr spcFirstLastPara="0" vert="horz" wrap="square" lIns="11430" tIns="11430" rIns="11430" bIns="11430" numCol="1" spcCol="1270" anchor="ctr" anchorCtr="0">
+          <a:noAutofit/>
+        </a:bodyPr>
+        <a:lstStyle/>
+        <a:p>
+          <a:pPr lvl="0" algn="ctr" defTabSz="800100">
+            <a:lnSpc>
+              <a:spcPct val="90000"/>
+            </a:lnSpc>
+            <a:spcBef>
+              <a:spcPct val="0"/>
+            </a:spcBef>
+            <a:spcAft>
+              <a:spcPct val="35000"/>
+            </a:spcAft>
+          </a:pPr>
+          <a:r>
+            <a:rPr kumimoji="1" lang="ja-JP" altLang="en-US" sz="1800" kern="1200" dirty="0"/>
+            <a:t>レイアウトの</a:t>
+          </a:r>
+          <a:r>
+            <a:rPr kumimoji="1" lang="en-US" altLang="ja-JP" sz="1800" kern="1200" dirty="0"/>
+            <a:t/>
+          </a:r>
+          <a:br>
+            <a:rPr kumimoji="1" lang="en-US" altLang="ja-JP" sz="1800" kern="1200" dirty="0"/>
+          </a:br>
+          <a:r>
+            <a:rPr kumimoji="1" lang="ja-JP" altLang="en-US" sz="1800" kern="1200" dirty="0"/>
+            <a:t>設定</a:t>
+          </a:r>
+        </a:p>
+      </dsp:txBody>
+      <dsp:txXfrm>
+        <a:off x="347" y="1383218"/>
+        <a:ext cx="1515055" cy="757527"/>
+      </dsp:txXfrm>
+    </dsp:sp>
+    <dsp:sp modelId="{2C45F10C-E933-492D-9942-112BAF9BE6DF}">
+      <dsp:nvSpPr>
+        <dsp:cNvPr id="0" name=""/>
+        <dsp:cNvSpPr/>
+      </dsp:nvSpPr>
+      <dsp:spPr>
+        <a:xfrm>
+          <a:off x="1833564" y="1383218"/>
+          <a:ext cx="1515055" cy="757527"/>
+        </a:xfrm>
+        <a:prstGeom prst="rect">
+          <a:avLst/>
+        </a:prstGeom>
+        <a:solidFill>
+          <a:schemeClr val="lt1">
+            <a:hueOff val="0"/>
+            <a:satOff val="0"/>
+            <a:lumOff val="0"/>
+            <a:alphaOff val="0"/>
+          </a:schemeClr>
+        </a:solidFill>
+        <a:ln w="12700" cap="flat" cmpd="sng" algn="ctr">
+          <a:solidFill>
+            <a:schemeClr val="accent1">
+              <a:shade val="80000"/>
+              <a:hueOff val="0"/>
+              <a:satOff val="0"/>
+              <a:lumOff val="0"/>
+              <a:alphaOff val="0"/>
+            </a:schemeClr>
+          </a:solidFill>
+          <a:prstDash val="solid"/>
+          <a:miter lim="800000"/>
+        </a:ln>
+        <a:effectLst/>
+      </dsp:spPr>
+      <dsp:style>
+        <a:lnRef idx="2">
+          <a:scrgbClr r="0" g="0" b="0"/>
+        </a:lnRef>
+        <a:fillRef idx="1">
+          <a:scrgbClr r="0" g="0" b="0"/>
+        </a:fillRef>
+        <a:effectRef idx="0">
+          <a:scrgbClr r="0" g="0" b="0"/>
+        </a:effectRef>
+        <a:fontRef idx="minor">
+          <a:schemeClr val="lt1"/>
+        </a:fontRef>
+      </dsp:style>
+      <dsp:txBody>
+        <a:bodyPr spcFirstLastPara="0" vert="horz" wrap="square" lIns="11430" tIns="11430" rIns="11430" bIns="11430" numCol="1" spcCol="1270" anchor="ctr" anchorCtr="0">
+          <a:noAutofit/>
+        </a:bodyPr>
+        <a:lstStyle/>
+        <a:p>
+          <a:pPr lvl="0" algn="ctr" defTabSz="800100">
+            <a:lnSpc>
+              <a:spcPct val="90000"/>
+            </a:lnSpc>
+            <a:spcBef>
+              <a:spcPct val="0"/>
+            </a:spcBef>
+            <a:spcAft>
+              <a:spcPct val="35000"/>
+            </a:spcAft>
+          </a:pPr>
+          <a:r>
+            <a:rPr kumimoji="1" lang="ja-JP" altLang="en-US" sz="1800" kern="1200" dirty="0"/>
+            <a:t>ウィジェットの設定</a:t>
+          </a:r>
+        </a:p>
+      </dsp:txBody>
+      <dsp:txXfrm>
+        <a:off x="1833564" y="1383218"/>
+        <a:ext cx="1515055" cy="757527"/>
+      </dsp:txXfrm>
+    </dsp:sp>
+    <dsp:sp modelId="{40A63680-0C4B-4654-BD1E-88649ECF0D1B}">
+      <dsp:nvSpPr>
+        <dsp:cNvPr id="0" name=""/>
+        <dsp:cNvSpPr/>
+      </dsp:nvSpPr>
+      <dsp:spPr>
+        <a:xfrm>
+          <a:off x="3666781" y="1383218"/>
+          <a:ext cx="1515055" cy="757527"/>
+        </a:xfrm>
+        <a:prstGeom prst="rect">
+          <a:avLst/>
+        </a:prstGeom>
+        <a:solidFill>
+          <a:schemeClr val="lt1">
+            <a:hueOff val="0"/>
+            <a:satOff val="0"/>
+            <a:lumOff val="0"/>
+            <a:alphaOff val="0"/>
+          </a:schemeClr>
+        </a:solidFill>
+        <a:ln w="12700" cap="flat" cmpd="sng" algn="ctr">
+          <a:solidFill>
+            <a:schemeClr val="accent1">
+              <a:shade val="80000"/>
+              <a:hueOff val="0"/>
+              <a:satOff val="0"/>
+              <a:lumOff val="0"/>
+              <a:alphaOff val="0"/>
+            </a:schemeClr>
+          </a:solidFill>
+          <a:prstDash val="solid"/>
+          <a:miter lim="800000"/>
+        </a:ln>
+        <a:effectLst/>
+      </dsp:spPr>
+      <dsp:style>
+        <a:lnRef idx="2">
+          <a:scrgbClr r="0" g="0" b="0"/>
+        </a:lnRef>
+        <a:fillRef idx="1">
+          <a:scrgbClr r="0" g="0" b="0"/>
+        </a:fillRef>
+        <a:effectRef idx="0">
+          <a:scrgbClr r="0" g="0" b="0"/>
+        </a:effectRef>
+        <a:fontRef idx="minor">
+          <a:schemeClr val="lt1"/>
+        </a:fontRef>
+      </dsp:style>
+      <dsp:txBody>
+        <a:bodyPr spcFirstLastPara="0" vert="horz" wrap="square" lIns="11430" tIns="11430" rIns="11430" bIns="11430" numCol="1" spcCol="1270" anchor="ctr" anchorCtr="0">
+          <a:noAutofit/>
+        </a:bodyPr>
+        <a:lstStyle/>
+        <a:p>
+          <a:pPr lvl="0" algn="ctr" defTabSz="800100">
+            <a:lnSpc>
+              <a:spcPct val="90000"/>
+            </a:lnSpc>
+            <a:spcBef>
+              <a:spcPct val="0"/>
+            </a:spcBef>
+            <a:spcAft>
+              <a:spcPct val="35000"/>
+            </a:spcAft>
+          </a:pPr>
+          <a:r>
+            <a:rPr kumimoji="1" lang="ja-JP" altLang="en-US" sz="1800" kern="1200" dirty="0"/>
+            <a:t>アウトプットの設置</a:t>
+          </a:r>
+        </a:p>
+      </dsp:txBody>
+      <dsp:txXfrm>
+        <a:off x="3666781" y="1383218"/>
+        <a:ext cx="1515055" cy="757527"/>
+      </dsp:txXfrm>
+    </dsp:sp>
   </dsp:spTree>
 </dsp:drawing>
 </file>
@@ -16423,7 +17319,7 @@
           <p:cNvPr id="6" name="Picture 4" descr="An external file that holds a picture, illustration, etc.&#10;Object name is PSP4-5-03-g002.jpg">
             <a:extLst>
               <a:ext uri="{FF2B5EF4-FFF2-40B4-BE49-F238E27FC236}">
-                <a16:creationId xmlns:a16="http://schemas.microsoft.com/office/drawing/2014/main" xmlns="" id="{CD12B13C-05CE-43A6-BE42-5F342F19E421}"/>
+                <a16:creationId xmlns="" xmlns:a16="http://schemas.microsoft.com/office/drawing/2014/main" id="{CD12B13C-05CE-43A6-BE42-5F342F19E421}"/>
               </a:ext>
             </a:extLst>
           </p:cNvPr>
@@ -18814,11 +19710,11 @@
   <p:clrMapOvr>
     <a:masterClrMapping/>
   </p:clrMapOvr>
-  <mc:AlternateContent xmlns:mc="http://schemas.openxmlformats.org/markup-compatibility/2006">
-    <mc:Choice xmlns:p14="http://schemas.microsoft.com/office/powerpoint/2010/main" Requires="p14">
+  <mc:AlternateContent xmlns:mc="http://schemas.openxmlformats.org/markup-compatibility/2006" xmlns:p14="http://schemas.microsoft.com/office/powerpoint/2010/main">
+    <mc:Choice Requires="p14">
       <p:transition spd="slow" p14:dur="2000"/>
     </mc:Choice>
-    <mc:Fallback>
+    <mc:Fallback xmlns="">
       <p:transition spd="slow"/>
     </mc:Fallback>
   </mc:AlternateContent>
@@ -19790,7 +20686,7 @@
           <p:cNvPr id="11" name="コンテンツ プレースホルダー 5">
             <a:extLst>
               <a:ext uri="{FF2B5EF4-FFF2-40B4-BE49-F238E27FC236}">
-                <a16:creationId xmlns:a16="http://schemas.microsoft.com/office/drawing/2014/main" xmlns="" id="{5575D0ED-69A5-467F-9F4C-A640013A425F}"/>
+                <a16:creationId xmlns="" xmlns:a16="http://schemas.microsoft.com/office/drawing/2014/main" id="{5575D0ED-69A5-467F-9F4C-A640013A425F}"/>
               </a:ext>
             </a:extLst>
           </p:cNvPr>
@@ -19825,7 +20721,7 @@
           <p:cNvPr id="12" name="図 11">
             <a:extLst>
               <a:ext uri="{FF2B5EF4-FFF2-40B4-BE49-F238E27FC236}">
-                <a16:creationId xmlns:a16="http://schemas.microsoft.com/office/drawing/2014/main" xmlns="" id="{FC0CFAB2-0068-44ED-AF9C-F02778F04AAA}"/>
+                <a16:creationId xmlns="" xmlns:a16="http://schemas.microsoft.com/office/drawing/2014/main" id="{FC0CFAB2-0068-44ED-AF9C-F02778F04AAA}"/>
               </a:ext>
             </a:extLst>
           </p:cNvPr>
